--- a/testing-a.pptx
+++ b/testing-a.pptx
@@ -5,10 +5,10 @@
     <p:sldMasterId id="2147483935" r:id="rId4"/>
   </p:sldMasterIdLst>
   <p:notesMasterIdLst>
-    <p:notesMasterId r:id="rId34"/>
+    <p:notesMasterId r:id="rId32"/>
   </p:notesMasterIdLst>
   <p:handoutMasterIdLst>
-    <p:handoutMasterId r:id="rId35"/>
+    <p:handoutMasterId r:id="rId33"/>
   </p:handoutMasterIdLst>
   <p:sldIdLst>
     <p:sldId id="256" r:id="rId5"/>
@@ -21,25 +21,23 @@
     <p:sldId id="1858" r:id="rId12"/>
     <p:sldId id="1859" r:id="rId13"/>
     <p:sldId id="1860" r:id="rId14"/>
-    <p:sldId id="1861" r:id="rId15"/>
-    <p:sldId id="1862" r:id="rId16"/>
-    <p:sldId id="1855" r:id="rId17"/>
-    <p:sldId id="1864" r:id="rId18"/>
-    <p:sldId id="635" r:id="rId19"/>
-    <p:sldId id="1863" r:id="rId20"/>
-    <p:sldId id="1867" r:id="rId21"/>
-    <p:sldId id="1868" r:id="rId22"/>
-    <p:sldId id="1865" r:id="rId23"/>
-    <p:sldId id="1866" r:id="rId24"/>
-    <p:sldId id="486" r:id="rId25"/>
-    <p:sldId id="1869" r:id="rId26"/>
-    <p:sldId id="299" r:id="rId27"/>
-    <p:sldId id="487" r:id="rId28"/>
-    <p:sldId id="611" r:id="rId29"/>
-    <p:sldId id="586" r:id="rId30"/>
-    <p:sldId id="1870" r:id="rId31"/>
-    <p:sldId id="636" r:id="rId32"/>
-    <p:sldId id="654" r:id="rId33"/>
+    <p:sldId id="1862" r:id="rId15"/>
+    <p:sldId id="1855" r:id="rId16"/>
+    <p:sldId id="1864" r:id="rId17"/>
+    <p:sldId id="1863" r:id="rId18"/>
+    <p:sldId id="1867" r:id="rId19"/>
+    <p:sldId id="1868" r:id="rId20"/>
+    <p:sldId id="1865" r:id="rId21"/>
+    <p:sldId id="1866" r:id="rId22"/>
+    <p:sldId id="486" r:id="rId23"/>
+    <p:sldId id="1869" r:id="rId24"/>
+    <p:sldId id="299" r:id="rId25"/>
+    <p:sldId id="487" r:id="rId26"/>
+    <p:sldId id="611" r:id="rId27"/>
+    <p:sldId id="586" r:id="rId28"/>
+    <p:sldId id="1870" r:id="rId29"/>
+    <p:sldId id="636" r:id="rId30"/>
+    <p:sldId id="654" r:id="rId31"/>
   </p:sldIdLst>
   <p:sldSz cx="12188825" cy="6858000"/>
   <p:notesSz cx="7010400" cy="9296400"/>
@@ -283,7 +281,7 @@
           <a:p>
             <a:fld id="{0B842F42-2CE9-4E35-95C1-410DC08A50B1}" type="datetimeFigureOut">
               <a:rPr lang="en-US" smtClean="0"/>
-              <a:t>7/13/22</a:t>
+              <a:t>8/4/22</a:t>
             </a:fld>
             <a:endParaRPr lang="en-US"/>
           </a:p>
@@ -448,7 +446,7 @@
           <a:p>
             <a:fld id="{6F282904-F315-4730-8D91-37D99E141A6F}" type="datetimeFigureOut">
               <a:rPr lang="en-US" smtClean="0"/>
-              <a:t>7/13/22</a:t>
+              <a:t>8/4/22</a:t>
             </a:fld>
             <a:endParaRPr lang="en-US"/>
           </a:p>
@@ -1000,7 +998,7 @@
           <a:p>
             <a:fld id="{54E672D7-8E2D-4611-973D-F4591A707C34}" type="slidenum">
               <a:rPr lang="en-US" smtClean="0"/>
-              <a:t>15</a:t>
+              <a:t>14</a:t>
             </a:fld>
             <a:endParaRPr lang="en-US"/>
           </a:p>
@@ -1009,7 +1007,7 @@
     </p:spTree>
     <p:extLst>
       <p:ext uri="{BB962C8B-B14F-4D97-AF65-F5344CB8AC3E}">
-        <p14:creationId xmlns:p14="http://schemas.microsoft.com/office/powerpoint/2010/main" val="1415601676"/>
+        <p14:creationId xmlns:p14="http://schemas.microsoft.com/office/powerpoint/2010/main" val="3944756247"/>
       </p:ext>
     </p:extLst>
   </p:cSld>
@@ -1112,7 +1110,7 @@
           <a:p>
             <a:fld id="{54E672D7-8E2D-4611-973D-F4591A707C34}" type="slidenum">
               <a:rPr lang="en-US" smtClean="0"/>
-              <a:t>16</a:t>
+              <a:t>15</a:t>
             </a:fld>
             <a:endParaRPr lang="en-US"/>
           </a:p>
@@ -1121,7 +1119,7 @@
     </p:spTree>
     <p:extLst>
       <p:ext uri="{BB962C8B-B14F-4D97-AF65-F5344CB8AC3E}">
-        <p14:creationId xmlns:p14="http://schemas.microsoft.com/office/powerpoint/2010/main" val="3944756247"/>
+        <p14:creationId xmlns:p14="http://schemas.microsoft.com/office/powerpoint/2010/main" val="2399205957"/>
       </p:ext>
     </p:extLst>
   </p:cSld>
@@ -1224,7 +1222,7 @@
           <a:p>
             <a:fld id="{54E672D7-8E2D-4611-973D-F4591A707C34}" type="slidenum">
               <a:rPr lang="en-US" smtClean="0"/>
-              <a:t>17</a:t>
+              <a:t>16</a:t>
             </a:fld>
             <a:endParaRPr lang="en-US"/>
           </a:p>
@@ -1233,7 +1231,7 @@
     </p:spTree>
     <p:extLst>
       <p:ext uri="{BB962C8B-B14F-4D97-AF65-F5344CB8AC3E}">
-        <p14:creationId xmlns:p14="http://schemas.microsoft.com/office/powerpoint/2010/main" val="2399205957"/>
+        <p14:creationId xmlns:p14="http://schemas.microsoft.com/office/powerpoint/2010/main" val="3269118956"/>
       </p:ext>
     </p:extLst>
   </p:cSld>
@@ -1336,7 +1334,7 @@
           <a:p>
             <a:fld id="{54E672D7-8E2D-4611-973D-F4591A707C34}" type="slidenum">
               <a:rPr lang="en-US" smtClean="0"/>
-              <a:t>18</a:t>
+              <a:t>17</a:t>
             </a:fld>
             <a:endParaRPr lang="en-US"/>
           </a:p>
@@ -1345,7 +1343,7 @@
     </p:spTree>
     <p:extLst>
       <p:ext uri="{BB962C8B-B14F-4D97-AF65-F5344CB8AC3E}">
-        <p14:creationId xmlns:p14="http://schemas.microsoft.com/office/powerpoint/2010/main" val="3269118956"/>
+        <p14:creationId xmlns:p14="http://schemas.microsoft.com/office/powerpoint/2010/main" val="511110247"/>
       </p:ext>
     </p:extLst>
   </p:cSld>
@@ -1448,7 +1446,7 @@
           <a:p>
             <a:fld id="{54E672D7-8E2D-4611-973D-F4591A707C34}" type="slidenum">
               <a:rPr lang="en-US" smtClean="0"/>
-              <a:t>19</a:t>
+              <a:t>18</a:t>
             </a:fld>
             <a:endParaRPr lang="en-US"/>
           </a:p>
@@ -1457,7 +1455,7 @@
     </p:spTree>
     <p:extLst>
       <p:ext uri="{BB962C8B-B14F-4D97-AF65-F5344CB8AC3E}">
-        <p14:creationId xmlns:p14="http://schemas.microsoft.com/office/powerpoint/2010/main" val="511110247"/>
+        <p14:creationId xmlns:p14="http://schemas.microsoft.com/office/powerpoint/2010/main" val="3107481432"/>
       </p:ext>
     </p:extLst>
   </p:cSld>
@@ -1538,7 +1536,141 @@
                 <a:ea typeface="+mn-ea"/>
                 <a:cs typeface="+mn-cs"/>
               </a:rPr>
-              <a:t>.</a:t>
+              <a:t>This test can be developed further too.  For example, if one is using AMR in the code, then the steps shown here can become tests for specific AMR functionalities in the code. </a:t>
+            </a:r>
+          </a:p>
+          <a:p>
+            <a:pPr marL="0" marR="0" lvl="0" indent="0" algn="l" defTabSz="914400" rtl="0" eaLnBrk="1" fontAlgn="auto" latinLnBrk="0" hangingPunct="1">
+              <a:lnSpc>
+                <a:spcPct val="100000"/>
+              </a:lnSpc>
+              <a:spcBef>
+                <a:spcPts val="0"/>
+              </a:spcBef>
+              <a:spcAft>
+                <a:spcPts val="0"/>
+              </a:spcAft>
+              <a:buClrTx/>
+              <a:buSzTx/>
+              <a:buFontTx/>
+              <a:buNone/>
+              <a:tabLst/>
+              <a:defRPr/>
+            </a:pPr>
+            <a:r>
+              <a:rPr lang="en-US" sz="1200" kern="1200" dirty="0">
+                <a:solidFill>
+                  <a:schemeClr val="tx1"/>
+                </a:solidFill>
+                <a:effectLst/>
+                <a:latin typeface="+mn-lt"/>
+                <a:ea typeface="+mn-ea"/>
+                <a:cs typeface="+mn-cs"/>
+              </a:rPr>
+              <a:t>Run </a:t>
+            </a:r>
+            <a:r>
+              <a:rPr lang="en-US" sz="1200" kern="1200" dirty="0" err="1">
+                <a:solidFill>
+                  <a:schemeClr val="tx1"/>
+                </a:solidFill>
+                <a:effectLst/>
+                <a:latin typeface="+mn-lt"/>
+                <a:ea typeface="+mn-ea"/>
+                <a:cs typeface="+mn-cs"/>
+              </a:rPr>
+              <a:t>Gcfill</a:t>
+            </a:r>
+            <a:r>
+              <a:rPr lang="en-US" sz="1200" kern="1200" dirty="0">
+                <a:solidFill>
+                  <a:schemeClr val="tx1"/>
+                </a:solidFill>
+                <a:effectLst/>
+                <a:latin typeface="+mn-lt"/>
+                <a:ea typeface="+mn-ea"/>
+                <a:cs typeface="+mn-cs"/>
+              </a:rPr>
+              <a:t> and EOS with AMR and </a:t>
+            </a:r>
+            <a:r>
+              <a:rPr lang="en-US" sz="1200" kern="1200" dirty="0" err="1">
+                <a:solidFill>
+                  <a:schemeClr val="tx1"/>
+                </a:solidFill>
+                <a:effectLst/>
+                <a:latin typeface="+mn-lt"/>
+                <a:ea typeface="+mn-ea"/>
+                <a:cs typeface="+mn-cs"/>
+              </a:rPr>
+              <a:t>sedov</a:t>
+            </a:r>
+            <a:r>
+              <a:rPr lang="en-US" sz="1200" kern="1200" dirty="0">
+                <a:solidFill>
+                  <a:schemeClr val="tx1"/>
+                </a:solidFill>
+                <a:effectLst/>
+                <a:latin typeface="+mn-lt"/>
+                <a:ea typeface="+mn-ea"/>
+                <a:cs typeface="+mn-cs"/>
+              </a:rPr>
+              <a:t> with UG. If all three pass, run </a:t>
+            </a:r>
+            <a:r>
+              <a:rPr lang="en-US" sz="1200" kern="1200" dirty="0" err="1">
+                <a:solidFill>
+                  <a:schemeClr val="tx1"/>
+                </a:solidFill>
+                <a:effectLst/>
+                <a:latin typeface="+mn-lt"/>
+                <a:ea typeface="+mn-ea"/>
+                <a:cs typeface="+mn-cs"/>
+              </a:rPr>
+              <a:t>sedov</a:t>
+            </a:r>
+            <a:r>
+              <a:rPr lang="en-US" sz="1200" kern="1200" dirty="0">
+                <a:solidFill>
+                  <a:schemeClr val="tx1"/>
+                </a:solidFill>
+                <a:effectLst/>
+                <a:latin typeface="+mn-lt"/>
+                <a:ea typeface="+mn-ea"/>
+                <a:cs typeface="+mn-cs"/>
+              </a:rPr>
+              <a:t> with no dynamic refinement. The only new AMR feature exercised in this configuration is reconciliation of fluxes at fine-coarse boundaries.</a:t>
+            </a:r>
+          </a:p>
+          <a:p>
+            <a:pPr marL="0" marR="0" lvl="0" indent="0" algn="l" defTabSz="914400" rtl="0" eaLnBrk="1" fontAlgn="auto" latinLnBrk="0" hangingPunct="1">
+              <a:lnSpc>
+                <a:spcPct val="100000"/>
+              </a:lnSpc>
+              <a:spcBef>
+                <a:spcPts val="0"/>
+              </a:spcBef>
+              <a:spcAft>
+                <a:spcPts val="0"/>
+              </a:spcAft>
+              <a:buClrTx/>
+              <a:buSzTx/>
+              <a:buFontTx/>
+              <a:buNone/>
+              <a:tabLst/>
+              <a:defRPr/>
+            </a:pPr>
+            <a:r>
+              <a:rPr lang="en-US" sz="1200" kern="1200" dirty="0">
+                <a:solidFill>
+                  <a:schemeClr val="tx1"/>
+                </a:solidFill>
+                <a:effectLst/>
+                <a:latin typeface="+mn-lt"/>
+                <a:ea typeface="+mn-ea"/>
+                <a:cs typeface="+mn-cs"/>
+              </a:rPr>
+              <a:t>If that passed run with dynamic refinement, where that is the only new feature added. The basic takeaway is in each new test only one new feature is exercised so that a failure can pin-point the cause.</a:t>
             </a:r>
           </a:p>
         </p:txBody>
@@ -1560,7 +1692,7 @@
           <a:p>
             <a:fld id="{54E672D7-8E2D-4611-973D-F4591A707C34}" type="slidenum">
               <a:rPr lang="en-US" smtClean="0"/>
-              <a:t>20</a:t>
+              <a:t>19</a:t>
             </a:fld>
             <a:endParaRPr lang="en-US"/>
           </a:p>
@@ -1569,7 +1701,7 @@
     </p:spTree>
     <p:extLst>
       <p:ext uri="{BB962C8B-B14F-4D97-AF65-F5344CB8AC3E}">
-        <p14:creationId xmlns:p14="http://schemas.microsoft.com/office/powerpoint/2010/main" val="3107481432"/>
+        <p14:creationId xmlns:p14="http://schemas.microsoft.com/office/powerpoint/2010/main" val="1179370977"/>
       </p:ext>
     </p:extLst>
   </p:cSld>
@@ -1806,7 +1938,7 @@
           <a:p>
             <a:fld id="{54E672D7-8E2D-4611-973D-F4591A707C34}" type="slidenum">
               <a:rPr lang="en-US" smtClean="0"/>
-              <a:t>21</a:t>
+              <a:t>20</a:t>
             </a:fld>
             <a:endParaRPr lang="en-US"/>
           </a:p>
@@ -1815,7 +1947,7 @@
     </p:spTree>
     <p:extLst>
       <p:ext uri="{BB962C8B-B14F-4D97-AF65-F5344CB8AC3E}">
-        <p14:creationId xmlns:p14="http://schemas.microsoft.com/office/powerpoint/2010/main" val="1179370977"/>
+        <p14:creationId xmlns:p14="http://schemas.microsoft.com/office/powerpoint/2010/main" val="4279848346"/>
       </p:ext>
     </p:extLst>
   </p:cSld>
@@ -1869,23 +2001,6 @@
           <a:bodyPr/>
           <a:lstStyle/>
           <a:p>
-            <a:pPr marL="0" marR="0" lvl="0" indent="0" algn="l" defTabSz="914400" rtl="0" eaLnBrk="1" fontAlgn="auto" latinLnBrk="0" hangingPunct="1">
-              <a:lnSpc>
-                <a:spcPct val="100000"/>
-              </a:lnSpc>
-              <a:spcBef>
-                <a:spcPts val="0"/>
-              </a:spcBef>
-              <a:spcAft>
-                <a:spcPts val="0"/>
-              </a:spcAft>
-              <a:buClrTx/>
-              <a:buSzTx/>
-              <a:buFontTx/>
-              <a:buNone/>
-              <a:tabLst/>
-              <a:defRPr/>
-            </a:pPr>
             <a:r>
               <a:rPr lang="en-US" sz="1200" kern="1200" dirty="0">
                 <a:solidFill>
@@ -1896,29 +2011,10 @@
                 <a:ea typeface="+mn-ea"/>
                 <a:cs typeface="+mn-cs"/>
               </a:rPr>
-              <a:t>This test can be developed further too.  For example, if one is using AMR in the code, then the steps shown here can become tests for specific AMR functionalities in the code. </a:t>
-            </a:r>
-          </a:p>
-          <a:p>
-            <a:pPr marL="0" marR="0" lvl="0" indent="0" algn="l" defTabSz="914400" rtl="0" eaLnBrk="1" fontAlgn="auto" latinLnBrk="0" hangingPunct="1">
-              <a:lnSpc>
-                <a:spcPct val="100000"/>
-              </a:lnSpc>
-              <a:spcBef>
-                <a:spcPts val="0"/>
-              </a:spcBef>
-              <a:spcAft>
-                <a:spcPts val="0"/>
-              </a:spcAft>
-              <a:buClrTx/>
-              <a:buSzTx/>
-              <a:buFontTx/>
-              <a:buNone/>
-              <a:tabLst/>
-              <a:defRPr/>
-            </a:pPr>
-            <a:r>
-              <a:rPr lang="en-US" sz="1200" kern="1200" dirty="0">
+              <a:t>Here's an example from the E3SM code, the </a:t>
+            </a:r>
+            <a:r>
+              <a:rPr lang="en-US" sz="1200" kern="1200" dirty="0" err="1">
                 <a:solidFill>
                   <a:schemeClr val="tx1"/>
                 </a:solidFill>
@@ -1927,10 +2023,10 @@
                 <a:ea typeface="+mn-ea"/>
                 <a:cs typeface="+mn-cs"/>
               </a:rPr>
-              <a:t>Run </a:t>
-            </a:r>
-            <a:r>
-              <a:rPr lang="en-US" sz="1200" kern="1200" dirty="0" err="1">
+              <a:t>Exascale</a:t>
+            </a:r>
+            <a:r>
+              <a:rPr lang="en-US" sz="1200" kern="1200" dirty="0">
                 <a:solidFill>
                   <a:schemeClr val="tx1"/>
                 </a:solidFill>
@@ -1939,8 +2035,24 @@
                 <a:ea typeface="+mn-ea"/>
                 <a:cs typeface="+mn-cs"/>
               </a:rPr>
-              <a:t>Gcfill</a:t>
-            </a:r>
+              <a:t> Earth System Model.  Although advanced now, it originated in a combination of Fortran codes dealing with various aspects of climate modeling.  The project came together from a collection of independent projects and development practices. They imposed structure on the code through the use of Fortran modules. However, the focus was on running whole models, so their architecture and testing strategies evolved to work with that goal. That led to an unforeseen difficulty. For several sections of the code, even the simplest modification would take running the entire model to test. This meant enqueuing the job in a batch queue that would take non-trivial amount of time to run. What was missing was granular testing. And it wasn’t easy to separate out code sections for testing independently because one Fortran module gets data from another, that in turn gets data from yet another and so on … This is an example of a methodology used to generate an independent test for a code section. </a:t>
+            </a:r>
+          </a:p>
+          <a:p>
+            <a:endParaRPr lang="en-US" sz="1200" kern="1200" dirty="0">
+              <a:solidFill>
+                <a:schemeClr val="tx1"/>
+              </a:solidFill>
+              <a:effectLst/>
+              <a:latin typeface="+mn-lt"/>
+              <a:ea typeface="+mn-ea"/>
+              <a:cs typeface="+mn-cs"/>
+            </a:endParaRPr>
+          </a:p>
+          <a:p>
+            <a:pPr marL="228600" indent="-228600">
+              <a:buAutoNum type="alphaLcParenR"/>
+            </a:pPr>
             <a:r>
               <a:rPr lang="en-US" sz="1200" kern="1200" dirty="0">
                 <a:solidFill>
@@ -1951,10 +2063,15 @@
                 <a:ea typeface="+mn-ea"/>
                 <a:cs typeface="+mn-cs"/>
               </a:rPr>
-              <a:t> and EOS with AMR and </a:t>
-            </a:r>
-            <a:r>
-              <a:rPr lang="en-US" sz="1200" kern="1200" dirty="0" err="1">
+              <a:t>Review the dependencies. Here the model needs to be at a certain ”state” to invoke the target code.</a:t>
+            </a:r>
+          </a:p>
+          <a:p>
+            <a:pPr marL="228600" indent="-228600">
+              <a:buAutoNum type="alphaLcParenR"/>
+            </a:pPr>
+            <a:r>
+              <a:rPr lang="en-US" sz="1200" kern="1200" dirty="0">
                 <a:solidFill>
                   <a:schemeClr val="tx1"/>
                 </a:solidFill>
@@ -1963,8 +2080,13 @@
                 <a:ea typeface="+mn-ea"/>
                 <a:cs typeface="+mn-cs"/>
               </a:rPr>
-              <a:t>sedov</a:t>
-            </a:r>
+              <a:t>Look for dependencies on Fortran data modules that are outside the sub-tree containing the source code for this section</a:t>
+            </a:r>
+          </a:p>
+          <a:p>
+            <a:pPr marL="228600" indent="-228600">
+              <a:buAutoNum type="alphaLcParenR"/>
+            </a:pPr>
             <a:r>
               <a:rPr lang="en-US" sz="1200" kern="1200" dirty="0">
                 <a:solidFill>
@@ -1975,10 +2097,12 @@
                 <a:ea typeface="+mn-ea"/>
                 <a:cs typeface="+mn-cs"/>
               </a:rPr>
-              <a:t> with UG. If all three pass, run </a:t>
-            </a:r>
-            <a:r>
-              <a:rPr lang="en-US" sz="1200" kern="1200" dirty="0" err="1">
+              <a:t>For each of the data modules determine where the dependencies can be pruned. </a:t>
+            </a:r>
+          </a:p>
+          <a:p>
+            <a:r>
+              <a:rPr lang="en-US" sz="1200" kern="1200" dirty="0">
                 <a:solidFill>
                   <a:schemeClr val="tx1"/>
                 </a:solidFill>
@@ -1987,8 +2111,10 @@
                 <a:ea typeface="+mn-ea"/>
                 <a:cs typeface="+mn-cs"/>
               </a:rPr>
-              <a:t>sedov</a:t>
-            </a:r>
+              <a:t>d) Run the full model and capture the “state” just before the invocation of the target section.</a:t>
+            </a:r>
+          </a:p>
+          <a:p>
             <a:r>
               <a:rPr lang="en-US" sz="1200" kern="1200" dirty="0">
                 <a:solidFill>
@@ -1999,27 +2125,10 @@
                 <a:ea typeface="+mn-ea"/>
                 <a:cs typeface="+mn-cs"/>
               </a:rPr>
-              <a:t> with no dynamic refinement. The only new AMR feature exercised in this configuration is reconciliation of fluxes at fine-coarse boundaries.</a:t>
-            </a:r>
-          </a:p>
-          <a:p>
-            <a:pPr marL="0" marR="0" lvl="0" indent="0" algn="l" defTabSz="914400" rtl="0" eaLnBrk="1" fontAlgn="auto" latinLnBrk="0" hangingPunct="1">
-              <a:lnSpc>
-                <a:spcPct val="100000"/>
-              </a:lnSpc>
-              <a:spcBef>
-                <a:spcPts val="0"/>
-              </a:spcBef>
-              <a:spcAft>
-                <a:spcPts val="0"/>
-              </a:spcAft>
-              <a:buClrTx/>
-              <a:buSzTx/>
-              <a:buFontTx/>
-              <a:buNone/>
-              <a:tabLst/>
-              <a:defRPr/>
-            </a:pPr>
+              <a:t>e) Create a separate working directory for the test</a:t>
+            </a:r>
+          </a:p>
+          <a:p>
             <a:r>
               <a:rPr lang="en-US" sz="1200" kern="1200" dirty="0">
                 <a:solidFill>
@@ -2030,7 +2139,101 @@
                 <a:ea typeface="+mn-ea"/>
                 <a:cs typeface="+mn-cs"/>
               </a:rPr>
-              <a:t>If that passed run with dynamic refinement, where that is the only new feature added. The basic takeaway is in each new test only one new feature is exercised so that a failure can pin-point the cause.</a:t>
+              <a:t>f) In this working area create soft links to the files that have dependencies</a:t>
+            </a:r>
+          </a:p>
+          <a:p>
+            <a:r>
+              <a:rPr lang="en-US" sz="1200" kern="1200" dirty="0">
+                <a:solidFill>
+                  <a:schemeClr val="tx1"/>
+                </a:solidFill>
+                <a:effectLst/>
+                <a:latin typeface="+mn-lt"/>
+                <a:ea typeface="+mn-ea"/>
+                <a:cs typeface="+mn-cs"/>
+              </a:rPr>
+              <a:t>g) Where the dependence is to be pruned create a copy of the corresponding file in the working area and modify it as needed.</a:t>
+            </a:r>
+          </a:p>
+          <a:p>
+            <a:r>
+              <a:rPr lang="en-US" sz="1200" kern="1200" dirty="0">
+                <a:solidFill>
+                  <a:schemeClr val="tx1"/>
+                </a:solidFill>
+                <a:effectLst/>
+                <a:latin typeface="+mn-lt"/>
+                <a:ea typeface="+mn-ea"/>
+                <a:cs typeface="+mn-cs"/>
+              </a:rPr>
+              <a:t>e) Create a test driver to load the state and exercise the unit.</a:t>
+            </a:r>
+          </a:p>
+          <a:p>
+            <a:r>
+              <a:rPr lang="en-US" sz="1200" kern="1200" dirty="0">
+                <a:solidFill>
+                  <a:schemeClr val="tx1"/>
+                </a:solidFill>
+                <a:effectLst/>
+                <a:latin typeface="+mn-lt"/>
+                <a:ea typeface="+mn-ea"/>
+                <a:cs typeface="+mn-cs"/>
+              </a:rPr>
+              <a:t>d) If extra functions from the code were accessed, these were </a:t>
+            </a:r>
+            <a:r>
+              <a:rPr lang="en-US" sz="1200" kern="1200" dirty="0" err="1">
+                <a:solidFill>
+                  <a:schemeClr val="tx1"/>
+                </a:solidFill>
+                <a:effectLst/>
+                <a:latin typeface="+mn-lt"/>
+                <a:ea typeface="+mn-ea"/>
+                <a:cs typeface="+mn-cs"/>
+              </a:rPr>
+              <a:t>sym</a:t>
+            </a:r>
+            <a:r>
+              <a:rPr lang="en-US" sz="1200" kern="1200" dirty="0">
+                <a:solidFill>
+                  <a:schemeClr val="tx1"/>
+                </a:solidFill>
+                <a:effectLst/>
+                <a:latin typeface="+mn-lt"/>
+                <a:ea typeface="+mn-ea"/>
+                <a:cs typeface="+mn-cs"/>
+              </a:rPr>
+              <a:t>-linked into the test directory.  Here, the branch at the right represents some helper functions that can be imported easily.</a:t>
+            </a:r>
+          </a:p>
+          <a:p>
+            <a:r>
+              <a:rPr lang="en-US" sz="1200" kern="1200" dirty="0">
+                <a:solidFill>
+                  <a:schemeClr val="tx1"/>
+                </a:solidFill>
+                <a:effectLst/>
+                <a:latin typeface="+mn-lt"/>
+                <a:ea typeface="+mn-ea"/>
+                <a:cs typeface="+mn-cs"/>
+              </a:rPr>
+              <a:t>e) That doesn't always work.  The red dot represents a module with lots of dependencies - not needed for this test.  In these cases, the module was modified to remove unnecessary dependencies.</a:t>
+            </a:r>
+          </a:p>
+          <a:p>
+            <a:r>
+              <a:rPr lang="en-US" sz="1200" kern="1200" dirty="0">
+                <a:solidFill>
+                  <a:schemeClr val="tx1"/>
+                </a:solidFill>
+                <a:effectLst/>
+                <a:latin typeface="+mn-lt"/>
+                <a:ea typeface="+mn-ea"/>
+                <a:cs typeface="+mn-cs"/>
+              </a:rPr>
+              <a:t>f) With all the code dependencies sorted out, the test driver itself becomes an isolated unit.  For this example, the original test took hours to run through the batch queue of a cluster.  The new unit test ran in 20 seconds on a developer's laptop.</a:t>
             </a:r>
           </a:p>
         </p:txBody>
@@ -2052,7 +2255,7 @@
           <a:p>
             <a:fld id="{54E672D7-8E2D-4611-973D-F4591A707C34}" type="slidenum">
               <a:rPr lang="en-US" smtClean="0"/>
-              <a:t>22</a:t>
+              <a:t>21</a:t>
             </a:fld>
             <a:endParaRPr lang="en-US"/>
           </a:p>
@@ -2061,7 +2264,7 @@
     </p:spTree>
     <p:extLst>
       <p:ext uri="{BB962C8B-B14F-4D97-AF65-F5344CB8AC3E}">
-        <p14:creationId xmlns:p14="http://schemas.microsoft.com/office/powerpoint/2010/main" val="4279848346"/>
+        <p14:creationId xmlns:p14="http://schemas.microsoft.com/office/powerpoint/2010/main" val="1738523779"/>
       </p:ext>
     </p:extLst>
   </p:cSld>
@@ -2125,229 +2328,7 @@
                 <a:ea typeface="+mn-ea"/>
                 <a:cs typeface="+mn-cs"/>
               </a:rPr>
-              <a:t>Here's an example from the E3SM code, the </a:t>
-            </a:r>
-            <a:r>
-              <a:rPr lang="en-US" sz="1200" kern="1200" dirty="0" err="1">
-                <a:solidFill>
-                  <a:schemeClr val="tx1"/>
-                </a:solidFill>
-                <a:effectLst/>
-                <a:latin typeface="+mn-lt"/>
-                <a:ea typeface="+mn-ea"/>
-                <a:cs typeface="+mn-cs"/>
-              </a:rPr>
-              <a:t>Exascale</a:t>
-            </a:r>
-            <a:r>
-              <a:rPr lang="en-US" sz="1200" kern="1200" dirty="0">
-                <a:solidFill>
-                  <a:schemeClr val="tx1"/>
-                </a:solidFill>
-                <a:effectLst/>
-                <a:latin typeface="+mn-lt"/>
-                <a:ea typeface="+mn-ea"/>
-                <a:cs typeface="+mn-cs"/>
-              </a:rPr>
-              <a:t> Earth System Model.  Although advanced now, it originated in a combination of Fortran codes dealing with various aspects of climate modeling.  The project came together from a collection of independent projects and development practices. They imposed structure on the code through the use of Fortran modules. However, the focus was on running whole models, so their architecture and testing strategies evolved to work with that goal. That led to an unforeseen difficulty. For several sections of the code, even the simplest modification would take running the entire model to test. This meant enqueuing the job in a batch queue that would take non-trivial amount of time to run. What was missing was granular testing. And it wasn’t easy to separate out code sections for testing independently because one Fortran module gets data from another, that in turn gets data from yet another and so on … This is an example of a methodology used to generate an independent test for a code section. </a:t>
-            </a:r>
-          </a:p>
-          <a:p>
-            <a:endParaRPr lang="en-US" sz="1200" kern="1200" dirty="0">
-              <a:solidFill>
-                <a:schemeClr val="tx1"/>
-              </a:solidFill>
-              <a:effectLst/>
-              <a:latin typeface="+mn-lt"/>
-              <a:ea typeface="+mn-ea"/>
-              <a:cs typeface="+mn-cs"/>
-            </a:endParaRPr>
-          </a:p>
-          <a:p>
-            <a:pPr marL="228600" indent="-228600">
-              <a:buAutoNum type="alphaLcParenR"/>
-            </a:pPr>
-            <a:r>
-              <a:rPr lang="en-US" sz="1200" kern="1200" dirty="0">
-                <a:solidFill>
-                  <a:schemeClr val="tx1"/>
-                </a:solidFill>
-                <a:effectLst/>
-                <a:latin typeface="+mn-lt"/>
-                <a:ea typeface="+mn-ea"/>
-                <a:cs typeface="+mn-cs"/>
-              </a:rPr>
-              <a:t>Review the dependencies. Here the model needs to be at a certain ”state” to invoke the target code.</a:t>
-            </a:r>
-          </a:p>
-          <a:p>
-            <a:pPr marL="228600" indent="-228600">
-              <a:buAutoNum type="alphaLcParenR"/>
-            </a:pPr>
-            <a:r>
-              <a:rPr lang="en-US" sz="1200" kern="1200" dirty="0">
-                <a:solidFill>
-                  <a:schemeClr val="tx1"/>
-                </a:solidFill>
-                <a:effectLst/>
-                <a:latin typeface="+mn-lt"/>
-                <a:ea typeface="+mn-ea"/>
-                <a:cs typeface="+mn-cs"/>
-              </a:rPr>
-              <a:t>Look for dependencies on Fortran data modules that are outside the sub-tree containing the source code for this section</a:t>
-            </a:r>
-          </a:p>
-          <a:p>
-            <a:pPr marL="228600" indent="-228600">
-              <a:buAutoNum type="alphaLcParenR"/>
-            </a:pPr>
-            <a:r>
-              <a:rPr lang="en-US" sz="1200" kern="1200" dirty="0">
-                <a:solidFill>
-                  <a:schemeClr val="tx1"/>
-                </a:solidFill>
-                <a:effectLst/>
-                <a:latin typeface="+mn-lt"/>
-                <a:ea typeface="+mn-ea"/>
-                <a:cs typeface="+mn-cs"/>
-              </a:rPr>
-              <a:t>For each of the data modules determine where the dependencies can be pruned. </a:t>
-            </a:r>
-          </a:p>
-          <a:p>
-            <a:r>
-              <a:rPr lang="en-US" sz="1200" kern="1200" dirty="0">
-                <a:solidFill>
-                  <a:schemeClr val="tx1"/>
-                </a:solidFill>
-                <a:effectLst/>
-                <a:latin typeface="+mn-lt"/>
-                <a:ea typeface="+mn-ea"/>
-                <a:cs typeface="+mn-cs"/>
-              </a:rPr>
-              <a:t>d) Run the full model and capture the “state” just before the invocation of the target section.</a:t>
-            </a:r>
-          </a:p>
-          <a:p>
-            <a:r>
-              <a:rPr lang="en-US" sz="1200" kern="1200" dirty="0">
-                <a:solidFill>
-                  <a:schemeClr val="tx1"/>
-                </a:solidFill>
-                <a:effectLst/>
-                <a:latin typeface="+mn-lt"/>
-                <a:ea typeface="+mn-ea"/>
-                <a:cs typeface="+mn-cs"/>
-              </a:rPr>
-              <a:t>e) Create a separate working directory for the test</a:t>
-            </a:r>
-          </a:p>
-          <a:p>
-            <a:r>
-              <a:rPr lang="en-US" sz="1200" kern="1200" dirty="0">
-                <a:solidFill>
-                  <a:schemeClr val="tx1"/>
-                </a:solidFill>
-                <a:effectLst/>
-                <a:latin typeface="+mn-lt"/>
-                <a:ea typeface="+mn-ea"/>
-                <a:cs typeface="+mn-cs"/>
-              </a:rPr>
-              <a:t>f) In this working area create soft links to the files that have dependencies</a:t>
-            </a:r>
-          </a:p>
-          <a:p>
-            <a:r>
-              <a:rPr lang="en-US" sz="1200" kern="1200" dirty="0">
-                <a:solidFill>
-                  <a:schemeClr val="tx1"/>
-                </a:solidFill>
-                <a:effectLst/>
-                <a:latin typeface="+mn-lt"/>
-                <a:ea typeface="+mn-ea"/>
-                <a:cs typeface="+mn-cs"/>
-              </a:rPr>
-              <a:t>g) Where the dependence is to be pruned create a copy of the corresponding file in the working area and modify it as needed.</a:t>
-            </a:r>
-          </a:p>
-          <a:p>
-            <a:r>
-              <a:rPr lang="en-US" sz="1200" kern="1200" dirty="0">
-                <a:solidFill>
-                  <a:schemeClr val="tx1"/>
-                </a:solidFill>
-                <a:effectLst/>
-                <a:latin typeface="+mn-lt"/>
-                <a:ea typeface="+mn-ea"/>
-                <a:cs typeface="+mn-cs"/>
-              </a:rPr>
-              <a:t>e) Create a test driver to load the state and exercise the unit.</a:t>
-            </a:r>
-          </a:p>
-          <a:p>
-            <a:r>
-              <a:rPr lang="en-US" sz="1200" kern="1200" dirty="0">
-                <a:solidFill>
-                  <a:schemeClr val="tx1"/>
-                </a:solidFill>
-                <a:effectLst/>
-                <a:latin typeface="+mn-lt"/>
-                <a:ea typeface="+mn-ea"/>
-                <a:cs typeface="+mn-cs"/>
-              </a:rPr>
-              <a:t>d) If extra functions from the code were accessed, these were </a:t>
-            </a:r>
-            <a:r>
-              <a:rPr lang="en-US" sz="1200" kern="1200" dirty="0" err="1">
-                <a:solidFill>
-                  <a:schemeClr val="tx1"/>
-                </a:solidFill>
-                <a:effectLst/>
-                <a:latin typeface="+mn-lt"/>
-                <a:ea typeface="+mn-ea"/>
-                <a:cs typeface="+mn-cs"/>
-              </a:rPr>
-              <a:t>sym</a:t>
-            </a:r>
-            <a:r>
-              <a:rPr lang="en-US" sz="1200" kern="1200" dirty="0">
-                <a:solidFill>
-                  <a:schemeClr val="tx1"/>
-                </a:solidFill>
-                <a:effectLst/>
-                <a:latin typeface="+mn-lt"/>
-                <a:ea typeface="+mn-ea"/>
-                <a:cs typeface="+mn-cs"/>
-              </a:rPr>
-              <a:t>-linked into the test directory.  Here, the branch at the right represents some helper functions that can be imported easily.</a:t>
-            </a:r>
-          </a:p>
-          <a:p>
-            <a:r>
-              <a:rPr lang="en-US" sz="1200" kern="1200" dirty="0">
-                <a:solidFill>
-                  <a:schemeClr val="tx1"/>
-                </a:solidFill>
-                <a:effectLst/>
-                <a:latin typeface="+mn-lt"/>
-                <a:ea typeface="+mn-ea"/>
-                <a:cs typeface="+mn-cs"/>
-              </a:rPr>
-              <a:t>e) That doesn't always work.  The red dot represents a module with lots of dependencies - not needed for this test.  In these cases, the module was modified to remove unnecessary dependencies.</a:t>
-            </a:r>
-          </a:p>
-          <a:p>
-            <a:r>
-              <a:rPr lang="en-US" sz="1200" kern="1200" dirty="0">
-                <a:solidFill>
-                  <a:schemeClr val="tx1"/>
-                </a:solidFill>
-                <a:effectLst/>
-                <a:latin typeface="+mn-lt"/>
-                <a:ea typeface="+mn-ea"/>
-                <a:cs typeface="+mn-cs"/>
-              </a:rPr>
-              <a:t>f) With all the code dependencies sorted out, the test driver itself becomes an isolated unit.  For this example, the original test took hours to run through the batch queue of a cluster.  The new unit test ran in 20 seconds on a developer's laptop.</a:t>
+              <a:t>Let's think about this problem as "selecting the right tests."  Taking a step back, there are two 'levels' of tests (regression testing and CI-type tests), and there are multiple 'granularities' of tests (from unit to integration).  Computer scientists tend to gravitate towards tests that run quickly and check data structures, types, definitions, syntax, and error reporting.  These quick tests are great for a continuous integration suite.  Domain scientists tend to think of ways to compare program outputs to external measures - like known solutions and example run cases.  These tests can be long-running, and need interpretation to understand what's going on.  Such tests are often better suited for scheduled testing - which can be set up to run on dedicated servers on a nightly or weekly schedule. And there is a range of intermediate levels of testing pertaining to interoperability in component-based software systems, verification of non-trivial functionality such as transparent restart from a checkpoint etc. Since testing is so broad, individual tests can also vary in complexity.  As a rule of thumb, complicated tests get -100 points.  Tests should be as simple as possible, and always provide information on what went wrong.  If a test can't help to diagnose an error condition, it's not a useful test.</a:t>
             </a:r>
           </a:p>
         </p:txBody>
@@ -2369,7 +2350,7 @@
           <a:p>
             <a:fld id="{54E672D7-8E2D-4611-973D-F4591A707C34}" type="slidenum">
               <a:rPr lang="en-US" smtClean="0"/>
-              <a:t>23</a:t>
+              <a:t>22</a:t>
             </a:fld>
             <a:endParaRPr lang="en-US"/>
           </a:p>
@@ -2378,7 +2359,7 @@
     </p:spTree>
     <p:extLst>
       <p:ext uri="{BB962C8B-B14F-4D97-AF65-F5344CB8AC3E}">
-        <p14:creationId xmlns:p14="http://schemas.microsoft.com/office/powerpoint/2010/main" val="1738523779"/>
+        <p14:creationId xmlns:p14="http://schemas.microsoft.com/office/powerpoint/2010/main" val="3034100699"/>
       </p:ext>
     </p:extLst>
   </p:cSld>
@@ -2432,6 +2413,23 @@
           <a:bodyPr/>
           <a:lstStyle/>
           <a:p>
+            <a:pPr marL="0" marR="0" lvl="0" indent="0" algn="l" defTabSz="914400" rtl="0" eaLnBrk="1" fontAlgn="auto" latinLnBrk="0" hangingPunct="1">
+              <a:lnSpc>
+                <a:spcPct val="100000"/>
+              </a:lnSpc>
+              <a:spcBef>
+                <a:spcPts val="0"/>
+              </a:spcBef>
+              <a:spcAft>
+                <a:spcPts val="0"/>
+              </a:spcAft>
+              <a:buClrTx/>
+              <a:buSzTx/>
+              <a:buFontTx/>
+              <a:buNone/>
+              <a:tabLst/>
+              <a:defRPr/>
+            </a:pPr>
             <a:r>
               <a:rPr lang="en-US" sz="1200" kern="1200" dirty="0">
                 <a:solidFill>
@@ -2442,7 +2440,7 @@
                 <a:ea typeface="+mn-ea"/>
                 <a:cs typeface="+mn-cs"/>
               </a:rPr>
-              <a:t>Let's think about this problem as "selecting the right tests."  Taking a step back, there are two 'levels' of tests (regression testing and CI-type tests), and there are multiple 'granularities' of tests (from unit to integration).  Computer scientists tend to gravitate towards tests that run quickly and check data structures, types, definitions, syntax, and error reporting.  These quick tests are great for a continuous integration suite.  Domain scientists tend to think of ways to compare program outputs to external measures - like known solutions and example run cases.  These tests can be long-running, and need interpretation to understand what's going on.  Such tests are often better suited for scheduled testing - which can be set up to run on dedicated servers on a nightly or weekly schedule. And there is a range of intermediate levels of testing pertaining to interoperability in component-based software systems, verification of non-trivial functionality such as transparent restart from a checkpoint etc. Since testing is so broad, individual tests can also vary in complexity.  As a rule of thumb, complicated tests get -100 points.  Tests should be as simple as possible, and always provide information on what went wrong.  If a test can't help to diagnose an error condition, it's not a useful test.</a:t>
+              <a:t>Even if you follow the TDD methodology, it is useful to know how much code is actually being tested. </a:t>
             </a:r>
           </a:p>
         </p:txBody>
@@ -2464,7 +2462,7 @@
           <a:p>
             <a:fld id="{54E672D7-8E2D-4611-973D-F4591A707C34}" type="slidenum">
               <a:rPr lang="en-US" smtClean="0"/>
-              <a:t>24</a:t>
+              <a:t>23</a:t>
             </a:fld>
             <a:endParaRPr lang="en-US"/>
           </a:p>
@@ -2473,7 +2471,7 @@
     </p:spTree>
     <p:extLst>
       <p:ext uri="{BB962C8B-B14F-4D97-AF65-F5344CB8AC3E}">
-        <p14:creationId xmlns:p14="http://schemas.microsoft.com/office/powerpoint/2010/main" val="3034100699"/>
+        <p14:creationId xmlns:p14="http://schemas.microsoft.com/office/powerpoint/2010/main" val="2039089994"/>
       </p:ext>
     </p:extLst>
   </p:cSld>
@@ -2634,23 +2632,6 @@
           <a:bodyPr/>
           <a:lstStyle/>
           <a:p>
-            <a:pPr marL="0" marR="0" lvl="0" indent="0" algn="l" defTabSz="914400" rtl="0" eaLnBrk="1" fontAlgn="auto" latinLnBrk="0" hangingPunct="1">
-              <a:lnSpc>
-                <a:spcPct val="100000"/>
-              </a:lnSpc>
-              <a:spcBef>
-                <a:spcPts val="0"/>
-              </a:spcBef>
-              <a:spcAft>
-                <a:spcPts val="0"/>
-              </a:spcAft>
-              <a:buClrTx/>
-              <a:buSzTx/>
-              <a:buFontTx/>
-              <a:buNone/>
-              <a:tabLst/>
-              <a:defRPr/>
-            </a:pPr>
             <a:r>
               <a:rPr lang="en-US" sz="1200" kern="1200" dirty="0">
                 <a:solidFill>
@@ -2661,8 +2642,140 @@
                 <a:ea typeface="+mn-ea"/>
                 <a:cs typeface="+mn-cs"/>
               </a:rPr>
-              <a:t>Even if you follow the TDD methodology, it is useful to know how much code is actually being tested. </a:t>
-            </a:r>
+              <a:t>This final example shows a graphical way to "map" areas of your code for testing.  The x-axis has physical </a:t>
+            </a:r>
+            <a:r>
+              <a:rPr lang="en-US" sz="1200" kern="1200" dirty="0" err="1">
+                <a:solidFill>
+                  <a:schemeClr val="tx1"/>
+                </a:solidFill>
+                <a:effectLst/>
+                <a:latin typeface="+mn-lt"/>
+                <a:ea typeface="+mn-ea"/>
+                <a:cs typeface="+mn-cs"/>
+              </a:rPr>
+              <a:t>capabiliies</a:t>
+            </a:r>
+            <a:r>
+              <a:rPr lang="en-US" sz="1200" kern="1200" dirty="0">
+                <a:solidFill>
+                  <a:schemeClr val="tx1"/>
+                </a:solidFill>
+                <a:effectLst/>
+                <a:latin typeface="+mn-lt"/>
+                <a:ea typeface="+mn-ea"/>
+                <a:cs typeface="+mn-cs"/>
+              </a:rPr>
+              <a:t>.  The y-axis has infrastructure and generic solvers.  List out all test and mark the corresponding squares in the matrix if the two corresponding features are exercised together in the test. For example here SV stands for the </a:t>
+            </a:r>
+            <a:r>
+              <a:rPr lang="en-US" sz="1200" kern="1200" dirty="0" err="1">
+                <a:solidFill>
+                  <a:schemeClr val="tx1"/>
+                </a:solidFill>
+                <a:effectLst/>
+                <a:latin typeface="+mn-lt"/>
+                <a:ea typeface="+mn-ea"/>
+                <a:cs typeface="+mn-cs"/>
+              </a:rPr>
+              <a:t>Sedov</a:t>
+            </a:r>
+            <a:r>
+              <a:rPr lang="en-US" sz="1200" kern="1200" dirty="0">
+                <a:solidFill>
+                  <a:schemeClr val="tx1"/>
+                </a:solidFill>
+                <a:effectLst/>
+                <a:latin typeface="+mn-lt"/>
+                <a:ea typeface="+mn-ea"/>
+                <a:cs typeface="+mn-cs"/>
+              </a:rPr>
+              <a:t> test run with Uniform grid and includes tracer particles. Similarly the </a:t>
+            </a:r>
+            <a:r>
+              <a:rPr lang="en-US" sz="1200" kern="1200" dirty="0" err="1">
+                <a:solidFill>
+                  <a:schemeClr val="tx1"/>
+                </a:solidFill>
+                <a:effectLst/>
+                <a:latin typeface="+mn-lt"/>
+                <a:ea typeface="+mn-ea"/>
+                <a:cs typeface="+mn-cs"/>
+              </a:rPr>
+              <a:t>celluar</a:t>
+            </a:r>
+            <a:r>
+              <a:rPr lang="en-US" sz="1200" kern="1200" dirty="0">
+                <a:solidFill>
+                  <a:schemeClr val="tx1"/>
+                </a:solidFill>
+                <a:effectLst/>
+                <a:latin typeface="+mn-lt"/>
+                <a:ea typeface="+mn-ea"/>
+                <a:cs typeface="+mn-cs"/>
+              </a:rPr>
+              <a:t> test (CL) runs with AMR and also includes nuclear burning and particles in addition to Hydro and EOS.  The idea is to know which of these squares need to be marked to have sufficient amount of interoperability coverage needed by the code.   Not every square needs to be covered, though.  It also helps document areas of your code that are needed for each science scenario.</a:t>
+            </a:r>
+          </a:p>
+          <a:p>
+            <a:r>
+              <a:rPr lang="en-US" sz="1200" kern="1200" dirty="0">
+                <a:solidFill>
+                  <a:schemeClr val="tx1"/>
+                </a:solidFill>
+                <a:effectLst/>
+                <a:latin typeface="+mn-lt"/>
+                <a:ea typeface="+mn-ea"/>
+                <a:cs typeface="+mn-cs"/>
+              </a:rPr>
+              <a:t>This type of map is complementary to code coverage.  If your program is well-structured, there should be some correspondence between this map and the files that coverage shows as "tested".</a:t>
+            </a:r>
+          </a:p>
+          <a:p>
+            <a:endParaRPr lang="en-US" sz="1200" kern="1200" dirty="0">
+              <a:solidFill>
+                <a:schemeClr val="tx1"/>
+              </a:solidFill>
+              <a:effectLst/>
+              <a:latin typeface="+mn-lt"/>
+              <a:ea typeface="+mn-ea"/>
+              <a:cs typeface="+mn-cs"/>
+            </a:endParaRPr>
+          </a:p>
+          <a:p>
+            <a:r>
+              <a:rPr lang="en-US" sz="1200" kern="1200" dirty="0">
+                <a:solidFill>
+                  <a:schemeClr val="tx1"/>
+                </a:solidFill>
+                <a:effectLst/>
+                <a:latin typeface="+mn-lt"/>
+                <a:ea typeface="+mn-ea"/>
+                <a:cs typeface="+mn-cs"/>
+              </a:rPr>
+              <a:t>The Order described here gives guidelines for how to select the tests to maximize the needed coverage while minimizing the cost. It is always desirable to run the fastest and most lightweight tests that can pinpoint the error</a:t>
+            </a:r>
+            <a:r>
+              <a:rPr lang="en-US" sz="1200" kern="1200">
+                <a:solidFill>
+                  <a:schemeClr val="tx1"/>
+                </a:solidFill>
+                <a:effectLst/>
+                <a:latin typeface="+mn-lt"/>
+                <a:ea typeface="+mn-ea"/>
+                <a:cs typeface="+mn-cs"/>
+              </a:rPr>
+              <a:t>. </a:t>
+            </a:r>
+            <a:endParaRPr lang="en-US" sz="1200" kern="1200" dirty="0">
+              <a:solidFill>
+                <a:schemeClr val="tx1"/>
+              </a:solidFill>
+              <a:effectLst/>
+              <a:latin typeface="+mn-lt"/>
+              <a:ea typeface="+mn-ea"/>
+              <a:cs typeface="+mn-cs"/>
+            </a:endParaRPr>
           </a:p>
         </p:txBody>
       </p:sp>
@@ -2683,7 +2796,7 @@
           <a:p>
             <a:fld id="{54E672D7-8E2D-4611-973D-F4591A707C34}" type="slidenum">
               <a:rPr lang="en-US" smtClean="0"/>
-              <a:t>25</a:t>
+              <a:t>24</a:t>
             </a:fld>
             <a:endParaRPr lang="en-US"/>
           </a:p>
@@ -2692,7 +2805,7 @@
     </p:spTree>
     <p:extLst>
       <p:ext uri="{BB962C8B-B14F-4D97-AF65-F5344CB8AC3E}">
-        <p14:creationId xmlns:p14="http://schemas.microsoft.com/office/powerpoint/2010/main" val="2039089994"/>
+        <p14:creationId xmlns:p14="http://schemas.microsoft.com/office/powerpoint/2010/main" val="1762549001"/>
       </p:ext>
     </p:extLst>
   </p:cSld>
@@ -2746,150 +2859,27 @@
           <a:bodyPr/>
           <a:lstStyle/>
           <a:p>
-            <a:r>
-              <a:rPr lang="en-US" sz="1200" kern="1200" dirty="0">
-                <a:solidFill>
-                  <a:schemeClr val="tx1"/>
-                </a:solidFill>
-                <a:effectLst/>
-                <a:latin typeface="+mn-lt"/>
-                <a:ea typeface="+mn-ea"/>
-                <a:cs typeface="+mn-cs"/>
-              </a:rPr>
-              <a:t>This final example shows a graphical way to "map" areas of your code for testing.  The x-axis has physical </a:t>
-            </a:r>
-            <a:r>
-              <a:rPr lang="en-US" sz="1200" kern="1200" dirty="0" err="1">
-                <a:solidFill>
-                  <a:schemeClr val="tx1"/>
-                </a:solidFill>
-                <a:effectLst/>
-                <a:latin typeface="+mn-lt"/>
-                <a:ea typeface="+mn-ea"/>
-                <a:cs typeface="+mn-cs"/>
-              </a:rPr>
-              <a:t>capabiliies</a:t>
-            </a:r>
-            <a:r>
-              <a:rPr lang="en-US" sz="1200" kern="1200" dirty="0">
-                <a:solidFill>
-                  <a:schemeClr val="tx1"/>
-                </a:solidFill>
-                <a:effectLst/>
-                <a:latin typeface="+mn-lt"/>
-                <a:ea typeface="+mn-ea"/>
-                <a:cs typeface="+mn-cs"/>
-              </a:rPr>
-              <a:t>.  The y-axis has infrastructure and generic solvers.  List out all test and mark the corresponding squares in the matrix if the two corresponding features are exercised together in the test. For example here SV stands for the </a:t>
-            </a:r>
-            <a:r>
-              <a:rPr lang="en-US" sz="1200" kern="1200" dirty="0" err="1">
-                <a:solidFill>
-                  <a:schemeClr val="tx1"/>
-                </a:solidFill>
-                <a:effectLst/>
-                <a:latin typeface="+mn-lt"/>
-                <a:ea typeface="+mn-ea"/>
-                <a:cs typeface="+mn-cs"/>
-              </a:rPr>
-              <a:t>Sedov</a:t>
-            </a:r>
-            <a:r>
-              <a:rPr lang="en-US" sz="1200" kern="1200" dirty="0">
-                <a:solidFill>
-                  <a:schemeClr val="tx1"/>
-                </a:solidFill>
-                <a:effectLst/>
-                <a:latin typeface="+mn-lt"/>
-                <a:ea typeface="+mn-ea"/>
-                <a:cs typeface="+mn-cs"/>
-              </a:rPr>
-              <a:t> test run with Uniform grid and includes tracer particles. Similarly the </a:t>
-            </a:r>
-            <a:r>
-              <a:rPr lang="en-US" sz="1200" kern="1200" dirty="0" err="1">
-                <a:solidFill>
-                  <a:schemeClr val="tx1"/>
-                </a:solidFill>
-                <a:effectLst/>
-                <a:latin typeface="+mn-lt"/>
-                <a:ea typeface="+mn-ea"/>
-                <a:cs typeface="+mn-cs"/>
-              </a:rPr>
-              <a:t>celluar</a:t>
-            </a:r>
-            <a:r>
-              <a:rPr lang="en-US" sz="1200" kern="1200" dirty="0">
-                <a:solidFill>
-                  <a:schemeClr val="tx1"/>
-                </a:solidFill>
-                <a:effectLst/>
-                <a:latin typeface="+mn-lt"/>
-                <a:ea typeface="+mn-ea"/>
-                <a:cs typeface="+mn-cs"/>
-              </a:rPr>
-              <a:t> test (CL) runs with AMR and also includes nuclear burning and particles in addition to Hydro and EOS.  The idea is to know which of these squares need to be marked to have sufficient amount of interoperability coverage needed by the code.   Not every square needs to be covered, though.  It also helps document areas of your code that are needed for each science scenario.</a:t>
-            </a:r>
-          </a:p>
-          <a:p>
-            <a:r>
-              <a:rPr lang="en-US" sz="1200" kern="1200" dirty="0">
-                <a:solidFill>
-                  <a:schemeClr val="tx1"/>
-                </a:solidFill>
-                <a:effectLst/>
-                <a:latin typeface="+mn-lt"/>
-                <a:ea typeface="+mn-ea"/>
-                <a:cs typeface="+mn-cs"/>
-              </a:rPr>
-              <a:t>This type of map is complementary to code coverage.  If your program is well-structured, there should be some correspondence between this map and the files that coverage shows as "tested".</a:t>
-            </a:r>
-          </a:p>
-          <a:p>
-            <a:endParaRPr lang="en-US" sz="1200" kern="1200" dirty="0">
-              <a:solidFill>
-                <a:schemeClr val="tx1"/>
-              </a:solidFill>
-              <a:effectLst/>
-              <a:latin typeface="+mn-lt"/>
-              <a:ea typeface="+mn-ea"/>
-              <a:cs typeface="+mn-cs"/>
-            </a:endParaRPr>
-          </a:p>
-          <a:p>
-            <a:r>
-              <a:rPr lang="en-US" sz="1200" kern="1200" dirty="0">
-                <a:solidFill>
-                  <a:schemeClr val="tx1"/>
-                </a:solidFill>
-                <a:effectLst/>
-                <a:latin typeface="+mn-lt"/>
-                <a:ea typeface="+mn-ea"/>
-                <a:cs typeface="+mn-cs"/>
-              </a:rPr>
-              <a:t>The Order described here gives guidelines for how to select the tests to maximize the needed coverage while minimizing the cost. It is always desirable to run the fastest and most lightweight tests that can pinpoint the error</a:t>
-            </a:r>
-            <a:r>
-              <a:rPr lang="en-US" sz="1200" kern="1200">
-                <a:solidFill>
-                  <a:schemeClr val="tx1"/>
-                </a:solidFill>
-                <a:effectLst/>
-                <a:latin typeface="+mn-lt"/>
-                <a:ea typeface="+mn-ea"/>
-                <a:cs typeface="+mn-cs"/>
-              </a:rPr>
-              <a:t>. </a:t>
-            </a:r>
-            <a:endParaRPr lang="en-US" sz="1200" kern="1200" dirty="0">
-              <a:solidFill>
-                <a:schemeClr val="tx1"/>
-              </a:solidFill>
-              <a:effectLst/>
-              <a:latin typeface="+mn-lt"/>
-              <a:ea typeface="+mn-ea"/>
-              <a:cs typeface="+mn-cs"/>
-            </a:endParaRPr>
+            <a:pPr marL="0" marR="0" lvl="0" indent="0" algn="l" defTabSz="914400" rtl="0" eaLnBrk="1" fontAlgn="auto" latinLnBrk="0" hangingPunct="1">
+              <a:lnSpc>
+                <a:spcPct val="100000"/>
+              </a:lnSpc>
+              <a:spcBef>
+                <a:spcPts val="0"/>
+              </a:spcBef>
+              <a:spcAft>
+                <a:spcPts val="0"/>
+              </a:spcAft>
+              <a:buClrTx/>
+              <a:buSzTx/>
+              <a:buFontTx/>
+              <a:buNone/>
+              <a:tabLst/>
+              <a:defRPr/>
+            </a:pPr>
+            <a:r>
+              <a:rPr lang="en-US" dirty="0"/>
+              <a:t>Slides from reproducibility talk</a:t>
+            </a:r>
           </a:p>
         </p:txBody>
       </p:sp>
@@ -2910,7 +2900,7 @@
           <a:p>
             <a:fld id="{54E672D7-8E2D-4611-973D-F4591A707C34}" type="slidenum">
               <a:rPr lang="en-US" smtClean="0"/>
-              <a:t>26</a:t>
+              <a:t>25</a:t>
             </a:fld>
             <a:endParaRPr lang="en-US"/>
           </a:p>
@@ -2919,7 +2909,7 @@
     </p:spTree>
     <p:extLst>
       <p:ext uri="{BB962C8B-B14F-4D97-AF65-F5344CB8AC3E}">
-        <p14:creationId xmlns:p14="http://schemas.microsoft.com/office/powerpoint/2010/main" val="1762549001"/>
+        <p14:creationId xmlns:p14="http://schemas.microsoft.com/office/powerpoint/2010/main" val="3931130107"/>
       </p:ext>
     </p:extLst>
   </p:cSld>
@@ -2973,27 +2963,7 @@
           <a:bodyPr/>
           <a:lstStyle/>
           <a:p>
-            <a:pPr marL="0" marR="0" lvl="0" indent="0" algn="l" defTabSz="914400" rtl="0" eaLnBrk="1" fontAlgn="auto" latinLnBrk="0" hangingPunct="1">
-              <a:lnSpc>
-                <a:spcPct val="100000"/>
-              </a:lnSpc>
-              <a:spcBef>
-                <a:spcPts val="0"/>
-              </a:spcBef>
-              <a:spcAft>
-                <a:spcPts val="0"/>
-              </a:spcAft>
-              <a:buClrTx/>
-              <a:buSzTx/>
-              <a:buFontTx/>
-              <a:buNone/>
-              <a:tabLst/>
-              <a:defRPr/>
-            </a:pPr>
-            <a:r>
-              <a:rPr lang="en-US" dirty="0"/>
-              <a:t>Slides from reproducibility talk</a:t>
-            </a:r>
+            <a:endParaRPr lang="en-US" dirty="0"/>
           </a:p>
         </p:txBody>
       </p:sp>
@@ -3014,7 +2984,7 @@
           <a:p>
             <a:fld id="{54E672D7-8E2D-4611-973D-F4591A707C34}" type="slidenum">
               <a:rPr lang="en-US" smtClean="0"/>
-              <a:t>27</a:t>
+              <a:t>26</a:t>
             </a:fld>
             <a:endParaRPr lang="en-US"/>
           </a:p>
@@ -3023,7 +2993,7 @@
     </p:spTree>
     <p:extLst>
       <p:ext uri="{BB962C8B-B14F-4D97-AF65-F5344CB8AC3E}">
-        <p14:creationId xmlns:p14="http://schemas.microsoft.com/office/powerpoint/2010/main" val="3931130107"/>
+        <p14:creationId xmlns:p14="http://schemas.microsoft.com/office/powerpoint/2010/main" val="1999427954"/>
       </p:ext>
     </p:extLst>
   </p:cSld>
@@ -3077,90 +3047,6 @@
           <a:bodyPr/>
           <a:lstStyle/>
           <a:p>
-            <a:endParaRPr lang="en-US" dirty="0"/>
-          </a:p>
-        </p:txBody>
-      </p:sp>
-      <p:sp>
-        <p:nvSpPr>
-          <p:cNvPr id="4" name="Slide Number Placeholder 3"/>
-          <p:cNvSpPr>
-            <a:spLocks noGrp="1"/>
-          </p:cNvSpPr>
-          <p:nvPr>
-            <p:ph type="sldNum" sz="quarter" idx="5"/>
-          </p:nvPr>
-        </p:nvSpPr>
-        <p:spPr/>
-        <p:txBody>
-          <a:bodyPr/>
-          <a:lstStyle/>
-          <a:p>
-            <a:fld id="{54E672D7-8E2D-4611-973D-F4591A707C34}" type="slidenum">
-              <a:rPr lang="en-US" smtClean="0"/>
-              <a:t>28</a:t>
-            </a:fld>
-            <a:endParaRPr lang="en-US"/>
-          </a:p>
-        </p:txBody>
-      </p:sp>
-    </p:spTree>
-    <p:extLst>
-      <p:ext uri="{BB962C8B-B14F-4D97-AF65-F5344CB8AC3E}">
-        <p14:creationId xmlns:p14="http://schemas.microsoft.com/office/powerpoint/2010/main" val="1999427954"/>
-      </p:ext>
-    </p:extLst>
-  </p:cSld>
-  <p:clrMapOvr>
-    <a:masterClrMapping/>
-  </p:clrMapOvr>
-</p:notes>
-</file>
-
-<file path=ppt/notesSlides/notesSlide24.xml><?xml version="1.0" encoding="utf-8"?>
-<p:notes xmlns:a="http://schemas.openxmlformats.org/drawingml/2006/main" xmlns:r="http://schemas.openxmlformats.org/officeDocument/2006/relationships" xmlns:p="http://schemas.openxmlformats.org/presentationml/2006/main">
-  <p:cSld>
-    <p:spTree>
-      <p:nvGrpSpPr>
-        <p:cNvPr id="1" name=""/>
-        <p:cNvGrpSpPr/>
-        <p:nvPr/>
-      </p:nvGrpSpPr>
-      <p:grpSpPr>
-        <a:xfrm>
-          <a:off x="0" y="0"/>
-          <a:ext cx="0" cy="0"/>
-          <a:chOff x="0" y="0"/>
-          <a:chExt cx="0" cy="0"/>
-        </a:xfrm>
-      </p:grpSpPr>
-      <p:sp>
-        <p:nvSpPr>
-          <p:cNvPr id="2" name="Slide Image Placeholder 1"/>
-          <p:cNvSpPr>
-            <a:spLocks noGrp="1" noRot="1" noChangeAspect="1"/>
-          </p:cNvSpPr>
-          <p:nvPr>
-            <p:ph type="sldImg"/>
-          </p:nvPr>
-        </p:nvSpPr>
-        <p:spPr/>
-      </p:sp>
-      <p:sp>
-        <p:nvSpPr>
-          <p:cNvPr id="3" name="Notes Placeholder 2"/>
-          <p:cNvSpPr>
-            <a:spLocks noGrp="1"/>
-          </p:cNvSpPr>
-          <p:nvPr>
-            <p:ph type="body" idx="1"/>
-          </p:nvPr>
-        </p:nvSpPr>
-        <p:spPr/>
-        <p:txBody>
-          <a:bodyPr/>
-          <a:lstStyle/>
-          <a:p>
             <a:pPr marL="0" marR="0" lvl="0" indent="0" algn="l" defTabSz="914400" rtl="0" eaLnBrk="1" fontAlgn="auto" latinLnBrk="0" hangingPunct="1">
               <a:lnSpc>
                 <a:spcPct val="100000"/>
@@ -3207,7 +3093,7 @@
           <a:p>
             <a:fld id="{54E672D7-8E2D-4611-973D-F4591A707C34}" type="slidenum">
               <a:rPr lang="en-US" smtClean="0"/>
-              <a:t>29</a:t>
+              <a:t>27</a:t>
             </a:fld>
             <a:endParaRPr lang="en-US"/>
           </a:p>
@@ -3782,7 +3668,7 @@
           <a:p>
             <a:fld id="{54E672D7-8E2D-4611-973D-F4591A707C34}" type="slidenum">
               <a:rPr lang="en-US" smtClean="0"/>
-              <a:t>12</a:t>
+              <a:t>11</a:t>
             </a:fld>
             <a:endParaRPr lang="en-US"/>
           </a:p>
@@ -3942,7 +3828,7 @@
           <a:p>
             <a:fld id="{54E672D7-8E2D-4611-973D-F4591A707C34}" type="slidenum">
               <a:rPr lang="en-US" smtClean="0"/>
-              <a:t>13</a:t>
+              <a:t>12</a:t>
             </a:fld>
             <a:endParaRPr lang="en-US"/>
           </a:p>
@@ -4102,7 +3988,7 @@
           <a:p>
             <a:fld id="{54E672D7-8E2D-4611-973D-F4591A707C34}" type="slidenum">
               <a:rPr lang="en-US" smtClean="0"/>
-              <a:t>14</a:t>
+              <a:t>13</a:t>
             </a:fld>
             <a:endParaRPr lang="en-US"/>
           </a:p>
@@ -8446,599 +8332,6 @@
       </p:grpSpPr>
       <p:sp>
         <p:nvSpPr>
-          <p:cNvPr id="2" name="Title 1">
-            <a:extLst>
-              <a:ext uri="{FF2B5EF4-FFF2-40B4-BE49-F238E27FC236}">
-                <a16:creationId xmlns:a16="http://schemas.microsoft.com/office/drawing/2014/main" id="{2AB1CC4F-16D6-E895-AFBC-9A514D75E691}"/>
-              </a:ext>
-            </a:extLst>
-          </p:cNvPr>
-          <p:cNvSpPr>
-            <a:spLocks noGrp="1"/>
-          </p:cNvSpPr>
-          <p:nvPr>
-            <p:ph type="title"/>
-          </p:nvPr>
-        </p:nvSpPr>
-        <p:spPr/>
-        <p:txBody>
-          <a:bodyPr/>
-          <a:lstStyle/>
-          <a:p>
-            <a:r>
-              <a:rPr lang="en-US" dirty="0"/>
-              <a:t>Developing Tests</a:t>
-            </a:r>
-          </a:p>
-        </p:txBody>
-      </p:sp>
-      <p:sp>
-        <p:nvSpPr>
-          <p:cNvPr id="3" name="Rounded Rectangle 2">
-            <a:extLst>
-              <a:ext uri="{FF2B5EF4-FFF2-40B4-BE49-F238E27FC236}">
-                <a16:creationId xmlns:a16="http://schemas.microsoft.com/office/drawing/2014/main" id="{DC74BD74-D77A-B3A0-E636-1F86AC14DAC6}"/>
-              </a:ext>
-            </a:extLst>
-          </p:cNvPr>
-          <p:cNvSpPr/>
-          <p:nvPr/>
-        </p:nvSpPr>
-        <p:spPr>
-          <a:xfrm>
-            <a:off x="510837" y="1441172"/>
-            <a:ext cx="2046135" cy="1696277"/>
-          </a:xfrm>
-          <a:prstGeom prst="roundRect">
-            <a:avLst/>
-          </a:prstGeom>
-          <a:solidFill>
-            <a:srgbClr val="0070C0"/>
-          </a:solidFill>
-          <a:ln>
-            <a:noFill/>
-          </a:ln>
-          <a:effectLst>
-            <a:outerShdw blurRad="44450" dist="27940" dir="5400000" algn="ctr">
-              <a:srgbClr val="000000">
-                <a:alpha val="32000"/>
-              </a:srgbClr>
-            </a:outerShdw>
-          </a:effectLst>
-        </p:spPr>
-        <p:txBody>
-          <a:bodyPr rot="0" spcFirstLastPara="0" vertOverflow="overflow" horzOverflow="overflow" vert="horz" wrap="square" lIns="121851" tIns="60925" rIns="121851" bIns="60925" numCol="1" spcCol="0" rtlCol="0" fromWordArt="0" anchor="ctr" anchorCtr="0" forceAA="0" compatLnSpc="1">
-            <a:prstTxWarp prst="textNoShape">
-              <a:avLst/>
-            </a:prstTxWarp>
-            <a:noAutofit/>
-          </a:bodyPr>
-          <a:lstStyle/>
-          <a:p>
-            <a:pPr algn="ctr">
-              <a:lnSpc>
-                <a:spcPct val="90000"/>
-              </a:lnSpc>
-            </a:pPr>
-            <a:r>
-              <a:rPr lang="en-US" sz="2000" dirty="0">
-                <a:solidFill>
-                  <a:schemeClr val="bg1"/>
-                </a:solidFill>
-              </a:rPr>
-              <a:t>We verify correct behavior</a:t>
-            </a:r>
-          </a:p>
-          <a:p>
-            <a:pPr algn="ctr">
-              <a:lnSpc>
-                <a:spcPct val="90000"/>
-              </a:lnSpc>
-            </a:pPr>
-            <a:endParaRPr lang="en-US" sz="2000" dirty="0">
-              <a:solidFill>
-                <a:schemeClr val="bg1"/>
-              </a:solidFill>
-            </a:endParaRPr>
-          </a:p>
-        </p:txBody>
-      </p:sp>
-      <p:sp>
-        <p:nvSpPr>
-          <p:cNvPr id="5" name="Rounded Rectangle 4">
-            <a:extLst>
-              <a:ext uri="{FF2B5EF4-FFF2-40B4-BE49-F238E27FC236}">
-                <a16:creationId xmlns:a16="http://schemas.microsoft.com/office/drawing/2014/main" id="{6907B775-1020-01DF-0BB7-47381C4B6BE4}"/>
-              </a:ext>
-            </a:extLst>
-          </p:cNvPr>
-          <p:cNvSpPr/>
-          <p:nvPr/>
-        </p:nvSpPr>
-        <p:spPr>
-          <a:xfrm>
-            <a:off x="3306568" y="2800361"/>
-            <a:ext cx="4347988" cy="1364802"/>
-          </a:xfrm>
-          <a:prstGeom prst="roundRect">
-            <a:avLst/>
-          </a:prstGeom>
-          <a:solidFill>
-            <a:srgbClr val="7030A0"/>
-          </a:solidFill>
-          <a:ln>
-            <a:noFill/>
-          </a:ln>
-          <a:effectLst>
-            <a:outerShdw blurRad="44450" dist="27940" dir="5400000" algn="ctr">
-              <a:srgbClr val="000000">
-                <a:alpha val="32000"/>
-              </a:srgbClr>
-            </a:outerShdw>
-          </a:effectLst>
-        </p:spPr>
-        <p:txBody>
-          <a:bodyPr rot="0" spcFirstLastPara="0" vertOverflow="overflow" horzOverflow="overflow" vert="horz" wrap="square" lIns="121851" tIns="60925" rIns="121851" bIns="60925" numCol="1" spcCol="0" rtlCol="0" fromWordArt="0" anchor="ctr" anchorCtr="0" forceAA="0" compatLnSpc="1">
-            <a:prstTxWarp prst="textNoShape">
-              <a:avLst/>
-            </a:prstTxWarp>
-            <a:noAutofit/>
-          </a:bodyPr>
-          <a:lstStyle/>
-          <a:p>
-            <a:pPr algn="ctr">
-              <a:lnSpc>
-                <a:spcPct val="90000"/>
-              </a:lnSpc>
-            </a:pPr>
-            <a:r>
-              <a:rPr lang="en-US" sz="2000" dirty="0">
-                <a:solidFill>
-                  <a:schemeClr val="bg1"/>
-                </a:solidFill>
-              </a:rPr>
-              <a:t>We think of ways in which we can tell whether the code is doing what it is supposed to do  </a:t>
-            </a:r>
-          </a:p>
-        </p:txBody>
-      </p:sp>
-      <p:sp>
-        <p:nvSpPr>
-          <p:cNvPr id="6" name="Rounded Rectangle 5">
-            <a:extLst>
-              <a:ext uri="{FF2B5EF4-FFF2-40B4-BE49-F238E27FC236}">
-                <a16:creationId xmlns:a16="http://schemas.microsoft.com/office/drawing/2014/main" id="{971F79A8-936E-E19F-69DA-47AC4E387FC1}"/>
-              </a:ext>
-            </a:extLst>
-          </p:cNvPr>
-          <p:cNvSpPr/>
-          <p:nvPr/>
-        </p:nvSpPr>
-        <p:spPr>
-          <a:xfrm>
-            <a:off x="3076799" y="824978"/>
-            <a:ext cx="2250869" cy="1750943"/>
-          </a:xfrm>
-          <a:prstGeom prst="roundRect">
-            <a:avLst/>
-          </a:prstGeom>
-          <a:solidFill>
-            <a:schemeClr val="accent3">
-              <a:lumMod val="40000"/>
-              <a:lumOff val="60000"/>
-            </a:schemeClr>
-          </a:solidFill>
-          <a:ln>
-            <a:noFill/>
-          </a:ln>
-          <a:effectLst>
-            <a:outerShdw blurRad="44450" dist="27940" dir="5400000" algn="ctr">
-              <a:srgbClr val="000000">
-                <a:alpha val="32000"/>
-              </a:srgbClr>
-            </a:outerShdw>
-          </a:effectLst>
-        </p:spPr>
-        <p:txBody>
-          <a:bodyPr rot="0" spcFirstLastPara="0" vertOverflow="overflow" horzOverflow="overflow" vert="horz" wrap="square" lIns="121851" tIns="60925" rIns="121851" bIns="60925" numCol="1" spcCol="0" rtlCol="0" fromWordArt="0" anchor="ctr" anchorCtr="0" forceAA="0" compatLnSpc="1">
-            <a:prstTxWarp prst="textNoShape">
-              <a:avLst/>
-            </a:prstTxWarp>
-            <a:noAutofit/>
-          </a:bodyPr>
-          <a:lstStyle/>
-          <a:p>
-            <a:pPr algn="ctr">
-              <a:lnSpc>
-                <a:spcPct val="90000"/>
-              </a:lnSpc>
-            </a:pPr>
-            <a:r>
-              <a:rPr lang="en-US" sz="2000" dirty="0">
-                <a:solidFill>
-                  <a:sysClr val="windowText" lastClr="000000"/>
-                </a:solidFill>
-              </a:rPr>
-              <a:t>Compare against a known analytical solution</a:t>
-            </a:r>
-          </a:p>
-        </p:txBody>
-      </p:sp>
-      <p:sp>
-        <p:nvSpPr>
-          <p:cNvPr id="7" name="Rounded Rectangle 6">
-            <a:extLst>
-              <a:ext uri="{FF2B5EF4-FFF2-40B4-BE49-F238E27FC236}">
-                <a16:creationId xmlns:a16="http://schemas.microsoft.com/office/drawing/2014/main" id="{CCABCB36-5883-DE8C-2BBD-CCE2E0438D5A}"/>
-              </a:ext>
-            </a:extLst>
-          </p:cNvPr>
-          <p:cNvSpPr/>
-          <p:nvPr/>
-        </p:nvSpPr>
-        <p:spPr>
-          <a:xfrm>
-            <a:off x="5579000" y="843575"/>
-            <a:ext cx="2250870" cy="1750943"/>
-          </a:xfrm>
-          <a:prstGeom prst="roundRect">
-            <a:avLst/>
-          </a:prstGeom>
-          <a:solidFill>
-            <a:schemeClr val="accent3">
-              <a:lumMod val="40000"/>
-              <a:lumOff val="60000"/>
-            </a:schemeClr>
-          </a:solidFill>
-          <a:ln>
-            <a:noFill/>
-          </a:ln>
-          <a:effectLst>
-            <a:outerShdw blurRad="44450" dist="27940" dir="5400000" algn="ctr">
-              <a:srgbClr val="000000">
-                <a:alpha val="32000"/>
-              </a:srgbClr>
-            </a:outerShdw>
-          </a:effectLst>
-        </p:spPr>
-        <p:txBody>
-          <a:bodyPr rot="0" spcFirstLastPara="0" vertOverflow="overflow" horzOverflow="overflow" vert="horz" wrap="square" lIns="121851" tIns="60925" rIns="121851" bIns="60925" numCol="1" spcCol="0" rtlCol="0" fromWordArt="0" anchor="ctr" anchorCtr="0" forceAA="0" compatLnSpc="1">
-            <a:prstTxWarp prst="textNoShape">
-              <a:avLst/>
-            </a:prstTxWarp>
-            <a:noAutofit/>
-          </a:bodyPr>
-          <a:lstStyle/>
-          <a:p>
-            <a:pPr algn="ctr">
-              <a:lnSpc>
-                <a:spcPct val="90000"/>
-              </a:lnSpc>
-            </a:pPr>
-            <a:r>
-              <a:rPr lang="en-US" sz="2000" dirty="0">
-                <a:solidFill>
-                  <a:sysClr val="windowText" lastClr="000000"/>
-                </a:solidFill>
-              </a:rPr>
-              <a:t>Compare against a manufactured solution</a:t>
-            </a:r>
-          </a:p>
-        </p:txBody>
-      </p:sp>
-      <p:sp>
-        <p:nvSpPr>
-          <p:cNvPr id="9" name="Rounded Rectangle 8">
-            <a:extLst>
-              <a:ext uri="{FF2B5EF4-FFF2-40B4-BE49-F238E27FC236}">
-                <a16:creationId xmlns:a16="http://schemas.microsoft.com/office/drawing/2014/main" id="{1D295530-44B8-F049-1220-DD7166199FFC}"/>
-              </a:ext>
-            </a:extLst>
-          </p:cNvPr>
-          <p:cNvSpPr/>
-          <p:nvPr/>
-        </p:nvSpPr>
-        <p:spPr>
-          <a:xfrm>
-            <a:off x="879509" y="3434800"/>
-            <a:ext cx="1308790" cy="1172817"/>
-          </a:xfrm>
-          <a:prstGeom prst="roundRect">
-            <a:avLst/>
-          </a:prstGeom>
-          <a:solidFill>
-            <a:srgbClr val="0070C0"/>
-          </a:solidFill>
-          <a:ln>
-            <a:noFill/>
-          </a:ln>
-          <a:effectLst>
-            <a:outerShdw blurRad="44450" dist="27940" dir="5400000" algn="ctr">
-              <a:srgbClr val="000000">
-                <a:alpha val="32000"/>
-              </a:srgbClr>
-            </a:outerShdw>
-          </a:effectLst>
-        </p:spPr>
-        <p:txBody>
-          <a:bodyPr rot="0" spcFirstLastPara="0" vertOverflow="overflow" horzOverflow="overflow" vert="horz" wrap="square" lIns="121851" tIns="60925" rIns="121851" bIns="60925" numCol="1" spcCol="0" rtlCol="0" fromWordArt="0" anchor="ctr" anchorCtr="0" forceAA="0" compatLnSpc="1">
-            <a:prstTxWarp prst="textNoShape">
-              <a:avLst/>
-            </a:prstTxWarp>
-            <a:noAutofit/>
-          </a:bodyPr>
-          <a:lstStyle/>
-          <a:p>
-            <a:pPr algn="ctr">
-              <a:lnSpc>
-                <a:spcPct val="90000"/>
-              </a:lnSpc>
-            </a:pPr>
-            <a:r>
-              <a:rPr lang="en-US" sz="2000" dirty="0">
-                <a:solidFill>
-                  <a:schemeClr val="bg1"/>
-                </a:solidFill>
-              </a:rPr>
-              <a:t>How ?</a:t>
-            </a:r>
-          </a:p>
-        </p:txBody>
-      </p:sp>
-      <p:sp>
-        <p:nvSpPr>
-          <p:cNvPr id="10" name="Rounded Rectangle 9">
-            <a:extLst>
-              <a:ext uri="{FF2B5EF4-FFF2-40B4-BE49-F238E27FC236}">
-                <a16:creationId xmlns:a16="http://schemas.microsoft.com/office/drawing/2014/main" id="{C567CBD7-E124-077C-651F-DC989B79CBD8}"/>
-              </a:ext>
-            </a:extLst>
-          </p:cNvPr>
-          <p:cNvSpPr/>
-          <p:nvPr/>
-        </p:nvSpPr>
-        <p:spPr>
-          <a:xfrm>
-            <a:off x="5579000" y="4371006"/>
-            <a:ext cx="2250869" cy="1750943"/>
-          </a:xfrm>
-          <a:prstGeom prst="roundRect">
-            <a:avLst/>
-          </a:prstGeom>
-          <a:solidFill>
-            <a:schemeClr val="accent3">
-              <a:lumMod val="40000"/>
-              <a:lumOff val="60000"/>
-            </a:schemeClr>
-          </a:solidFill>
-          <a:ln>
-            <a:noFill/>
-          </a:ln>
-          <a:effectLst>
-            <a:outerShdw blurRad="44450" dist="27940" dir="5400000" algn="ctr">
-              <a:srgbClr val="000000">
-                <a:alpha val="32000"/>
-              </a:srgbClr>
-            </a:outerShdw>
-          </a:effectLst>
-        </p:spPr>
-        <p:txBody>
-          <a:bodyPr rot="0" spcFirstLastPara="0" vertOverflow="overflow" horzOverflow="overflow" vert="horz" wrap="square" lIns="121851" tIns="60925" rIns="121851" bIns="60925" numCol="1" spcCol="0" rtlCol="0" fromWordArt="0" anchor="ctr" anchorCtr="0" forceAA="0" compatLnSpc="1">
-            <a:prstTxWarp prst="textNoShape">
-              <a:avLst/>
-            </a:prstTxWarp>
-            <a:noAutofit/>
-          </a:bodyPr>
-          <a:lstStyle/>
-          <a:p>
-            <a:pPr algn="ctr">
-              <a:lnSpc>
-                <a:spcPct val="90000"/>
-              </a:lnSpc>
-            </a:pPr>
-            <a:r>
-              <a:rPr lang="en-US" sz="2000" dirty="0">
-                <a:solidFill>
-                  <a:sysClr val="windowText" lastClr="000000"/>
-                </a:solidFill>
-              </a:rPr>
-              <a:t>Visualize and inspect output</a:t>
-            </a:r>
-          </a:p>
-        </p:txBody>
-      </p:sp>
-      <p:sp>
-        <p:nvSpPr>
-          <p:cNvPr id="11" name="Rounded Rectangle 10">
-            <a:extLst>
-              <a:ext uri="{FF2B5EF4-FFF2-40B4-BE49-F238E27FC236}">
-                <a16:creationId xmlns:a16="http://schemas.microsoft.com/office/drawing/2014/main" id="{44863933-04EF-B7E5-3B8C-13BAC274DFB9}"/>
-              </a:ext>
-            </a:extLst>
-          </p:cNvPr>
-          <p:cNvSpPr/>
-          <p:nvPr/>
-        </p:nvSpPr>
-        <p:spPr>
-          <a:xfrm>
-            <a:off x="3077482" y="4371005"/>
-            <a:ext cx="2220896" cy="1750943"/>
-          </a:xfrm>
-          <a:prstGeom prst="roundRect">
-            <a:avLst/>
-          </a:prstGeom>
-          <a:solidFill>
-            <a:schemeClr val="accent3">
-              <a:lumMod val="40000"/>
-              <a:lumOff val="60000"/>
-            </a:schemeClr>
-          </a:solidFill>
-          <a:ln>
-            <a:noFill/>
-          </a:ln>
-          <a:effectLst>
-            <a:outerShdw blurRad="44450" dist="27940" dir="5400000" algn="ctr">
-              <a:srgbClr val="000000">
-                <a:alpha val="32000"/>
-              </a:srgbClr>
-            </a:outerShdw>
-          </a:effectLst>
-        </p:spPr>
-        <p:txBody>
-          <a:bodyPr rot="0" spcFirstLastPara="0" vertOverflow="overflow" horzOverflow="overflow" vert="horz" wrap="square" lIns="121851" tIns="60925" rIns="121851" bIns="60925" numCol="1" spcCol="0" rtlCol="0" fromWordArt="0" anchor="ctr" anchorCtr="0" forceAA="0" compatLnSpc="1">
-            <a:prstTxWarp prst="textNoShape">
-              <a:avLst/>
-            </a:prstTxWarp>
-            <a:noAutofit/>
-          </a:bodyPr>
-          <a:lstStyle/>
-          <a:p>
-            <a:pPr algn="ctr">
-              <a:lnSpc>
-                <a:spcPct val="90000"/>
-              </a:lnSpc>
-            </a:pPr>
-            <a:r>
-              <a:rPr lang="en-US" sz="2000" dirty="0">
-                <a:solidFill>
-                  <a:sysClr val="windowText" lastClr="000000"/>
-                </a:solidFill>
-              </a:rPr>
-              <a:t>Develop diagnostics</a:t>
-            </a:r>
-          </a:p>
-        </p:txBody>
-      </p:sp>
-      <p:sp>
-        <p:nvSpPr>
-          <p:cNvPr id="12" name="Rounded Rectangle 11">
-            <a:extLst>
-              <a:ext uri="{FF2B5EF4-FFF2-40B4-BE49-F238E27FC236}">
-                <a16:creationId xmlns:a16="http://schemas.microsoft.com/office/drawing/2014/main" id="{25B27DF9-F593-994A-B6EB-FEFC3AEF1ACD}"/>
-              </a:ext>
-            </a:extLst>
-          </p:cNvPr>
-          <p:cNvSpPr/>
-          <p:nvPr/>
-        </p:nvSpPr>
-        <p:spPr>
-          <a:xfrm>
-            <a:off x="8437747" y="824978"/>
-            <a:ext cx="3240241" cy="4886709"/>
-          </a:xfrm>
-          <a:prstGeom prst="roundRect">
-            <a:avLst/>
-          </a:prstGeom>
-          <a:solidFill>
-            <a:srgbClr val="0070C0"/>
-          </a:solidFill>
-          <a:ln>
-            <a:noFill/>
-          </a:ln>
-          <a:effectLst>
-            <a:outerShdw blurRad="44450" dist="27940" dir="5400000" algn="ctr">
-              <a:srgbClr val="000000">
-                <a:alpha val="32000"/>
-              </a:srgbClr>
-            </a:outerShdw>
-          </a:effectLst>
-        </p:spPr>
-        <p:txBody>
-          <a:bodyPr rot="0" spcFirstLastPara="0" vertOverflow="overflow" horzOverflow="overflow" vert="horz" wrap="square" lIns="121851" tIns="60925" rIns="121851" bIns="60925" numCol="1" spcCol="0" rtlCol="0" fromWordArt="0" anchor="ctr" anchorCtr="0" forceAA="0" compatLnSpc="1">
-            <a:prstTxWarp prst="textNoShape">
-              <a:avLst/>
-            </a:prstTxWarp>
-            <a:noAutofit/>
-          </a:bodyPr>
-          <a:lstStyle/>
-          <a:p>
-            <a:pPr algn="ctr">
-              <a:lnSpc>
-                <a:spcPct val="90000"/>
-              </a:lnSpc>
-            </a:pPr>
-            <a:r>
-              <a:rPr lang="en-US" sz="2000" dirty="0">
-                <a:solidFill>
-                  <a:schemeClr val="bg1"/>
-                </a:solidFill>
-              </a:rPr>
-              <a:t>Right there are all the ingredients for building tests</a:t>
-            </a:r>
-          </a:p>
-          <a:p>
-            <a:pPr algn="ctr">
-              <a:lnSpc>
-                <a:spcPct val="90000"/>
-              </a:lnSpc>
-            </a:pPr>
-            <a:endParaRPr lang="en-US" sz="2000" dirty="0">
-              <a:solidFill>
-                <a:schemeClr val="bg1"/>
-              </a:solidFill>
-            </a:endParaRPr>
-          </a:p>
-          <a:p>
-            <a:pPr algn="ctr">
-              <a:lnSpc>
-                <a:spcPct val="90000"/>
-              </a:lnSpc>
-            </a:pPr>
-            <a:r>
-              <a:rPr lang="en-US" sz="2000" dirty="0">
-                <a:solidFill>
-                  <a:schemeClr val="bg1"/>
-                </a:solidFill>
-              </a:rPr>
-              <a:t>All that is needed is automating directly or indirectly</a:t>
-            </a:r>
-          </a:p>
-          <a:p>
-            <a:pPr algn="ctr">
-              <a:lnSpc>
-                <a:spcPct val="90000"/>
-              </a:lnSpc>
-            </a:pPr>
-            <a:endParaRPr lang="en-US" sz="2000" dirty="0">
-              <a:solidFill>
-                <a:schemeClr val="bg1"/>
-              </a:solidFill>
-            </a:endParaRPr>
-          </a:p>
-        </p:txBody>
-      </p:sp>
-    </p:spTree>
-    <p:extLst>
-      <p:ext uri="{BB962C8B-B14F-4D97-AF65-F5344CB8AC3E}">
-        <p14:creationId xmlns:p14="http://schemas.microsoft.com/office/powerpoint/2010/main" val="289060830"/>
-      </p:ext>
-    </p:extLst>
-  </p:cSld>
-  <p:clrMapOvr>
-    <a:masterClrMapping/>
-  </p:clrMapOvr>
-</p:sld>
-</file>
-
-<file path=ppt/slides/slide12.xml><?xml version="1.0" encoding="utf-8"?>
-<p:sld xmlns:a="http://schemas.openxmlformats.org/drawingml/2006/main" xmlns:r="http://schemas.openxmlformats.org/officeDocument/2006/relationships" xmlns:p="http://schemas.openxmlformats.org/presentationml/2006/main">
-  <p:cSld>
-    <p:spTree>
-      <p:nvGrpSpPr>
-        <p:cNvPr id="1" name=""/>
-        <p:cNvGrpSpPr/>
-        <p:nvPr/>
-      </p:nvGrpSpPr>
-      <p:grpSpPr>
-        <a:xfrm>
-          <a:off x="0" y="0"/>
-          <a:ext cx="0" cy="0"/>
-          <a:chOff x="0" y="0"/>
-          <a:chExt cx="0" cy="0"/>
-        </a:xfrm>
-      </p:grpSpPr>
-      <p:sp>
-        <p:nvSpPr>
           <p:cNvPr id="69" name="Title 1">
             <a:extLst>
               <a:ext uri="{FF2B5EF4-FFF2-40B4-BE49-F238E27FC236}">
@@ -9560,7 +8853,7 @@
 </p:sld>
 </file>
 
-<file path=ppt/slides/slide13.xml><?xml version="1.0" encoding="utf-8"?>
+<file path=ppt/slides/slide12.xml><?xml version="1.0" encoding="utf-8"?>
 <p:sld xmlns:a="http://schemas.openxmlformats.org/drawingml/2006/main" xmlns:r="http://schemas.openxmlformats.org/officeDocument/2006/relationships" xmlns:p="http://schemas.openxmlformats.org/presentationml/2006/main">
   <p:cSld>
     <p:spTree>
@@ -9762,7 +9055,7 @@
 </p:sld>
 </file>
 
-<file path=ppt/slides/slide14.xml><?xml version="1.0" encoding="utf-8"?>
+<file path=ppt/slides/slide13.xml><?xml version="1.0" encoding="utf-8"?>
 <p:sld xmlns:a="http://schemas.openxmlformats.org/drawingml/2006/main" xmlns:r="http://schemas.openxmlformats.org/officeDocument/2006/relationships" xmlns:p="http://schemas.openxmlformats.org/presentationml/2006/main">
   <p:cSld>
     <p:spTree>
@@ -9871,7 +9164,7 @@
           <a:noFill/>
           <a:extLst>
             <a:ext uri="{909E8E84-426E-40dd-AFC4-6F175D3DCCD1}">
-              <a14:hiddenFill xmlns="" xmlns:a14="http://schemas.microsoft.com/office/drawing/2010/main">
+              <a14:hiddenFill xmlns:a14="http://schemas.microsoft.com/office/drawing/2010/main" xmlns="">
                 <a:solidFill>
                   <a:srgbClr val="FFFFFF"/>
                 </a:solidFill>
@@ -10141,6 +9434,112 @@
 </p:sld>
 </file>
 
+<file path=ppt/slides/slide14.xml><?xml version="1.0" encoding="utf-8"?>
+<p:sld xmlns:a="http://schemas.openxmlformats.org/drawingml/2006/main" xmlns:r="http://schemas.openxmlformats.org/officeDocument/2006/relationships" xmlns:p="http://schemas.openxmlformats.org/presentationml/2006/main">
+  <p:cSld>
+    <p:spTree>
+      <p:nvGrpSpPr>
+        <p:cNvPr id="1" name=""/>
+        <p:cNvGrpSpPr/>
+        <p:nvPr/>
+      </p:nvGrpSpPr>
+      <p:grpSpPr>
+        <a:xfrm>
+          <a:off x="0" y="0"/>
+          <a:ext cx="0" cy="0"/>
+          <a:chOff x="0" y="0"/>
+          <a:chExt cx="0" cy="0"/>
+        </a:xfrm>
+      </p:grpSpPr>
+      <p:sp>
+        <p:nvSpPr>
+          <p:cNvPr id="2" name="Title 1"/>
+          <p:cNvSpPr>
+            <a:spLocks noGrp="1"/>
+          </p:cNvSpPr>
+          <p:nvPr>
+            <p:ph type="title"/>
+          </p:nvPr>
+        </p:nvSpPr>
+        <p:spPr/>
+        <p:txBody>
+          <a:bodyPr/>
+          <a:lstStyle/>
+          <a:p>
+            <a:r>
+              <a:rPr lang="en-US" dirty="0"/>
+              <a:t>Step 1 – Equation of State</a:t>
+            </a:r>
+          </a:p>
+        </p:txBody>
+      </p:sp>
+      <p:sp>
+        <p:nvSpPr>
+          <p:cNvPr id="5" name="Content Placeholder 4"/>
+          <p:cNvSpPr>
+            <a:spLocks noGrp="1"/>
+          </p:cNvSpPr>
+          <p:nvPr>
+            <p:ph sz="quarter" idx="1"/>
+          </p:nvPr>
+        </p:nvSpPr>
+        <p:spPr>
+          <a:xfrm>
+            <a:off x="729774" y="1802813"/>
+            <a:ext cx="10057495" cy="2795692"/>
+          </a:xfrm>
+        </p:spPr>
+        <p:txBody>
+          <a:bodyPr/>
+          <a:lstStyle/>
+          <a:p>
+            <a:r>
+              <a:rPr lang="en-US" dirty="0"/>
+              <a:t>Initialize density and internal energy with known values</a:t>
+            </a:r>
+          </a:p>
+          <a:p>
+            <a:r>
+              <a:rPr lang="en-US" dirty="0"/>
+              <a:t>Compute pressure and temperature using EOS</a:t>
+            </a:r>
+          </a:p>
+          <a:p>
+            <a:r>
+              <a:rPr lang="en-US" dirty="0"/>
+              <a:t>Next use density and computed pressure as input and compute internal energy and temperature using EOS</a:t>
+            </a:r>
+          </a:p>
+          <a:p>
+            <a:r>
+              <a:rPr lang="en-US" dirty="0"/>
+              <a:t>Compare computed values against initialized values</a:t>
+            </a:r>
+          </a:p>
+          <a:p>
+            <a:pPr marL="0" indent="0">
+              <a:buNone/>
+            </a:pPr>
+            <a:endParaRPr lang="en-US" dirty="0"/>
+          </a:p>
+        </p:txBody>
+      </p:sp>
+    </p:spTree>
+    <p:custDataLst>
+      <p:tags r:id="rId1"/>
+    </p:custDataLst>
+    <p:extLst>
+      <p:ext uri="{BB962C8B-B14F-4D97-AF65-F5344CB8AC3E}">
+        <p14:creationId xmlns:p14="http://schemas.microsoft.com/office/powerpoint/2010/main" val="3967456562"/>
+      </p:ext>
+    </p:extLst>
+  </p:cSld>
+  <p:clrMapOvr>
+    <a:masterClrMapping/>
+  </p:clrMapOvr>
+</p:sld>
+</file>
+
 <file path=ppt/slides/slide15.xml><?xml version="1.0" encoding="utf-8"?>
 <p:sld xmlns:a="http://schemas.openxmlformats.org/drawingml/2006/main" xmlns:r="http://schemas.openxmlformats.org/officeDocument/2006/relationships" xmlns:p="http://schemas.openxmlformats.org/presentationml/2006/main">
   <p:cSld>
@@ -10175,7 +9574,172 @@
           <a:p>
             <a:r>
               <a:rPr lang="en-US" dirty="0"/>
-              <a:t>Step 1 – Mesh</a:t>
+              <a:t>Step 1 – Equation of State</a:t>
+            </a:r>
+          </a:p>
+        </p:txBody>
+      </p:sp>
+      <p:sp>
+        <p:nvSpPr>
+          <p:cNvPr id="5" name="Content Placeholder 4"/>
+          <p:cNvSpPr>
+            <a:spLocks noGrp="1"/>
+          </p:cNvSpPr>
+          <p:nvPr>
+            <p:ph sz="quarter" idx="1"/>
+          </p:nvPr>
+        </p:nvSpPr>
+        <p:spPr>
+          <a:xfrm>
+            <a:off x="729774" y="1802813"/>
+            <a:ext cx="10057495" cy="2795692"/>
+          </a:xfrm>
+        </p:spPr>
+        <p:txBody>
+          <a:bodyPr/>
+          <a:lstStyle/>
+          <a:p>
+            <a:r>
+              <a:rPr lang="en-US" dirty="0"/>
+              <a:t>Initialize density and internal energy with known values</a:t>
+            </a:r>
+          </a:p>
+          <a:p>
+            <a:r>
+              <a:rPr lang="en-US" dirty="0"/>
+              <a:t>Compute pressure and temperature using EOS</a:t>
+            </a:r>
+          </a:p>
+          <a:p>
+            <a:r>
+              <a:rPr lang="en-US" dirty="0"/>
+              <a:t>Next use density and computed pressure as input and compute internal energy and temperature using EOS</a:t>
+            </a:r>
+          </a:p>
+          <a:p>
+            <a:r>
+              <a:rPr lang="en-US" dirty="0"/>
+              <a:t>Compare computed values against initialized values</a:t>
+            </a:r>
+          </a:p>
+          <a:p>
+            <a:pPr marL="0" indent="0">
+              <a:buNone/>
+            </a:pPr>
+            <a:endParaRPr lang="en-US" dirty="0"/>
+          </a:p>
+        </p:txBody>
+      </p:sp>
+      <p:sp>
+        <p:nvSpPr>
+          <p:cNvPr id="4" name="Rounded Rectangle 3">
+            <a:extLst>
+              <a:ext uri="{FF2B5EF4-FFF2-40B4-BE49-F238E27FC236}">
+                <a16:creationId xmlns:a16="http://schemas.microsoft.com/office/drawing/2014/main" id="{E5484925-C7F9-2A60-D496-70C9AA0F5262}"/>
+              </a:ext>
+            </a:extLst>
+          </p:cNvPr>
+          <p:cNvSpPr/>
+          <p:nvPr/>
+        </p:nvSpPr>
+        <p:spPr>
+          <a:xfrm>
+            <a:off x="2598578" y="4598505"/>
+            <a:ext cx="3627053" cy="914401"/>
+          </a:xfrm>
+          <a:prstGeom prst="roundRect">
+            <a:avLst/>
+          </a:prstGeom>
+          <a:solidFill>
+            <a:srgbClr val="7030A0"/>
+          </a:solidFill>
+          <a:ln>
+            <a:noFill/>
+          </a:ln>
+          <a:effectLst>
+            <a:outerShdw blurRad="44450" dist="27940" dir="5400000" algn="ctr">
+              <a:srgbClr val="000000">
+                <a:alpha val="32000"/>
+              </a:srgbClr>
+            </a:outerShdw>
+          </a:effectLst>
+        </p:spPr>
+        <p:txBody>
+          <a:bodyPr rot="0" spcFirstLastPara="0" vertOverflow="overflow" horzOverflow="overflow" vert="horz" wrap="square" lIns="121851" tIns="60925" rIns="121851" bIns="60925" numCol="1" spcCol="0" rtlCol="0" fromWordArt="0" anchor="ctr" anchorCtr="0" forceAA="0" compatLnSpc="1">
+            <a:prstTxWarp prst="textNoShape">
+              <a:avLst/>
+            </a:prstTxWarp>
+            <a:noAutofit/>
+          </a:bodyPr>
+          <a:lstStyle/>
+          <a:p>
+            <a:pPr algn="ctr">
+              <a:lnSpc>
+                <a:spcPct val="90000"/>
+              </a:lnSpc>
+            </a:pPr>
+            <a:r>
+              <a:rPr lang="en-US" sz="2000" dirty="0">
+                <a:solidFill>
+                  <a:schemeClr val="bg1"/>
+                </a:solidFill>
+              </a:rPr>
+              <a:t>We have a unit test </a:t>
+            </a:r>
+          </a:p>
+        </p:txBody>
+      </p:sp>
+    </p:spTree>
+    <p:custDataLst>
+      <p:tags r:id="rId1"/>
+    </p:custDataLst>
+    <p:extLst>
+      <p:ext uri="{BB962C8B-B14F-4D97-AF65-F5344CB8AC3E}">
+        <p14:creationId xmlns:p14="http://schemas.microsoft.com/office/powerpoint/2010/main" val="1102284337"/>
+      </p:ext>
+    </p:extLst>
+  </p:cSld>
+  <p:clrMapOvr>
+    <a:masterClrMapping/>
+  </p:clrMapOvr>
+</p:sld>
+</file>
+
+<file path=ppt/slides/slide16.xml><?xml version="1.0" encoding="utf-8"?>
+<p:sld xmlns:a="http://schemas.openxmlformats.org/drawingml/2006/main" xmlns:r="http://schemas.openxmlformats.org/officeDocument/2006/relationships" xmlns:p="http://schemas.openxmlformats.org/presentationml/2006/main">
+  <p:cSld>
+    <p:spTree>
+      <p:nvGrpSpPr>
+        <p:cNvPr id="1" name=""/>
+        <p:cNvGrpSpPr/>
+        <p:nvPr/>
+      </p:nvGrpSpPr>
+      <p:grpSpPr>
+        <a:xfrm>
+          <a:off x="0" y="0"/>
+          <a:ext cx="0" cy="0"/>
+          <a:chOff x="0" y="0"/>
+          <a:chExt cx="0" cy="0"/>
+        </a:xfrm>
+      </p:grpSpPr>
+      <p:sp>
+        <p:nvSpPr>
+          <p:cNvPr id="2" name="Title 1"/>
+          <p:cNvSpPr>
+            <a:spLocks noGrp="1"/>
+          </p:cNvSpPr>
+          <p:nvPr>
+            <p:ph type="title"/>
+          </p:nvPr>
+        </p:nvSpPr>
+        <p:spPr/>
+        <p:txBody>
+          <a:bodyPr/>
+          <a:lstStyle/>
+          <a:p>
+            <a:r>
+              <a:rPr lang="en-US" dirty="0"/>
+              <a:t>Step 2 – Mesh</a:t>
             </a:r>
           </a:p>
         </p:txBody>
@@ -10572,113 +10136,7 @@
     </p:custDataLst>
     <p:extLst>
       <p:ext uri="{BB962C8B-B14F-4D97-AF65-F5344CB8AC3E}">
-        <p14:creationId xmlns:p14="http://schemas.microsoft.com/office/powerpoint/2010/main" val="2631408765"/>
-      </p:ext>
-    </p:extLst>
-  </p:cSld>
-  <p:clrMapOvr>
-    <a:masterClrMapping/>
-  </p:clrMapOvr>
-</p:sld>
-</file>
-
-<file path=ppt/slides/slide16.xml><?xml version="1.0" encoding="utf-8"?>
-<p:sld xmlns:a="http://schemas.openxmlformats.org/drawingml/2006/main" xmlns:r="http://schemas.openxmlformats.org/officeDocument/2006/relationships" xmlns:p="http://schemas.openxmlformats.org/presentationml/2006/main">
-  <p:cSld>
-    <p:spTree>
-      <p:nvGrpSpPr>
-        <p:cNvPr id="1" name=""/>
-        <p:cNvGrpSpPr/>
-        <p:nvPr/>
-      </p:nvGrpSpPr>
-      <p:grpSpPr>
-        <a:xfrm>
-          <a:off x="0" y="0"/>
-          <a:ext cx="0" cy="0"/>
-          <a:chOff x="0" y="0"/>
-          <a:chExt cx="0" cy="0"/>
-        </a:xfrm>
-      </p:grpSpPr>
-      <p:sp>
-        <p:nvSpPr>
-          <p:cNvPr id="2" name="Title 1"/>
-          <p:cNvSpPr>
-            <a:spLocks noGrp="1"/>
-          </p:cNvSpPr>
-          <p:nvPr>
-            <p:ph type="title"/>
-          </p:nvPr>
-        </p:nvSpPr>
-        <p:spPr/>
-        <p:txBody>
-          <a:bodyPr/>
-          <a:lstStyle/>
-          <a:p>
-            <a:r>
-              <a:rPr lang="en-US" dirty="0"/>
-              <a:t>Step 1 – Equation of State</a:t>
-            </a:r>
-          </a:p>
-        </p:txBody>
-      </p:sp>
-      <p:sp>
-        <p:nvSpPr>
-          <p:cNvPr id="5" name="Content Placeholder 4"/>
-          <p:cNvSpPr>
-            <a:spLocks noGrp="1"/>
-          </p:cNvSpPr>
-          <p:nvPr>
-            <p:ph sz="quarter" idx="1"/>
-          </p:nvPr>
-        </p:nvSpPr>
-        <p:spPr>
-          <a:xfrm>
-            <a:off x="729774" y="1802813"/>
-            <a:ext cx="10057495" cy="2795692"/>
-          </a:xfrm>
-        </p:spPr>
-        <p:txBody>
-          <a:bodyPr/>
-          <a:lstStyle/>
-          <a:p>
-            <a:r>
-              <a:rPr lang="en-US" dirty="0"/>
-              <a:t>Initialize density and internal energy with known values</a:t>
-            </a:r>
-          </a:p>
-          <a:p>
-            <a:r>
-              <a:rPr lang="en-US" dirty="0"/>
-              <a:t>Compute pressure and temperature using EOS</a:t>
-            </a:r>
-          </a:p>
-          <a:p>
-            <a:r>
-              <a:rPr lang="en-US" dirty="0"/>
-              <a:t>Next use density and computed pressure as input and compute internal energy and temperature using EOS</a:t>
-            </a:r>
-          </a:p>
-          <a:p>
-            <a:r>
-              <a:rPr lang="en-US" dirty="0"/>
-              <a:t>Compare computed values against initialized values</a:t>
-            </a:r>
-          </a:p>
-          <a:p>
-            <a:pPr marL="0" indent="0">
-              <a:buNone/>
-            </a:pPr>
-            <a:endParaRPr lang="en-US" dirty="0"/>
-          </a:p>
-        </p:txBody>
-      </p:sp>
-    </p:spTree>
-    <p:custDataLst>
-      <p:tags r:id="rId1"/>
-    </p:custDataLst>
-    <p:extLst>
-      <p:ext uri="{BB962C8B-B14F-4D97-AF65-F5344CB8AC3E}">
-        <p14:creationId xmlns:p14="http://schemas.microsoft.com/office/powerpoint/2010/main" val="3967456562"/>
+        <p14:creationId xmlns:p14="http://schemas.microsoft.com/office/powerpoint/2010/main" val="3214578028"/>
       </p:ext>
     </p:extLst>
   </p:cSld>
@@ -10689,171 +10147,6 @@
 </file>
 
 <file path=ppt/slides/slide17.xml><?xml version="1.0" encoding="utf-8"?>
-<p:sld xmlns:a="http://schemas.openxmlformats.org/drawingml/2006/main" xmlns:r="http://schemas.openxmlformats.org/officeDocument/2006/relationships" xmlns:p="http://schemas.openxmlformats.org/presentationml/2006/main">
-  <p:cSld>
-    <p:spTree>
-      <p:nvGrpSpPr>
-        <p:cNvPr id="1" name=""/>
-        <p:cNvGrpSpPr/>
-        <p:nvPr/>
-      </p:nvGrpSpPr>
-      <p:grpSpPr>
-        <a:xfrm>
-          <a:off x="0" y="0"/>
-          <a:ext cx="0" cy="0"/>
-          <a:chOff x="0" y="0"/>
-          <a:chExt cx="0" cy="0"/>
-        </a:xfrm>
-      </p:grpSpPr>
-      <p:sp>
-        <p:nvSpPr>
-          <p:cNvPr id="2" name="Title 1"/>
-          <p:cNvSpPr>
-            <a:spLocks noGrp="1"/>
-          </p:cNvSpPr>
-          <p:nvPr>
-            <p:ph type="title"/>
-          </p:nvPr>
-        </p:nvSpPr>
-        <p:spPr/>
-        <p:txBody>
-          <a:bodyPr/>
-          <a:lstStyle/>
-          <a:p>
-            <a:r>
-              <a:rPr lang="en-US" dirty="0"/>
-              <a:t>Step 1 – Equation of State</a:t>
-            </a:r>
-          </a:p>
-        </p:txBody>
-      </p:sp>
-      <p:sp>
-        <p:nvSpPr>
-          <p:cNvPr id="5" name="Content Placeholder 4"/>
-          <p:cNvSpPr>
-            <a:spLocks noGrp="1"/>
-          </p:cNvSpPr>
-          <p:nvPr>
-            <p:ph sz="quarter" idx="1"/>
-          </p:nvPr>
-        </p:nvSpPr>
-        <p:spPr>
-          <a:xfrm>
-            <a:off x="729774" y="1802813"/>
-            <a:ext cx="10057495" cy="2795692"/>
-          </a:xfrm>
-        </p:spPr>
-        <p:txBody>
-          <a:bodyPr/>
-          <a:lstStyle/>
-          <a:p>
-            <a:r>
-              <a:rPr lang="en-US" dirty="0"/>
-              <a:t>Initialize density and internal energy with known values</a:t>
-            </a:r>
-          </a:p>
-          <a:p>
-            <a:r>
-              <a:rPr lang="en-US" dirty="0"/>
-              <a:t>Compute pressure and temperature using EOS</a:t>
-            </a:r>
-          </a:p>
-          <a:p>
-            <a:r>
-              <a:rPr lang="en-US" dirty="0"/>
-              <a:t>Next use density and computed pressure as input and compute internal energy and temperature using EOS</a:t>
-            </a:r>
-          </a:p>
-          <a:p>
-            <a:r>
-              <a:rPr lang="en-US" dirty="0"/>
-              <a:t>Compare computed values against initialized values</a:t>
-            </a:r>
-          </a:p>
-          <a:p>
-            <a:pPr marL="0" indent="0">
-              <a:buNone/>
-            </a:pPr>
-            <a:endParaRPr lang="en-US" dirty="0"/>
-          </a:p>
-        </p:txBody>
-      </p:sp>
-      <p:sp>
-        <p:nvSpPr>
-          <p:cNvPr id="4" name="Rounded Rectangle 3">
-            <a:extLst>
-              <a:ext uri="{FF2B5EF4-FFF2-40B4-BE49-F238E27FC236}">
-                <a16:creationId xmlns:a16="http://schemas.microsoft.com/office/drawing/2014/main" id="{E5484925-C7F9-2A60-D496-70C9AA0F5262}"/>
-              </a:ext>
-            </a:extLst>
-          </p:cNvPr>
-          <p:cNvSpPr/>
-          <p:nvPr/>
-        </p:nvSpPr>
-        <p:spPr>
-          <a:xfrm>
-            <a:off x="2598578" y="4598505"/>
-            <a:ext cx="3627053" cy="914401"/>
-          </a:xfrm>
-          <a:prstGeom prst="roundRect">
-            <a:avLst/>
-          </a:prstGeom>
-          <a:solidFill>
-            <a:srgbClr val="7030A0"/>
-          </a:solidFill>
-          <a:ln>
-            <a:noFill/>
-          </a:ln>
-          <a:effectLst>
-            <a:outerShdw blurRad="44450" dist="27940" dir="5400000" algn="ctr">
-              <a:srgbClr val="000000">
-                <a:alpha val="32000"/>
-              </a:srgbClr>
-            </a:outerShdw>
-          </a:effectLst>
-        </p:spPr>
-        <p:txBody>
-          <a:bodyPr rot="0" spcFirstLastPara="0" vertOverflow="overflow" horzOverflow="overflow" vert="horz" wrap="square" lIns="121851" tIns="60925" rIns="121851" bIns="60925" numCol="1" spcCol="0" rtlCol="0" fromWordArt="0" anchor="ctr" anchorCtr="0" forceAA="0" compatLnSpc="1">
-            <a:prstTxWarp prst="textNoShape">
-              <a:avLst/>
-            </a:prstTxWarp>
-            <a:noAutofit/>
-          </a:bodyPr>
-          <a:lstStyle/>
-          <a:p>
-            <a:pPr algn="ctr">
-              <a:lnSpc>
-                <a:spcPct val="90000"/>
-              </a:lnSpc>
-            </a:pPr>
-            <a:r>
-              <a:rPr lang="en-US" sz="2000" dirty="0">
-                <a:solidFill>
-                  <a:schemeClr val="bg1"/>
-                </a:solidFill>
-              </a:rPr>
-              <a:t>We have a unit test </a:t>
-            </a:r>
-          </a:p>
-        </p:txBody>
-      </p:sp>
-    </p:spTree>
-    <p:custDataLst>
-      <p:tags r:id="rId1"/>
-    </p:custDataLst>
-    <p:extLst>
-      <p:ext uri="{BB962C8B-B14F-4D97-AF65-F5344CB8AC3E}">
-        <p14:creationId xmlns:p14="http://schemas.microsoft.com/office/powerpoint/2010/main" val="1102284337"/>
-      </p:ext>
-    </p:extLst>
-  </p:cSld>
-  <p:clrMapOvr>
-    <a:masterClrMapping/>
-  </p:clrMapOvr>
-</p:sld>
-</file>
-
-<file path=ppt/slides/slide18.xml><?xml version="1.0" encoding="utf-8"?>
 <p:sld xmlns:a="http://schemas.openxmlformats.org/drawingml/2006/main" xmlns:r="http://schemas.openxmlformats.org/officeDocument/2006/relationships" xmlns:p="http://schemas.openxmlformats.org/presentationml/2006/main">
   <p:cSld>
     <p:spTree>
@@ -11278,447 +10571,6 @@
           </a:p>
         </p:txBody>
       </p:sp>
-    </p:spTree>
-    <p:custDataLst>
-      <p:tags r:id="rId1"/>
-    </p:custDataLst>
-    <p:extLst>
-      <p:ext uri="{BB962C8B-B14F-4D97-AF65-F5344CB8AC3E}">
-        <p14:creationId xmlns:p14="http://schemas.microsoft.com/office/powerpoint/2010/main" val="3214578028"/>
-      </p:ext>
-    </p:extLst>
-  </p:cSld>
-  <p:clrMapOvr>
-    <a:masterClrMapping/>
-  </p:clrMapOvr>
-</p:sld>
-</file>
-
-<file path=ppt/slides/slide19.xml><?xml version="1.0" encoding="utf-8"?>
-<p:sld xmlns:a="http://schemas.openxmlformats.org/drawingml/2006/main" xmlns:r="http://schemas.openxmlformats.org/officeDocument/2006/relationships" xmlns:p="http://schemas.openxmlformats.org/presentationml/2006/main">
-  <p:cSld>
-    <p:spTree>
-      <p:nvGrpSpPr>
-        <p:cNvPr id="1" name=""/>
-        <p:cNvGrpSpPr/>
-        <p:nvPr/>
-      </p:nvGrpSpPr>
-      <p:grpSpPr>
-        <a:xfrm>
-          <a:off x="0" y="0"/>
-          <a:ext cx="0" cy="0"/>
-          <a:chOff x="0" y="0"/>
-          <a:chExt cx="0" cy="0"/>
-        </a:xfrm>
-      </p:grpSpPr>
-      <p:sp>
-        <p:nvSpPr>
-          <p:cNvPr id="2" name="Title 1"/>
-          <p:cNvSpPr>
-            <a:spLocks noGrp="1"/>
-          </p:cNvSpPr>
-          <p:nvPr>
-            <p:ph type="title"/>
-          </p:nvPr>
-        </p:nvSpPr>
-        <p:spPr/>
-        <p:txBody>
-          <a:bodyPr/>
-          <a:lstStyle/>
-          <a:p>
-            <a:r>
-              <a:rPr lang="en-US" dirty="0"/>
-              <a:t>Step 2 – Mesh</a:t>
-            </a:r>
-          </a:p>
-        </p:txBody>
-      </p:sp>
-      <p:sp>
-        <p:nvSpPr>
-          <p:cNvPr id="5" name="Content Placeholder 4"/>
-          <p:cNvSpPr>
-            <a:spLocks noGrp="1"/>
-          </p:cNvSpPr>
-          <p:nvPr>
-            <p:ph sz="quarter" idx="1"/>
-          </p:nvPr>
-        </p:nvSpPr>
-        <p:spPr>
-          <a:xfrm>
-            <a:off x="561910" y="1325880"/>
-            <a:ext cx="5902934" cy="4893023"/>
-          </a:xfrm>
-        </p:spPr>
-        <p:txBody>
-          <a:bodyPr/>
-          <a:lstStyle/>
-          <a:p>
-            <a:r>
-              <a:rPr lang="en-US" dirty="0"/>
-              <a:t>Start with uniform grid</a:t>
-            </a:r>
-          </a:p>
-          <a:p>
-            <a:r>
-              <a:rPr lang="en-US" dirty="0"/>
-              <a:t>Domain decomposition for parallelization</a:t>
-            </a:r>
-          </a:p>
-          <a:p>
-            <a:pPr lvl="1"/>
-            <a:r>
-              <a:rPr lang="en-US" dirty="0"/>
-              <a:t>Halo fill operation</a:t>
-            </a:r>
-          </a:p>
-          <a:p>
-            <a:r>
-              <a:rPr lang="en-US" dirty="0"/>
-              <a:t>Initialize the interior (red) with a known function</a:t>
-            </a:r>
-          </a:p>
-          <a:p>
-            <a:r>
-              <a:rPr lang="en-US" dirty="0"/>
-              <a:t>Apply halo fill</a:t>
-            </a:r>
-          </a:p>
-          <a:p>
-            <a:r>
-              <a:rPr lang="en-US" dirty="0"/>
-              <a:t>Compute values for the halo using the known function</a:t>
-            </a:r>
-          </a:p>
-          <a:p>
-            <a:r>
-              <a:rPr lang="en-US" dirty="0"/>
-              <a:t>Compare against filled values</a:t>
-            </a:r>
-          </a:p>
-          <a:p>
-            <a:pPr marL="0" indent="0">
-              <a:buNone/>
-            </a:pPr>
-            <a:endParaRPr lang="en-US" dirty="0"/>
-          </a:p>
-        </p:txBody>
-      </p:sp>
-      <p:grpSp>
-        <p:nvGrpSpPr>
-          <p:cNvPr id="9" name="Group 8">
-            <a:extLst>
-              <a:ext uri="{FF2B5EF4-FFF2-40B4-BE49-F238E27FC236}">
-                <a16:creationId xmlns:a16="http://schemas.microsoft.com/office/drawing/2014/main" id="{85793508-B53B-654E-95B1-E2E34F1DE3B4}"/>
-              </a:ext>
-            </a:extLst>
-          </p:cNvPr>
-          <p:cNvGrpSpPr/>
-          <p:nvPr/>
-        </p:nvGrpSpPr>
-        <p:grpSpPr>
-          <a:xfrm>
-            <a:off x="6505642" y="2237359"/>
-            <a:ext cx="2079986" cy="1631092"/>
-            <a:chOff x="9658247" y="3805881"/>
-            <a:chExt cx="2079986" cy="1631092"/>
-          </a:xfrm>
-        </p:grpSpPr>
-        <p:sp>
-          <p:nvSpPr>
-            <p:cNvPr id="10" name="Rectangle 9">
-              <a:extLst>
-                <a:ext uri="{FF2B5EF4-FFF2-40B4-BE49-F238E27FC236}">
-                  <a16:creationId xmlns:a16="http://schemas.microsoft.com/office/drawing/2014/main" id="{F1BC5DAF-FB6C-E846-8754-C13ADB909601}"/>
-                </a:ext>
-              </a:extLst>
-            </p:cNvPr>
-            <p:cNvSpPr/>
-            <p:nvPr/>
-          </p:nvSpPr>
-          <p:spPr>
-            <a:xfrm>
-              <a:off x="9658247" y="3805881"/>
-              <a:ext cx="2079986" cy="1631092"/>
-            </a:xfrm>
-            <a:prstGeom prst="rect">
-              <a:avLst/>
-            </a:prstGeom>
-            <a:solidFill>
-              <a:schemeClr val="accent3">
-                <a:alpha val="58000"/>
-              </a:schemeClr>
-            </a:solidFill>
-            <a:ln>
-              <a:noFill/>
-            </a:ln>
-            <a:effectLst>
-              <a:outerShdw blurRad="44450" dist="27940" dir="5400000" algn="ctr">
-                <a:srgbClr val="000000">
-                  <a:alpha val="32000"/>
-                </a:srgbClr>
-              </a:outerShdw>
-            </a:effectLst>
-          </p:spPr>
-          <p:txBody>
-            <a:bodyPr rot="0" spcFirstLastPara="0" vertOverflow="overflow" horzOverflow="overflow" vert="horz" wrap="square" lIns="121851" tIns="60925" rIns="121851" bIns="60925" numCol="1" spcCol="0" rtlCol="0" fromWordArt="0" anchor="ctr" anchorCtr="0" forceAA="0" compatLnSpc="1">
-              <a:prstTxWarp prst="textNoShape">
-                <a:avLst/>
-              </a:prstTxWarp>
-              <a:noAutofit/>
-            </a:bodyPr>
-            <a:lstStyle/>
-            <a:p>
-              <a:pPr algn="ctr">
-                <a:lnSpc>
-                  <a:spcPct val="90000"/>
-                </a:lnSpc>
-              </a:pPr>
-              <a:endParaRPr lang="en-US" sz="2000" dirty="0">
-                <a:solidFill>
-                  <a:schemeClr val="bg1"/>
-                </a:solidFill>
-              </a:endParaRPr>
-            </a:p>
-          </p:txBody>
-        </p:sp>
-        <p:sp>
-          <p:nvSpPr>
-            <p:cNvPr id="11" name="Rectangle 10">
-              <a:extLst>
-                <a:ext uri="{FF2B5EF4-FFF2-40B4-BE49-F238E27FC236}">
-                  <a16:creationId xmlns:a16="http://schemas.microsoft.com/office/drawing/2014/main" id="{674E4AB0-5EBC-A14F-93BE-2A60B4418EA4}"/>
-                </a:ext>
-              </a:extLst>
-            </p:cNvPr>
-            <p:cNvSpPr/>
-            <p:nvPr/>
-          </p:nvSpPr>
-          <p:spPr>
-            <a:xfrm>
-              <a:off x="10056889" y="4079744"/>
-              <a:ext cx="1285103" cy="1083365"/>
-            </a:xfrm>
-            <a:prstGeom prst="rect">
-              <a:avLst/>
-            </a:prstGeom>
-            <a:solidFill>
-              <a:srgbClr val="FF0000"/>
-            </a:solidFill>
-            <a:ln>
-              <a:noFill/>
-            </a:ln>
-            <a:effectLst>
-              <a:outerShdw blurRad="44450" dist="27940" dir="5400000" algn="ctr">
-                <a:srgbClr val="000000">
-                  <a:alpha val="32000"/>
-                </a:srgbClr>
-              </a:outerShdw>
-            </a:effectLst>
-          </p:spPr>
-          <p:txBody>
-            <a:bodyPr rot="0" spcFirstLastPara="0" vertOverflow="overflow" horzOverflow="overflow" vert="horz" wrap="square" lIns="121851" tIns="60925" rIns="121851" bIns="60925" numCol="1" spcCol="0" rtlCol="0" fromWordArt="0" anchor="ctr" anchorCtr="0" forceAA="0" compatLnSpc="1">
-              <a:prstTxWarp prst="textNoShape">
-                <a:avLst/>
-              </a:prstTxWarp>
-              <a:noAutofit/>
-            </a:bodyPr>
-            <a:lstStyle/>
-            <a:p>
-              <a:pPr algn="ctr">
-                <a:lnSpc>
-                  <a:spcPct val="90000"/>
-                </a:lnSpc>
-              </a:pPr>
-              <a:r>
-                <a:rPr lang="en-US" sz="2000" dirty="0">
-                  <a:solidFill>
-                    <a:schemeClr val="bg1"/>
-                  </a:solidFill>
-                </a:rPr>
-                <a:t>rank 2</a:t>
-              </a:r>
-            </a:p>
-          </p:txBody>
-        </p:sp>
-      </p:grpSp>
-      <p:grpSp>
-        <p:nvGrpSpPr>
-          <p:cNvPr id="12" name="Group 11">
-            <a:extLst>
-              <a:ext uri="{FF2B5EF4-FFF2-40B4-BE49-F238E27FC236}">
-                <a16:creationId xmlns:a16="http://schemas.microsoft.com/office/drawing/2014/main" id="{2348CE2A-6110-8E44-A7B1-762FE7CAAC53}"/>
-              </a:ext>
-            </a:extLst>
-          </p:cNvPr>
-          <p:cNvGrpSpPr/>
-          <p:nvPr/>
-        </p:nvGrpSpPr>
-        <p:grpSpPr>
-          <a:xfrm>
-            <a:off x="7789106" y="1180370"/>
-            <a:ext cx="2079986" cy="1631092"/>
-            <a:chOff x="9658247" y="3805881"/>
-            <a:chExt cx="2079986" cy="1631092"/>
-          </a:xfrm>
-        </p:grpSpPr>
-        <p:sp>
-          <p:nvSpPr>
-            <p:cNvPr id="13" name="Rectangle 12">
-              <a:extLst>
-                <a:ext uri="{FF2B5EF4-FFF2-40B4-BE49-F238E27FC236}">
-                  <a16:creationId xmlns:a16="http://schemas.microsoft.com/office/drawing/2014/main" id="{18E08F0C-3C42-FE43-817A-850D8252FDA8}"/>
-                </a:ext>
-              </a:extLst>
-            </p:cNvPr>
-            <p:cNvSpPr/>
-            <p:nvPr/>
-          </p:nvSpPr>
-          <p:spPr>
-            <a:xfrm>
-              <a:off x="9658247" y="3805881"/>
-              <a:ext cx="2079986" cy="1631092"/>
-            </a:xfrm>
-            <a:prstGeom prst="rect">
-              <a:avLst/>
-            </a:prstGeom>
-            <a:solidFill>
-              <a:schemeClr val="accent3">
-                <a:alpha val="58000"/>
-              </a:schemeClr>
-            </a:solidFill>
-            <a:ln>
-              <a:noFill/>
-            </a:ln>
-            <a:effectLst>
-              <a:outerShdw blurRad="44450" dist="27940" dir="5400000" algn="ctr">
-                <a:srgbClr val="000000">
-                  <a:alpha val="32000"/>
-                </a:srgbClr>
-              </a:outerShdw>
-            </a:effectLst>
-          </p:spPr>
-          <p:txBody>
-            <a:bodyPr rot="0" spcFirstLastPara="0" vertOverflow="overflow" horzOverflow="overflow" vert="horz" wrap="square" lIns="121851" tIns="60925" rIns="121851" bIns="60925" numCol="1" spcCol="0" rtlCol="0" fromWordArt="0" anchor="ctr" anchorCtr="0" forceAA="0" compatLnSpc="1">
-              <a:prstTxWarp prst="textNoShape">
-                <a:avLst/>
-              </a:prstTxWarp>
-              <a:noAutofit/>
-            </a:bodyPr>
-            <a:lstStyle/>
-            <a:p>
-              <a:pPr algn="ctr">
-                <a:lnSpc>
-                  <a:spcPct val="90000"/>
-                </a:lnSpc>
-              </a:pPr>
-              <a:endParaRPr lang="en-US" sz="2000" dirty="0">
-                <a:solidFill>
-                  <a:schemeClr val="bg1"/>
-                </a:solidFill>
-              </a:endParaRPr>
-            </a:p>
-          </p:txBody>
-        </p:sp>
-        <p:sp>
-          <p:nvSpPr>
-            <p:cNvPr id="14" name="Rectangle 13">
-              <a:extLst>
-                <a:ext uri="{FF2B5EF4-FFF2-40B4-BE49-F238E27FC236}">
-                  <a16:creationId xmlns:a16="http://schemas.microsoft.com/office/drawing/2014/main" id="{8E56C841-8950-C544-BBEF-292FA2BFD703}"/>
-                </a:ext>
-              </a:extLst>
-            </p:cNvPr>
-            <p:cNvSpPr/>
-            <p:nvPr/>
-          </p:nvSpPr>
-          <p:spPr>
-            <a:xfrm>
-              <a:off x="10056889" y="4079744"/>
-              <a:ext cx="1285103" cy="1083365"/>
-            </a:xfrm>
-            <a:prstGeom prst="rect">
-              <a:avLst/>
-            </a:prstGeom>
-            <a:solidFill>
-              <a:srgbClr val="FF0000"/>
-            </a:solidFill>
-            <a:ln>
-              <a:noFill/>
-            </a:ln>
-            <a:effectLst>
-              <a:outerShdw blurRad="44450" dist="27940" dir="5400000" algn="ctr">
-                <a:srgbClr val="000000">
-                  <a:alpha val="32000"/>
-                </a:srgbClr>
-              </a:outerShdw>
-            </a:effectLst>
-          </p:spPr>
-          <p:txBody>
-            <a:bodyPr rot="0" spcFirstLastPara="0" vertOverflow="overflow" horzOverflow="overflow" vert="horz" wrap="square" lIns="121851" tIns="60925" rIns="121851" bIns="60925" numCol="1" spcCol="0" rtlCol="0" fromWordArt="0" anchor="ctr" anchorCtr="0" forceAA="0" compatLnSpc="1">
-              <a:prstTxWarp prst="textNoShape">
-                <a:avLst/>
-              </a:prstTxWarp>
-              <a:noAutofit/>
-            </a:bodyPr>
-            <a:lstStyle/>
-            <a:p>
-              <a:pPr algn="ctr">
-                <a:lnSpc>
-                  <a:spcPct val="90000"/>
-                </a:lnSpc>
-              </a:pPr>
-              <a:r>
-                <a:rPr lang="en-US" sz="2000" dirty="0">
-                  <a:solidFill>
-                    <a:schemeClr val="bg1"/>
-                  </a:solidFill>
-                </a:rPr>
-                <a:t>rank 1</a:t>
-              </a:r>
-            </a:p>
-          </p:txBody>
-        </p:sp>
-      </p:grpSp>
-      <p:sp>
-        <p:nvSpPr>
-          <p:cNvPr id="15" name="TextBox 14">
-            <a:extLst>
-              <a:ext uri="{FF2B5EF4-FFF2-40B4-BE49-F238E27FC236}">
-                <a16:creationId xmlns:a16="http://schemas.microsoft.com/office/drawing/2014/main" id="{A8555D94-28CA-8244-A3F4-18ED0B844E35}"/>
-              </a:ext>
-            </a:extLst>
-          </p:cNvPr>
-          <p:cNvSpPr txBox="1"/>
-          <p:nvPr/>
-        </p:nvSpPr>
-        <p:spPr>
-          <a:xfrm>
-            <a:off x="8626426" y="2902167"/>
-            <a:ext cx="1201867" cy="433965"/>
-          </a:xfrm>
-          <a:prstGeom prst="rect">
-            <a:avLst/>
-          </a:prstGeom>
-          <a:noFill/>
-        </p:spPr>
-        <p:txBody>
-          <a:bodyPr wrap="none" lIns="118872" tIns="91440" rIns="118872" bIns="91440" rtlCol="0" anchor="ctr" anchorCtr="0">
-            <a:spAutoFit/>
-          </a:bodyPr>
-          <a:lstStyle/>
-          <a:p>
-            <a:pPr algn="l">
-              <a:lnSpc>
-                <a:spcPct val="90000"/>
-              </a:lnSpc>
-            </a:pPr>
-            <a:r>
-              <a:rPr lang="en-US" dirty="0"/>
-              <a:t>halo cells</a:t>
-            </a:r>
-          </a:p>
-        </p:txBody>
-      </p:sp>
       <p:sp>
         <p:nvSpPr>
           <p:cNvPr id="4" name="Rounded Rectangle 3">
@@ -11785,6 +10637,627 @@
     <p:extLst>
       <p:ext uri="{BB962C8B-B14F-4D97-AF65-F5344CB8AC3E}">
         <p14:creationId xmlns:p14="http://schemas.microsoft.com/office/powerpoint/2010/main" val="3386603313"/>
+      </p:ext>
+    </p:extLst>
+  </p:cSld>
+  <p:clrMapOvr>
+    <a:masterClrMapping/>
+  </p:clrMapOvr>
+</p:sld>
+</file>
+
+<file path=ppt/slides/slide18.xml><?xml version="1.0" encoding="utf-8"?>
+<p:sld xmlns:a="http://schemas.openxmlformats.org/drawingml/2006/main" xmlns:r="http://schemas.openxmlformats.org/officeDocument/2006/relationships" xmlns:p="http://schemas.openxmlformats.org/presentationml/2006/main">
+  <p:cSld>
+    <p:spTree>
+      <p:nvGrpSpPr>
+        <p:cNvPr id="1" name=""/>
+        <p:cNvGrpSpPr/>
+        <p:nvPr/>
+      </p:nvGrpSpPr>
+      <p:grpSpPr>
+        <a:xfrm>
+          <a:off x="0" y="0"/>
+          <a:ext cx="0" cy="0"/>
+          <a:chOff x="0" y="0"/>
+          <a:chExt cx="0" cy="0"/>
+        </a:xfrm>
+      </p:grpSpPr>
+      <p:sp>
+        <p:nvSpPr>
+          <p:cNvPr id="2" name="Title 1"/>
+          <p:cNvSpPr>
+            <a:spLocks noGrp="1"/>
+          </p:cNvSpPr>
+          <p:nvPr>
+            <p:ph type="title"/>
+          </p:nvPr>
+        </p:nvSpPr>
+        <p:spPr/>
+        <p:txBody>
+          <a:bodyPr/>
+          <a:lstStyle/>
+          <a:p>
+            <a:r>
+              <a:rPr lang="en-US" dirty="0"/>
+              <a:t>Step 3 – Hydrodynamics</a:t>
+            </a:r>
+          </a:p>
+        </p:txBody>
+      </p:sp>
+      <p:sp>
+        <p:nvSpPr>
+          <p:cNvPr id="5" name="Content Placeholder 4"/>
+          <p:cNvSpPr>
+            <a:spLocks noGrp="1"/>
+          </p:cNvSpPr>
+          <p:nvPr>
+            <p:ph sz="quarter" idx="1"/>
+          </p:nvPr>
+        </p:nvSpPr>
+        <p:spPr>
+          <a:xfrm>
+            <a:off x="398469" y="1193212"/>
+            <a:ext cx="10812869" cy="2570405"/>
+          </a:xfrm>
+        </p:spPr>
+        <p:txBody>
+          <a:bodyPr/>
+          <a:lstStyle/>
+          <a:p>
+            <a:r>
+              <a:rPr lang="en-US" dirty="0"/>
+              <a:t>Apply initial conditions to the mesh</a:t>
+            </a:r>
+          </a:p>
+          <a:p>
+            <a:pPr lvl="1"/>
+            <a:r>
+              <a:rPr lang="en-US" dirty="0"/>
+              <a:t>zeroes everywhere except at the center</a:t>
+            </a:r>
+          </a:p>
+          <a:p>
+            <a:r>
+              <a:rPr lang="en-US" dirty="0"/>
+              <a:t>Write code for the analytical expression of the distance traveled by the shock</a:t>
+            </a:r>
+          </a:p>
+          <a:p>
+            <a:r>
+              <a:rPr lang="en-US" dirty="0"/>
+              <a:t>Do time integration</a:t>
+            </a:r>
+          </a:p>
+          <a:p>
+            <a:r>
+              <a:rPr lang="en-US" dirty="0"/>
+              <a:t>At time </a:t>
+            </a:r>
+            <a:r>
+              <a:rPr lang="en-US" b="1" dirty="0"/>
+              <a:t>T </a:t>
+            </a:r>
+            <a:r>
+              <a:rPr lang="en-US" dirty="0"/>
+              <a:t>compare evolved solution against analytical solution</a:t>
+            </a:r>
+            <a:endParaRPr lang="en-US" b="1" dirty="0"/>
+          </a:p>
+          <a:p>
+            <a:pPr marL="0" indent="0">
+              <a:buNone/>
+            </a:pPr>
+            <a:endParaRPr lang="en-US" dirty="0"/>
+          </a:p>
+        </p:txBody>
+      </p:sp>
+      <p:sp>
+        <p:nvSpPr>
+          <p:cNvPr id="3" name="Rounded Rectangle 2">
+            <a:extLst>
+              <a:ext uri="{FF2B5EF4-FFF2-40B4-BE49-F238E27FC236}">
+                <a16:creationId xmlns:a16="http://schemas.microsoft.com/office/drawing/2014/main" id="{FCD39F8F-B00D-5B2C-06A4-9F8AA5448B26}"/>
+              </a:ext>
+            </a:extLst>
+          </p:cNvPr>
+          <p:cNvSpPr/>
+          <p:nvPr/>
+        </p:nvSpPr>
+        <p:spPr>
+          <a:xfrm>
+            <a:off x="1742657" y="3911912"/>
+            <a:ext cx="6911013" cy="872123"/>
+          </a:xfrm>
+          <a:prstGeom prst="roundRect">
+            <a:avLst/>
+          </a:prstGeom>
+          <a:solidFill>
+            <a:srgbClr val="7030A0"/>
+          </a:solidFill>
+          <a:ln>
+            <a:noFill/>
+          </a:ln>
+          <a:effectLst>
+            <a:outerShdw blurRad="44450" dist="27940" dir="5400000" algn="ctr">
+              <a:srgbClr val="000000">
+                <a:alpha val="32000"/>
+              </a:srgbClr>
+            </a:outerShdw>
+          </a:effectLst>
+        </p:spPr>
+        <p:txBody>
+          <a:bodyPr rot="0" spcFirstLastPara="0" vertOverflow="overflow" horzOverflow="overflow" vert="horz" wrap="square" lIns="121851" tIns="60925" rIns="121851" bIns="60925" numCol="1" spcCol="0" rtlCol="0" fromWordArt="0" anchor="ctr" anchorCtr="0" forceAA="0" compatLnSpc="1">
+            <a:prstTxWarp prst="textNoShape">
+              <a:avLst/>
+            </a:prstTxWarp>
+            <a:noAutofit/>
+          </a:bodyPr>
+          <a:lstStyle/>
+          <a:p>
+            <a:pPr algn="ctr">
+              <a:lnSpc>
+                <a:spcPct val="90000"/>
+              </a:lnSpc>
+            </a:pPr>
+            <a:r>
+              <a:rPr lang="en-US" sz="2000" dirty="0">
+                <a:solidFill>
+                  <a:schemeClr val="bg1"/>
+                </a:solidFill>
+              </a:rPr>
+              <a:t>If both mesh and EOS unit test pass, then any failure is in Hydrodynamics </a:t>
+            </a:r>
+          </a:p>
+        </p:txBody>
+      </p:sp>
+      <p:sp>
+        <p:nvSpPr>
+          <p:cNvPr id="6" name="Rounded Rectangle 5">
+            <a:extLst>
+              <a:ext uri="{FF2B5EF4-FFF2-40B4-BE49-F238E27FC236}">
+                <a16:creationId xmlns:a16="http://schemas.microsoft.com/office/drawing/2014/main" id="{DB7AEADD-DC0C-D749-0362-CFF384CFC3B9}"/>
+              </a:ext>
+            </a:extLst>
+          </p:cNvPr>
+          <p:cNvSpPr/>
+          <p:nvPr/>
+        </p:nvSpPr>
+        <p:spPr>
+          <a:xfrm>
+            <a:off x="2955235" y="5022574"/>
+            <a:ext cx="4863548" cy="742122"/>
+          </a:xfrm>
+          <a:prstGeom prst="roundRect">
+            <a:avLst/>
+          </a:prstGeom>
+          <a:solidFill>
+            <a:srgbClr val="0070C0"/>
+          </a:solidFill>
+          <a:ln>
+            <a:noFill/>
+          </a:ln>
+          <a:effectLst>
+            <a:outerShdw blurRad="44450" dist="27940" dir="5400000" algn="ctr">
+              <a:srgbClr val="000000">
+                <a:alpha val="32000"/>
+              </a:srgbClr>
+            </a:outerShdw>
+          </a:effectLst>
+        </p:spPr>
+        <p:txBody>
+          <a:bodyPr rot="0" spcFirstLastPara="0" vertOverflow="overflow" horzOverflow="overflow" vert="horz" wrap="square" lIns="121851" tIns="60925" rIns="121851" bIns="60925" numCol="1" spcCol="0" rtlCol="0" fromWordArt="0" anchor="ctr" anchorCtr="0" forceAA="0" compatLnSpc="1">
+            <a:prstTxWarp prst="textNoShape">
+              <a:avLst/>
+            </a:prstTxWarp>
+            <a:noAutofit/>
+          </a:bodyPr>
+          <a:lstStyle/>
+          <a:p>
+            <a:pPr algn="ctr">
+              <a:lnSpc>
+                <a:spcPct val="90000"/>
+              </a:lnSpc>
+            </a:pPr>
+            <a:r>
+              <a:rPr lang="en-US" sz="2000" dirty="0">
+                <a:solidFill>
+                  <a:schemeClr val="bg1"/>
+                </a:solidFill>
+              </a:rPr>
+              <a:t>This is the idea behind scaffolding </a:t>
+            </a:r>
+          </a:p>
+        </p:txBody>
+      </p:sp>
+    </p:spTree>
+    <p:custDataLst>
+      <p:tags r:id="rId1"/>
+    </p:custDataLst>
+    <p:extLst>
+      <p:ext uri="{BB962C8B-B14F-4D97-AF65-F5344CB8AC3E}">
+        <p14:creationId xmlns:p14="http://schemas.microsoft.com/office/powerpoint/2010/main" val="1531542804"/>
+      </p:ext>
+    </p:extLst>
+  </p:cSld>
+  <p:clrMapOvr>
+    <a:masterClrMapping/>
+  </p:clrMapOvr>
+</p:sld>
+</file>
+
+<file path=ppt/slides/slide19.xml><?xml version="1.0" encoding="utf-8"?>
+<p:sld xmlns:a="http://schemas.openxmlformats.org/drawingml/2006/main" xmlns:r="http://schemas.openxmlformats.org/officeDocument/2006/relationships" xmlns:p="http://schemas.openxmlformats.org/presentationml/2006/main">
+  <p:cSld>
+    <p:spTree>
+      <p:nvGrpSpPr>
+        <p:cNvPr id="1" name=""/>
+        <p:cNvGrpSpPr/>
+        <p:nvPr/>
+      </p:nvGrpSpPr>
+      <p:grpSpPr>
+        <a:xfrm>
+          <a:off x="0" y="0"/>
+          <a:ext cx="0" cy="0"/>
+          <a:chOff x="0" y="0"/>
+          <a:chExt cx="0" cy="0"/>
+        </a:xfrm>
+      </p:grpSpPr>
+      <p:sp>
+        <p:nvSpPr>
+          <p:cNvPr id="4" name="Content Placeholder 2">
+            <a:extLst>
+              <a:ext uri="{FF2B5EF4-FFF2-40B4-BE49-F238E27FC236}">
+                <a16:creationId xmlns:a16="http://schemas.microsoft.com/office/drawing/2014/main" id="{F96DBD19-9A59-8442-A875-2C58BC3C471C}"/>
+              </a:ext>
+            </a:extLst>
+          </p:cNvPr>
+          <p:cNvSpPr txBox="1">
+            <a:spLocks/>
+          </p:cNvSpPr>
+          <p:nvPr/>
+        </p:nvSpPr>
+        <p:spPr bwMode="auto">
+          <a:xfrm>
+            <a:off x="365760" y="978939"/>
+            <a:ext cx="10129962" cy="4770120"/>
+          </a:xfrm>
+          <a:prstGeom prst="rect">
+            <a:avLst/>
+          </a:prstGeom>
+          <a:noFill/>
+          <a:ln w="9525">
+            <a:noFill/>
+            <a:miter lim="800000"/>
+            <a:headEnd/>
+            <a:tailEnd/>
+          </a:ln>
+        </p:spPr>
+        <p:txBody>
+          <a:bodyPr vert="horz" wrap="square" lIns="91440" tIns="45720" rIns="91440" bIns="45720" numCol="1" anchor="t" anchorCtr="0" compatLnSpc="1">
+            <a:prstTxWarp prst="textNoShape">
+              <a:avLst/>
+            </a:prstTxWarp>
+            <a:noAutofit/>
+          </a:bodyPr>
+          <a:lstStyle>
+            <a:lvl1pPr marL="230188" indent="-230188" algn="l" rtl="0" eaLnBrk="1" fontAlgn="base" hangingPunct="1">
+              <a:lnSpc>
+                <a:spcPct val="90000"/>
+              </a:lnSpc>
+              <a:spcBef>
+                <a:spcPts val="1400"/>
+              </a:spcBef>
+              <a:spcAft>
+                <a:spcPct val="0"/>
+              </a:spcAft>
+              <a:buClr>
+                <a:schemeClr val="tx1"/>
+              </a:buClr>
+              <a:buFont typeface="Arial" charset="0"/>
+              <a:buChar char="•"/>
+              <a:defRPr sz="2800" kern="1200">
+                <a:solidFill>
+                  <a:schemeClr val="tx1"/>
+                </a:solidFill>
+                <a:latin typeface="Arial" panose="020B0604020202020204" pitchFamily="34" charset="0"/>
+                <a:ea typeface="+mn-ea"/>
+                <a:cs typeface="Arial" panose="020B0604020202020204" pitchFamily="34" charset="0"/>
+              </a:defRPr>
+            </a:lvl1pPr>
+            <a:lvl2pPr marL="625475" indent="-279400" algn="l" rtl="0" eaLnBrk="1" fontAlgn="base" hangingPunct="1">
+              <a:lnSpc>
+                <a:spcPct val="90000"/>
+              </a:lnSpc>
+              <a:spcBef>
+                <a:spcPts val="800"/>
+              </a:spcBef>
+              <a:spcAft>
+                <a:spcPct val="0"/>
+              </a:spcAft>
+              <a:buClr>
+                <a:schemeClr val="tx1"/>
+              </a:buClr>
+              <a:buFont typeface="Arial" charset="0"/>
+              <a:buChar char="–"/>
+              <a:defRPr sz="2400" kern="1200">
+                <a:solidFill>
+                  <a:schemeClr val="tx1"/>
+                </a:solidFill>
+                <a:latin typeface="Arial" panose="020B0604020202020204" pitchFamily="34" charset="0"/>
+                <a:ea typeface="+mn-ea"/>
+                <a:cs typeface="Arial" panose="020B0604020202020204" pitchFamily="34" charset="0"/>
+              </a:defRPr>
+            </a:lvl2pPr>
+            <a:lvl3pPr marL="914400" indent="-230188" algn="l" rtl="0" eaLnBrk="1" fontAlgn="base" hangingPunct="1">
+              <a:lnSpc>
+                <a:spcPct val="90000"/>
+              </a:lnSpc>
+              <a:spcBef>
+                <a:spcPts val="800"/>
+              </a:spcBef>
+              <a:spcAft>
+                <a:spcPct val="0"/>
+              </a:spcAft>
+              <a:buClr>
+                <a:schemeClr val="tx1"/>
+              </a:buClr>
+              <a:buFont typeface="Arial" charset="0"/>
+              <a:buChar char="•"/>
+              <a:defRPr sz="2000" kern="1200">
+                <a:solidFill>
+                  <a:schemeClr val="tx1"/>
+                </a:solidFill>
+                <a:latin typeface="Arial" panose="020B0604020202020204" pitchFamily="34" charset="0"/>
+                <a:ea typeface="+mn-ea"/>
+                <a:cs typeface="Arial" panose="020B0604020202020204" pitchFamily="34" charset="0"/>
+              </a:defRPr>
+            </a:lvl3pPr>
+            <a:lvl4pPr marL="1144588" indent="-173038" algn="l" rtl="0" eaLnBrk="1" fontAlgn="base" hangingPunct="1">
+              <a:lnSpc>
+                <a:spcPct val="90000"/>
+              </a:lnSpc>
+              <a:spcBef>
+                <a:spcPts val="800"/>
+              </a:spcBef>
+              <a:spcAft>
+                <a:spcPct val="0"/>
+              </a:spcAft>
+              <a:buClr>
+                <a:schemeClr val="tx1"/>
+              </a:buClr>
+              <a:buFont typeface="Arial" charset="0"/>
+              <a:buChar char="–"/>
+              <a:defRPr sz="1800" kern="1200">
+                <a:solidFill>
+                  <a:schemeClr val="tx1"/>
+                </a:solidFill>
+                <a:latin typeface="Arial" panose="020B0604020202020204" pitchFamily="34" charset="0"/>
+                <a:ea typeface="+mn-ea"/>
+                <a:cs typeface="Arial" panose="020B0604020202020204" pitchFamily="34" charset="0"/>
+              </a:defRPr>
+            </a:lvl4pPr>
+            <a:lvl5pPr marL="1482725" indent="-222250" algn="l" rtl="0" eaLnBrk="1" fontAlgn="base" hangingPunct="1">
+              <a:lnSpc>
+                <a:spcPct val="90000"/>
+              </a:lnSpc>
+              <a:spcBef>
+                <a:spcPts val="600"/>
+              </a:spcBef>
+              <a:spcAft>
+                <a:spcPct val="0"/>
+              </a:spcAft>
+              <a:buClr>
+                <a:schemeClr val="tx1"/>
+              </a:buClr>
+              <a:buFont typeface="Arial" panose="020B0604020202020204" pitchFamily="34" charset="0"/>
+              <a:buChar char="•"/>
+              <a:defRPr sz="1800" kern="1200">
+                <a:solidFill>
+                  <a:schemeClr val="tx1"/>
+                </a:solidFill>
+                <a:latin typeface="Arial" panose="020B0604020202020204" pitchFamily="34" charset="0"/>
+                <a:ea typeface="+mn-ea"/>
+                <a:cs typeface="Arial" panose="020B0604020202020204" pitchFamily="34" charset="0"/>
+              </a:defRPr>
+            </a:lvl5pPr>
+            <a:lvl6pPr marL="2514600" indent="-228600" algn="l" defTabSz="914400" rtl="0" eaLnBrk="1" latinLnBrk="0" hangingPunct="1">
+              <a:spcBef>
+                <a:spcPct val="20000"/>
+              </a:spcBef>
+              <a:buFont typeface="Arial" pitchFamily="34" charset="0"/>
+              <a:buChar char="•"/>
+              <a:defRPr sz="2000" kern="1200">
+                <a:solidFill>
+                  <a:schemeClr val="tx1"/>
+                </a:solidFill>
+                <a:latin typeface="+mn-lt"/>
+                <a:ea typeface="+mn-ea"/>
+                <a:cs typeface="+mn-cs"/>
+              </a:defRPr>
+            </a:lvl6pPr>
+            <a:lvl7pPr marL="2971800" indent="-228600" algn="l" defTabSz="914400" rtl="0" eaLnBrk="1" latinLnBrk="0" hangingPunct="1">
+              <a:spcBef>
+                <a:spcPct val="20000"/>
+              </a:spcBef>
+              <a:buFont typeface="Arial" pitchFamily="34" charset="0"/>
+              <a:buChar char="•"/>
+              <a:defRPr sz="2000" kern="1200">
+                <a:solidFill>
+                  <a:schemeClr val="tx1"/>
+                </a:solidFill>
+                <a:latin typeface="+mn-lt"/>
+                <a:ea typeface="+mn-ea"/>
+                <a:cs typeface="+mn-cs"/>
+              </a:defRPr>
+            </a:lvl7pPr>
+            <a:lvl8pPr marL="3429000" indent="-228600" algn="l" defTabSz="914400" rtl="0" eaLnBrk="1" latinLnBrk="0" hangingPunct="1">
+              <a:spcBef>
+                <a:spcPct val="20000"/>
+              </a:spcBef>
+              <a:buFont typeface="Arial" pitchFamily="34" charset="0"/>
+              <a:buChar char="•"/>
+              <a:defRPr sz="2000" kern="1200">
+                <a:solidFill>
+                  <a:schemeClr val="tx1"/>
+                </a:solidFill>
+                <a:latin typeface="+mn-lt"/>
+                <a:ea typeface="+mn-ea"/>
+                <a:cs typeface="+mn-cs"/>
+              </a:defRPr>
+            </a:lvl8pPr>
+            <a:lvl9pPr marL="3886200" indent="-228600" algn="l" defTabSz="914400" rtl="0" eaLnBrk="1" latinLnBrk="0" hangingPunct="1">
+              <a:spcBef>
+                <a:spcPct val="20000"/>
+              </a:spcBef>
+              <a:buFont typeface="Arial" pitchFamily="34" charset="0"/>
+              <a:buChar char="•"/>
+              <a:defRPr sz="2000" kern="1200">
+                <a:solidFill>
+                  <a:schemeClr val="tx1"/>
+                </a:solidFill>
+                <a:latin typeface="+mn-lt"/>
+                <a:ea typeface="+mn-ea"/>
+                <a:cs typeface="+mn-cs"/>
+              </a:defRPr>
+            </a:lvl9pPr>
+          </a:lstStyle>
+          <a:p>
+            <a:r>
+              <a:rPr lang="en-US" dirty="0"/>
+              <a:t>The same halo fill unit test for mesh also works for AMR</a:t>
+            </a:r>
+          </a:p>
+          <a:p>
+            <a:r>
+              <a:rPr lang="en-US" dirty="0"/>
+              <a:t>Additional functionalities to test are:</a:t>
+            </a:r>
+          </a:p>
+          <a:p>
+            <a:pPr lvl="1"/>
+            <a:r>
+              <a:rPr lang="en-US" dirty="0"/>
+              <a:t>Fine-coarse boundary resolution</a:t>
+            </a:r>
+          </a:p>
+          <a:p>
+            <a:pPr lvl="1"/>
+            <a:r>
+              <a:rPr lang="en-US" dirty="0" err="1"/>
+              <a:t>Regridding</a:t>
+            </a:r>
+            <a:endParaRPr lang="en-US" dirty="0"/>
+          </a:p>
+          <a:p>
+            <a:r>
+              <a:rPr lang="en-US" dirty="0"/>
+              <a:t>Steps in testing </a:t>
+            </a:r>
+          </a:p>
+          <a:p>
+            <a:pPr lvl="1"/>
+            <a:r>
+              <a:rPr lang="en-US" dirty="0"/>
+              <a:t>Run </a:t>
+            </a:r>
+            <a:r>
+              <a:rPr lang="en-US" dirty="0" err="1"/>
+              <a:t>Sedov</a:t>
+            </a:r>
+            <a:r>
+              <a:rPr lang="en-US" dirty="0"/>
+              <a:t> with UG</a:t>
+            </a:r>
+          </a:p>
+          <a:p>
+            <a:pPr lvl="1"/>
+            <a:r>
+              <a:rPr lang="en-US" dirty="0"/>
+              <a:t>Run </a:t>
+            </a:r>
+            <a:r>
+              <a:rPr lang="en-US" dirty="0" err="1"/>
+              <a:t>Sedov</a:t>
+            </a:r>
+            <a:r>
+              <a:rPr lang="en-US" dirty="0"/>
+              <a:t> with AMR, but no dynamic refinement</a:t>
+            </a:r>
+          </a:p>
+          <a:p>
+            <a:pPr lvl="2"/>
+            <a:r>
+              <a:rPr lang="en-US" dirty="0"/>
+              <a:t>If failed fault is in flux correction</a:t>
+            </a:r>
+          </a:p>
+          <a:p>
+            <a:pPr lvl="1"/>
+            <a:r>
+              <a:rPr lang="en-US" dirty="0"/>
+              <a:t>Run </a:t>
+            </a:r>
+            <a:r>
+              <a:rPr lang="en-US" dirty="0" err="1"/>
+              <a:t>Sedov</a:t>
+            </a:r>
+            <a:r>
+              <a:rPr lang="en-US" dirty="0"/>
+              <a:t> with AMR and dynamic refinement</a:t>
+            </a:r>
+          </a:p>
+          <a:p>
+            <a:pPr lvl="2"/>
+            <a:r>
+              <a:rPr lang="en-US" dirty="0"/>
+              <a:t>If failed fault is in </a:t>
+            </a:r>
+            <a:r>
+              <a:rPr lang="en-US" dirty="0" err="1"/>
+              <a:t>regridding</a:t>
+            </a:r>
+            <a:endParaRPr lang="en-US" dirty="0"/>
+          </a:p>
+        </p:txBody>
+      </p:sp>
+      <p:sp>
+        <p:nvSpPr>
+          <p:cNvPr id="7" name="Title 1">
+            <a:extLst>
+              <a:ext uri="{FF2B5EF4-FFF2-40B4-BE49-F238E27FC236}">
+                <a16:creationId xmlns:a16="http://schemas.microsoft.com/office/drawing/2014/main" id="{71C1B735-296C-594B-9F1B-3061095DE275}"/>
+              </a:ext>
+            </a:extLst>
+          </p:cNvPr>
+          <p:cNvSpPr>
+            <a:spLocks noGrp="1"/>
+          </p:cNvSpPr>
+          <p:nvPr>
+            <p:ph type="title"/>
+          </p:nvPr>
+        </p:nvSpPr>
+        <p:spPr>
+          <a:xfrm>
+            <a:off x="365760" y="411480"/>
+            <a:ext cx="11372473" cy="914400"/>
+          </a:xfrm>
+        </p:spPr>
+        <p:txBody>
+          <a:bodyPr/>
+          <a:lstStyle/>
+          <a:p>
+            <a:r>
+              <a:rPr lang="en-US" dirty="0"/>
+              <a:t>Step  4:  AMR</a:t>
+            </a:r>
+          </a:p>
+        </p:txBody>
+      </p:sp>
+    </p:spTree>
+    <p:extLst>
+      <p:ext uri="{BB962C8B-B14F-4D97-AF65-F5344CB8AC3E}">
+        <p14:creationId xmlns:p14="http://schemas.microsoft.com/office/powerpoint/2010/main" val="420675553"/>
       </p:ext>
     </p:extLst>
   </p:cSld>
@@ -12177,246 +11650,6 @@
       </p:grpSpPr>
       <p:sp>
         <p:nvSpPr>
-          <p:cNvPr id="2" name="Title 1"/>
-          <p:cNvSpPr>
-            <a:spLocks noGrp="1"/>
-          </p:cNvSpPr>
-          <p:nvPr>
-            <p:ph type="title"/>
-          </p:nvPr>
-        </p:nvSpPr>
-        <p:spPr/>
-        <p:txBody>
-          <a:bodyPr/>
-          <a:lstStyle/>
-          <a:p>
-            <a:r>
-              <a:rPr lang="en-US" dirty="0"/>
-              <a:t>Step 3 – Hydrodynamics</a:t>
-            </a:r>
-          </a:p>
-        </p:txBody>
-      </p:sp>
-      <p:sp>
-        <p:nvSpPr>
-          <p:cNvPr id="5" name="Content Placeholder 4"/>
-          <p:cNvSpPr>
-            <a:spLocks noGrp="1"/>
-          </p:cNvSpPr>
-          <p:nvPr>
-            <p:ph sz="quarter" idx="1"/>
-          </p:nvPr>
-        </p:nvSpPr>
-        <p:spPr>
-          <a:xfrm>
-            <a:off x="398469" y="1193212"/>
-            <a:ext cx="10812869" cy="2570405"/>
-          </a:xfrm>
-        </p:spPr>
-        <p:txBody>
-          <a:bodyPr/>
-          <a:lstStyle/>
-          <a:p>
-            <a:r>
-              <a:rPr lang="en-US" dirty="0"/>
-              <a:t>Apply initial conditions to the mesh</a:t>
-            </a:r>
-          </a:p>
-          <a:p>
-            <a:pPr lvl="1"/>
-            <a:r>
-              <a:rPr lang="en-US" dirty="0"/>
-              <a:t>zeroes everywhere except at the center</a:t>
-            </a:r>
-          </a:p>
-          <a:p>
-            <a:r>
-              <a:rPr lang="en-US" dirty="0"/>
-              <a:t>Write code for the analytical expression of the distance traveled by the shock</a:t>
-            </a:r>
-          </a:p>
-          <a:p>
-            <a:r>
-              <a:rPr lang="en-US" dirty="0"/>
-              <a:t>Do time integration</a:t>
-            </a:r>
-          </a:p>
-          <a:p>
-            <a:r>
-              <a:rPr lang="en-US" dirty="0"/>
-              <a:t>At time </a:t>
-            </a:r>
-            <a:r>
-              <a:rPr lang="en-US" b="1" dirty="0"/>
-              <a:t>T </a:t>
-            </a:r>
-            <a:r>
-              <a:rPr lang="en-US" dirty="0"/>
-              <a:t>compare evolved solution against analytical solution</a:t>
-            </a:r>
-            <a:endParaRPr lang="en-US" b="1" dirty="0"/>
-          </a:p>
-          <a:p>
-            <a:pPr marL="0" indent="0">
-              <a:buNone/>
-            </a:pPr>
-            <a:endParaRPr lang="en-US" dirty="0"/>
-          </a:p>
-        </p:txBody>
-      </p:sp>
-      <p:sp>
-        <p:nvSpPr>
-          <p:cNvPr id="3" name="Rounded Rectangle 2">
-            <a:extLst>
-              <a:ext uri="{FF2B5EF4-FFF2-40B4-BE49-F238E27FC236}">
-                <a16:creationId xmlns:a16="http://schemas.microsoft.com/office/drawing/2014/main" id="{FCD39F8F-B00D-5B2C-06A4-9F8AA5448B26}"/>
-              </a:ext>
-            </a:extLst>
-          </p:cNvPr>
-          <p:cNvSpPr/>
-          <p:nvPr/>
-        </p:nvSpPr>
-        <p:spPr>
-          <a:xfrm>
-            <a:off x="1742657" y="3911912"/>
-            <a:ext cx="6911013" cy="872123"/>
-          </a:xfrm>
-          <a:prstGeom prst="roundRect">
-            <a:avLst/>
-          </a:prstGeom>
-          <a:solidFill>
-            <a:srgbClr val="7030A0"/>
-          </a:solidFill>
-          <a:ln>
-            <a:noFill/>
-          </a:ln>
-          <a:effectLst>
-            <a:outerShdw blurRad="44450" dist="27940" dir="5400000" algn="ctr">
-              <a:srgbClr val="000000">
-                <a:alpha val="32000"/>
-              </a:srgbClr>
-            </a:outerShdw>
-          </a:effectLst>
-        </p:spPr>
-        <p:txBody>
-          <a:bodyPr rot="0" spcFirstLastPara="0" vertOverflow="overflow" horzOverflow="overflow" vert="horz" wrap="square" lIns="121851" tIns="60925" rIns="121851" bIns="60925" numCol="1" spcCol="0" rtlCol="0" fromWordArt="0" anchor="ctr" anchorCtr="0" forceAA="0" compatLnSpc="1">
-            <a:prstTxWarp prst="textNoShape">
-              <a:avLst/>
-            </a:prstTxWarp>
-            <a:noAutofit/>
-          </a:bodyPr>
-          <a:lstStyle/>
-          <a:p>
-            <a:pPr algn="ctr">
-              <a:lnSpc>
-                <a:spcPct val="90000"/>
-              </a:lnSpc>
-            </a:pPr>
-            <a:r>
-              <a:rPr lang="en-US" sz="2000" dirty="0">
-                <a:solidFill>
-                  <a:schemeClr val="bg1"/>
-                </a:solidFill>
-              </a:rPr>
-              <a:t>If both mesh and EOS unit test pass, then any failure is in Hydrodynamics </a:t>
-            </a:r>
-          </a:p>
-        </p:txBody>
-      </p:sp>
-      <p:sp>
-        <p:nvSpPr>
-          <p:cNvPr id="6" name="Rounded Rectangle 5">
-            <a:extLst>
-              <a:ext uri="{FF2B5EF4-FFF2-40B4-BE49-F238E27FC236}">
-                <a16:creationId xmlns:a16="http://schemas.microsoft.com/office/drawing/2014/main" id="{DB7AEADD-DC0C-D749-0362-CFF384CFC3B9}"/>
-              </a:ext>
-            </a:extLst>
-          </p:cNvPr>
-          <p:cNvSpPr/>
-          <p:nvPr/>
-        </p:nvSpPr>
-        <p:spPr>
-          <a:xfrm>
-            <a:off x="2955235" y="5022574"/>
-            <a:ext cx="4863548" cy="742122"/>
-          </a:xfrm>
-          <a:prstGeom prst="roundRect">
-            <a:avLst/>
-          </a:prstGeom>
-          <a:solidFill>
-            <a:srgbClr val="0070C0"/>
-          </a:solidFill>
-          <a:ln>
-            <a:noFill/>
-          </a:ln>
-          <a:effectLst>
-            <a:outerShdw blurRad="44450" dist="27940" dir="5400000" algn="ctr">
-              <a:srgbClr val="000000">
-                <a:alpha val="32000"/>
-              </a:srgbClr>
-            </a:outerShdw>
-          </a:effectLst>
-        </p:spPr>
-        <p:txBody>
-          <a:bodyPr rot="0" spcFirstLastPara="0" vertOverflow="overflow" horzOverflow="overflow" vert="horz" wrap="square" lIns="121851" tIns="60925" rIns="121851" bIns="60925" numCol="1" spcCol="0" rtlCol="0" fromWordArt="0" anchor="ctr" anchorCtr="0" forceAA="0" compatLnSpc="1">
-            <a:prstTxWarp prst="textNoShape">
-              <a:avLst/>
-            </a:prstTxWarp>
-            <a:noAutofit/>
-          </a:bodyPr>
-          <a:lstStyle/>
-          <a:p>
-            <a:pPr algn="ctr">
-              <a:lnSpc>
-                <a:spcPct val="90000"/>
-              </a:lnSpc>
-            </a:pPr>
-            <a:r>
-              <a:rPr lang="en-US" sz="2000" dirty="0">
-                <a:solidFill>
-                  <a:schemeClr val="bg1"/>
-                </a:solidFill>
-              </a:rPr>
-              <a:t>This is the idea behind scaffolding </a:t>
-            </a:r>
-          </a:p>
-        </p:txBody>
-      </p:sp>
-    </p:spTree>
-    <p:custDataLst>
-      <p:tags r:id="rId1"/>
-    </p:custDataLst>
-    <p:extLst>
-      <p:ext uri="{BB962C8B-B14F-4D97-AF65-F5344CB8AC3E}">
-        <p14:creationId xmlns:p14="http://schemas.microsoft.com/office/powerpoint/2010/main" val="1531542804"/>
-      </p:ext>
-    </p:extLst>
-  </p:cSld>
-  <p:clrMapOvr>
-    <a:masterClrMapping/>
-  </p:clrMapOvr>
-</p:sld>
-</file>
-
-<file path=ppt/slides/slide21.xml><?xml version="1.0" encoding="utf-8"?>
-<p:sld xmlns:a="http://schemas.openxmlformats.org/drawingml/2006/main" xmlns:r="http://schemas.openxmlformats.org/officeDocument/2006/relationships" xmlns:p="http://schemas.openxmlformats.org/presentationml/2006/main">
-  <p:cSld>
-    <p:spTree>
-      <p:nvGrpSpPr>
-        <p:cNvPr id="1" name=""/>
-        <p:cNvGrpSpPr/>
-        <p:nvPr/>
-      </p:nvGrpSpPr>
-      <p:grpSpPr>
-        <a:xfrm>
-          <a:off x="0" y="0"/>
-          <a:ext cx="0" cy="0"/>
-          <a:chOff x="0" y="0"/>
-          <a:chExt cx="0" cy="0"/>
-        </a:xfrm>
-      </p:grpSpPr>
-      <p:sp>
-        <p:nvSpPr>
           <p:cNvPr id="4" name="Content Placeholder 2">
             <a:extLst>
               <a:ext uri="{FF2B5EF4-FFF2-40B4-BE49-F238E27FC236}">
@@ -12720,388 +11953,7 @@
             </a:r>
           </a:p>
           <a:p>
-            <a:pPr lvl="1"/>
-            <a:r>
-              <a:rPr lang="en-US" dirty="0"/>
-              <a:t>If failed fault is in </a:t>
-            </a:r>
-            <a:r>
-              <a:rPr lang="en-US" dirty="0" err="1"/>
-              <a:t>regridding</a:t>
-            </a:r>
-            <a:endParaRPr lang="en-US" dirty="0"/>
-          </a:p>
-        </p:txBody>
-      </p:sp>
-      <p:sp>
-        <p:nvSpPr>
-          <p:cNvPr id="7" name="Title 1">
-            <a:extLst>
-              <a:ext uri="{FF2B5EF4-FFF2-40B4-BE49-F238E27FC236}">
-                <a16:creationId xmlns:a16="http://schemas.microsoft.com/office/drawing/2014/main" id="{71C1B735-296C-594B-9F1B-3061095DE275}"/>
-              </a:ext>
-            </a:extLst>
-          </p:cNvPr>
-          <p:cNvSpPr>
-            <a:spLocks noGrp="1"/>
-          </p:cNvSpPr>
-          <p:nvPr>
-            <p:ph type="title"/>
-          </p:nvPr>
-        </p:nvSpPr>
-        <p:spPr>
-          <a:xfrm>
-            <a:off x="365760" y="411480"/>
-            <a:ext cx="11372473" cy="914400"/>
-          </a:xfrm>
-        </p:spPr>
-        <p:txBody>
-          <a:bodyPr/>
-          <a:lstStyle/>
-          <a:p>
-            <a:r>
-              <a:rPr lang="en-US" dirty="0"/>
-              <a:t>Step  4:  AMR</a:t>
-            </a:r>
-          </a:p>
-        </p:txBody>
-      </p:sp>
-    </p:spTree>
-    <p:extLst>
-      <p:ext uri="{BB962C8B-B14F-4D97-AF65-F5344CB8AC3E}">
-        <p14:creationId xmlns:p14="http://schemas.microsoft.com/office/powerpoint/2010/main" val="420675553"/>
-      </p:ext>
-    </p:extLst>
-  </p:cSld>
-  <p:clrMapOvr>
-    <a:masterClrMapping/>
-  </p:clrMapOvr>
-</p:sld>
-</file>
-
-<file path=ppt/slides/slide22.xml><?xml version="1.0" encoding="utf-8"?>
-<p:sld xmlns:a="http://schemas.openxmlformats.org/drawingml/2006/main" xmlns:r="http://schemas.openxmlformats.org/officeDocument/2006/relationships" xmlns:p="http://schemas.openxmlformats.org/presentationml/2006/main">
-  <p:cSld>
-    <p:spTree>
-      <p:nvGrpSpPr>
-        <p:cNvPr id="1" name=""/>
-        <p:cNvGrpSpPr/>
-        <p:nvPr/>
-      </p:nvGrpSpPr>
-      <p:grpSpPr>
-        <a:xfrm>
-          <a:off x="0" y="0"/>
-          <a:ext cx="0" cy="0"/>
-          <a:chOff x="0" y="0"/>
-          <a:chExt cx="0" cy="0"/>
-        </a:xfrm>
-      </p:grpSpPr>
-      <p:sp>
-        <p:nvSpPr>
-          <p:cNvPr id="4" name="Content Placeholder 2">
-            <a:extLst>
-              <a:ext uri="{FF2B5EF4-FFF2-40B4-BE49-F238E27FC236}">
-                <a16:creationId xmlns:a16="http://schemas.microsoft.com/office/drawing/2014/main" id="{F96DBD19-9A59-8442-A875-2C58BC3C471C}"/>
-              </a:ext>
-            </a:extLst>
-          </p:cNvPr>
-          <p:cNvSpPr txBox="1">
-            <a:spLocks/>
-          </p:cNvSpPr>
-          <p:nvPr/>
-        </p:nvSpPr>
-        <p:spPr bwMode="auto">
-          <a:xfrm>
-            <a:off x="365760" y="978939"/>
-            <a:ext cx="10129962" cy="4770120"/>
-          </a:xfrm>
-          <a:prstGeom prst="rect">
-            <a:avLst/>
-          </a:prstGeom>
-          <a:noFill/>
-          <a:ln w="9525">
-            <a:noFill/>
-            <a:miter lim="800000"/>
-            <a:headEnd/>
-            <a:tailEnd/>
-          </a:ln>
-        </p:spPr>
-        <p:txBody>
-          <a:bodyPr vert="horz" wrap="square" lIns="91440" tIns="45720" rIns="91440" bIns="45720" numCol="1" anchor="t" anchorCtr="0" compatLnSpc="1">
-            <a:prstTxWarp prst="textNoShape">
-              <a:avLst/>
-            </a:prstTxWarp>
-            <a:noAutofit/>
-          </a:bodyPr>
-          <a:lstStyle>
-            <a:lvl1pPr marL="230188" indent="-230188" algn="l" rtl="0" eaLnBrk="1" fontAlgn="base" hangingPunct="1">
-              <a:lnSpc>
-                <a:spcPct val="90000"/>
-              </a:lnSpc>
-              <a:spcBef>
-                <a:spcPts val="1400"/>
-              </a:spcBef>
-              <a:spcAft>
-                <a:spcPct val="0"/>
-              </a:spcAft>
-              <a:buClr>
-                <a:schemeClr val="tx1"/>
-              </a:buClr>
-              <a:buFont typeface="Arial" charset="0"/>
-              <a:buChar char="•"/>
-              <a:defRPr sz="2800" kern="1200">
-                <a:solidFill>
-                  <a:schemeClr val="tx1"/>
-                </a:solidFill>
-                <a:latin typeface="Arial" panose="020B0604020202020204" pitchFamily="34" charset="0"/>
-                <a:ea typeface="+mn-ea"/>
-                <a:cs typeface="Arial" panose="020B0604020202020204" pitchFamily="34" charset="0"/>
-              </a:defRPr>
-            </a:lvl1pPr>
-            <a:lvl2pPr marL="625475" indent="-279400" algn="l" rtl="0" eaLnBrk="1" fontAlgn="base" hangingPunct="1">
-              <a:lnSpc>
-                <a:spcPct val="90000"/>
-              </a:lnSpc>
-              <a:spcBef>
-                <a:spcPts val="800"/>
-              </a:spcBef>
-              <a:spcAft>
-                <a:spcPct val="0"/>
-              </a:spcAft>
-              <a:buClr>
-                <a:schemeClr val="tx1"/>
-              </a:buClr>
-              <a:buFont typeface="Arial" charset="0"/>
-              <a:buChar char="–"/>
-              <a:defRPr sz="2400" kern="1200">
-                <a:solidFill>
-                  <a:schemeClr val="tx1"/>
-                </a:solidFill>
-                <a:latin typeface="Arial" panose="020B0604020202020204" pitchFamily="34" charset="0"/>
-                <a:ea typeface="+mn-ea"/>
-                <a:cs typeface="Arial" panose="020B0604020202020204" pitchFamily="34" charset="0"/>
-              </a:defRPr>
-            </a:lvl2pPr>
-            <a:lvl3pPr marL="914400" indent="-230188" algn="l" rtl="0" eaLnBrk="1" fontAlgn="base" hangingPunct="1">
-              <a:lnSpc>
-                <a:spcPct val="90000"/>
-              </a:lnSpc>
-              <a:spcBef>
-                <a:spcPts val="800"/>
-              </a:spcBef>
-              <a:spcAft>
-                <a:spcPct val="0"/>
-              </a:spcAft>
-              <a:buClr>
-                <a:schemeClr val="tx1"/>
-              </a:buClr>
-              <a:buFont typeface="Arial" charset="0"/>
-              <a:buChar char="•"/>
-              <a:defRPr sz="2000" kern="1200">
-                <a:solidFill>
-                  <a:schemeClr val="tx1"/>
-                </a:solidFill>
-                <a:latin typeface="Arial" panose="020B0604020202020204" pitchFamily="34" charset="0"/>
-                <a:ea typeface="+mn-ea"/>
-                <a:cs typeface="Arial" panose="020B0604020202020204" pitchFamily="34" charset="0"/>
-              </a:defRPr>
-            </a:lvl3pPr>
-            <a:lvl4pPr marL="1144588" indent="-173038" algn="l" rtl="0" eaLnBrk="1" fontAlgn="base" hangingPunct="1">
-              <a:lnSpc>
-                <a:spcPct val="90000"/>
-              </a:lnSpc>
-              <a:spcBef>
-                <a:spcPts val="800"/>
-              </a:spcBef>
-              <a:spcAft>
-                <a:spcPct val="0"/>
-              </a:spcAft>
-              <a:buClr>
-                <a:schemeClr val="tx1"/>
-              </a:buClr>
-              <a:buFont typeface="Arial" charset="0"/>
-              <a:buChar char="–"/>
-              <a:defRPr sz="1800" kern="1200">
-                <a:solidFill>
-                  <a:schemeClr val="tx1"/>
-                </a:solidFill>
-                <a:latin typeface="Arial" panose="020B0604020202020204" pitchFamily="34" charset="0"/>
-                <a:ea typeface="+mn-ea"/>
-                <a:cs typeface="Arial" panose="020B0604020202020204" pitchFamily="34" charset="0"/>
-              </a:defRPr>
-            </a:lvl4pPr>
-            <a:lvl5pPr marL="1482725" indent="-222250" algn="l" rtl="0" eaLnBrk="1" fontAlgn="base" hangingPunct="1">
-              <a:lnSpc>
-                <a:spcPct val="90000"/>
-              </a:lnSpc>
-              <a:spcBef>
-                <a:spcPts val="600"/>
-              </a:spcBef>
-              <a:spcAft>
-                <a:spcPct val="0"/>
-              </a:spcAft>
-              <a:buClr>
-                <a:schemeClr val="tx1"/>
-              </a:buClr>
-              <a:buFont typeface="Arial" panose="020B0604020202020204" pitchFamily="34" charset="0"/>
-              <a:buChar char="•"/>
-              <a:defRPr sz="1800" kern="1200">
-                <a:solidFill>
-                  <a:schemeClr val="tx1"/>
-                </a:solidFill>
-                <a:latin typeface="Arial" panose="020B0604020202020204" pitchFamily="34" charset="0"/>
-                <a:ea typeface="+mn-ea"/>
-                <a:cs typeface="Arial" panose="020B0604020202020204" pitchFamily="34" charset="0"/>
-              </a:defRPr>
-            </a:lvl5pPr>
-            <a:lvl6pPr marL="2514600" indent="-228600" algn="l" defTabSz="914400" rtl="0" eaLnBrk="1" latinLnBrk="0" hangingPunct="1">
-              <a:spcBef>
-                <a:spcPct val="20000"/>
-              </a:spcBef>
-              <a:buFont typeface="Arial" pitchFamily="34" charset="0"/>
-              <a:buChar char="•"/>
-              <a:defRPr sz="2000" kern="1200">
-                <a:solidFill>
-                  <a:schemeClr val="tx1"/>
-                </a:solidFill>
-                <a:latin typeface="+mn-lt"/>
-                <a:ea typeface="+mn-ea"/>
-                <a:cs typeface="+mn-cs"/>
-              </a:defRPr>
-            </a:lvl6pPr>
-            <a:lvl7pPr marL="2971800" indent="-228600" algn="l" defTabSz="914400" rtl="0" eaLnBrk="1" latinLnBrk="0" hangingPunct="1">
-              <a:spcBef>
-                <a:spcPct val="20000"/>
-              </a:spcBef>
-              <a:buFont typeface="Arial" pitchFamily="34" charset="0"/>
-              <a:buChar char="•"/>
-              <a:defRPr sz="2000" kern="1200">
-                <a:solidFill>
-                  <a:schemeClr val="tx1"/>
-                </a:solidFill>
-                <a:latin typeface="+mn-lt"/>
-                <a:ea typeface="+mn-ea"/>
-                <a:cs typeface="+mn-cs"/>
-              </a:defRPr>
-            </a:lvl7pPr>
-            <a:lvl8pPr marL="3429000" indent="-228600" algn="l" defTabSz="914400" rtl="0" eaLnBrk="1" latinLnBrk="0" hangingPunct="1">
-              <a:spcBef>
-                <a:spcPct val="20000"/>
-              </a:spcBef>
-              <a:buFont typeface="Arial" pitchFamily="34" charset="0"/>
-              <a:buChar char="•"/>
-              <a:defRPr sz="2000" kern="1200">
-                <a:solidFill>
-                  <a:schemeClr val="tx1"/>
-                </a:solidFill>
-                <a:latin typeface="+mn-lt"/>
-                <a:ea typeface="+mn-ea"/>
-                <a:cs typeface="+mn-cs"/>
-              </a:defRPr>
-            </a:lvl8pPr>
-            <a:lvl9pPr marL="3886200" indent="-228600" algn="l" defTabSz="914400" rtl="0" eaLnBrk="1" latinLnBrk="0" hangingPunct="1">
-              <a:spcBef>
-                <a:spcPct val="20000"/>
-              </a:spcBef>
-              <a:buFont typeface="Arial" pitchFamily="34" charset="0"/>
-              <a:buChar char="•"/>
-              <a:defRPr sz="2000" kern="1200">
-                <a:solidFill>
-                  <a:schemeClr val="tx1"/>
-                </a:solidFill>
-                <a:latin typeface="+mn-lt"/>
-                <a:ea typeface="+mn-ea"/>
-                <a:cs typeface="+mn-cs"/>
-              </a:defRPr>
-            </a:lvl9pPr>
-          </a:lstStyle>
-          <a:p>
-            <a:r>
-              <a:rPr lang="en-US" dirty="0"/>
-              <a:t>The same halo fill unit test for mesh also works for AMR</a:t>
-            </a:r>
-          </a:p>
-          <a:p>
-            <a:r>
-              <a:rPr lang="en-US" dirty="0"/>
-              <a:t>Additional functionalities to test are:</a:t>
-            </a:r>
-          </a:p>
-          <a:p>
-            <a:pPr lvl="1"/>
-            <a:r>
-              <a:rPr lang="en-US" dirty="0"/>
-              <a:t>Fine-coarse boundary resolution</a:t>
-            </a:r>
-          </a:p>
-          <a:p>
-            <a:pPr lvl="1"/>
-            <a:r>
-              <a:rPr lang="en-US" dirty="0" err="1"/>
-              <a:t>Regridding</a:t>
-            </a:r>
-            <a:endParaRPr lang="en-US" dirty="0"/>
-          </a:p>
-          <a:p>
-            <a:r>
-              <a:rPr lang="en-US" dirty="0"/>
-              <a:t>Steps in testing </a:t>
-            </a:r>
-          </a:p>
-          <a:p>
-            <a:pPr lvl="1"/>
-            <a:r>
-              <a:rPr lang="en-US" dirty="0"/>
-              <a:t>Run </a:t>
-            </a:r>
-            <a:r>
-              <a:rPr lang="en-US" dirty="0" err="1"/>
-              <a:t>Sedov</a:t>
-            </a:r>
-            <a:r>
-              <a:rPr lang="en-US" dirty="0"/>
-              <a:t> with UG</a:t>
-            </a:r>
-          </a:p>
-          <a:p>
-            <a:pPr lvl="1"/>
-            <a:r>
-              <a:rPr lang="en-US" dirty="0"/>
-              <a:t>Run </a:t>
-            </a:r>
-            <a:r>
-              <a:rPr lang="en-US" dirty="0" err="1"/>
-              <a:t>Sedov</a:t>
-            </a:r>
-            <a:r>
-              <a:rPr lang="en-US" dirty="0"/>
-              <a:t> with AMR, but no dynamic refinement</a:t>
-            </a:r>
-          </a:p>
-          <a:p>
             <a:pPr lvl="2"/>
-            <a:r>
-              <a:rPr lang="en-US" dirty="0"/>
-              <a:t>If failed fault is in flux correction</a:t>
-            </a:r>
-          </a:p>
-          <a:p>
-            <a:pPr lvl="1"/>
-            <a:r>
-              <a:rPr lang="en-US" dirty="0"/>
-              <a:t>Run </a:t>
-            </a:r>
-            <a:r>
-              <a:rPr lang="en-US" dirty="0" err="1"/>
-              <a:t>Sedov</a:t>
-            </a:r>
-            <a:r>
-              <a:rPr lang="en-US" dirty="0"/>
-              <a:t> with AMR and dynamic refinement</a:t>
-            </a:r>
-          </a:p>
-          <a:p>
-            <a:pPr lvl="1"/>
             <a:r>
               <a:rPr lang="en-US" dirty="0"/>
               <a:t>If failed fault is in </a:t>
@@ -13219,7 +12071,7 @@
 </p:sld>
 </file>
 
-<file path=ppt/slides/slide23.xml><?xml version="1.0" encoding="utf-8"?>
+<file path=ppt/slides/slide21.xml><?xml version="1.0" encoding="utf-8"?>
 <p:sld xmlns:a="http://schemas.openxmlformats.org/drawingml/2006/main" xmlns:r="http://schemas.openxmlformats.org/officeDocument/2006/relationships" xmlns:p="http://schemas.openxmlformats.org/presentationml/2006/main">
   <p:cSld>
     <p:spTree>
@@ -15428,7 +14280,7 @@
 </p:sld>
 </file>
 
-<file path=ppt/slides/slide24.xml><?xml version="1.0" encoding="utf-8"?>
+<file path=ppt/slides/slide22.xml><?xml version="1.0" encoding="utf-8"?>
 <p:sld xmlns:a="http://schemas.openxmlformats.org/drawingml/2006/main" xmlns:r="http://schemas.openxmlformats.org/officeDocument/2006/relationships" xmlns:p="http://schemas.openxmlformats.org/presentationml/2006/main">
   <p:cSld>
     <p:spTree>
@@ -15618,7 +14470,7 @@
 </p:sld>
 </file>
 
-<file path=ppt/slides/slide25.xml><?xml version="1.0" encoding="utf-8"?>
+<file path=ppt/slides/slide23.xml><?xml version="1.0" encoding="utf-8"?>
 <p:sld xmlns:a="http://schemas.openxmlformats.org/drawingml/2006/main" xmlns:r="http://schemas.openxmlformats.org/officeDocument/2006/relationships" xmlns:p="http://schemas.openxmlformats.org/presentationml/2006/main">
   <p:cSld>
     <p:spTree>
@@ -16162,7 +15014,7 @@
 </p:sld>
 </file>
 
-<file path=ppt/slides/slide26.xml><?xml version="1.0" encoding="utf-8"?>
+<file path=ppt/slides/slide24.xml><?xml version="1.0" encoding="utf-8"?>
 <p:sld xmlns:a="http://schemas.openxmlformats.org/drawingml/2006/main" xmlns:r="http://schemas.openxmlformats.org/officeDocument/2006/relationships" xmlns:p="http://schemas.openxmlformats.org/presentationml/2006/main">
   <p:cSld>
     <p:spTree>
@@ -17312,7 +16164,7 @@
 </p:sld>
 </file>
 
-<file path=ppt/slides/slide27.xml><?xml version="1.0" encoding="utf-8"?>
+<file path=ppt/slides/slide25.xml><?xml version="1.0" encoding="utf-8"?>
 <p:sld xmlns:a="http://schemas.openxmlformats.org/drawingml/2006/main" xmlns:r="http://schemas.openxmlformats.org/officeDocument/2006/relationships" xmlns:p="http://schemas.openxmlformats.org/presentationml/2006/main">
   <p:cSld>
     <p:spTree>
@@ -17570,7 +16422,7 @@
 </p:sld>
 </file>
 
-<file path=ppt/slides/slide28.xml><?xml version="1.0" encoding="utf-8"?>
+<file path=ppt/slides/slide26.xml><?xml version="1.0" encoding="utf-8"?>
 <p:sld xmlns:a="http://schemas.openxmlformats.org/drawingml/2006/main" xmlns:r="http://schemas.openxmlformats.org/officeDocument/2006/relationships" xmlns:p="http://schemas.openxmlformats.org/presentationml/2006/main">
   <p:cSld>
     <p:spTree>
@@ -17709,7 +16561,7 @@
 </p:sld>
 </file>
 
-<file path=ppt/slides/slide29.xml><?xml version="1.0" encoding="utf-8"?>
+<file path=ppt/slides/slide27.xml><?xml version="1.0" encoding="utf-8"?>
 <p:sld xmlns:a="http://schemas.openxmlformats.org/drawingml/2006/main" xmlns:r="http://schemas.openxmlformats.org/officeDocument/2006/relationships" xmlns:p="http://schemas.openxmlformats.org/presentationml/2006/main">
   <p:cSld>
     <p:spTree>
@@ -20371,12 +19223,6 @@
 </p:tagLst>
 </file>
 
-<file path=ppt/tags/tag10.xml><?xml version="1.0" encoding="utf-8"?>
-<p:tagLst xmlns:a="http://schemas.openxmlformats.org/drawingml/2006/main" xmlns:r="http://schemas.openxmlformats.org/officeDocument/2006/relationships" xmlns:p="http://schemas.openxmlformats.org/presentationml/2006/main">
-  <p:tag name="TIMING" val="|25.8|7|19.3|5.6|9|17.8|16.3|3.9|16.6|0.7"/>
-</p:tagLst>
-</file>
-
 <file path=ppt/tags/tag2.xml><?xml version="1.0" encoding="utf-8"?>
 <p:tagLst xmlns:a="http://schemas.openxmlformats.org/drawingml/2006/main" xmlns:r="http://schemas.openxmlformats.org/officeDocument/2006/relationships" xmlns:p="http://schemas.openxmlformats.org/presentationml/2006/main">
   <p:tag name="TIMING" val="|87.2|3.4|1.7|15|27"/>
@@ -20421,7 +19267,7 @@
 
 <file path=ppt/tags/tag9.xml><?xml version="1.0" encoding="utf-8"?>
 <p:tagLst xmlns:a="http://schemas.openxmlformats.org/drawingml/2006/main" xmlns:r="http://schemas.openxmlformats.org/officeDocument/2006/relationships" xmlns:p="http://schemas.openxmlformats.org/presentationml/2006/main">
-  <p:tag name="TIMING" val="|102|13.3"/>
+  <p:tag name="TIMING" val="|25.8|7|19.3|5.6|9|17.8|16.3|3.9|16.6|0.7"/>
 </p:tagLst>
 </file>
 
@@ -21338,6 +20184,15 @@
 </file>
 
 <file path=customXml/item1.xml><?xml version="1.0" encoding="utf-8"?>
+<?mso-contentType ?>
+<FormTemplates xmlns="http://schemas.microsoft.com/sharepoint/v3/contenttype/forms">
+  <Display>DocumentLibraryForm</Display>
+  <Edit>DocumentLibraryForm</Edit>
+  <New>DocumentLibraryForm</New>
+</FormTemplates>
+</file>
+
+<file path=customXml/item2.xml><?xml version="1.0" encoding="utf-8"?>
 <ct:contentTypeSchema xmlns:ct="http://schemas.microsoft.com/office/2006/metadata/contentType" xmlns:ma="http://schemas.microsoft.com/office/2006/metadata/properties/metaAttributes" ct:_="" ma:_="" ma:contentTypeName="Document" ma:contentTypeID="0x010100565464437F680748A68B85EB6594EA7D" ma:contentTypeVersion="0" ma:contentTypeDescription="Create a new document." ma:contentTypeScope="" ma:versionID="fe3f4dd58d5914c51cfc6deaa8ad845c">
   <xsd:schema xmlns:xsd="http://www.w3.org/2001/XMLSchema" xmlns:p="http://schemas.microsoft.com/office/2006/metadata/properties" targetNamespace="http://schemas.microsoft.com/office/2006/metadata/properties" ma:root="true" ma:fieldsID="4aeb20c0e3442673af7ee10786458764">
     <xsd:element name="properties">
@@ -21386,15 +20241,6 @@
 </ct:contentTypeSchema>
 </file>
 
-<file path=customXml/item2.xml><?xml version="1.0" encoding="utf-8"?>
-<?mso-contentType ?>
-<FormTemplates xmlns="http://schemas.microsoft.com/sharepoint/v3/contenttype/forms">
-  <Display>DocumentLibraryForm</Display>
-  <Edit>DocumentLibraryForm</Edit>
-  <New>DocumentLibraryForm</New>
-</FormTemplates>
-</file>
-
 <file path=customXml/item3.xml><?xml version="1.0" encoding="utf-8"?>
 <p:properties xmlns:p="http://schemas.microsoft.com/office/2006/metadata/properties" xmlns:xsi="http://www.w3.org/2001/XMLSchema-instance" xmlns:pc="http://schemas.microsoft.com/office/infopath/2007/PartnerControls">
   <documentManagement/>
@@ -21402,6 +20248,14 @@
 </file>
 
 <file path=customXml/itemProps1.xml><?xml version="1.0" encoding="utf-8"?>
+<ds:datastoreItem xmlns:ds="http://schemas.openxmlformats.org/officeDocument/2006/customXml" ds:itemID="{19E20559-B232-4371-8690-E3D8007EDB82}">
+  <ds:schemaRefs>
+    <ds:schemaRef ds:uri="http://schemas.microsoft.com/sharepoint/v3/contenttype/forms"/>
+  </ds:schemaRefs>
+</ds:datastoreItem>
+</file>
+
+<file path=customXml/itemProps2.xml><?xml version="1.0" encoding="utf-8"?>
 <ds:datastoreItem xmlns:ds="http://schemas.openxmlformats.org/officeDocument/2006/customXml" ds:itemID="{E8DB7DEB-074E-4EE8-9B6E-FD277323109C}">
   <ds:schemaRefs>
     <ds:schemaRef ds:uri="http://schemas.microsoft.com/office/2006/metadata/contentType"/>
@@ -21412,14 +20266,6 @@
     <ds:schemaRef ds:uri="http://purl.org/dc/elements/1.1/"/>
     <ds:schemaRef ds:uri="http://purl.org/dc/terms/"/>
     <ds:schemaRef ds:uri="http://schemas.microsoft.com/office/internal/2005/internalDocumentation"/>
-  </ds:schemaRefs>
-</ds:datastoreItem>
-</file>
-
-<file path=customXml/itemProps2.xml><?xml version="1.0" encoding="utf-8"?>
-<ds:datastoreItem xmlns:ds="http://schemas.openxmlformats.org/officeDocument/2006/customXml" ds:itemID="{19E20559-B232-4371-8690-E3D8007EDB82}">
-  <ds:schemaRefs>
-    <ds:schemaRef ds:uri="http://schemas.microsoft.com/sharepoint/v3/contenttype/forms"/>
   </ds:schemaRefs>
 </ds:datastoreItem>
 </file>

--- a/testing-a.pptx
+++ b/testing-a.pptx
@@ -5,44 +5,45 @@
     <p:sldMasterId id="2147483935" r:id="rId4"/>
   </p:sldMasterIdLst>
   <p:notesMasterIdLst>
-    <p:notesMasterId r:id="rId37"/>
+    <p:notesMasterId r:id="rId38"/>
   </p:notesMasterIdLst>
   <p:handoutMasterIdLst>
-    <p:handoutMasterId r:id="rId38"/>
+    <p:handoutMasterId r:id="rId39"/>
   </p:handoutMasterIdLst>
   <p:sldIdLst>
     <p:sldId id="256" r:id="rId5"/>
-    <p:sldId id="1823" r:id="rId6"/>
-    <p:sldId id="276" r:id="rId7"/>
-    <p:sldId id="628" r:id="rId8"/>
-    <p:sldId id="662" r:id="rId9"/>
-    <p:sldId id="637" r:id="rId10"/>
-    <p:sldId id="1871" r:id="rId11"/>
-    <p:sldId id="1877" r:id="rId12"/>
-    <p:sldId id="1876" r:id="rId13"/>
-    <p:sldId id="1875" r:id="rId14"/>
-    <p:sldId id="1874" r:id="rId15"/>
-    <p:sldId id="1873" r:id="rId16"/>
-    <p:sldId id="1872" r:id="rId17"/>
-    <p:sldId id="1862" r:id="rId18"/>
-    <p:sldId id="1879" r:id="rId19"/>
-    <p:sldId id="1855" r:id="rId20"/>
-    <p:sldId id="1864" r:id="rId21"/>
-    <p:sldId id="1863" r:id="rId22"/>
-    <p:sldId id="1867" r:id="rId23"/>
-    <p:sldId id="1868" r:id="rId24"/>
-    <p:sldId id="1865" r:id="rId25"/>
-    <p:sldId id="1866" r:id="rId26"/>
-    <p:sldId id="486" r:id="rId27"/>
-    <p:sldId id="1869" r:id="rId28"/>
-    <p:sldId id="299" r:id="rId29"/>
-    <p:sldId id="487" r:id="rId30"/>
-    <p:sldId id="1878" r:id="rId31"/>
-    <p:sldId id="611" r:id="rId32"/>
-    <p:sldId id="586" r:id="rId33"/>
-    <p:sldId id="1870" r:id="rId34"/>
-    <p:sldId id="636" r:id="rId35"/>
-    <p:sldId id="654" r:id="rId36"/>
+    <p:sldId id="320" r:id="rId6"/>
+    <p:sldId id="1823" r:id="rId7"/>
+    <p:sldId id="276" r:id="rId8"/>
+    <p:sldId id="628" r:id="rId9"/>
+    <p:sldId id="662" r:id="rId10"/>
+    <p:sldId id="637" r:id="rId11"/>
+    <p:sldId id="1871" r:id="rId12"/>
+    <p:sldId id="1877" r:id="rId13"/>
+    <p:sldId id="1876" r:id="rId14"/>
+    <p:sldId id="1875" r:id="rId15"/>
+    <p:sldId id="1874" r:id="rId16"/>
+    <p:sldId id="1873" r:id="rId17"/>
+    <p:sldId id="1872" r:id="rId18"/>
+    <p:sldId id="1862" r:id="rId19"/>
+    <p:sldId id="1879" r:id="rId20"/>
+    <p:sldId id="1855" r:id="rId21"/>
+    <p:sldId id="1864" r:id="rId22"/>
+    <p:sldId id="1863" r:id="rId23"/>
+    <p:sldId id="1867" r:id="rId24"/>
+    <p:sldId id="1868" r:id="rId25"/>
+    <p:sldId id="1865" r:id="rId26"/>
+    <p:sldId id="1866" r:id="rId27"/>
+    <p:sldId id="486" r:id="rId28"/>
+    <p:sldId id="1869" r:id="rId29"/>
+    <p:sldId id="299" r:id="rId30"/>
+    <p:sldId id="487" r:id="rId31"/>
+    <p:sldId id="1878" r:id="rId32"/>
+    <p:sldId id="611" r:id="rId33"/>
+    <p:sldId id="586" r:id="rId34"/>
+    <p:sldId id="1870" r:id="rId35"/>
+    <p:sldId id="636" r:id="rId36"/>
+    <p:sldId id="654" r:id="rId37"/>
   </p:sldIdLst>
   <p:sldSz cx="12188825" cy="6858000"/>
   <p:notesSz cx="7010400" cy="9296400"/>
@@ -286,7 +287,7 @@
           <a:p>
             <a:fld id="{0B842F42-2CE9-4E35-95C1-410DC08A50B1}" type="datetimeFigureOut">
               <a:rPr lang="en-US" smtClean="0"/>
-              <a:t>8/5/22</a:t>
+              <a:t>8/9/2022</a:t>
             </a:fld>
             <a:endParaRPr lang="en-US"/>
           </a:p>
@@ -451,7 +452,7 @@
           <a:p>
             <a:fld id="{6F282904-F315-4730-8D91-37D99E141A6F}" type="datetimeFigureOut">
               <a:rPr lang="en-US" smtClean="0"/>
-              <a:t>8/5/22</a:t>
+              <a:t>8/9/2022</a:t>
             </a:fld>
             <a:endParaRPr lang="en-US"/>
           </a:p>
@@ -975,7 +976,7 @@
           <a:p>
             <a:fld id="{54E672D7-8E2D-4611-973D-F4591A707C34}" type="slidenum">
               <a:rPr lang="en-US" smtClean="0"/>
-              <a:t>10</a:t>
+              <a:t>11</a:t>
             </a:fld>
             <a:endParaRPr lang="en-US"/>
           </a:p>
@@ -1059,7 +1060,7 @@
           <a:p>
             <a:fld id="{54E672D7-8E2D-4611-973D-F4591A707C34}" type="slidenum">
               <a:rPr lang="en-US" smtClean="0"/>
-              <a:t>11</a:t>
+              <a:t>12</a:t>
             </a:fld>
             <a:endParaRPr lang="en-US"/>
           </a:p>
@@ -1143,7 +1144,7 @@
           <a:p>
             <a:fld id="{54E672D7-8E2D-4611-973D-F4591A707C34}" type="slidenum">
               <a:rPr lang="en-US" smtClean="0"/>
-              <a:t>12</a:t>
+              <a:t>13</a:t>
             </a:fld>
             <a:endParaRPr lang="en-US"/>
           </a:p>
@@ -1227,7 +1228,7 @@
           <a:p>
             <a:fld id="{54E672D7-8E2D-4611-973D-F4591A707C34}" type="slidenum">
               <a:rPr lang="en-US" smtClean="0"/>
-              <a:t>13</a:t>
+              <a:t>14</a:t>
             </a:fld>
             <a:endParaRPr lang="en-US"/>
           </a:p>
@@ -1319,7 +1320,7 @@
           <a:p>
             <a:fld id="{54E672D7-8E2D-4611-973D-F4591A707C34}" type="slidenum">
               <a:rPr lang="en-US" smtClean="0"/>
-              <a:t>14</a:t>
+              <a:t>15</a:t>
             </a:fld>
             <a:endParaRPr lang="en-US"/>
           </a:p>
@@ -1411,7 +1412,7 @@
           <a:p>
             <a:fld id="{54E672D7-8E2D-4611-973D-F4591A707C34}" type="slidenum">
               <a:rPr lang="en-US" smtClean="0"/>
-              <a:t>15</a:t>
+              <a:t>16</a:t>
             </a:fld>
             <a:endParaRPr lang="en-US"/>
           </a:p>
@@ -1571,7 +1572,7 @@
           <a:p>
             <a:fld id="{54E672D7-8E2D-4611-973D-F4591A707C34}" type="slidenum">
               <a:rPr lang="en-US" smtClean="0"/>
-              <a:t>16</a:t>
+              <a:t>17</a:t>
             </a:fld>
             <a:endParaRPr lang="en-US"/>
           </a:p>
@@ -1680,7 +1681,7 @@
           <a:p>
             <a:fld id="{54E672D7-8E2D-4611-973D-F4591A707C34}" type="slidenum">
               <a:rPr lang="en-US" smtClean="0"/>
-              <a:t>17</a:t>
+              <a:t>18</a:t>
             </a:fld>
             <a:endParaRPr lang="en-US"/>
           </a:p>
@@ -1792,7 +1793,7 @@
           <a:p>
             <a:fld id="{54E672D7-8E2D-4611-973D-F4591A707C34}" type="slidenum">
               <a:rPr lang="en-US" smtClean="0"/>
-              <a:t>18</a:t>
+              <a:t>19</a:t>
             </a:fld>
             <a:endParaRPr lang="en-US"/>
           </a:p>
@@ -1904,7 +1905,7 @@
           <a:p>
             <a:fld id="{54E672D7-8E2D-4611-973D-F4591A707C34}" type="slidenum">
               <a:rPr lang="en-US" smtClean="0"/>
-              <a:t>19</a:t>
+              <a:t>20</a:t>
             </a:fld>
             <a:endParaRPr lang="en-US"/>
           </a:p>
@@ -2011,7 +2012,7 @@
           <a:p>
             <a:fld id="{54E672D7-8E2D-4611-973D-F4591A707C34}" type="slidenum">
               <a:rPr lang="en-US" smtClean="0"/>
-              <a:t>2</a:t>
+              <a:t>3</a:t>
             </a:fld>
             <a:endParaRPr lang="en-US"/>
           </a:p>
@@ -2123,7 +2124,7 @@
           <a:p>
             <a:fld id="{54E672D7-8E2D-4611-973D-F4591A707C34}" type="slidenum">
               <a:rPr lang="en-US" smtClean="0"/>
-              <a:t>20</a:t>
+              <a:t>21</a:t>
             </a:fld>
             <a:endParaRPr lang="en-US"/>
           </a:p>
@@ -2235,7 +2236,7 @@
           <a:p>
             <a:fld id="{54E672D7-8E2D-4611-973D-F4591A707C34}" type="slidenum">
               <a:rPr lang="en-US" smtClean="0"/>
-              <a:t>21</a:t>
+              <a:t>22</a:t>
             </a:fld>
             <a:endParaRPr lang="en-US"/>
           </a:p>
@@ -2347,7 +2348,7 @@
           <a:p>
             <a:fld id="{54E672D7-8E2D-4611-973D-F4591A707C34}" type="slidenum">
               <a:rPr lang="en-US" smtClean="0"/>
-              <a:t>22</a:t>
+              <a:t>23</a:t>
             </a:fld>
             <a:endParaRPr lang="en-US"/>
           </a:p>
@@ -2456,7 +2457,7 @@
           <a:p>
             <a:fld id="{54E672D7-8E2D-4611-973D-F4591A707C34}" type="slidenum">
               <a:rPr lang="en-US" smtClean="0"/>
-              <a:t>23</a:t>
+              <a:t>24</a:t>
             </a:fld>
             <a:endParaRPr lang="en-US"/>
           </a:p>
@@ -2568,7 +2569,7 @@
           <a:p>
             <a:fld id="{54E672D7-8E2D-4611-973D-F4591A707C34}" type="slidenum">
               <a:rPr lang="en-US" smtClean="0"/>
-              <a:t>24</a:t>
+              <a:t>25</a:t>
             </a:fld>
             <a:endParaRPr lang="en-US"/>
           </a:p>
@@ -2885,7 +2886,7 @@
           <a:p>
             <a:fld id="{54E672D7-8E2D-4611-973D-F4591A707C34}" type="slidenum">
               <a:rPr lang="en-US" smtClean="0"/>
-              <a:t>25</a:t>
+              <a:t>26</a:t>
             </a:fld>
             <a:endParaRPr lang="en-US"/>
           </a:p>
@@ -2980,7 +2981,7 @@
           <a:p>
             <a:fld id="{54E672D7-8E2D-4611-973D-F4591A707C34}" type="slidenum">
               <a:rPr lang="en-US" smtClean="0"/>
-              <a:t>26</a:t>
+              <a:t>27</a:t>
             </a:fld>
             <a:endParaRPr lang="en-US"/>
           </a:p>
@@ -3075,7 +3076,7 @@
           <a:p>
             <a:fld id="{54E672D7-8E2D-4611-973D-F4591A707C34}" type="slidenum">
               <a:rPr lang="en-US" smtClean="0"/>
-              <a:t>27</a:t>
+              <a:t>28</a:t>
             </a:fld>
             <a:endParaRPr lang="en-US"/>
           </a:p>
@@ -3187,7 +3188,7 @@
           <a:p>
             <a:fld id="{54E672D7-8E2D-4611-973D-F4591A707C34}" type="slidenum">
               <a:rPr lang="en-US" smtClean="0"/>
-              <a:t>28</a:t>
+              <a:t>29</a:t>
             </a:fld>
             <a:endParaRPr lang="en-US"/>
           </a:p>
@@ -3414,7 +3415,7 @@
           <a:p>
             <a:fld id="{54E672D7-8E2D-4611-973D-F4591A707C34}" type="slidenum">
               <a:rPr lang="en-US" smtClean="0"/>
-              <a:t>29</a:t>
+              <a:t>30</a:t>
             </a:fld>
             <a:endParaRPr lang="en-US"/>
           </a:p>
@@ -3509,7 +3510,7 @@
           <a:p>
             <a:fld id="{54E672D7-8E2D-4611-973D-F4591A707C34}" type="slidenum">
               <a:rPr lang="en-US" smtClean="0"/>
-              <a:t>3</a:t>
+              <a:t>4</a:t>
             </a:fld>
             <a:endParaRPr lang="en-US"/>
           </a:p>
@@ -3613,7 +3614,7 @@
           <a:p>
             <a:fld id="{54E672D7-8E2D-4611-973D-F4591A707C34}" type="slidenum">
               <a:rPr lang="en-US" smtClean="0"/>
-              <a:t>30</a:t>
+              <a:t>31</a:t>
             </a:fld>
             <a:endParaRPr lang="en-US"/>
           </a:p>
@@ -3697,7 +3698,7 @@
           <a:p>
             <a:fld id="{54E672D7-8E2D-4611-973D-F4591A707C34}" type="slidenum">
               <a:rPr lang="en-US" smtClean="0"/>
-              <a:t>31</a:t>
+              <a:t>32</a:t>
             </a:fld>
             <a:endParaRPr lang="en-US"/>
           </a:p>
@@ -3806,7 +3807,7 @@
           <a:p>
             <a:fld id="{54E672D7-8E2D-4611-973D-F4591A707C34}" type="slidenum">
               <a:rPr lang="en-US" smtClean="0"/>
-              <a:t>32</a:t>
+              <a:t>33</a:t>
             </a:fld>
             <a:endParaRPr lang="en-US"/>
           </a:p>
@@ -3901,7 +3902,7 @@
           <a:p>
             <a:fld id="{54E672D7-8E2D-4611-973D-F4591A707C34}" type="slidenum">
               <a:rPr lang="en-US" smtClean="0"/>
-              <a:t>4</a:t>
+              <a:t>5</a:t>
             </a:fld>
             <a:endParaRPr lang="en-US"/>
           </a:p>
@@ -3996,7 +3997,7 @@
           <a:p>
             <a:fld id="{54E672D7-8E2D-4611-973D-F4591A707C34}" type="slidenum">
               <a:rPr lang="en-US" smtClean="0"/>
-              <a:t>5</a:t>
+              <a:t>6</a:t>
             </a:fld>
             <a:endParaRPr lang="en-US"/>
           </a:p>
@@ -4194,7 +4195,7 @@
           <a:p>
             <a:fld id="{54E672D7-8E2D-4611-973D-F4591A707C34}" type="slidenum">
               <a:rPr lang="en-US" smtClean="0"/>
-              <a:t>6</a:t>
+              <a:t>7</a:t>
             </a:fld>
             <a:endParaRPr lang="en-US"/>
           </a:p>
@@ -4278,7 +4279,7 @@
           <a:p>
             <a:fld id="{54E672D7-8E2D-4611-973D-F4591A707C34}" type="slidenum">
               <a:rPr lang="en-US" smtClean="0"/>
-              <a:t>7</a:t>
+              <a:t>8</a:t>
             </a:fld>
             <a:endParaRPr lang="en-US"/>
           </a:p>
@@ -4362,7 +4363,7 @@
           <a:p>
             <a:fld id="{54E672D7-8E2D-4611-973D-F4591A707C34}" type="slidenum">
               <a:rPr lang="en-US" smtClean="0"/>
-              <a:t>8</a:t>
+              <a:t>9</a:t>
             </a:fld>
             <a:endParaRPr lang="en-US"/>
           </a:p>
@@ -4446,7 +4447,7 @@
           <a:p>
             <a:fld id="{54E672D7-8E2D-4611-973D-F4591A707C34}" type="slidenum">
               <a:rPr lang="en-US" smtClean="0"/>
-              <a:t>9</a:t>
+              <a:t>10</a:t>
             </a:fld>
             <a:endParaRPr lang="en-US"/>
           </a:p>
@@ -8109,14 +8110,9 @@
             </a:endParaRPr>
           </a:p>
           <a:p>
-            <a:pPr>
-              <a:spcBef>
-                <a:spcPts val="2800"/>
-              </a:spcBef>
-            </a:pPr>
             <a:r>
               <a:rPr lang="en-US" sz="2000" dirty="0"/>
-              <a:t>Software Productivity and Sustainability Track @ ATPESC 2022</a:t>
+              <a:t>Software Productivity and Sustainability track @ Argonne Training Program on Extreme-Scale Computing summer school</a:t>
             </a:r>
           </a:p>
           <a:p>
@@ -8536,108 +8532,10 @@
           </a:p>
         </p:txBody>
       </p:sp>
-      <p:sp>
-        <p:nvSpPr>
-          <p:cNvPr id="4" name="Rounded Rectangle 3">
-            <a:extLst>
-              <a:ext uri="{FF2B5EF4-FFF2-40B4-BE49-F238E27FC236}">
-                <a16:creationId xmlns:a16="http://schemas.microsoft.com/office/drawing/2014/main" id="{0C2438E2-D939-8BC7-C952-86A47632FD7A}"/>
-              </a:ext>
-            </a:extLst>
-          </p:cNvPr>
-          <p:cNvSpPr/>
-          <p:nvPr/>
-        </p:nvSpPr>
-        <p:spPr>
-          <a:xfrm>
-            <a:off x="8165262" y="824979"/>
-            <a:ext cx="3240241" cy="2604022"/>
-          </a:xfrm>
-          <a:prstGeom prst="roundRect">
-            <a:avLst/>
-          </a:prstGeom>
-          <a:solidFill>
-            <a:srgbClr val="0070C0"/>
-          </a:solidFill>
-          <a:ln>
-            <a:noFill/>
-          </a:ln>
-          <a:effectLst>
-            <a:outerShdw blurRad="44450" dist="27940" dir="5400000" algn="ctr">
-              <a:srgbClr val="000000">
-                <a:alpha val="32000"/>
-              </a:srgbClr>
-            </a:outerShdw>
-          </a:effectLst>
-        </p:spPr>
-        <p:txBody>
-          <a:bodyPr rot="0" spcFirstLastPara="0" vertOverflow="overflow" horzOverflow="overflow" vert="horz" wrap="square" lIns="121851" tIns="60925" rIns="121851" bIns="60925" numCol="1" spcCol="0" rtlCol="0" fromWordArt="0" anchor="ctr" anchorCtr="0" forceAA="0" compatLnSpc="1">
-            <a:prstTxWarp prst="textNoShape">
-              <a:avLst/>
-            </a:prstTxWarp>
-            <a:noAutofit/>
-          </a:bodyPr>
-          <a:lstStyle/>
-          <a:p>
-            <a:pPr algn="ctr">
-              <a:lnSpc>
-                <a:spcPct val="90000"/>
-              </a:lnSpc>
-            </a:pPr>
-            <a:r>
-              <a:rPr lang="en-US" sz="2000" dirty="0">
-                <a:solidFill>
-                  <a:schemeClr val="bg1"/>
-                </a:solidFill>
-              </a:rPr>
-              <a:t>Right there are all the ingredients for building tests</a:t>
-            </a:r>
-          </a:p>
-          <a:p>
-            <a:pPr algn="ctr">
-              <a:lnSpc>
-                <a:spcPct val="90000"/>
-              </a:lnSpc>
-            </a:pPr>
-            <a:endParaRPr lang="en-US" sz="2000" dirty="0">
-              <a:solidFill>
-                <a:schemeClr val="bg1"/>
-              </a:solidFill>
-            </a:endParaRPr>
-          </a:p>
-          <a:p>
-            <a:pPr algn="ctr">
-              <a:lnSpc>
-                <a:spcPct val="90000"/>
-              </a:lnSpc>
-            </a:pPr>
-            <a:r>
-              <a:rPr lang="en-US" sz="2000" dirty="0">
-                <a:solidFill>
-                  <a:schemeClr val="bg1"/>
-                </a:solidFill>
-              </a:rPr>
-              <a:t>All that is needed is automating directly or indirectly</a:t>
-            </a:r>
-          </a:p>
-          <a:p>
-            <a:pPr algn="ctr">
-              <a:lnSpc>
-                <a:spcPct val="90000"/>
-              </a:lnSpc>
-            </a:pPr>
-            <a:endParaRPr lang="en-US" sz="2000" dirty="0">
-              <a:solidFill>
-                <a:schemeClr val="bg1"/>
-              </a:solidFill>
-            </a:endParaRPr>
-          </a:p>
-        </p:txBody>
-      </p:sp>
     </p:spTree>
     <p:extLst>
       <p:ext uri="{BB962C8B-B14F-4D97-AF65-F5344CB8AC3E}">
-        <p14:creationId xmlns:p14="http://schemas.microsoft.com/office/powerpoint/2010/main" val="2997833423"/>
+        <p14:creationId xmlns:p14="http://schemas.microsoft.com/office/powerpoint/2010/main" val="2110374797"/>
       </p:ext>
     </p:extLst>
   </p:cSld>
@@ -9007,72 +8905,10 @@
       </p:sp>
       <p:sp>
         <p:nvSpPr>
-          <p:cNvPr id="10" name="Rounded Rectangle 9">
+          <p:cNvPr id="4" name="Rounded Rectangle 3">
             <a:extLst>
               <a:ext uri="{FF2B5EF4-FFF2-40B4-BE49-F238E27FC236}">
-                <a16:creationId xmlns:a16="http://schemas.microsoft.com/office/drawing/2014/main" id="{C567CBD7-E124-077C-651F-DC989B79CBD8}"/>
-              </a:ext>
-            </a:extLst>
-          </p:cNvPr>
-          <p:cNvSpPr/>
-          <p:nvPr/>
-        </p:nvSpPr>
-        <p:spPr>
-          <a:xfrm>
-            <a:off x="3076799" y="4347634"/>
-            <a:ext cx="2250869" cy="1750943"/>
-          </a:xfrm>
-          <a:prstGeom prst="roundRect">
-            <a:avLst/>
-          </a:prstGeom>
-          <a:solidFill>
-            <a:schemeClr val="accent3">
-              <a:lumMod val="40000"/>
-              <a:lumOff val="60000"/>
-            </a:schemeClr>
-          </a:solidFill>
-          <a:ln>
-            <a:noFill/>
-          </a:ln>
-          <a:effectLst>
-            <a:outerShdw blurRad="44450" dist="27940" dir="5400000" algn="ctr">
-              <a:srgbClr val="000000">
-                <a:alpha val="32000"/>
-              </a:srgbClr>
-            </a:outerShdw>
-          </a:effectLst>
-        </p:spPr>
-        <p:txBody>
-          <a:bodyPr rot="0" spcFirstLastPara="0" vertOverflow="overflow" horzOverflow="overflow" vert="horz" wrap="square" lIns="121851" tIns="60925" rIns="121851" bIns="60925" numCol="1" spcCol="0" rtlCol="0" fromWordArt="0" anchor="ctr" anchorCtr="0" forceAA="0" compatLnSpc="1">
-            <a:prstTxWarp prst="textNoShape">
-              <a:avLst/>
-            </a:prstTxWarp>
-            <a:noAutofit/>
-          </a:bodyPr>
-          <a:lstStyle/>
-          <a:p>
-            <a:pPr algn="ctr">
-              <a:lnSpc>
-                <a:spcPct val="90000"/>
-              </a:lnSpc>
-            </a:pPr>
-            <a:r>
-              <a:rPr lang="en-US" sz="2000" dirty="0">
-                <a:solidFill>
-                  <a:sysClr val="windowText" lastClr="000000"/>
-                </a:solidFill>
-              </a:rPr>
-              <a:t>Visualize and inspect output</a:t>
-            </a:r>
-          </a:p>
-        </p:txBody>
-      </p:sp>
-      <p:sp>
-        <p:nvSpPr>
-          <p:cNvPr id="8" name="Rounded Rectangle 7">
-            <a:extLst>
-              <a:ext uri="{FF2B5EF4-FFF2-40B4-BE49-F238E27FC236}">
-                <a16:creationId xmlns:a16="http://schemas.microsoft.com/office/drawing/2014/main" id="{34B41F51-A8E4-0ADC-3D0A-CADEF6C75C29}"/>
+                <a16:creationId xmlns:a16="http://schemas.microsoft.com/office/drawing/2014/main" id="{0C2438E2-D939-8BC7-C952-86A47632FD7A}"/>
               </a:ext>
             </a:extLst>
           </p:cNvPr>
@@ -9168,7 +9004,7 @@
     </p:spTree>
     <p:extLst>
       <p:ext uri="{BB962C8B-B14F-4D97-AF65-F5344CB8AC3E}">
-        <p14:creationId xmlns:p14="http://schemas.microsoft.com/office/powerpoint/2010/main" val="4236936773"/>
+        <p14:creationId xmlns:p14="http://schemas.microsoft.com/office/powerpoint/2010/main" val="2997833423"/>
       </p:ext>
     </p:extLst>
   </p:cSld>
@@ -9600,83 +9436,6 @@
       </p:sp>
       <p:sp>
         <p:nvSpPr>
-          <p:cNvPr id="11" name="Rounded Rectangle 10">
-            <a:extLst>
-              <a:ext uri="{FF2B5EF4-FFF2-40B4-BE49-F238E27FC236}">
-                <a16:creationId xmlns:a16="http://schemas.microsoft.com/office/drawing/2014/main" id="{44863933-04EF-B7E5-3B8C-13BAC274DFB9}"/>
-              </a:ext>
-            </a:extLst>
-          </p:cNvPr>
-          <p:cNvSpPr/>
-          <p:nvPr/>
-        </p:nvSpPr>
-        <p:spPr>
-          <a:xfrm>
-            <a:off x="5636017" y="4331805"/>
-            <a:ext cx="2220896" cy="1750943"/>
-          </a:xfrm>
-          <a:prstGeom prst="roundRect">
-            <a:avLst/>
-          </a:prstGeom>
-          <a:solidFill>
-            <a:schemeClr val="accent3">
-              <a:lumMod val="40000"/>
-              <a:lumOff val="60000"/>
-            </a:schemeClr>
-          </a:solidFill>
-          <a:ln>
-            <a:noFill/>
-          </a:ln>
-          <a:effectLst>
-            <a:outerShdw blurRad="44450" dist="27940" dir="5400000" algn="ctr">
-              <a:srgbClr val="000000">
-                <a:alpha val="32000"/>
-              </a:srgbClr>
-            </a:outerShdw>
-          </a:effectLst>
-        </p:spPr>
-        <p:txBody>
-          <a:bodyPr rot="0" spcFirstLastPara="0" vertOverflow="overflow" horzOverflow="overflow" vert="horz" wrap="square" lIns="121851" tIns="60925" rIns="121851" bIns="60925" numCol="1" spcCol="0" rtlCol="0" fromWordArt="0" anchor="ctr" anchorCtr="0" forceAA="0" compatLnSpc="1">
-            <a:prstTxWarp prst="textNoShape">
-              <a:avLst/>
-            </a:prstTxWarp>
-            <a:noAutofit/>
-          </a:bodyPr>
-          <a:lstStyle/>
-          <a:p>
-            <a:pPr algn="ctr">
-              <a:lnSpc>
-                <a:spcPct val="90000"/>
-              </a:lnSpc>
-            </a:pPr>
-            <a:r>
-              <a:rPr lang="en-US" sz="2000" dirty="0">
-                <a:solidFill>
-                  <a:sysClr val="windowText" lastClr="000000"/>
-                </a:solidFill>
-              </a:rPr>
-              <a:t>Develop diagnostics</a:t>
-            </a:r>
-          </a:p>
-          <a:p>
-            <a:pPr algn="ctr">
-              <a:lnSpc>
-                <a:spcPct val="90000"/>
-              </a:lnSpc>
-            </a:pPr>
-            <a:r>
-              <a:rPr lang="en-US" sz="2000" dirty="0">
-                <a:solidFill>
-                  <a:sysClr val="windowText" lastClr="000000"/>
-                </a:solidFill>
-              </a:rPr>
-              <a:t>(indirect ways of verification)</a:t>
-            </a:r>
-          </a:p>
-        </p:txBody>
-      </p:sp>
-      <p:sp>
-        <p:nvSpPr>
           <p:cNvPr id="8" name="Rounded Rectangle 7">
             <a:extLst>
               <a:ext uri="{FF2B5EF4-FFF2-40B4-BE49-F238E27FC236}">
@@ -9776,7 +9535,7 @@
     </p:spTree>
     <p:extLst>
       <p:ext uri="{BB962C8B-B14F-4D97-AF65-F5344CB8AC3E}">
-        <p14:creationId xmlns:p14="http://schemas.microsoft.com/office/powerpoint/2010/main" val="4071965909"/>
+        <p14:creationId xmlns:p14="http://schemas.microsoft.com/office/powerpoint/2010/main" val="4236936773"/>
       </p:ext>
     </p:extLst>
   </p:cSld>
@@ -10381,141 +10140,10 @@
           </a:p>
         </p:txBody>
       </p:sp>
-      <p:sp>
-        <p:nvSpPr>
-          <p:cNvPr id="12" name="Rounded Rectangle 11">
-            <a:extLst>
-              <a:ext uri="{FF2B5EF4-FFF2-40B4-BE49-F238E27FC236}">
-                <a16:creationId xmlns:a16="http://schemas.microsoft.com/office/drawing/2014/main" id="{E3A1E368-C8DE-AC7E-30DC-02722CB16FBE}"/>
-              </a:ext>
-            </a:extLst>
-          </p:cNvPr>
-          <p:cNvSpPr/>
-          <p:nvPr/>
-        </p:nvSpPr>
-        <p:spPr>
-          <a:xfrm>
-            <a:off x="8165262" y="3478726"/>
-            <a:ext cx="3240241" cy="2604022"/>
-          </a:xfrm>
-          <a:prstGeom prst="roundRect">
-            <a:avLst/>
-          </a:prstGeom>
-          <a:solidFill>
-            <a:srgbClr val="0070C0"/>
-          </a:solidFill>
-          <a:ln>
-            <a:noFill/>
-          </a:ln>
-          <a:effectLst>
-            <a:outerShdw blurRad="44450" dist="27940" dir="5400000" algn="ctr">
-              <a:srgbClr val="000000">
-                <a:alpha val="32000"/>
-              </a:srgbClr>
-            </a:outerShdw>
-          </a:effectLst>
-        </p:spPr>
-        <p:txBody>
-          <a:bodyPr rot="0" spcFirstLastPara="0" vertOverflow="overflow" horzOverflow="overflow" vert="horz" wrap="square" lIns="121851" tIns="60925" rIns="121851" bIns="60925" numCol="1" spcCol="0" rtlCol="0" fromWordArt="0" anchor="ctr" anchorCtr="0" forceAA="0" compatLnSpc="1">
-            <a:prstTxWarp prst="textNoShape">
-              <a:avLst/>
-            </a:prstTxWarp>
-            <a:noAutofit/>
-          </a:bodyPr>
-          <a:lstStyle/>
-          <a:p>
-            <a:pPr algn="ctr">
-              <a:lnSpc>
-                <a:spcPct val="90000"/>
-              </a:lnSpc>
-            </a:pPr>
-            <a:r>
-              <a:rPr lang="en-US" sz="2000" dirty="0">
-                <a:solidFill>
-                  <a:schemeClr val="bg1"/>
-                </a:solidFill>
-              </a:rPr>
-              <a:t>Including these through automation is equally important</a:t>
-            </a:r>
-          </a:p>
-          <a:p>
-            <a:pPr algn="ctr">
-              <a:lnSpc>
-                <a:spcPct val="90000"/>
-              </a:lnSpc>
-            </a:pPr>
-            <a:endParaRPr lang="en-US" sz="2000" dirty="0">
-              <a:solidFill>
-                <a:schemeClr val="bg1"/>
-              </a:solidFill>
-            </a:endParaRPr>
-          </a:p>
-          <a:p>
-            <a:pPr algn="ctr">
-              <a:lnSpc>
-                <a:spcPct val="90000"/>
-              </a:lnSpc>
-            </a:pPr>
-            <a:r>
-              <a:rPr lang="en-US" sz="2000" dirty="0">
-                <a:solidFill>
-                  <a:schemeClr val="bg1"/>
-                </a:solidFill>
-              </a:rPr>
-              <a:t>Comparison utility  </a:t>
-            </a:r>
-          </a:p>
-          <a:p>
-            <a:pPr algn="ctr">
-              <a:lnSpc>
-                <a:spcPct val="90000"/>
-              </a:lnSpc>
-            </a:pPr>
-            <a:r>
-              <a:rPr lang="en-US" sz="2000" dirty="0">
-                <a:solidFill>
-                  <a:schemeClr val="bg1"/>
-                </a:solidFill>
-              </a:rPr>
-              <a:t>Conserved quantities</a:t>
-            </a:r>
-          </a:p>
-          <a:p>
-            <a:pPr algn="ctr">
-              <a:lnSpc>
-                <a:spcPct val="90000"/>
-              </a:lnSpc>
-            </a:pPr>
-            <a:r>
-              <a:rPr lang="en-US" sz="2000" dirty="0">
-                <a:solidFill>
-                  <a:schemeClr val="bg1"/>
-                </a:solidFill>
-              </a:rPr>
-              <a:t>Error bars</a:t>
-            </a:r>
-          </a:p>
-          <a:p>
-            <a:pPr algn="ctr">
-              <a:lnSpc>
-                <a:spcPct val="90000"/>
-              </a:lnSpc>
-            </a:pPr>
-            <a:r>
-              <a:rPr lang="en-US" sz="2000" dirty="0">
-                <a:solidFill>
-                  <a:schemeClr val="bg1"/>
-                </a:solidFill>
-              </a:rPr>
-              <a:t>Statistical analysis</a:t>
-            </a:r>
-          </a:p>
-        </p:txBody>
-      </p:sp>
     </p:spTree>
     <p:extLst>
       <p:ext uri="{BB962C8B-B14F-4D97-AF65-F5344CB8AC3E}">
-        <p14:creationId xmlns:p14="http://schemas.microsoft.com/office/powerpoint/2010/main" val="3711682403"/>
+        <p14:creationId xmlns:p14="http://schemas.microsoft.com/office/powerpoint/2010/main" val="4071965909"/>
       </p:ext>
     </p:extLst>
   </p:cSld>
@@ -10544,212 +10172,38 @@
       </p:grpSpPr>
       <p:sp>
         <p:nvSpPr>
-          <p:cNvPr id="69" name="Title 1">
+          <p:cNvPr id="2" name="Title 1">
             <a:extLst>
               <a:ext uri="{FF2B5EF4-FFF2-40B4-BE49-F238E27FC236}">
-                <a16:creationId xmlns:a16="http://schemas.microsoft.com/office/drawing/2014/main" id="{0087BD33-70F0-2C46-B0E3-8296A066D74A}"/>
+                <a16:creationId xmlns:a16="http://schemas.microsoft.com/office/drawing/2014/main" id="{2AB1CC4F-16D6-E895-AFBC-9A514D75E691}"/>
               </a:ext>
             </a:extLst>
           </p:cNvPr>
-          <p:cNvSpPr txBox="1">
-            <a:spLocks/>
+          <p:cNvSpPr>
+            <a:spLocks noGrp="1"/>
           </p:cNvSpPr>
-          <p:nvPr/>
-        </p:nvSpPr>
-        <p:spPr bwMode="auto">
-          <a:xfrm>
-            <a:off x="518160" y="563880"/>
-            <a:ext cx="11372473" cy="914400"/>
-          </a:xfrm>
-          <a:prstGeom prst="rect">
-            <a:avLst/>
-          </a:prstGeom>
-          <a:noFill/>
-          <a:ln w="9525">
-            <a:noFill/>
-            <a:miter lim="800000"/>
-            <a:headEnd/>
-            <a:tailEnd/>
-          </a:ln>
-        </p:spPr>
-        <p:txBody>
-          <a:bodyPr vert="horz" wrap="square" lIns="91440" tIns="45720" rIns="91440" bIns="45720" numCol="1" anchor="t" anchorCtr="0" compatLnSpc="1">
-            <a:prstTxWarp prst="textNoShape">
-              <a:avLst/>
-            </a:prstTxWarp>
-            <a:noAutofit/>
-          </a:bodyPr>
-          <a:lstStyle>
-            <a:lvl1pPr marL="0" indent="0" algn="l" rtl="0" eaLnBrk="1" fontAlgn="base" hangingPunct="1">
-              <a:lnSpc>
-                <a:spcPct val="85000"/>
-              </a:lnSpc>
-              <a:spcBef>
-                <a:spcPct val="0"/>
-              </a:spcBef>
-              <a:spcAft>
-                <a:spcPct val="0"/>
-              </a:spcAft>
-              <a:defRPr sz="2800" b="1" kern="1200" baseline="0">
-                <a:solidFill>
-                  <a:schemeClr val="tx1"/>
-                </a:solidFill>
-                <a:latin typeface="+mn-lt"/>
-                <a:ea typeface="+mj-ea"/>
-                <a:cs typeface="+mj-cs"/>
-              </a:defRPr>
-            </a:lvl1pPr>
-            <a:lvl2pPr algn="l" rtl="0" eaLnBrk="1" fontAlgn="base" hangingPunct="1">
-              <a:lnSpc>
-                <a:spcPct val="85000"/>
-              </a:lnSpc>
-              <a:spcBef>
-                <a:spcPct val="0"/>
-              </a:spcBef>
-              <a:spcAft>
-                <a:spcPct val="0"/>
-              </a:spcAft>
-              <a:defRPr sz="3000">
-                <a:solidFill>
-                  <a:srgbClr val="006C3A"/>
-                </a:solidFill>
-                <a:latin typeface="Arial Black" pitchFamily="34" charset="0"/>
-              </a:defRPr>
-            </a:lvl2pPr>
-            <a:lvl3pPr algn="l" rtl="0" eaLnBrk="1" fontAlgn="base" hangingPunct="1">
-              <a:lnSpc>
-                <a:spcPct val="85000"/>
-              </a:lnSpc>
-              <a:spcBef>
-                <a:spcPct val="0"/>
-              </a:spcBef>
-              <a:spcAft>
-                <a:spcPct val="0"/>
-              </a:spcAft>
-              <a:defRPr sz="3000">
-                <a:solidFill>
-                  <a:srgbClr val="006C3A"/>
-                </a:solidFill>
-                <a:latin typeface="Arial Black" pitchFamily="34" charset="0"/>
-              </a:defRPr>
-            </a:lvl3pPr>
-            <a:lvl4pPr algn="l" rtl="0" eaLnBrk="1" fontAlgn="base" hangingPunct="1">
-              <a:lnSpc>
-                <a:spcPct val="85000"/>
-              </a:lnSpc>
-              <a:spcBef>
-                <a:spcPct val="0"/>
-              </a:spcBef>
-              <a:spcAft>
-                <a:spcPct val="0"/>
-              </a:spcAft>
-              <a:defRPr sz="3000">
-                <a:solidFill>
-                  <a:srgbClr val="006C3A"/>
-                </a:solidFill>
-                <a:latin typeface="Arial Black" pitchFamily="34" charset="0"/>
-              </a:defRPr>
-            </a:lvl4pPr>
-            <a:lvl5pPr algn="l" rtl="0" eaLnBrk="1" fontAlgn="base" hangingPunct="1">
-              <a:lnSpc>
-                <a:spcPct val="85000"/>
-              </a:lnSpc>
-              <a:spcBef>
-                <a:spcPct val="0"/>
-              </a:spcBef>
-              <a:spcAft>
-                <a:spcPct val="0"/>
-              </a:spcAft>
-              <a:defRPr sz="3000">
-                <a:solidFill>
-                  <a:srgbClr val="006C3A"/>
-                </a:solidFill>
-                <a:latin typeface="Arial Black" pitchFamily="34" charset="0"/>
-              </a:defRPr>
-            </a:lvl5pPr>
-            <a:lvl6pPr marL="457200" algn="l" rtl="0" eaLnBrk="1" fontAlgn="base" hangingPunct="1">
-              <a:lnSpc>
-                <a:spcPct val="85000"/>
-              </a:lnSpc>
-              <a:spcBef>
-                <a:spcPct val="0"/>
-              </a:spcBef>
-              <a:spcAft>
-                <a:spcPct val="0"/>
-              </a:spcAft>
-              <a:defRPr sz="3000">
-                <a:solidFill>
-                  <a:srgbClr val="006C3A"/>
-                </a:solidFill>
-                <a:latin typeface="Arial Black" pitchFamily="34" charset="0"/>
-              </a:defRPr>
-            </a:lvl6pPr>
-            <a:lvl7pPr marL="914400" algn="l" rtl="0" eaLnBrk="1" fontAlgn="base" hangingPunct="1">
-              <a:lnSpc>
-                <a:spcPct val="85000"/>
-              </a:lnSpc>
-              <a:spcBef>
-                <a:spcPct val="0"/>
-              </a:spcBef>
-              <a:spcAft>
-                <a:spcPct val="0"/>
-              </a:spcAft>
-              <a:defRPr sz="3000">
-                <a:solidFill>
-                  <a:srgbClr val="006C3A"/>
-                </a:solidFill>
-                <a:latin typeface="Arial Black" pitchFamily="34" charset="0"/>
-              </a:defRPr>
-            </a:lvl7pPr>
-            <a:lvl8pPr marL="1371600" algn="l" rtl="0" eaLnBrk="1" fontAlgn="base" hangingPunct="1">
-              <a:lnSpc>
-                <a:spcPct val="85000"/>
-              </a:lnSpc>
-              <a:spcBef>
-                <a:spcPct val="0"/>
-              </a:spcBef>
-              <a:spcAft>
-                <a:spcPct val="0"/>
-              </a:spcAft>
-              <a:defRPr sz="3000">
-                <a:solidFill>
-                  <a:srgbClr val="006C3A"/>
-                </a:solidFill>
-                <a:latin typeface="Arial Black" pitchFamily="34" charset="0"/>
-              </a:defRPr>
-            </a:lvl8pPr>
-            <a:lvl9pPr marL="1828800" algn="l" rtl="0" eaLnBrk="1" fontAlgn="base" hangingPunct="1">
-              <a:lnSpc>
-                <a:spcPct val="85000"/>
-              </a:lnSpc>
-              <a:spcBef>
-                <a:spcPct val="0"/>
-              </a:spcBef>
-              <a:spcAft>
-                <a:spcPct val="0"/>
-              </a:spcAft>
-              <a:defRPr sz="3000">
-                <a:solidFill>
-                  <a:srgbClr val="006C3A"/>
-                </a:solidFill>
-                <a:latin typeface="Arial Black" pitchFamily="34" charset="0"/>
-              </a:defRPr>
-            </a:lvl9pPr>
-          </a:lstStyle>
+          <p:nvPr>
+            <p:ph type="title"/>
+          </p:nvPr>
+        </p:nvSpPr>
+        <p:spPr/>
+        <p:txBody>
+          <a:bodyPr/>
+          <a:lstStyle/>
           <a:p>
             <a:r>
               <a:rPr lang="en-US" dirty="0"/>
-              <a:t>Test Development For a New Code</a:t>
-            </a:r>
-          </a:p>
-        </p:txBody>
-      </p:sp>
-      <p:sp>
-        <p:nvSpPr>
-          <p:cNvPr id="4" name="Rounded Rectangle 3">
+              <a:t>Developing Tests</a:t>
+            </a:r>
+          </a:p>
+        </p:txBody>
+      </p:sp>
+      <p:sp>
+        <p:nvSpPr>
+          <p:cNvPr id="3" name="Rounded Rectangle 2">
             <a:extLst>
               <a:ext uri="{FF2B5EF4-FFF2-40B4-BE49-F238E27FC236}">
-                <a16:creationId xmlns:a16="http://schemas.microsoft.com/office/drawing/2014/main" id="{A217991B-E8E9-DF48-E9BF-3085D1551750}"/>
+                <a16:creationId xmlns:a16="http://schemas.microsoft.com/office/drawing/2014/main" id="{DC74BD74-D77A-B3A0-E636-1F86AC14DAC6}"/>
               </a:ext>
             </a:extLst>
           </p:cNvPr>
@@ -10758,8 +10212,8 @@
         </p:nvSpPr>
         <p:spPr>
           <a:xfrm>
-            <a:off x="535336" y="1987165"/>
-            <a:ext cx="2397318" cy="2497372"/>
+            <a:off x="510837" y="1441172"/>
+            <a:ext cx="2046135" cy="1696277"/>
           </a:xfrm>
           <a:prstGeom prst="roundRect">
             <a:avLst/>
@@ -10798,17 +10252,29 @@
                   <a:schemeClr val="bg1"/>
                 </a:solidFill>
               </a:rPr>
-              <a:t>For every new functionality being added, think about its verification</a:t>
-            </a:r>
-          </a:p>
-        </p:txBody>
-      </p:sp>
-      <p:sp>
-        <p:nvSpPr>
-          <p:cNvPr id="6" name="Rounded Rectangle 5">
+              <a:t>We verify correct behavior</a:t>
+            </a:r>
+          </a:p>
+          <a:p>
+            <a:pPr algn="ctr">
+              <a:lnSpc>
+                <a:spcPct val="90000"/>
+              </a:lnSpc>
+            </a:pPr>
+            <a:endParaRPr lang="en-US" sz="2000" dirty="0">
+              <a:solidFill>
+                <a:schemeClr val="bg1"/>
+              </a:solidFill>
+            </a:endParaRPr>
+          </a:p>
+        </p:txBody>
+      </p:sp>
+      <p:sp>
+        <p:nvSpPr>
+          <p:cNvPr id="5" name="Rounded Rectangle 4">
             <a:extLst>
               <a:ext uri="{FF2B5EF4-FFF2-40B4-BE49-F238E27FC236}">
-                <a16:creationId xmlns:a16="http://schemas.microsoft.com/office/drawing/2014/main" id="{76FFB62E-3F9F-3060-E8D7-55285AEE6D8F}"/>
+                <a16:creationId xmlns:a16="http://schemas.microsoft.com/office/drawing/2014/main" id="{6907B775-1020-01DF-0BB7-47381C4B6BE4}"/>
               </a:ext>
             </a:extLst>
           </p:cNvPr>
@@ -10817,139 +10283,14 @@
         </p:nvSpPr>
         <p:spPr>
           <a:xfrm>
-            <a:off x="5917242" y="3429000"/>
-            <a:ext cx="2397318" cy="2497372"/>
+            <a:off x="3076799" y="2796209"/>
+            <a:ext cx="4780114" cy="1364974"/>
           </a:xfrm>
           <a:prstGeom prst="roundRect">
             <a:avLst/>
           </a:prstGeom>
           <a:solidFill>
             <a:srgbClr val="7030A0"/>
-          </a:solidFill>
-          <a:ln>
-            <a:solidFill>
-              <a:srgbClr val="7030A0"/>
-            </a:solidFill>
-          </a:ln>
-          <a:effectLst>
-            <a:outerShdw blurRad="44450" dist="27940" dir="5400000" algn="ctr">
-              <a:srgbClr val="000000">
-                <a:alpha val="32000"/>
-              </a:srgbClr>
-            </a:outerShdw>
-          </a:effectLst>
-        </p:spPr>
-        <p:txBody>
-          <a:bodyPr rot="0" spcFirstLastPara="0" vertOverflow="overflow" horzOverflow="overflow" vert="horz" wrap="square" lIns="121851" tIns="60925" rIns="121851" bIns="60925" numCol="1" spcCol="0" rtlCol="0" fromWordArt="0" anchor="ctr" anchorCtr="0" forceAA="0" compatLnSpc="1">
-            <a:prstTxWarp prst="textNoShape">
-              <a:avLst/>
-            </a:prstTxWarp>
-            <a:noAutofit/>
-          </a:bodyPr>
-          <a:lstStyle/>
-          <a:p>
-            <a:pPr algn="ctr">
-              <a:lnSpc>
-                <a:spcPct val="90000"/>
-              </a:lnSpc>
-            </a:pPr>
-            <a:r>
-              <a:rPr lang="en-US" sz="2000" dirty="0">
-                <a:solidFill>
-                  <a:schemeClr val="bg1"/>
-                </a:solidFill>
-              </a:rPr>
-              <a:t>If manufacturing input is too difficult, again apply scaffolding</a:t>
-            </a:r>
-          </a:p>
-        </p:txBody>
-      </p:sp>
-      <p:sp>
-        <p:nvSpPr>
-          <p:cNvPr id="7" name="Rounded Rectangle 6">
-            <a:extLst>
-              <a:ext uri="{FF2B5EF4-FFF2-40B4-BE49-F238E27FC236}">
-                <a16:creationId xmlns:a16="http://schemas.microsoft.com/office/drawing/2014/main" id="{24E56B43-A3F2-26B1-8D6E-1DADE8D503FB}"/>
-              </a:ext>
-            </a:extLst>
-          </p:cNvPr>
-          <p:cNvSpPr/>
-          <p:nvPr/>
-        </p:nvSpPr>
-        <p:spPr>
-          <a:xfrm>
-            <a:off x="3196301" y="3429000"/>
-            <a:ext cx="2397318" cy="2497372"/>
-          </a:xfrm>
-          <a:prstGeom prst="roundRect">
-            <a:avLst/>
-          </a:prstGeom>
-          <a:solidFill>
-            <a:srgbClr val="7030A0"/>
-          </a:solidFill>
-          <a:ln>
-            <a:solidFill>
-              <a:srgbClr val="7030A0"/>
-            </a:solidFill>
-          </a:ln>
-          <a:effectLst>
-            <a:outerShdw blurRad="44450" dist="27940" dir="5400000" algn="ctr">
-              <a:srgbClr val="000000">
-                <a:alpha val="32000"/>
-              </a:srgbClr>
-            </a:outerShdw>
-          </a:effectLst>
-        </p:spPr>
-        <p:txBody>
-          <a:bodyPr rot="0" spcFirstLastPara="0" vertOverflow="overflow" horzOverflow="overflow" vert="horz" wrap="square" lIns="121851" tIns="60925" rIns="121851" bIns="60925" numCol="1" spcCol="0" rtlCol="0" fromWordArt="0" anchor="ctr" anchorCtr="0" forceAA="0" compatLnSpc="1">
-            <a:prstTxWarp prst="textNoShape">
-              <a:avLst/>
-            </a:prstTxWarp>
-            <a:noAutofit/>
-          </a:bodyPr>
-          <a:lstStyle/>
-          <a:p>
-            <a:pPr algn="ctr">
-              <a:lnSpc>
-                <a:spcPct val="90000"/>
-              </a:lnSpc>
-            </a:pPr>
-            <a:r>
-              <a:rPr lang="en-US" sz="2000" dirty="0">
-                <a:solidFill>
-                  <a:schemeClr val="bg1"/>
-                </a:solidFill>
-              </a:rPr>
-              <a:t>If it has limited dependencies, manufacturing input for known output will give you a self test</a:t>
-            </a:r>
-          </a:p>
-        </p:txBody>
-      </p:sp>
-      <p:sp>
-        <p:nvSpPr>
-          <p:cNvPr id="8" name="Rounded Rectangle 7">
-            <a:extLst>
-              <a:ext uri="{FF2B5EF4-FFF2-40B4-BE49-F238E27FC236}">
-                <a16:creationId xmlns:a16="http://schemas.microsoft.com/office/drawing/2014/main" id="{D2AEFE27-BDEC-7773-272B-814763760506}"/>
-              </a:ext>
-            </a:extLst>
-          </p:cNvPr>
-          <p:cNvSpPr/>
-          <p:nvPr/>
-        </p:nvSpPr>
-        <p:spPr>
-          <a:xfrm>
-            <a:off x="3183049" y="1477619"/>
-            <a:ext cx="2410570" cy="1750943"/>
-          </a:xfrm>
-          <a:prstGeom prst="roundRect">
-            <a:avLst/>
-          </a:prstGeom>
-          <a:solidFill>
-            <a:schemeClr val="accent3">
-              <a:lumMod val="40000"/>
-              <a:lumOff val="60000"/>
-            </a:schemeClr>
           </a:solidFill>
           <a:ln>
             <a:noFill/>
@@ -10979,20 +10320,20 @@
             <a:r>
               <a:rPr lang="en-US" sz="2000" dirty="0">
                 <a:solidFill>
-                  <a:sysClr val="windowText" lastClr="000000"/>
+                  <a:schemeClr val="bg1"/>
                 </a:solidFill>
               </a:rPr>
-              <a:t>Simple functions: relation between input and output =&gt; unit test</a:t>
-            </a:r>
-          </a:p>
-        </p:txBody>
-      </p:sp>
-      <p:sp>
-        <p:nvSpPr>
-          <p:cNvPr id="9" name="Rounded Rectangle 8">
+              <a:t>We think of ways in which we can tell whether the code is doing what it is supposed to do  </a:t>
+            </a:r>
+          </a:p>
+        </p:txBody>
+      </p:sp>
+      <p:sp>
+        <p:nvSpPr>
+          <p:cNvPr id="6" name="Rounded Rectangle 5">
             <a:extLst>
               <a:ext uri="{FF2B5EF4-FFF2-40B4-BE49-F238E27FC236}">
-                <a16:creationId xmlns:a16="http://schemas.microsoft.com/office/drawing/2014/main" id="{F2D69661-F390-5F2F-3FD3-A67B9BF6CEC3}"/>
+                <a16:creationId xmlns:a16="http://schemas.microsoft.com/office/drawing/2014/main" id="{971F79A8-936E-E19F-69DA-47AC4E387FC1}"/>
               </a:ext>
             </a:extLst>
           </p:cNvPr>
@@ -11001,7 +10342,7 @@
         </p:nvSpPr>
         <p:spPr>
           <a:xfrm>
-            <a:off x="5990467" y="1477618"/>
+            <a:off x="3076799" y="824978"/>
             <a:ext cx="2250869" cy="1750943"/>
           </a:xfrm>
           <a:prstGeom prst="roundRect">
@@ -11044,18 +10385,504 @@
                   <a:sysClr val="windowText" lastClr="000000"/>
                 </a:solidFill>
               </a:rPr>
-              <a:t>Other functions: build scaffolding </a:t>
+              <a:t>Compare against a known analytical solution</a:t>
+            </a:r>
+          </a:p>
+        </p:txBody>
+      </p:sp>
+      <p:sp>
+        <p:nvSpPr>
+          <p:cNvPr id="7" name="Rounded Rectangle 6">
+            <a:extLst>
+              <a:ext uri="{FF2B5EF4-FFF2-40B4-BE49-F238E27FC236}">
+                <a16:creationId xmlns:a16="http://schemas.microsoft.com/office/drawing/2014/main" id="{CCABCB36-5883-DE8C-2BBD-CCE2E0438D5A}"/>
+              </a:ext>
+            </a:extLst>
+          </p:cNvPr>
+          <p:cNvSpPr/>
+          <p:nvPr/>
+        </p:nvSpPr>
+        <p:spPr>
+          <a:xfrm>
+            <a:off x="5579000" y="843575"/>
+            <a:ext cx="2250869" cy="1750943"/>
+          </a:xfrm>
+          <a:prstGeom prst="roundRect">
+            <a:avLst/>
+          </a:prstGeom>
+          <a:solidFill>
+            <a:schemeClr val="accent3">
+              <a:lumMod val="40000"/>
+              <a:lumOff val="60000"/>
+            </a:schemeClr>
+          </a:solidFill>
+          <a:ln>
+            <a:noFill/>
+          </a:ln>
+          <a:effectLst>
+            <a:outerShdw blurRad="44450" dist="27940" dir="5400000" algn="ctr">
+              <a:srgbClr val="000000">
+                <a:alpha val="32000"/>
+              </a:srgbClr>
+            </a:outerShdw>
+          </a:effectLst>
+        </p:spPr>
+        <p:txBody>
+          <a:bodyPr rot="0" spcFirstLastPara="0" vertOverflow="overflow" horzOverflow="overflow" vert="horz" wrap="square" lIns="121851" tIns="60925" rIns="121851" bIns="60925" numCol="1" spcCol="0" rtlCol="0" fromWordArt="0" anchor="ctr" anchorCtr="0" forceAA="0" compatLnSpc="1">
+            <a:prstTxWarp prst="textNoShape">
+              <a:avLst/>
+            </a:prstTxWarp>
+            <a:noAutofit/>
+          </a:bodyPr>
+          <a:lstStyle/>
+          <a:p>
+            <a:pPr algn="ctr">
+              <a:lnSpc>
+                <a:spcPct val="90000"/>
+              </a:lnSpc>
+            </a:pPr>
+            <a:r>
+              <a:rPr lang="en-US" sz="2000" dirty="0">
+                <a:solidFill>
+                  <a:sysClr val="windowText" lastClr="000000"/>
+                </a:solidFill>
+              </a:rPr>
+              <a:t>Compare against a manufactured solution</a:t>
+            </a:r>
+          </a:p>
+        </p:txBody>
+      </p:sp>
+      <p:sp>
+        <p:nvSpPr>
+          <p:cNvPr id="9" name="Rounded Rectangle 8">
+            <a:extLst>
+              <a:ext uri="{FF2B5EF4-FFF2-40B4-BE49-F238E27FC236}">
+                <a16:creationId xmlns:a16="http://schemas.microsoft.com/office/drawing/2014/main" id="{1D295530-44B8-F049-1220-DD7166199FFC}"/>
+              </a:ext>
+            </a:extLst>
+          </p:cNvPr>
+          <p:cNvSpPr/>
+          <p:nvPr/>
+        </p:nvSpPr>
+        <p:spPr>
+          <a:xfrm>
+            <a:off x="1189209" y="3262680"/>
+            <a:ext cx="1308790" cy="1172817"/>
+          </a:xfrm>
+          <a:prstGeom prst="roundRect">
+            <a:avLst/>
+          </a:prstGeom>
+          <a:solidFill>
+            <a:srgbClr val="0070C0"/>
+          </a:solidFill>
+          <a:ln>
+            <a:noFill/>
+          </a:ln>
+          <a:effectLst>
+            <a:outerShdw blurRad="44450" dist="27940" dir="5400000" algn="ctr">
+              <a:srgbClr val="000000">
+                <a:alpha val="32000"/>
+              </a:srgbClr>
+            </a:outerShdw>
+          </a:effectLst>
+        </p:spPr>
+        <p:txBody>
+          <a:bodyPr rot="0" spcFirstLastPara="0" vertOverflow="overflow" horzOverflow="overflow" vert="horz" wrap="square" lIns="121851" tIns="60925" rIns="121851" bIns="60925" numCol="1" spcCol="0" rtlCol="0" fromWordArt="0" anchor="ctr" anchorCtr="0" forceAA="0" compatLnSpc="1">
+            <a:prstTxWarp prst="textNoShape">
+              <a:avLst/>
+            </a:prstTxWarp>
+            <a:noAutofit/>
+          </a:bodyPr>
+          <a:lstStyle/>
+          <a:p>
+            <a:pPr algn="ctr">
+              <a:lnSpc>
+                <a:spcPct val="90000"/>
+              </a:lnSpc>
+            </a:pPr>
+            <a:r>
+              <a:rPr lang="en-US" sz="2000" dirty="0">
+                <a:solidFill>
+                  <a:schemeClr val="bg1"/>
+                </a:solidFill>
+              </a:rPr>
+              <a:t>How ?</a:t>
+            </a:r>
+          </a:p>
+        </p:txBody>
+      </p:sp>
+      <p:sp>
+        <p:nvSpPr>
+          <p:cNvPr id="10" name="Rounded Rectangle 9">
+            <a:extLst>
+              <a:ext uri="{FF2B5EF4-FFF2-40B4-BE49-F238E27FC236}">
+                <a16:creationId xmlns:a16="http://schemas.microsoft.com/office/drawing/2014/main" id="{C567CBD7-E124-077C-651F-DC989B79CBD8}"/>
+              </a:ext>
+            </a:extLst>
+          </p:cNvPr>
+          <p:cNvSpPr/>
+          <p:nvPr/>
+        </p:nvSpPr>
+        <p:spPr>
+          <a:xfrm>
+            <a:off x="3076799" y="4347634"/>
+            <a:ext cx="2250869" cy="1750943"/>
+          </a:xfrm>
+          <a:prstGeom prst="roundRect">
+            <a:avLst/>
+          </a:prstGeom>
+          <a:solidFill>
+            <a:schemeClr val="accent3">
+              <a:lumMod val="40000"/>
+              <a:lumOff val="60000"/>
+            </a:schemeClr>
+          </a:solidFill>
+          <a:ln>
+            <a:noFill/>
+          </a:ln>
+          <a:effectLst>
+            <a:outerShdw blurRad="44450" dist="27940" dir="5400000" algn="ctr">
+              <a:srgbClr val="000000">
+                <a:alpha val="32000"/>
+              </a:srgbClr>
+            </a:outerShdw>
+          </a:effectLst>
+        </p:spPr>
+        <p:txBody>
+          <a:bodyPr rot="0" spcFirstLastPara="0" vertOverflow="overflow" horzOverflow="overflow" vert="horz" wrap="square" lIns="121851" tIns="60925" rIns="121851" bIns="60925" numCol="1" spcCol="0" rtlCol="0" fromWordArt="0" anchor="ctr" anchorCtr="0" forceAA="0" compatLnSpc="1">
+            <a:prstTxWarp prst="textNoShape">
+              <a:avLst/>
+            </a:prstTxWarp>
+            <a:noAutofit/>
+          </a:bodyPr>
+          <a:lstStyle/>
+          <a:p>
+            <a:pPr algn="ctr">
+              <a:lnSpc>
+                <a:spcPct val="90000"/>
+              </a:lnSpc>
+            </a:pPr>
+            <a:r>
+              <a:rPr lang="en-US" sz="2000" dirty="0">
+                <a:solidFill>
+                  <a:sysClr val="windowText" lastClr="000000"/>
+                </a:solidFill>
+              </a:rPr>
+              <a:t>Visualize and inspect output</a:t>
+            </a:r>
+          </a:p>
+        </p:txBody>
+      </p:sp>
+      <p:sp>
+        <p:nvSpPr>
+          <p:cNvPr id="11" name="Rounded Rectangle 10">
+            <a:extLst>
+              <a:ext uri="{FF2B5EF4-FFF2-40B4-BE49-F238E27FC236}">
+                <a16:creationId xmlns:a16="http://schemas.microsoft.com/office/drawing/2014/main" id="{44863933-04EF-B7E5-3B8C-13BAC274DFB9}"/>
+              </a:ext>
+            </a:extLst>
+          </p:cNvPr>
+          <p:cNvSpPr/>
+          <p:nvPr/>
+        </p:nvSpPr>
+        <p:spPr>
+          <a:xfrm>
+            <a:off x="5636017" y="4331805"/>
+            <a:ext cx="2220896" cy="1750943"/>
+          </a:xfrm>
+          <a:prstGeom prst="roundRect">
+            <a:avLst/>
+          </a:prstGeom>
+          <a:solidFill>
+            <a:schemeClr val="accent3">
+              <a:lumMod val="40000"/>
+              <a:lumOff val="60000"/>
+            </a:schemeClr>
+          </a:solidFill>
+          <a:ln>
+            <a:noFill/>
+          </a:ln>
+          <a:effectLst>
+            <a:outerShdw blurRad="44450" dist="27940" dir="5400000" algn="ctr">
+              <a:srgbClr val="000000">
+                <a:alpha val="32000"/>
+              </a:srgbClr>
+            </a:outerShdw>
+          </a:effectLst>
+        </p:spPr>
+        <p:txBody>
+          <a:bodyPr rot="0" spcFirstLastPara="0" vertOverflow="overflow" horzOverflow="overflow" vert="horz" wrap="square" lIns="121851" tIns="60925" rIns="121851" bIns="60925" numCol="1" spcCol="0" rtlCol="0" fromWordArt="0" anchor="ctr" anchorCtr="0" forceAA="0" compatLnSpc="1">
+            <a:prstTxWarp prst="textNoShape">
+              <a:avLst/>
+            </a:prstTxWarp>
+            <a:noAutofit/>
+          </a:bodyPr>
+          <a:lstStyle/>
+          <a:p>
+            <a:pPr algn="ctr">
+              <a:lnSpc>
+                <a:spcPct val="90000"/>
+              </a:lnSpc>
+            </a:pPr>
+            <a:r>
+              <a:rPr lang="en-US" sz="2000" dirty="0">
+                <a:solidFill>
+                  <a:sysClr val="windowText" lastClr="000000"/>
+                </a:solidFill>
+              </a:rPr>
+              <a:t>Develop diagnostics</a:t>
+            </a:r>
+          </a:p>
+          <a:p>
+            <a:pPr algn="ctr">
+              <a:lnSpc>
+                <a:spcPct val="90000"/>
+              </a:lnSpc>
+            </a:pPr>
+            <a:r>
+              <a:rPr lang="en-US" sz="2000" dirty="0">
+                <a:solidFill>
+                  <a:sysClr val="windowText" lastClr="000000"/>
+                </a:solidFill>
+              </a:rPr>
+              <a:t>(indirect ways of verification)</a:t>
+            </a:r>
+          </a:p>
+        </p:txBody>
+      </p:sp>
+      <p:sp>
+        <p:nvSpPr>
+          <p:cNvPr id="8" name="Rounded Rectangle 7">
+            <a:extLst>
+              <a:ext uri="{FF2B5EF4-FFF2-40B4-BE49-F238E27FC236}">
+                <a16:creationId xmlns:a16="http://schemas.microsoft.com/office/drawing/2014/main" id="{34B41F51-A8E4-0ADC-3D0A-CADEF6C75C29}"/>
+              </a:ext>
+            </a:extLst>
+          </p:cNvPr>
+          <p:cNvSpPr/>
+          <p:nvPr/>
+        </p:nvSpPr>
+        <p:spPr>
+          <a:xfrm>
+            <a:off x="8165262" y="824979"/>
+            <a:ext cx="3240241" cy="2604022"/>
+          </a:xfrm>
+          <a:prstGeom prst="roundRect">
+            <a:avLst/>
+          </a:prstGeom>
+          <a:solidFill>
+            <a:srgbClr val="0070C0"/>
+          </a:solidFill>
+          <a:ln>
+            <a:noFill/>
+          </a:ln>
+          <a:effectLst>
+            <a:outerShdw blurRad="44450" dist="27940" dir="5400000" algn="ctr">
+              <a:srgbClr val="000000">
+                <a:alpha val="32000"/>
+              </a:srgbClr>
+            </a:outerShdw>
+          </a:effectLst>
+        </p:spPr>
+        <p:txBody>
+          <a:bodyPr rot="0" spcFirstLastPara="0" vertOverflow="overflow" horzOverflow="overflow" vert="horz" wrap="square" lIns="121851" tIns="60925" rIns="121851" bIns="60925" numCol="1" spcCol="0" rtlCol="0" fromWordArt="0" anchor="ctr" anchorCtr="0" forceAA="0" compatLnSpc="1">
+            <a:prstTxWarp prst="textNoShape">
+              <a:avLst/>
+            </a:prstTxWarp>
+            <a:noAutofit/>
+          </a:bodyPr>
+          <a:lstStyle/>
+          <a:p>
+            <a:pPr algn="ctr">
+              <a:lnSpc>
+                <a:spcPct val="90000"/>
+              </a:lnSpc>
+            </a:pPr>
+            <a:r>
+              <a:rPr lang="en-US" sz="2000" dirty="0">
+                <a:solidFill>
+                  <a:schemeClr val="bg1"/>
+                </a:solidFill>
+              </a:rPr>
+              <a:t>Right there are all the ingredients for building tests</a:t>
+            </a:r>
+          </a:p>
+          <a:p>
+            <a:pPr algn="ctr">
+              <a:lnSpc>
+                <a:spcPct val="90000"/>
+              </a:lnSpc>
+            </a:pPr>
+            <a:endParaRPr lang="en-US" sz="2000" dirty="0">
+              <a:solidFill>
+                <a:schemeClr val="bg1"/>
+              </a:solidFill>
+            </a:endParaRPr>
+          </a:p>
+          <a:p>
+            <a:pPr algn="ctr">
+              <a:lnSpc>
+                <a:spcPct val="90000"/>
+              </a:lnSpc>
+            </a:pPr>
+            <a:r>
+              <a:rPr lang="en-US" sz="2000" dirty="0">
+                <a:solidFill>
+                  <a:schemeClr val="bg1"/>
+                </a:solidFill>
+              </a:rPr>
+              <a:t>All that is needed is automating directly or indirectly</a:t>
+            </a:r>
+          </a:p>
+          <a:p>
+            <a:pPr algn="ctr">
+              <a:lnSpc>
+                <a:spcPct val="90000"/>
+              </a:lnSpc>
+            </a:pPr>
+            <a:endParaRPr lang="en-US" sz="2000" dirty="0">
+              <a:solidFill>
+                <a:schemeClr val="bg1"/>
+              </a:solidFill>
+            </a:endParaRPr>
+          </a:p>
+        </p:txBody>
+      </p:sp>
+      <p:sp>
+        <p:nvSpPr>
+          <p:cNvPr id="12" name="Rounded Rectangle 11">
+            <a:extLst>
+              <a:ext uri="{FF2B5EF4-FFF2-40B4-BE49-F238E27FC236}">
+                <a16:creationId xmlns:a16="http://schemas.microsoft.com/office/drawing/2014/main" id="{E3A1E368-C8DE-AC7E-30DC-02722CB16FBE}"/>
+              </a:ext>
+            </a:extLst>
+          </p:cNvPr>
+          <p:cNvSpPr/>
+          <p:nvPr/>
+        </p:nvSpPr>
+        <p:spPr>
+          <a:xfrm>
+            <a:off x="8165262" y="3478726"/>
+            <a:ext cx="3240241" cy="2604022"/>
+          </a:xfrm>
+          <a:prstGeom prst="roundRect">
+            <a:avLst/>
+          </a:prstGeom>
+          <a:solidFill>
+            <a:srgbClr val="0070C0"/>
+          </a:solidFill>
+          <a:ln>
+            <a:noFill/>
+          </a:ln>
+          <a:effectLst>
+            <a:outerShdw blurRad="44450" dist="27940" dir="5400000" algn="ctr">
+              <a:srgbClr val="000000">
+                <a:alpha val="32000"/>
+              </a:srgbClr>
+            </a:outerShdw>
+          </a:effectLst>
+        </p:spPr>
+        <p:txBody>
+          <a:bodyPr rot="0" spcFirstLastPara="0" vertOverflow="overflow" horzOverflow="overflow" vert="horz" wrap="square" lIns="121851" tIns="60925" rIns="121851" bIns="60925" numCol="1" spcCol="0" rtlCol="0" fromWordArt="0" anchor="ctr" anchorCtr="0" forceAA="0" compatLnSpc="1">
+            <a:prstTxWarp prst="textNoShape">
+              <a:avLst/>
+            </a:prstTxWarp>
+            <a:noAutofit/>
+          </a:bodyPr>
+          <a:lstStyle/>
+          <a:p>
+            <a:pPr algn="ctr">
+              <a:lnSpc>
+                <a:spcPct val="90000"/>
+              </a:lnSpc>
+            </a:pPr>
+            <a:r>
+              <a:rPr lang="en-US" sz="2000" dirty="0">
+                <a:solidFill>
+                  <a:schemeClr val="bg1"/>
+                </a:solidFill>
+              </a:rPr>
+              <a:t>Including these through automation is equally important</a:t>
+            </a:r>
+          </a:p>
+          <a:p>
+            <a:pPr algn="ctr">
+              <a:lnSpc>
+                <a:spcPct val="90000"/>
+              </a:lnSpc>
+            </a:pPr>
+            <a:endParaRPr lang="en-US" sz="2000" dirty="0">
+              <a:solidFill>
+                <a:schemeClr val="bg1"/>
+              </a:solidFill>
+            </a:endParaRPr>
+          </a:p>
+          <a:p>
+            <a:pPr algn="ctr">
+              <a:lnSpc>
+                <a:spcPct val="90000"/>
+              </a:lnSpc>
+            </a:pPr>
+            <a:r>
+              <a:rPr lang="en-US" sz="2000" dirty="0">
+                <a:solidFill>
+                  <a:schemeClr val="bg1"/>
+                </a:solidFill>
+              </a:rPr>
+              <a:t>Comparison utility  </a:t>
+            </a:r>
+          </a:p>
+          <a:p>
+            <a:pPr algn="ctr">
+              <a:lnSpc>
+                <a:spcPct val="90000"/>
+              </a:lnSpc>
+            </a:pPr>
+            <a:r>
+              <a:rPr lang="en-US" sz="2000" dirty="0">
+                <a:solidFill>
+                  <a:schemeClr val="bg1"/>
+                </a:solidFill>
+              </a:rPr>
+              <a:t>Conserved quantities</a:t>
+            </a:r>
+          </a:p>
+          <a:p>
+            <a:pPr algn="ctr">
+              <a:lnSpc>
+                <a:spcPct val="90000"/>
+              </a:lnSpc>
+            </a:pPr>
+            <a:r>
+              <a:rPr lang="en-US" sz="2000" dirty="0">
+                <a:solidFill>
+                  <a:schemeClr val="bg1"/>
+                </a:solidFill>
+              </a:rPr>
+              <a:t>Error bars</a:t>
+            </a:r>
+          </a:p>
+          <a:p>
+            <a:pPr algn="ctr">
+              <a:lnSpc>
+                <a:spcPct val="90000"/>
+              </a:lnSpc>
+            </a:pPr>
+            <a:r>
+              <a:rPr lang="en-US" sz="2000" dirty="0">
+                <a:solidFill>
+                  <a:schemeClr val="bg1"/>
+                </a:solidFill>
+              </a:rPr>
+              <a:t>Statistical analysis</a:t>
             </a:r>
           </a:p>
         </p:txBody>
       </p:sp>
     </p:spTree>
-    <p:custDataLst>
-      <p:tags r:id="rId1"/>
-    </p:custDataLst>
     <p:extLst>
       <p:ext uri="{BB962C8B-B14F-4D97-AF65-F5344CB8AC3E}">
-        <p14:creationId xmlns:p14="http://schemas.microsoft.com/office/powerpoint/2010/main" val="113407597"/>
+        <p14:creationId xmlns:p14="http://schemas.microsoft.com/office/powerpoint/2010/main" val="3711682403"/>
       </p:ext>
     </p:extLst>
   </p:cSld>
@@ -11345,6 +11172,67 @@
       </p:sp>
       <p:sp>
         <p:nvSpPr>
+          <p:cNvPr id="6" name="Rounded Rectangle 5">
+            <a:extLst>
+              <a:ext uri="{FF2B5EF4-FFF2-40B4-BE49-F238E27FC236}">
+                <a16:creationId xmlns:a16="http://schemas.microsoft.com/office/drawing/2014/main" id="{76FFB62E-3F9F-3060-E8D7-55285AEE6D8F}"/>
+              </a:ext>
+            </a:extLst>
+          </p:cNvPr>
+          <p:cNvSpPr/>
+          <p:nvPr/>
+        </p:nvSpPr>
+        <p:spPr>
+          <a:xfrm>
+            <a:off x="5917242" y="3429000"/>
+            <a:ext cx="2397318" cy="2497372"/>
+          </a:xfrm>
+          <a:prstGeom prst="roundRect">
+            <a:avLst/>
+          </a:prstGeom>
+          <a:solidFill>
+            <a:srgbClr val="7030A0"/>
+          </a:solidFill>
+          <a:ln>
+            <a:solidFill>
+              <a:srgbClr val="7030A0"/>
+            </a:solidFill>
+          </a:ln>
+          <a:effectLst>
+            <a:outerShdw blurRad="44450" dist="27940" dir="5400000" algn="ctr">
+              <a:srgbClr val="000000">
+                <a:alpha val="32000"/>
+              </a:srgbClr>
+            </a:outerShdw>
+          </a:effectLst>
+        </p:spPr>
+        <p:txBody>
+          <a:bodyPr rot="0" spcFirstLastPara="0" vertOverflow="overflow" horzOverflow="overflow" vert="horz" wrap="square" lIns="121851" tIns="60925" rIns="121851" bIns="60925" numCol="1" spcCol="0" rtlCol="0" fromWordArt="0" anchor="ctr" anchorCtr="0" forceAA="0" compatLnSpc="1">
+            <a:prstTxWarp prst="textNoShape">
+              <a:avLst/>
+            </a:prstTxWarp>
+            <a:noAutofit/>
+          </a:bodyPr>
+          <a:lstStyle/>
+          <a:p>
+            <a:pPr algn="ctr">
+              <a:lnSpc>
+                <a:spcPct val="90000"/>
+              </a:lnSpc>
+            </a:pPr>
+            <a:r>
+              <a:rPr lang="en-US" sz="2000" dirty="0">
+                <a:solidFill>
+                  <a:schemeClr val="bg1"/>
+                </a:solidFill>
+              </a:rPr>
+              <a:t>If manufacturing input is too difficult, again apply scaffolding</a:t>
+            </a:r>
+          </a:p>
+        </p:txBody>
+      </p:sp>
+      <p:sp>
+        <p:nvSpPr>
           <p:cNvPr id="7" name="Rounded Rectangle 6">
             <a:extLst>
               <a:ext uri="{FF2B5EF4-FFF2-40B4-BE49-F238E27FC236}">
@@ -11466,13 +11354,75 @@
           </a:p>
         </p:txBody>
       </p:sp>
+      <p:sp>
+        <p:nvSpPr>
+          <p:cNvPr id="9" name="Rounded Rectangle 8">
+            <a:extLst>
+              <a:ext uri="{FF2B5EF4-FFF2-40B4-BE49-F238E27FC236}">
+                <a16:creationId xmlns:a16="http://schemas.microsoft.com/office/drawing/2014/main" id="{F2D69661-F390-5F2F-3FD3-A67B9BF6CEC3}"/>
+              </a:ext>
+            </a:extLst>
+          </p:cNvPr>
+          <p:cNvSpPr/>
+          <p:nvPr/>
+        </p:nvSpPr>
+        <p:spPr>
+          <a:xfrm>
+            <a:off x="5990467" y="1477618"/>
+            <a:ext cx="2250869" cy="1750943"/>
+          </a:xfrm>
+          <a:prstGeom prst="roundRect">
+            <a:avLst/>
+          </a:prstGeom>
+          <a:solidFill>
+            <a:schemeClr val="accent3">
+              <a:lumMod val="40000"/>
+              <a:lumOff val="60000"/>
+            </a:schemeClr>
+          </a:solidFill>
+          <a:ln>
+            <a:noFill/>
+          </a:ln>
+          <a:effectLst>
+            <a:outerShdw blurRad="44450" dist="27940" dir="5400000" algn="ctr">
+              <a:srgbClr val="000000">
+                <a:alpha val="32000"/>
+              </a:srgbClr>
+            </a:outerShdw>
+          </a:effectLst>
+        </p:spPr>
+        <p:txBody>
+          <a:bodyPr rot="0" spcFirstLastPara="0" vertOverflow="overflow" horzOverflow="overflow" vert="horz" wrap="square" lIns="121851" tIns="60925" rIns="121851" bIns="60925" numCol="1" spcCol="0" rtlCol="0" fromWordArt="0" anchor="ctr" anchorCtr="0" forceAA="0" compatLnSpc="1">
+            <a:prstTxWarp prst="textNoShape">
+              <a:avLst/>
+            </a:prstTxWarp>
+            <a:noAutofit/>
+          </a:bodyPr>
+          <a:lstStyle/>
+          <a:p>
+            <a:pPr algn="ctr">
+              <a:lnSpc>
+                <a:spcPct val="90000"/>
+              </a:lnSpc>
+            </a:pPr>
+            <a:r>
+              <a:rPr lang="en-US" sz="2000" dirty="0">
+                <a:solidFill>
+                  <a:sysClr val="windowText" lastClr="000000"/>
+                </a:solidFill>
+              </a:rPr>
+              <a:t>Other functions: build scaffolding </a:t>
+            </a:r>
+          </a:p>
+        </p:txBody>
+      </p:sp>
     </p:spTree>
     <p:custDataLst>
       <p:tags r:id="rId1"/>
     </p:custDataLst>
     <p:extLst>
       <p:ext uri="{BB962C8B-B14F-4D97-AF65-F5344CB8AC3E}">
-        <p14:creationId xmlns:p14="http://schemas.microsoft.com/office/powerpoint/2010/main" val="552300152"/>
+        <p14:creationId xmlns:p14="http://schemas.microsoft.com/office/powerpoint/2010/main" val="113407597"/>
       </p:ext>
     </p:extLst>
   </p:cSld>
@@ -11501,6 +11451,423 @@
       </p:grpSpPr>
       <p:sp>
         <p:nvSpPr>
+          <p:cNvPr id="69" name="Title 1">
+            <a:extLst>
+              <a:ext uri="{FF2B5EF4-FFF2-40B4-BE49-F238E27FC236}">
+                <a16:creationId xmlns:a16="http://schemas.microsoft.com/office/drawing/2014/main" id="{0087BD33-70F0-2C46-B0E3-8296A066D74A}"/>
+              </a:ext>
+            </a:extLst>
+          </p:cNvPr>
+          <p:cNvSpPr txBox="1">
+            <a:spLocks/>
+          </p:cNvSpPr>
+          <p:nvPr/>
+        </p:nvSpPr>
+        <p:spPr bwMode="auto">
+          <a:xfrm>
+            <a:off x="518160" y="563880"/>
+            <a:ext cx="11372473" cy="914400"/>
+          </a:xfrm>
+          <a:prstGeom prst="rect">
+            <a:avLst/>
+          </a:prstGeom>
+          <a:noFill/>
+          <a:ln w="9525">
+            <a:noFill/>
+            <a:miter lim="800000"/>
+            <a:headEnd/>
+            <a:tailEnd/>
+          </a:ln>
+        </p:spPr>
+        <p:txBody>
+          <a:bodyPr vert="horz" wrap="square" lIns="91440" tIns="45720" rIns="91440" bIns="45720" numCol="1" anchor="t" anchorCtr="0" compatLnSpc="1">
+            <a:prstTxWarp prst="textNoShape">
+              <a:avLst/>
+            </a:prstTxWarp>
+            <a:noAutofit/>
+          </a:bodyPr>
+          <a:lstStyle>
+            <a:lvl1pPr marL="0" indent="0" algn="l" rtl="0" eaLnBrk="1" fontAlgn="base" hangingPunct="1">
+              <a:lnSpc>
+                <a:spcPct val="85000"/>
+              </a:lnSpc>
+              <a:spcBef>
+                <a:spcPct val="0"/>
+              </a:spcBef>
+              <a:spcAft>
+                <a:spcPct val="0"/>
+              </a:spcAft>
+              <a:defRPr sz="2800" b="1" kern="1200" baseline="0">
+                <a:solidFill>
+                  <a:schemeClr val="tx1"/>
+                </a:solidFill>
+                <a:latin typeface="+mn-lt"/>
+                <a:ea typeface="+mj-ea"/>
+                <a:cs typeface="+mj-cs"/>
+              </a:defRPr>
+            </a:lvl1pPr>
+            <a:lvl2pPr algn="l" rtl="0" eaLnBrk="1" fontAlgn="base" hangingPunct="1">
+              <a:lnSpc>
+                <a:spcPct val="85000"/>
+              </a:lnSpc>
+              <a:spcBef>
+                <a:spcPct val="0"/>
+              </a:spcBef>
+              <a:spcAft>
+                <a:spcPct val="0"/>
+              </a:spcAft>
+              <a:defRPr sz="3000">
+                <a:solidFill>
+                  <a:srgbClr val="006C3A"/>
+                </a:solidFill>
+                <a:latin typeface="Arial Black" pitchFamily="34" charset="0"/>
+              </a:defRPr>
+            </a:lvl2pPr>
+            <a:lvl3pPr algn="l" rtl="0" eaLnBrk="1" fontAlgn="base" hangingPunct="1">
+              <a:lnSpc>
+                <a:spcPct val="85000"/>
+              </a:lnSpc>
+              <a:spcBef>
+                <a:spcPct val="0"/>
+              </a:spcBef>
+              <a:spcAft>
+                <a:spcPct val="0"/>
+              </a:spcAft>
+              <a:defRPr sz="3000">
+                <a:solidFill>
+                  <a:srgbClr val="006C3A"/>
+                </a:solidFill>
+                <a:latin typeface="Arial Black" pitchFamily="34" charset="0"/>
+              </a:defRPr>
+            </a:lvl3pPr>
+            <a:lvl4pPr algn="l" rtl="0" eaLnBrk="1" fontAlgn="base" hangingPunct="1">
+              <a:lnSpc>
+                <a:spcPct val="85000"/>
+              </a:lnSpc>
+              <a:spcBef>
+                <a:spcPct val="0"/>
+              </a:spcBef>
+              <a:spcAft>
+                <a:spcPct val="0"/>
+              </a:spcAft>
+              <a:defRPr sz="3000">
+                <a:solidFill>
+                  <a:srgbClr val="006C3A"/>
+                </a:solidFill>
+                <a:latin typeface="Arial Black" pitchFamily="34" charset="0"/>
+              </a:defRPr>
+            </a:lvl4pPr>
+            <a:lvl5pPr algn="l" rtl="0" eaLnBrk="1" fontAlgn="base" hangingPunct="1">
+              <a:lnSpc>
+                <a:spcPct val="85000"/>
+              </a:lnSpc>
+              <a:spcBef>
+                <a:spcPct val="0"/>
+              </a:spcBef>
+              <a:spcAft>
+                <a:spcPct val="0"/>
+              </a:spcAft>
+              <a:defRPr sz="3000">
+                <a:solidFill>
+                  <a:srgbClr val="006C3A"/>
+                </a:solidFill>
+                <a:latin typeface="Arial Black" pitchFamily="34" charset="0"/>
+              </a:defRPr>
+            </a:lvl5pPr>
+            <a:lvl6pPr marL="457200" algn="l" rtl="0" eaLnBrk="1" fontAlgn="base" hangingPunct="1">
+              <a:lnSpc>
+                <a:spcPct val="85000"/>
+              </a:lnSpc>
+              <a:spcBef>
+                <a:spcPct val="0"/>
+              </a:spcBef>
+              <a:spcAft>
+                <a:spcPct val="0"/>
+              </a:spcAft>
+              <a:defRPr sz="3000">
+                <a:solidFill>
+                  <a:srgbClr val="006C3A"/>
+                </a:solidFill>
+                <a:latin typeface="Arial Black" pitchFamily="34" charset="0"/>
+              </a:defRPr>
+            </a:lvl6pPr>
+            <a:lvl7pPr marL="914400" algn="l" rtl="0" eaLnBrk="1" fontAlgn="base" hangingPunct="1">
+              <a:lnSpc>
+                <a:spcPct val="85000"/>
+              </a:lnSpc>
+              <a:spcBef>
+                <a:spcPct val="0"/>
+              </a:spcBef>
+              <a:spcAft>
+                <a:spcPct val="0"/>
+              </a:spcAft>
+              <a:defRPr sz="3000">
+                <a:solidFill>
+                  <a:srgbClr val="006C3A"/>
+                </a:solidFill>
+                <a:latin typeface="Arial Black" pitchFamily="34" charset="0"/>
+              </a:defRPr>
+            </a:lvl7pPr>
+            <a:lvl8pPr marL="1371600" algn="l" rtl="0" eaLnBrk="1" fontAlgn="base" hangingPunct="1">
+              <a:lnSpc>
+                <a:spcPct val="85000"/>
+              </a:lnSpc>
+              <a:spcBef>
+                <a:spcPct val="0"/>
+              </a:spcBef>
+              <a:spcAft>
+                <a:spcPct val="0"/>
+              </a:spcAft>
+              <a:defRPr sz="3000">
+                <a:solidFill>
+                  <a:srgbClr val="006C3A"/>
+                </a:solidFill>
+                <a:latin typeface="Arial Black" pitchFamily="34" charset="0"/>
+              </a:defRPr>
+            </a:lvl8pPr>
+            <a:lvl9pPr marL="1828800" algn="l" rtl="0" eaLnBrk="1" fontAlgn="base" hangingPunct="1">
+              <a:lnSpc>
+                <a:spcPct val="85000"/>
+              </a:lnSpc>
+              <a:spcBef>
+                <a:spcPct val="0"/>
+              </a:spcBef>
+              <a:spcAft>
+                <a:spcPct val="0"/>
+              </a:spcAft>
+              <a:defRPr sz="3000">
+                <a:solidFill>
+                  <a:srgbClr val="006C3A"/>
+                </a:solidFill>
+                <a:latin typeface="Arial Black" pitchFamily="34" charset="0"/>
+              </a:defRPr>
+            </a:lvl9pPr>
+          </a:lstStyle>
+          <a:p>
+            <a:r>
+              <a:rPr lang="en-US" dirty="0"/>
+              <a:t>Test Development For a New Code</a:t>
+            </a:r>
+          </a:p>
+        </p:txBody>
+      </p:sp>
+      <p:sp>
+        <p:nvSpPr>
+          <p:cNvPr id="4" name="Rounded Rectangle 3">
+            <a:extLst>
+              <a:ext uri="{FF2B5EF4-FFF2-40B4-BE49-F238E27FC236}">
+                <a16:creationId xmlns:a16="http://schemas.microsoft.com/office/drawing/2014/main" id="{A217991B-E8E9-DF48-E9BF-3085D1551750}"/>
+              </a:ext>
+            </a:extLst>
+          </p:cNvPr>
+          <p:cNvSpPr/>
+          <p:nvPr/>
+        </p:nvSpPr>
+        <p:spPr>
+          <a:xfrm>
+            <a:off x="535336" y="1987165"/>
+            <a:ext cx="2397318" cy="2497372"/>
+          </a:xfrm>
+          <a:prstGeom prst="roundRect">
+            <a:avLst/>
+          </a:prstGeom>
+          <a:solidFill>
+            <a:srgbClr val="0070C0"/>
+          </a:solidFill>
+          <a:ln>
+            <a:noFill/>
+          </a:ln>
+          <a:effectLst>
+            <a:outerShdw blurRad="44450" dist="27940" dir="5400000" algn="ctr">
+              <a:srgbClr val="000000">
+                <a:alpha val="32000"/>
+              </a:srgbClr>
+            </a:outerShdw>
+          </a:effectLst>
+        </p:spPr>
+        <p:txBody>
+          <a:bodyPr rot="0" spcFirstLastPara="0" vertOverflow="overflow" horzOverflow="overflow" vert="horz" wrap="square" lIns="121851" tIns="60925" rIns="121851" bIns="60925" numCol="1" spcCol="0" rtlCol="0" fromWordArt="0" anchor="ctr" anchorCtr="0" forceAA="0" compatLnSpc="1">
+            <a:prstTxWarp prst="textNoShape">
+              <a:avLst/>
+            </a:prstTxWarp>
+            <a:noAutofit/>
+          </a:bodyPr>
+          <a:lstStyle/>
+          <a:p>
+            <a:pPr algn="ctr">
+              <a:lnSpc>
+                <a:spcPct val="90000"/>
+              </a:lnSpc>
+            </a:pPr>
+            <a:r>
+              <a:rPr lang="en-US" sz="2000" dirty="0">
+                <a:solidFill>
+                  <a:schemeClr val="bg1"/>
+                </a:solidFill>
+              </a:rPr>
+              <a:t>For every new functionality being added, think about its verification</a:t>
+            </a:r>
+          </a:p>
+        </p:txBody>
+      </p:sp>
+      <p:sp>
+        <p:nvSpPr>
+          <p:cNvPr id="7" name="Rounded Rectangle 6">
+            <a:extLst>
+              <a:ext uri="{FF2B5EF4-FFF2-40B4-BE49-F238E27FC236}">
+                <a16:creationId xmlns:a16="http://schemas.microsoft.com/office/drawing/2014/main" id="{24E56B43-A3F2-26B1-8D6E-1DADE8D503FB}"/>
+              </a:ext>
+            </a:extLst>
+          </p:cNvPr>
+          <p:cNvSpPr/>
+          <p:nvPr/>
+        </p:nvSpPr>
+        <p:spPr>
+          <a:xfrm>
+            <a:off x="3196301" y="3429000"/>
+            <a:ext cx="2397318" cy="2497372"/>
+          </a:xfrm>
+          <a:prstGeom prst="roundRect">
+            <a:avLst/>
+          </a:prstGeom>
+          <a:solidFill>
+            <a:srgbClr val="7030A0"/>
+          </a:solidFill>
+          <a:ln>
+            <a:solidFill>
+              <a:srgbClr val="7030A0"/>
+            </a:solidFill>
+          </a:ln>
+          <a:effectLst>
+            <a:outerShdw blurRad="44450" dist="27940" dir="5400000" algn="ctr">
+              <a:srgbClr val="000000">
+                <a:alpha val="32000"/>
+              </a:srgbClr>
+            </a:outerShdw>
+          </a:effectLst>
+        </p:spPr>
+        <p:txBody>
+          <a:bodyPr rot="0" spcFirstLastPara="0" vertOverflow="overflow" horzOverflow="overflow" vert="horz" wrap="square" lIns="121851" tIns="60925" rIns="121851" bIns="60925" numCol="1" spcCol="0" rtlCol="0" fromWordArt="0" anchor="ctr" anchorCtr="0" forceAA="0" compatLnSpc="1">
+            <a:prstTxWarp prst="textNoShape">
+              <a:avLst/>
+            </a:prstTxWarp>
+            <a:noAutofit/>
+          </a:bodyPr>
+          <a:lstStyle/>
+          <a:p>
+            <a:pPr algn="ctr">
+              <a:lnSpc>
+                <a:spcPct val="90000"/>
+              </a:lnSpc>
+            </a:pPr>
+            <a:r>
+              <a:rPr lang="en-US" sz="2000" dirty="0">
+                <a:solidFill>
+                  <a:schemeClr val="bg1"/>
+                </a:solidFill>
+              </a:rPr>
+              <a:t>If it has limited dependencies, manufacturing input for known output will give you a self test</a:t>
+            </a:r>
+          </a:p>
+        </p:txBody>
+      </p:sp>
+      <p:sp>
+        <p:nvSpPr>
+          <p:cNvPr id="8" name="Rounded Rectangle 7">
+            <a:extLst>
+              <a:ext uri="{FF2B5EF4-FFF2-40B4-BE49-F238E27FC236}">
+                <a16:creationId xmlns:a16="http://schemas.microsoft.com/office/drawing/2014/main" id="{D2AEFE27-BDEC-7773-272B-814763760506}"/>
+              </a:ext>
+            </a:extLst>
+          </p:cNvPr>
+          <p:cNvSpPr/>
+          <p:nvPr/>
+        </p:nvSpPr>
+        <p:spPr>
+          <a:xfrm>
+            <a:off x="3183049" y="1477619"/>
+            <a:ext cx="2410570" cy="1750943"/>
+          </a:xfrm>
+          <a:prstGeom prst="roundRect">
+            <a:avLst/>
+          </a:prstGeom>
+          <a:solidFill>
+            <a:schemeClr val="accent3">
+              <a:lumMod val="40000"/>
+              <a:lumOff val="60000"/>
+            </a:schemeClr>
+          </a:solidFill>
+          <a:ln>
+            <a:noFill/>
+          </a:ln>
+          <a:effectLst>
+            <a:outerShdw blurRad="44450" dist="27940" dir="5400000" algn="ctr">
+              <a:srgbClr val="000000">
+                <a:alpha val="32000"/>
+              </a:srgbClr>
+            </a:outerShdw>
+          </a:effectLst>
+        </p:spPr>
+        <p:txBody>
+          <a:bodyPr rot="0" spcFirstLastPara="0" vertOverflow="overflow" horzOverflow="overflow" vert="horz" wrap="square" lIns="121851" tIns="60925" rIns="121851" bIns="60925" numCol="1" spcCol="0" rtlCol="0" fromWordArt="0" anchor="ctr" anchorCtr="0" forceAA="0" compatLnSpc="1">
+            <a:prstTxWarp prst="textNoShape">
+              <a:avLst/>
+            </a:prstTxWarp>
+            <a:noAutofit/>
+          </a:bodyPr>
+          <a:lstStyle/>
+          <a:p>
+            <a:pPr algn="ctr">
+              <a:lnSpc>
+                <a:spcPct val="90000"/>
+              </a:lnSpc>
+            </a:pPr>
+            <a:r>
+              <a:rPr lang="en-US" sz="2000" dirty="0">
+                <a:solidFill>
+                  <a:sysClr val="windowText" lastClr="000000"/>
+                </a:solidFill>
+              </a:rPr>
+              <a:t>Simple functions: relation between input and output =&gt; unit test</a:t>
+            </a:r>
+          </a:p>
+        </p:txBody>
+      </p:sp>
+    </p:spTree>
+    <p:custDataLst>
+      <p:tags r:id="rId1"/>
+    </p:custDataLst>
+    <p:extLst>
+      <p:ext uri="{BB962C8B-B14F-4D97-AF65-F5344CB8AC3E}">
+        <p14:creationId xmlns:p14="http://schemas.microsoft.com/office/powerpoint/2010/main" val="552300152"/>
+      </p:ext>
+    </p:extLst>
+  </p:cSld>
+  <p:clrMapOvr>
+    <a:masterClrMapping/>
+  </p:clrMapOvr>
+</p:sld>
+</file>
+
+<file path=ppt/slides/slide17.xml><?xml version="1.0" encoding="utf-8"?>
+<p:sld xmlns:a="http://schemas.openxmlformats.org/drawingml/2006/main" xmlns:r="http://schemas.openxmlformats.org/officeDocument/2006/relationships" xmlns:p="http://schemas.openxmlformats.org/presentationml/2006/main">
+  <p:cSld>
+    <p:spTree>
+      <p:nvGrpSpPr>
+        <p:cNvPr id="1" name=""/>
+        <p:cNvGrpSpPr/>
+        <p:nvPr/>
+      </p:nvGrpSpPr>
+      <p:grpSpPr>
+        <a:xfrm>
+          <a:off x="0" y="0"/>
+          <a:ext cx="0" cy="0"/>
+          <a:chOff x="0" y="0"/>
+          <a:chExt cx="0" cy="0"/>
+        </a:xfrm>
+      </p:grpSpPr>
+      <p:sp>
+        <p:nvSpPr>
           <p:cNvPr id="5" name="Content Placeholder 4"/>
           <p:cNvSpPr>
             <a:spLocks noGrp="1"/>
@@ -11684,7 +12051,7 @@
 </p:sld>
 </file>
 
-<file path=ppt/slides/slide17.xml><?xml version="1.0" encoding="utf-8"?>
+<file path=ppt/slides/slide18.xml><?xml version="1.0" encoding="utf-8"?>
 <p:sld xmlns:a="http://schemas.openxmlformats.org/drawingml/2006/main" xmlns:r="http://schemas.openxmlformats.org/officeDocument/2006/relationships" xmlns:p="http://schemas.openxmlformats.org/presentationml/2006/main">
   <p:cSld>
     <p:spTree>
@@ -11793,7 +12160,7 @@
           <a:noFill/>
           <a:extLst>
             <a:ext uri="{909E8E84-426E-40dd-AFC4-6F175D3DCCD1}">
-              <a14:hiddenFill xmlns="" xmlns:a14="http://schemas.microsoft.com/office/drawing/2010/main">
+              <a14:hiddenFill xmlns:a14="http://schemas.microsoft.com/office/drawing/2010/main" xmlns="">
                 <a:solidFill>
                   <a:srgbClr val="FFFFFF"/>
                 </a:solidFill>
@@ -12054,112 +12421,6 @@
     <p:extLst>
       <p:ext uri="{BB962C8B-B14F-4D97-AF65-F5344CB8AC3E}">
         <p14:creationId xmlns:p14="http://schemas.microsoft.com/office/powerpoint/2010/main" val="120810053"/>
-      </p:ext>
-    </p:extLst>
-  </p:cSld>
-  <p:clrMapOvr>
-    <a:masterClrMapping/>
-  </p:clrMapOvr>
-</p:sld>
-</file>
-
-<file path=ppt/slides/slide18.xml><?xml version="1.0" encoding="utf-8"?>
-<p:sld xmlns:a="http://schemas.openxmlformats.org/drawingml/2006/main" xmlns:r="http://schemas.openxmlformats.org/officeDocument/2006/relationships" xmlns:p="http://schemas.openxmlformats.org/presentationml/2006/main">
-  <p:cSld>
-    <p:spTree>
-      <p:nvGrpSpPr>
-        <p:cNvPr id="1" name=""/>
-        <p:cNvGrpSpPr/>
-        <p:nvPr/>
-      </p:nvGrpSpPr>
-      <p:grpSpPr>
-        <a:xfrm>
-          <a:off x="0" y="0"/>
-          <a:ext cx="0" cy="0"/>
-          <a:chOff x="0" y="0"/>
-          <a:chExt cx="0" cy="0"/>
-        </a:xfrm>
-      </p:grpSpPr>
-      <p:sp>
-        <p:nvSpPr>
-          <p:cNvPr id="2" name="Title 1"/>
-          <p:cNvSpPr>
-            <a:spLocks noGrp="1"/>
-          </p:cNvSpPr>
-          <p:nvPr>
-            <p:ph type="title"/>
-          </p:nvPr>
-        </p:nvSpPr>
-        <p:spPr/>
-        <p:txBody>
-          <a:bodyPr/>
-          <a:lstStyle/>
-          <a:p>
-            <a:r>
-              <a:rPr lang="en-US" dirty="0"/>
-              <a:t>Step 1 – Equation of State</a:t>
-            </a:r>
-          </a:p>
-        </p:txBody>
-      </p:sp>
-      <p:sp>
-        <p:nvSpPr>
-          <p:cNvPr id="5" name="Content Placeholder 4"/>
-          <p:cNvSpPr>
-            <a:spLocks noGrp="1"/>
-          </p:cNvSpPr>
-          <p:nvPr>
-            <p:ph sz="quarter" idx="1"/>
-          </p:nvPr>
-        </p:nvSpPr>
-        <p:spPr>
-          <a:xfrm>
-            <a:off x="729774" y="1802813"/>
-            <a:ext cx="10057495" cy="2795692"/>
-          </a:xfrm>
-        </p:spPr>
-        <p:txBody>
-          <a:bodyPr/>
-          <a:lstStyle/>
-          <a:p>
-            <a:r>
-              <a:rPr lang="en-US" dirty="0"/>
-              <a:t>Initialize density and internal energy with known values</a:t>
-            </a:r>
-          </a:p>
-          <a:p>
-            <a:r>
-              <a:rPr lang="en-US" dirty="0"/>
-              <a:t>Compute pressure and temperature using EOS</a:t>
-            </a:r>
-          </a:p>
-          <a:p>
-            <a:r>
-              <a:rPr lang="en-US" dirty="0"/>
-              <a:t>Next use density and computed pressure as input and compute internal energy and temperature using EOS</a:t>
-            </a:r>
-          </a:p>
-          <a:p>
-            <a:r>
-              <a:rPr lang="en-US" dirty="0"/>
-              <a:t>Compare computed values against initialized values</a:t>
-            </a:r>
-          </a:p>
-          <a:p>
-            <a:pPr marL="0" indent="0">
-              <a:buNone/>
-            </a:pPr>
-            <a:endParaRPr lang="en-US" dirty="0"/>
-          </a:p>
-        </p:txBody>
-      </p:sp>
-    </p:spTree>
-    <p:custDataLst>
-      <p:tags r:id="rId1"/>
-    </p:custDataLst>
-    <p:extLst>
-      <p:ext uri="{BB962C8B-B14F-4D97-AF65-F5344CB8AC3E}">
-        <p14:creationId xmlns:p14="http://schemas.microsoft.com/office/powerpoint/2010/main" val="3967456562"/>
       </p:ext>
     </p:extLst>
   </p:cSld>
@@ -12259,72 +12520,13 @@
           </a:p>
         </p:txBody>
       </p:sp>
-      <p:sp>
-        <p:nvSpPr>
-          <p:cNvPr id="4" name="Rounded Rectangle 3">
-            <a:extLst>
-              <a:ext uri="{FF2B5EF4-FFF2-40B4-BE49-F238E27FC236}">
-                <a16:creationId xmlns:a16="http://schemas.microsoft.com/office/drawing/2014/main" id="{E5484925-C7F9-2A60-D496-70C9AA0F5262}"/>
-              </a:ext>
-            </a:extLst>
-          </p:cNvPr>
-          <p:cNvSpPr/>
-          <p:nvPr/>
-        </p:nvSpPr>
-        <p:spPr>
-          <a:xfrm>
-            <a:off x="2598578" y="4598505"/>
-            <a:ext cx="3627053" cy="914401"/>
-          </a:xfrm>
-          <a:prstGeom prst="roundRect">
-            <a:avLst/>
-          </a:prstGeom>
-          <a:solidFill>
-            <a:srgbClr val="7030A0"/>
-          </a:solidFill>
-          <a:ln>
-            <a:noFill/>
-          </a:ln>
-          <a:effectLst>
-            <a:outerShdw blurRad="44450" dist="27940" dir="5400000" algn="ctr">
-              <a:srgbClr val="000000">
-                <a:alpha val="32000"/>
-              </a:srgbClr>
-            </a:outerShdw>
-          </a:effectLst>
-        </p:spPr>
-        <p:txBody>
-          <a:bodyPr rot="0" spcFirstLastPara="0" vertOverflow="overflow" horzOverflow="overflow" vert="horz" wrap="square" lIns="121851" tIns="60925" rIns="121851" bIns="60925" numCol="1" spcCol="0" rtlCol="0" fromWordArt="0" anchor="ctr" anchorCtr="0" forceAA="0" compatLnSpc="1">
-            <a:prstTxWarp prst="textNoShape">
-              <a:avLst/>
-            </a:prstTxWarp>
-            <a:noAutofit/>
-          </a:bodyPr>
-          <a:lstStyle/>
-          <a:p>
-            <a:pPr algn="ctr">
-              <a:lnSpc>
-                <a:spcPct val="90000"/>
-              </a:lnSpc>
-            </a:pPr>
-            <a:r>
-              <a:rPr lang="en-US" sz="2000" dirty="0">
-                <a:solidFill>
-                  <a:schemeClr val="bg1"/>
-                </a:solidFill>
-              </a:rPr>
-              <a:t>We have a unit test </a:t>
-            </a:r>
-          </a:p>
-        </p:txBody>
-      </p:sp>
     </p:spTree>
     <p:custDataLst>
       <p:tags r:id="rId1"/>
     </p:custDataLst>
     <p:extLst>
       <p:ext uri="{BB962C8B-B14F-4D97-AF65-F5344CB8AC3E}">
-        <p14:creationId xmlns:p14="http://schemas.microsoft.com/office/powerpoint/2010/main" val="1102284337"/>
+        <p14:creationId xmlns:p14="http://schemas.microsoft.com/office/powerpoint/2010/main" val="3967456562"/>
       </p:ext>
     </p:extLst>
   </p:cSld>
@@ -12356,7 +12558,7 @@
           <p:cNvPr id="2" name="Title 1">
             <a:extLst>
               <a:ext uri="{FF2B5EF4-FFF2-40B4-BE49-F238E27FC236}">
-                <a16:creationId xmlns:a16="http://schemas.microsoft.com/office/drawing/2014/main" id="{593E8855-A57F-4215-A768-115A3708E346}"/>
+                <a16:creationId xmlns:a16="http://schemas.microsoft.com/office/drawing/2014/main" id="{6442C24D-D970-4D40-8F14-D70C10A96304}"/>
               </a:ext>
             </a:extLst>
           </p:cNvPr>
@@ -12367,14 +12569,19 @@
             <p:ph type="title"/>
           </p:nvPr>
         </p:nvSpPr>
-        <p:spPr/>
+        <p:spPr>
+          <a:xfrm>
+            <a:off x="363096" y="112911"/>
+            <a:ext cx="11372473" cy="914400"/>
+          </a:xfrm>
+        </p:spPr>
         <p:txBody>
           <a:bodyPr/>
           <a:lstStyle/>
           <a:p>
             <a:r>
               <a:rPr lang="en-US" dirty="0"/>
-              <a:t>Motivation – Testing Practices</a:t>
+              <a:t>License, Citation and Acknowledgements</a:t>
             </a:r>
           </a:p>
         </p:txBody>
@@ -12384,7 +12591,7 @@
           <p:cNvPr id="3" name="Content Placeholder 2">
             <a:extLst>
               <a:ext uri="{FF2B5EF4-FFF2-40B4-BE49-F238E27FC236}">
-                <a16:creationId xmlns:a16="http://schemas.microsoft.com/office/drawing/2014/main" id="{14DD3804-D1BC-40B2-8D0D-D96BD5828410}"/>
+                <a16:creationId xmlns:a16="http://schemas.microsoft.com/office/drawing/2014/main" id="{0385A3AB-B258-4D59-B407-F7D57545A163}"/>
               </a:ext>
             </a:extLst>
           </p:cNvPr>
@@ -12397,121 +12604,207 @@
         </p:nvSpPr>
         <p:spPr>
           <a:xfrm>
-            <a:off x="223370" y="1596718"/>
-            <a:ext cx="9543698" cy="4456839"/>
+            <a:off x="409507" y="570111"/>
+            <a:ext cx="11369809" cy="4047778"/>
           </a:xfrm>
         </p:spPr>
         <p:txBody>
           <a:bodyPr/>
           <a:lstStyle/>
           <a:p>
-            <a:r>
-              <a:rPr lang="en-US" sz="2800" dirty="0"/>
-              <a:t>Supercomputer Cycles are Scarce Resources</a:t>
-            </a:r>
-          </a:p>
-          <a:p>
-            <a:pPr lvl="1"/>
-            <a:r>
-              <a:rPr lang="en-US" sz="2400" dirty="0"/>
-              <a:t>Goal = capture QA details during science runs</a:t>
-            </a:r>
-          </a:p>
-          <a:p>
-            <a:r>
-              <a:rPr lang="en-US" sz="2800" dirty="0"/>
-              <a:t>Many people need to have confidence</a:t>
+            <a:pPr marL="0" indent="0">
+              <a:buNone/>
+            </a:pPr>
+            <a:r>
+              <a:rPr lang="en-US" sz="2000" b="1" dirty="0"/>
+              <a:t>License and Citation</a:t>
+            </a:r>
+          </a:p>
+          <a:p>
+            <a:pPr>
+              <a:spcBef>
+                <a:spcPts val="400"/>
+              </a:spcBef>
+            </a:pPr>
+            <a:r>
+              <a:rPr lang="en-US" sz="1600" dirty="0"/>
+              <a:t>This work is licensed under a </a:t>
+            </a:r>
+            <a:r>
+              <a:rPr lang="en-US" sz="1600" dirty="0">
+                <a:hlinkClick r:id="rId2"/>
+              </a:rPr>
+              <a:t>Creative</a:t>
+            </a:r>
+            <a:r>
+              <a:rPr lang="en-US" sz="1600" dirty="0">
+                <a:hlinkClick r:id="rId3"/>
+              </a:rPr>
+              <a:t> Commons Attribution 4.0 International License</a:t>
+            </a:r>
+            <a:r>
+              <a:rPr lang="en-US" sz="1600" dirty="0"/>
+              <a:t> (CC BY 4.0).</a:t>
+            </a:r>
+          </a:p>
+          <a:p>
+            <a:pPr>
+              <a:spcBef>
+                <a:spcPts val="400"/>
+              </a:spcBef>
+            </a:pPr>
+            <a:r>
+              <a:rPr lang="en-US" sz="1600" b="1" dirty="0"/>
+              <a:t>The requested citation the overall tutorial is: David E. Bernholdt, Anshu Dubey, Todd Gamblin, Jared O’Neal, and </a:t>
+            </a:r>
+            <a:r>
+              <a:rPr lang="en-US" sz="1600" b="1" dirty="0" err="1"/>
+              <a:t>Boyana</a:t>
+            </a:r>
+            <a:r>
+              <a:rPr lang="en-US" sz="1600" b="1" dirty="0"/>
+              <a:t> R. Norris, Software Productivity and Sustainability track, in Argonne Training Program on Extreme-Scale Computing</a:t>
+            </a:r>
+            <a:r>
+              <a:rPr lang="en-US" sz="1600" b="1"/>
+              <a:t>, St</a:t>
+            </a:r>
+            <a:r>
+              <a:rPr lang="en-US" sz="1600" b="1" dirty="0"/>
+              <a:t>. Charles, Illinois, 2022. DOI: </a:t>
+            </a:r>
+            <a:r>
+              <a:rPr lang="en-US" sz="1600" b="1" dirty="0">
+                <a:hlinkClick r:id="rId4"/>
+              </a:rPr>
+              <a:t>10.6084/m9.figshare.20416215</a:t>
+            </a:r>
+            <a:r>
+              <a:rPr lang="en-US" sz="1600" b="1" dirty="0"/>
+              <a:t>.</a:t>
+            </a:r>
+          </a:p>
+          <a:p>
+            <a:pPr>
+              <a:spcBef>
+                <a:spcPts val="400"/>
+              </a:spcBef>
+            </a:pPr>
+            <a:r>
+              <a:rPr lang="en-US" sz="1600" dirty="0"/>
+              <a:t>Individual modules may be cited as </a:t>
+            </a:r>
+            <a:r>
+              <a:rPr lang="en-US" sz="1600" i="1" dirty="0"/>
+              <a:t>Speaker, Module Title</a:t>
+            </a:r>
+            <a:r>
+              <a:rPr lang="en-US" sz="1600" dirty="0"/>
+              <a:t>, in Better Scientific Software tutorial, ISC, 2022 …</a:t>
             </a:r>
           </a:p>
           <a:p>
             <a:pPr marL="0" indent="0">
               <a:spcBef>
-                <a:spcPts val="0"/>
+                <a:spcPts val="800"/>
               </a:spcBef>
               <a:buNone/>
             </a:pPr>
             <a:r>
-              <a:rPr lang="en-US" sz="2800" dirty="0"/>
-              <a:t>   in your results:</a:t>
-            </a:r>
-          </a:p>
-          <a:p>
-            <a:pPr lvl="1">
+              <a:rPr lang="en-US" sz="2000" b="1" dirty="0"/>
+              <a:t>Acknowledgements</a:t>
+            </a:r>
+          </a:p>
+          <a:p>
+            <a:pPr>
               <a:spcBef>
-                <a:spcPts val="200"/>
+                <a:spcPts val="400"/>
               </a:spcBef>
             </a:pPr>
             <a:r>
-              <a:rPr lang="en-US" sz="2400" dirty="0"/>
-              <a:t>You</a:t>
-            </a:r>
-          </a:p>
-          <a:p>
-            <a:pPr lvl="1">
+              <a:rPr lang="en-US" sz="1400" dirty="0"/>
+              <a:t>This work was supported by the U.S. Department of Energy Office of Science, Office of Advanced Scientific Computing Research (ASCR), and by the Exascale Computing Project (17-SC-20-SC), a collaborative effort of the U.S. Department of Energy Office of Science and the National Nuclear Security Administration</a:t>
+            </a:r>
+            <a:r>
+              <a:rPr lang="en-US" sz="1400" i="1" dirty="0"/>
+              <a:t>.</a:t>
+            </a:r>
+            <a:endParaRPr lang="en-US" sz="1400" dirty="0"/>
+          </a:p>
+          <a:p>
+            <a:pPr>
               <a:spcBef>
-                <a:spcPts val="200"/>
+                <a:spcPts val="400"/>
               </a:spcBef>
             </a:pPr>
             <a:r>
-              <a:rPr lang="en-US" sz="2400" dirty="0"/>
-              <a:t>Your project lead or boss</a:t>
-            </a:r>
-          </a:p>
-          <a:p>
-            <a:pPr lvl="1">
+              <a:rPr lang="en-US" sz="1400" dirty="0"/>
+              <a:t>This work was performed in part at the Argonne National Laboratory, which is managed by UChicago Argonne, LLC for the U.S. Department of Energy under Contract No. DE-AC02-06CH11357.</a:t>
+            </a:r>
+          </a:p>
+          <a:p>
+            <a:pPr>
               <a:spcBef>
-                <a:spcPts val="200"/>
+                <a:spcPts val="400"/>
               </a:spcBef>
             </a:pPr>
             <a:r>
-              <a:rPr lang="en-US" sz="2400" dirty="0"/>
-              <a:t>Your sponsor</a:t>
-            </a:r>
-          </a:p>
-          <a:p>
-            <a:pPr lvl="1">
+              <a:rPr lang="en-US" sz="1400" dirty="0"/>
+              <a:t>This work was performed in part at the Lawrence Livermore National Laboratory, which is managed by Lawrence Livermore National Security, LLC for the U.S. Department of Energy under Contract No. DE-AC52-07NA27344.</a:t>
+            </a:r>
+          </a:p>
+          <a:p>
+            <a:pPr>
               <a:spcBef>
-                <a:spcPts val="200"/>
+                <a:spcPts val="400"/>
               </a:spcBef>
             </a:pPr>
             <a:r>
-              <a:rPr lang="en-US" sz="2400" dirty="0"/>
-              <a:t>Your reviewers or referees</a:t>
-            </a:r>
-          </a:p>
-          <a:p>
-            <a:pPr lvl="1">
+              <a:rPr lang="en-US" sz="1400" dirty="0"/>
+              <a:t>This work was performed in part at the Los Alamos National Laboratory, which is managed by Triad National Security, LLC for the U.S. Department of Energy under Contract No.89233218CNA000001</a:t>
+            </a:r>
+          </a:p>
+          <a:p>
+            <a:pPr>
               <a:spcBef>
-                <a:spcPts val="200"/>
+                <a:spcPts val="400"/>
               </a:spcBef>
             </a:pPr>
             <a:r>
-              <a:rPr lang="en-US" sz="2400" dirty="0"/>
-              <a:t>Your readers</a:t>
-            </a:r>
-          </a:p>
-          <a:p>
-            <a:r>
-              <a:rPr lang="en-US" sz="2800" dirty="0"/>
-              <a:t>Testing helps build credibility </a:t>
-            </a:r>
-            <a:r>
-              <a:rPr lang="en-US" sz="2800" i="1" dirty="0"/>
-              <a:t>without</a:t>
-            </a:r>
-            <a:r>
-              <a:rPr lang="en-US" sz="2800" dirty="0"/>
-              <a:t> repeating runs.</a:t>
+              <a:rPr lang="en-US" sz="1400" dirty="0"/>
+              <a:t>This work was performed in part at the Oak Ridge National Laboratory, which is managed by UT-Battelle, LLC for the U.S. Department of Energy under Contract No. DE-AC05-00OR22725.</a:t>
+            </a:r>
+          </a:p>
+          <a:p>
+            <a:pPr>
+              <a:spcBef>
+                <a:spcPts val="400"/>
+              </a:spcBef>
+            </a:pPr>
+            <a:r>
+              <a:rPr lang="en-US" sz="1400" dirty="0"/>
+              <a:t>This work was performed in part at Sandia National Laboratories. Sandia National Laboratories is a multi-mission laboratory managed and operated by National Technology and Engineering Solutions of Sandia, LLC., a wholly owned subsidiary of Honeywell International, Inc., for the U.S. Department of Energy’s National Nuclear Security Administration under contract DE-NA0003525.</a:t>
+            </a:r>
+          </a:p>
+          <a:p>
+            <a:pPr>
+              <a:spcBef>
+                <a:spcPts val="400"/>
+              </a:spcBef>
+            </a:pPr>
+            <a:r>
+              <a:rPr lang="en-US" sz="1400" dirty="0"/>
+              <a:t>This work was performed in part at University of Oregon through a subcontract with Argonne National Laboratory.</a:t>
             </a:r>
           </a:p>
         </p:txBody>
       </p:sp>
       <p:pic>
         <p:nvPicPr>
-          <p:cNvPr id="4" name="Picture 4" descr="Image result for olcf frontier images">
+          <p:cNvPr id="4" name="Picture 2" descr="https://licensebuttons.net/l/by/4.0/88x31.png">
             <a:extLst>
               <a:ext uri="{FF2B5EF4-FFF2-40B4-BE49-F238E27FC236}">
-                <a16:creationId xmlns:a16="http://schemas.microsoft.com/office/drawing/2014/main" id="{99122304-45CB-4B98-BF7B-424A418D269F}"/>
+                <a16:creationId xmlns:a16="http://schemas.microsoft.com/office/drawing/2014/main" id="{61840015-22A0-4634-A2DE-AA05F998FD3A}"/>
               </a:ext>
             </a:extLst>
           </p:cNvPr>
@@ -12521,7 +12814,7 @@
           <p:nvPr/>
         </p:nvPicPr>
         <p:blipFill>
-          <a:blip r:embed="rId3" cstate="print">
+          <a:blip r:embed="rId5">
             <a:extLst>
               <a:ext uri="{28A0092B-C50C-407E-A947-70E740481C1C}">
                 <a14:useLocalDpi xmlns:a14="http://schemas.microsoft.com/office/drawing/2010/main" val="0"/>
@@ -12535,8 +12828,8 @@
         </p:blipFill>
         <p:spPr bwMode="auto">
           <a:xfrm>
-            <a:off x="8360783" y="544297"/>
-            <a:ext cx="3707315" cy="1611330"/>
+            <a:off x="10230336" y="879673"/>
+            <a:ext cx="838200" cy="295275"/>
           </a:xfrm>
           <a:prstGeom prst="rect">
             <a:avLst/>
@@ -12553,142 +12846,10 @@
           </a:extLst>
         </p:spPr>
       </p:pic>
-      <p:pic>
-        <p:nvPicPr>
-          <p:cNvPr id="7" name="Picture 6">
-            <a:extLst>
-              <a:ext uri="{FF2B5EF4-FFF2-40B4-BE49-F238E27FC236}">
-                <a16:creationId xmlns:a16="http://schemas.microsoft.com/office/drawing/2014/main" id="{0246831D-1821-B341-A5F6-08DB7D69F547}"/>
-              </a:ext>
-            </a:extLst>
-          </p:cNvPr>
-          <p:cNvPicPr>
-            <a:picLocks noChangeAspect="1"/>
-          </p:cNvPicPr>
-          <p:nvPr/>
-        </p:nvPicPr>
-        <p:blipFill>
-          <a:blip r:embed="rId4">
-            <a:extLst>
-              <a:ext uri="{BEBA8EAE-BF5A-486C-A8C5-ECC9F3942E4B}">
-                <a14:imgProps xmlns:a14="http://schemas.microsoft.com/office/drawing/2010/main">
-                  <a14:imgLayer r:embed="rId5">
-                    <a14:imgEffect>
-                      <a14:backgroundRemoval t="9738" b="89888" l="3789" r="94737">
-                        <a14:foregroundMark x1="92211" y1="45693" x2="92211" y2="45693"/>
-                        <a14:foregroundMark x1="93053" y1="57303" x2="93053" y2="57303"/>
-                        <a14:foregroundMark x1="94737" y1="46067" x2="94737" y2="46067"/>
-                        <a14:foregroundMark x1="8632" y1="41948" x2="8632" y2="41948"/>
-                        <a14:foregroundMark x1="3789" y1="45318" x2="3789" y2="45318"/>
-                        <a14:backgroundMark x1="1053" y1="26966" x2="1053" y2="26966"/>
-                      </a14:backgroundRemoval>
-                    </a14:imgEffect>
-                  </a14:imgLayer>
-                </a14:imgProps>
-              </a:ext>
-            </a:extLst>
-          </a:blip>
-          <a:stretch>
-            <a:fillRect/>
-          </a:stretch>
-        </p:blipFill>
-        <p:spPr>
-          <a:xfrm>
-            <a:off x="8295114" y="2087803"/>
-            <a:ext cx="3893711" cy="2187478"/>
-          </a:xfrm>
-          <a:prstGeom prst="rect">
-            <a:avLst/>
-          </a:prstGeom>
-          <a:ln w="25400" cap="sq">
-            <a:noFill/>
-            <a:prstDash val="solid"/>
-            <a:miter lim="800000"/>
-          </a:ln>
-          <a:effectLst/>
-        </p:spPr>
-      </p:pic>
-      <p:pic>
-        <p:nvPicPr>
-          <p:cNvPr id="8" name="Google Shape;533;p12">
-            <a:extLst>
-              <a:ext uri="{FF2B5EF4-FFF2-40B4-BE49-F238E27FC236}">
-                <a16:creationId xmlns:a16="http://schemas.microsoft.com/office/drawing/2014/main" id="{2B4AEA49-ED44-C44E-A328-743CC74885E4}"/>
-              </a:ext>
-            </a:extLst>
-          </p:cNvPr>
-          <p:cNvPicPr preferRelativeResize="0"/>
-          <p:nvPr/>
-        </p:nvPicPr>
-        <p:blipFill rotWithShape="1">
-          <a:blip r:embed="rId6">
-            <a:alphaModFix/>
-            <a:extLst>
-              <a:ext uri="{BEBA8EAE-BF5A-486C-A8C5-ECC9F3942E4B}">
-                <a14:imgProps xmlns:a14="http://schemas.microsoft.com/office/drawing/2010/main">
-                  <a14:imgLayer r:embed="rId7">
-                    <a14:imgEffect>
-                      <a14:backgroundRemoval t="297" b="98665" l="4092" r="91162">
-                        <a14:foregroundMark x1="20458" y1="5490" x2="20458" y2="5490"/>
-                        <a14:foregroundMark x1="14566" y1="4599" x2="14566" y2="4599"/>
-                        <a14:foregroundMark x1="80360" y1="3561" x2="80360" y2="3561"/>
-                        <a14:foregroundMark x1="79869" y1="4154" x2="79869" y2="4154"/>
-                        <a14:foregroundMark x1="82488" y1="4154" x2="25696" y2="2671"/>
-                        <a14:foregroundMark x1="25696" y1="2671" x2="11293" y2="297"/>
-                        <a14:foregroundMark x1="86907" y1="12315" x2="81997" y2="17211"/>
-                        <a14:foregroundMark x1="87398" y1="13353" x2="90016" y2="15727"/>
-                        <a14:foregroundMark x1="53355" y1="52522" x2="57610" y2="75816"/>
-                        <a14:foregroundMark x1="57610" y1="75816" x2="56628" y2="51039"/>
-                        <a14:foregroundMark x1="56628" y1="51039" x2="72340" y2="70772"/>
-                        <a14:foregroundMark x1="72340" y1="70772" x2="74304" y2="42582"/>
-                        <a14:foregroundMark x1="74304" y1="42582" x2="76105" y2="71365"/>
-                        <a14:foregroundMark x1="65794" y1="48516" x2="73322" y2="41395"/>
-                        <a14:foregroundMark x1="71686" y1="99852" x2="53355" y2="85163"/>
-                        <a14:foregroundMark x1="53355" y1="85163" x2="45336" y2="98813"/>
-                        <a14:foregroundMark x1="7740" y1="4424" x2="8020" y2="1632"/>
-                        <a14:foregroundMark x1="7369" y1="8123" x2="7726" y2="4567"/>
-                        <a14:foregroundMark x1="7038" y1="11424" x2="7222" y2="9589"/>
-                        <a14:foregroundMark x1="4868" y1="6083" x2="5401" y2="3116"/>
-                        <a14:foregroundMark x1="4601" y1="7567" x2="4868" y2="6083"/>
-                        <a14:foregroundMark x1="4255" y1="9496" x2="4601" y2="7567"/>
-                        <a14:foregroundMark x1="91162" y1="12760" x2="82488" y2="16617"/>
-                        <a14:foregroundMark x1="91162" y1="12760" x2="90671" y2="742"/>
-                        <a14:foregroundMark x1="4910" y1="12760" x2="4255" y2="6528"/>
-                        <a14:backgroundMark x1="3273" y1="6083" x2="3273" y2="6083"/>
-                        <a14:backgroundMark x1="3405" y1="4180" x2="5401" y2="3116"/>
-                        <a14:backgroundMark x1="2619" y1="4599" x2="3393" y2="4186"/>
-                        <a14:backgroundMark x1="5326" y1="10853" x2="7038" y2="9941"/>
-                        <a14:backgroundMark x1="4255" y1="11424" x2="4399" y2="11347"/>
-                        <a14:backgroundMark x1="4255" y1="7567" x2="4255" y2="7567"/>
-                        <a14:backgroundMark x1="5892" y1="7567" x2="6547" y2="6973"/>
-                      </a14:backgroundRemoval>
-                    </a14:imgEffect>
-                  </a14:imgLayer>
-                </a14:imgProps>
-              </a:ext>
-            </a:extLst>
-          </a:blip>
-          <a:srcRect/>
-          <a:stretch/>
-        </p:blipFill>
-        <p:spPr>
-          <a:xfrm>
-            <a:off x="10132828" y="4029739"/>
-            <a:ext cx="1832627" cy="2023819"/>
-          </a:xfrm>
-          <a:prstGeom prst="rect">
-            <a:avLst/>
-          </a:prstGeom>
-          <a:noFill/>
-          <a:ln>
-            <a:noFill/>
-          </a:ln>
-        </p:spPr>
-      </p:pic>
     </p:spTree>
     <p:extLst>
       <p:ext uri="{BB962C8B-B14F-4D97-AF65-F5344CB8AC3E}">
-        <p14:creationId xmlns:p14="http://schemas.microsoft.com/office/powerpoint/2010/main" val="2881619393"/>
+        <p14:creationId xmlns:p14="http://schemas.microsoft.com/office/powerpoint/2010/main" val="978726433"/>
       </p:ext>
     </p:extLst>
   </p:cSld>
@@ -12699,6 +12860,171 @@
 </file>
 
 <file path=ppt/slides/slide20.xml><?xml version="1.0" encoding="utf-8"?>
+<p:sld xmlns:a="http://schemas.openxmlformats.org/drawingml/2006/main" xmlns:r="http://schemas.openxmlformats.org/officeDocument/2006/relationships" xmlns:p="http://schemas.openxmlformats.org/presentationml/2006/main">
+  <p:cSld>
+    <p:spTree>
+      <p:nvGrpSpPr>
+        <p:cNvPr id="1" name=""/>
+        <p:cNvGrpSpPr/>
+        <p:nvPr/>
+      </p:nvGrpSpPr>
+      <p:grpSpPr>
+        <a:xfrm>
+          <a:off x="0" y="0"/>
+          <a:ext cx="0" cy="0"/>
+          <a:chOff x="0" y="0"/>
+          <a:chExt cx="0" cy="0"/>
+        </a:xfrm>
+      </p:grpSpPr>
+      <p:sp>
+        <p:nvSpPr>
+          <p:cNvPr id="2" name="Title 1"/>
+          <p:cNvSpPr>
+            <a:spLocks noGrp="1"/>
+          </p:cNvSpPr>
+          <p:nvPr>
+            <p:ph type="title"/>
+          </p:nvPr>
+        </p:nvSpPr>
+        <p:spPr/>
+        <p:txBody>
+          <a:bodyPr/>
+          <a:lstStyle/>
+          <a:p>
+            <a:r>
+              <a:rPr lang="en-US" dirty="0"/>
+              <a:t>Step 1 – Equation of State</a:t>
+            </a:r>
+          </a:p>
+        </p:txBody>
+      </p:sp>
+      <p:sp>
+        <p:nvSpPr>
+          <p:cNvPr id="5" name="Content Placeholder 4"/>
+          <p:cNvSpPr>
+            <a:spLocks noGrp="1"/>
+          </p:cNvSpPr>
+          <p:nvPr>
+            <p:ph sz="quarter" idx="1"/>
+          </p:nvPr>
+        </p:nvSpPr>
+        <p:spPr>
+          <a:xfrm>
+            <a:off x="729774" y="1802813"/>
+            <a:ext cx="10057495" cy="2795692"/>
+          </a:xfrm>
+        </p:spPr>
+        <p:txBody>
+          <a:bodyPr/>
+          <a:lstStyle/>
+          <a:p>
+            <a:r>
+              <a:rPr lang="en-US" dirty="0"/>
+              <a:t>Initialize density and internal energy with known values</a:t>
+            </a:r>
+          </a:p>
+          <a:p>
+            <a:r>
+              <a:rPr lang="en-US" dirty="0"/>
+              <a:t>Compute pressure and temperature using EOS</a:t>
+            </a:r>
+          </a:p>
+          <a:p>
+            <a:r>
+              <a:rPr lang="en-US" dirty="0"/>
+              <a:t>Next use density and computed pressure as input and compute internal energy and temperature using EOS</a:t>
+            </a:r>
+          </a:p>
+          <a:p>
+            <a:r>
+              <a:rPr lang="en-US" dirty="0"/>
+              <a:t>Compare computed values against initialized values</a:t>
+            </a:r>
+          </a:p>
+          <a:p>
+            <a:pPr marL="0" indent="0">
+              <a:buNone/>
+            </a:pPr>
+            <a:endParaRPr lang="en-US" dirty="0"/>
+          </a:p>
+        </p:txBody>
+      </p:sp>
+      <p:sp>
+        <p:nvSpPr>
+          <p:cNvPr id="4" name="Rounded Rectangle 3">
+            <a:extLst>
+              <a:ext uri="{FF2B5EF4-FFF2-40B4-BE49-F238E27FC236}">
+                <a16:creationId xmlns:a16="http://schemas.microsoft.com/office/drawing/2014/main" id="{E5484925-C7F9-2A60-D496-70C9AA0F5262}"/>
+              </a:ext>
+            </a:extLst>
+          </p:cNvPr>
+          <p:cNvSpPr/>
+          <p:nvPr/>
+        </p:nvSpPr>
+        <p:spPr>
+          <a:xfrm>
+            <a:off x="2598578" y="4598505"/>
+            <a:ext cx="3627053" cy="914401"/>
+          </a:xfrm>
+          <a:prstGeom prst="roundRect">
+            <a:avLst/>
+          </a:prstGeom>
+          <a:solidFill>
+            <a:srgbClr val="7030A0"/>
+          </a:solidFill>
+          <a:ln>
+            <a:noFill/>
+          </a:ln>
+          <a:effectLst>
+            <a:outerShdw blurRad="44450" dist="27940" dir="5400000" algn="ctr">
+              <a:srgbClr val="000000">
+                <a:alpha val="32000"/>
+              </a:srgbClr>
+            </a:outerShdw>
+          </a:effectLst>
+        </p:spPr>
+        <p:txBody>
+          <a:bodyPr rot="0" spcFirstLastPara="0" vertOverflow="overflow" horzOverflow="overflow" vert="horz" wrap="square" lIns="121851" tIns="60925" rIns="121851" bIns="60925" numCol="1" spcCol="0" rtlCol="0" fromWordArt="0" anchor="ctr" anchorCtr="0" forceAA="0" compatLnSpc="1">
+            <a:prstTxWarp prst="textNoShape">
+              <a:avLst/>
+            </a:prstTxWarp>
+            <a:noAutofit/>
+          </a:bodyPr>
+          <a:lstStyle/>
+          <a:p>
+            <a:pPr algn="ctr">
+              <a:lnSpc>
+                <a:spcPct val="90000"/>
+              </a:lnSpc>
+            </a:pPr>
+            <a:r>
+              <a:rPr lang="en-US" sz="2000" dirty="0">
+                <a:solidFill>
+                  <a:schemeClr val="bg1"/>
+                </a:solidFill>
+              </a:rPr>
+              <a:t>We have a unit test </a:t>
+            </a:r>
+          </a:p>
+        </p:txBody>
+      </p:sp>
+    </p:spTree>
+    <p:custDataLst>
+      <p:tags r:id="rId1"/>
+    </p:custDataLst>
+    <p:extLst>
+      <p:ext uri="{BB962C8B-B14F-4D97-AF65-F5344CB8AC3E}">
+        <p14:creationId xmlns:p14="http://schemas.microsoft.com/office/powerpoint/2010/main" val="1102284337"/>
+      </p:ext>
+    </p:extLst>
+  </p:cSld>
+  <p:clrMapOvr>
+    <a:masterClrMapping/>
+  </p:clrMapOvr>
+</p:sld>
+</file>
+
+<file path=ppt/slides/slide21.xml><?xml version="1.0" encoding="utf-8"?>
 <p:sld xmlns:a="http://schemas.openxmlformats.org/drawingml/2006/main" xmlns:r="http://schemas.openxmlformats.org/officeDocument/2006/relationships" xmlns:p="http://schemas.openxmlformats.org/presentationml/2006/main">
   <p:cSld>
     <p:spTree>
@@ -13139,7 +13465,7 @@
 </p:sld>
 </file>
 
-<file path=ppt/slides/slide21.xml><?xml version="1.0" encoding="utf-8"?>
+<file path=ppt/slides/slide22.xml><?xml version="1.0" encoding="utf-8"?>
 <p:sld xmlns:a="http://schemas.openxmlformats.org/drawingml/2006/main" xmlns:r="http://schemas.openxmlformats.org/officeDocument/2006/relationships" xmlns:p="http://schemas.openxmlformats.org/presentationml/2006/main">
   <p:cSld>
     <p:spTree>
@@ -13639,7 +13965,7 @@
 </p:sld>
 </file>
 
-<file path=ppt/slides/slide22.xml><?xml version="1.0" encoding="utf-8"?>
+<file path=ppt/slides/slide23.xml><?xml version="1.0" encoding="utf-8"?>
 <p:sld xmlns:a="http://schemas.openxmlformats.org/drawingml/2006/main" xmlns:r="http://schemas.openxmlformats.org/officeDocument/2006/relationships" xmlns:p="http://schemas.openxmlformats.org/presentationml/2006/main">
   <p:cSld>
     <p:spTree>
@@ -13870,387 +14196,6 @@
     <p:extLst>
       <p:ext uri="{BB962C8B-B14F-4D97-AF65-F5344CB8AC3E}">
         <p14:creationId xmlns:p14="http://schemas.microsoft.com/office/powerpoint/2010/main" val="1531542804"/>
-      </p:ext>
-    </p:extLst>
-  </p:cSld>
-  <p:clrMapOvr>
-    <a:masterClrMapping/>
-  </p:clrMapOvr>
-</p:sld>
-</file>
-
-<file path=ppt/slides/slide23.xml><?xml version="1.0" encoding="utf-8"?>
-<p:sld xmlns:a="http://schemas.openxmlformats.org/drawingml/2006/main" xmlns:r="http://schemas.openxmlformats.org/officeDocument/2006/relationships" xmlns:p="http://schemas.openxmlformats.org/presentationml/2006/main">
-  <p:cSld>
-    <p:spTree>
-      <p:nvGrpSpPr>
-        <p:cNvPr id="1" name=""/>
-        <p:cNvGrpSpPr/>
-        <p:nvPr/>
-      </p:nvGrpSpPr>
-      <p:grpSpPr>
-        <a:xfrm>
-          <a:off x="0" y="0"/>
-          <a:ext cx="0" cy="0"/>
-          <a:chOff x="0" y="0"/>
-          <a:chExt cx="0" cy="0"/>
-        </a:xfrm>
-      </p:grpSpPr>
-      <p:sp>
-        <p:nvSpPr>
-          <p:cNvPr id="4" name="Content Placeholder 2">
-            <a:extLst>
-              <a:ext uri="{FF2B5EF4-FFF2-40B4-BE49-F238E27FC236}">
-                <a16:creationId xmlns:a16="http://schemas.microsoft.com/office/drawing/2014/main" id="{F96DBD19-9A59-8442-A875-2C58BC3C471C}"/>
-              </a:ext>
-            </a:extLst>
-          </p:cNvPr>
-          <p:cNvSpPr txBox="1">
-            <a:spLocks/>
-          </p:cNvSpPr>
-          <p:nvPr/>
-        </p:nvSpPr>
-        <p:spPr bwMode="auto">
-          <a:xfrm>
-            <a:off x="365760" y="978939"/>
-            <a:ext cx="10129962" cy="4770120"/>
-          </a:xfrm>
-          <a:prstGeom prst="rect">
-            <a:avLst/>
-          </a:prstGeom>
-          <a:noFill/>
-          <a:ln w="9525">
-            <a:noFill/>
-            <a:miter lim="800000"/>
-            <a:headEnd/>
-            <a:tailEnd/>
-          </a:ln>
-        </p:spPr>
-        <p:txBody>
-          <a:bodyPr vert="horz" wrap="square" lIns="91440" tIns="45720" rIns="91440" bIns="45720" numCol="1" anchor="t" anchorCtr="0" compatLnSpc="1">
-            <a:prstTxWarp prst="textNoShape">
-              <a:avLst/>
-            </a:prstTxWarp>
-            <a:noAutofit/>
-          </a:bodyPr>
-          <a:lstStyle>
-            <a:lvl1pPr marL="230188" indent="-230188" algn="l" rtl="0" eaLnBrk="1" fontAlgn="base" hangingPunct="1">
-              <a:lnSpc>
-                <a:spcPct val="90000"/>
-              </a:lnSpc>
-              <a:spcBef>
-                <a:spcPts val="1400"/>
-              </a:spcBef>
-              <a:spcAft>
-                <a:spcPct val="0"/>
-              </a:spcAft>
-              <a:buClr>
-                <a:schemeClr val="tx1"/>
-              </a:buClr>
-              <a:buFont typeface="Arial" charset="0"/>
-              <a:buChar char="•"/>
-              <a:defRPr sz="2800" kern="1200">
-                <a:solidFill>
-                  <a:schemeClr val="tx1"/>
-                </a:solidFill>
-                <a:latin typeface="Arial" panose="020B0604020202020204" pitchFamily="34" charset="0"/>
-                <a:ea typeface="+mn-ea"/>
-                <a:cs typeface="Arial" panose="020B0604020202020204" pitchFamily="34" charset="0"/>
-              </a:defRPr>
-            </a:lvl1pPr>
-            <a:lvl2pPr marL="625475" indent="-279400" algn="l" rtl="0" eaLnBrk="1" fontAlgn="base" hangingPunct="1">
-              <a:lnSpc>
-                <a:spcPct val="90000"/>
-              </a:lnSpc>
-              <a:spcBef>
-                <a:spcPts val="800"/>
-              </a:spcBef>
-              <a:spcAft>
-                <a:spcPct val="0"/>
-              </a:spcAft>
-              <a:buClr>
-                <a:schemeClr val="tx1"/>
-              </a:buClr>
-              <a:buFont typeface="Arial" charset="0"/>
-              <a:buChar char="–"/>
-              <a:defRPr sz="2400" kern="1200">
-                <a:solidFill>
-                  <a:schemeClr val="tx1"/>
-                </a:solidFill>
-                <a:latin typeface="Arial" panose="020B0604020202020204" pitchFamily="34" charset="0"/>
-                <a:ea typeface="+mn-ea"/>
-                <a:cs typeface="Arial" panose="020B0604020202020204" pitchFamily="34" charset="0"/>
-              </a:defRPr>
-            </a:lvl2pPr>
-            <a:lvl3pPr marL="914400" indent="-230188" algn="l" rtl="0" eaLnBrk="1" fontAlgn="base" hangingPunct="1">
-              <a:lnSpc>
-                <a:spcPct val="90000"/>
-              </a:lnSpc>
-              <a:spcBef>
-                <a:spcPts val="800"/>
-              </a:spcBef>
-              <a:spcAft>
-                <a:spcPct val="0"/>
-              </a:spcAft>
-              <a:buClr>
-                <a:schemeClr val="tx1"/>
-              </a:buClr>
-              <a:buFont typeface="Arial" charset="0"/>
-              <a:buChar char="•"/>
-              <a:defRPr sz="2000" kern="1200">
-                <a:solidFill>
-                  <a:schemeClr val="tx1"/>
-                </a:solidFill>
-                <a:latin typeface="Arial" panose="020B0604020202020204" pitchFamily="34" charset="0"/>
-                <a:ea typeface="+mn-ea"/>
-                <a:cs typeface="Arial" panose="020B0604020202020204" pitchFamily="34" charset="0"/>
-              </a:defRPr>
-            </a:lvl3pPr>
-            <a:lvl4pPr marL="1144588" indent="-173038" algn="l" rtl="0" eaLnBrk="1" fontAlgn="base" hangingPunct="1">
-              <a:lnSpc>
-                <a:spcPct val="90000"/>
-              </a:lnSpc>
-              <a:spcBef>
-                <a:spcPts val="800"/>
-              </a:spcBef>
-              <a:spcAft>
-                <a:spcPct val="0"/>
-              </a:spcAft>
-              <a:buClr>
-                <a:schemeClr val="tx1"/>
-              </a:buClr>
-              <a:buFont typeface="Arial" charset="0"/>
-              <a:buChar char="–"/>
-              <a:defRPr sz="1800" kern="1200">
-                <a:solidFill>
-                  <a:schemeClr val="tx1"/>
-                </a:solidFill>
-                <a:latin typeface="Arial" panose="020B0604020202020204" pitchFamily="34" charset="0"/>
-                <a:ea typeface="+mn-ea"/>
-                <a:cs typeface="Arial" panose="020B0604020202020204" pitchFamily="34" charset="0"/>
-              </a:defRPr>
-            </a:lvl4pPr>
-            <a:lvl5pPr marL="1482725" indent="-222250" algn="l" rtl="0" eaLnBrk="1" fontAlgn="base" hangingPunct="1">
-              <a:lnSpc>
-                <a:spcPct val="90000"/>
-              </a:lnSpc>
-              <a:spcBef>
-                <a:spcPts val="600"/>
-              </a:spcBef>
-              <a:spcAft>
-                <a:spcPct val="0"/>
-              </a:spcAft>
-              <a:buClr>
-                <a:schemeClr val="tx1"/>
-              </a:buClr>
-              <a:buFont typeface="Arial" panose="020B0604020202020204" pitchFamily="34" charset="0"/>
-              <a:buChar char="•"/>
-              <a:defRPr sz="1800" kern="1200">
-                <a:solidFill>
-                  <a:schemeClr val="tx1"/>
-                </a:solidFill>
-                <a:latin typeface="Arial" panose="020B0604020202020204" pitchFamily="34" charset="0"/>
-                <a:ea typeface="+mn-ea"/>
-                <a:cs typeface="Arial" panose="020B0604020202020204" pitchFamily="34" charset="0"/>
-              </a:defRPr>
-            </a:lvl5pPr>
-            <a:lvl6pPr marL="2514600" indent="-228600" algn="l" defTabSz="914400" rtl="0" eaLnBrk="1" latinLnBrk="0" hangingPunct="1">
-              <a:spcBef>
-                <a:spcPct val="20000"/>
-              </a:spcBef>
-              <a:buFont typeface="Arial" pitchFamily="34" charset="0"/>
-              <a:buChar char="•"/>
-              <a:defRPr sz="2000" kern="1200">
-                <a:solidFill>
-                  <a:schemeClr val="tx1"/>
-                </a:solidFill>
-                <a:latin typeface="+mn-lt"/>
-                <a:ea typeface="+mn-ea"/>
-                <a:cs typeface="+mn-cs"/>
-              </a:defRPr>
-            </a:lvl6pPr>
-            <a:lvl7pPr marL="2971800" indent="-228600" algn="l" defTabSz="914400" rtl="0" eaLnBrk="1" latinLnBrk="0" hangingPunct="1">
-              <a:spcBef>
-                <a:spcPct val="20000"/>
-              </a:spcBef>
-              <a:buFont typeface="Arial" pitchFamily="34" charset="0"/>
-              <a:buChar char="•"/>
-              <a:defRPr sz="2000" kern="1200">
-                <a:solidFill>
-                  <a:schemeClr val="tx1"/>
-                </a:solidFill>
-                <a:latin typeface="+mn-lt"/>
-                <a:ea typeface="+mn-ea"/>
-                <a:cs typeface="+mn-cs"/>
-              </a:defRPr>
-            </a:lvl7pPr>
-            <a:lvl8pPr marL="3429000" indent="-228600" algn="l" defTabSz="914400" rtl="0" eaLnBrk="1" latinLnBrk="0" hangingPunct="1">
-              <a:spcBef>
-                <a:spcPct val="20000"/>
-              </a:spcBef>
-              <a:buFont typeface="Arial" pitchFamily="34" charset="0"/>
-              <a:buChar char="•"/>
-              <a:defRPr sz="2000" kern="1200">
-                <a:solidFill>
-                  <a:schemeClr val="tx1"/>
-                </a:solidFill>
-                <a:latin typeface="+mn-lt"/>
-                <a:ea typeface="+mn-ea"/>
-                <a:cs typeface="+mn-cs"/>
-              </a:defRPr>
-            </a:lvl8pPr>
-            <a:lvl9pPr marL="3886200" indent="-228600" algn="l" defTabSz="914400" rtl="0" eaLnBrk="1" latinLnBrk="0" hangingPunct="1">
-              <a:spcBef>
-                <a:spcPct val="20000"/>
-              </a:spcBef>
-              <a:buFont typeface="Arial" pitchFamily="34" charset="0"/>
-              <a:buChar char="•"/>
-              <a:defRPr sz="2000" kern="1200">
-                <a:solidFill>
-                  <a:schemeClr val="tx1"/>
-                </a:solidFill>
-                <a:latin typeface="+mn-lt"/>
-                <a:ea typeface="+mn-ea"/>
-                <a:cs typeface="+mn-cs"/>
-              </a:defRPr>
-            </a:lvl9pPr>
-          </a:lstStyle>
-          <a:p>
-            <a:r>
-              <a:rPr lang="en-US" dirty="0"/>
-              <a:t>The same halo fill unit test for mesh also works for AMR</a:t>
-            </a:r>
-          </a:p>
-          <a:p>
-            <a:r>
-              <a:rPr lang="en-US" dirty="0"/>
-              <a:t>Additional functionalities to test are:</a:t>
-            </a:r>
-          </a:p>
-          <a:p>
-            <a:pPr lvl="1"/>
-            <a:r>
-              <a:rPr lang="en-US" dirty="0"/>
-              <a:t>Fine-coarse boundary resolution</a:t>
-            </a:r>
-          </a:p>
-          <a:p>
-            <a:pPr lvl="1"/>
-            <a:r>
-              <a:rPr lang="en-US" dirty="0" err="1"/>
-              <a:t>Regridding</a:t>
-            </a:r>
-            <a:endParaRPr lang="en-US" dirty="0"/>
-          </a:p>
-          <a:p>
-            <a:r>
-              <a:rPr lang="en-US" dirty="0"/>
-              <a:t>Steps in testing </a:t>
-            </a:r>
-          </a:p>
-          <a:p>
-            <a:pPr lvl="1"/>
-            <a:r>
-              <a:rPr lang="en-US" dirty="0"/>
-              <a:t>Run </a:t>
-            </a:r>
-            <a:r>
-              <a:rPr lang="en-US" dirty="0" err="1"/>
-              <a:t>Sedov</a:t>
-            </a:r>
-            <a:r>
-              <a:rPr lang="en-US" dirty="0"/>
-              <a:t> with UG</a:t>
-            </a:r>
-          </a:p>
-          <a:p>
-            <a:pPr lvl="1"/>
-            <a:r>
-              <a:rPr lang="en-US" dirty="0"/>
-              <a:t>Run </a:t>
-            </a:r>
-            <a:r>
-              <a:rPr lang="en-US" dirty="0" err="1"/>
-              <a:t>Sedov</a:t>
-            </a:r>
-            <a:r>
-              <a:rPr lang="en-US" dirty="0"/>
-              <a:t> with AMR, but no dynamic refinement</a:t>
-            </a:r>
-          </a:p>
-          <a:p>
-            <a:pPr lvl="2"/>
-            <a:r>
-              <a:rPr lang="en-US" dirty="0"/>
-              <a:t>If failed fault is in flux correction</a:t>
-            </a:r>
-          </a:p>
-          <a:p>
-            <a:pPr lvl="1"/>
-            <a:r>
-              <a:rPr lang="en-US" dirty="0"/>
-              <a:t>Run </a:t>
-            </a:r>
-            <a:r>
-              <a:rPr lang="en-US" dirty="0" err="1"/>
-              <a:t>Sedov</a:t>
-            </a:r>
-            <a:r>
-              <a:rPr lang="en-US" dirty="0"/>
-              <a:t> with AMR and dynamic refinement</a:t>
-            </a:r>
-          </a:p>
-          <a:p>
-            <a:pPr lvl="2"/>
-            <a:r>
-              <a:rPr lang="en-US" dirty="0"/>
-              <a:t>If failed fault is in </a:t>
-            </a:r>
-            <a:r>
-              <a:rPr lang="en-US" dirty="0" err="1"/>
-              <a:t>regridding</a:t>
-            </a:r>
-            <a:endParaRPr lang="en-US" dirty="0"/>
-          </a:p>
-        </p:txBody>
-      </p:sp>
-      <p:sp>
-        <p:nvSpPr>
-          <p:cNvPr id="7" name="Title 1">
-            <a:extLst>
-              <a:ext uri="{FF2B5EF4-FFF2-40B4-BE49-F238E27FC236}">
-                <a16:creationId xmlns:a16="http://schemas.microsoft.com/office/drawing/2014/main" id="{71C1B735-296C-594B-9F1B-3061095DE275}"/>
-              </a:ext>
-            </a:extLst>
-          </p:cNvPr>
-          <p:cNvSpPr>
-            <a:spLocks noGrp="1"/>
-          </p:cNvSpPr>
-          <p:nvPr>
-            <p:ph type="title"/>
-          </p:nvPr>
-        </p:nvSpPr>
-        <p:spPr>
-          <a:xfrm>
-            <a:off x="365760" y="411480"/>
-            <a:ext cx="11372473" cy="914400"/>
-          </a:xfrm>
-        </p:spPr>
-        <p:txBody>
-          <a:bodyPr/>
-          <a:lstStyle/>
-          <a:p>
-            <a:r>
-              <a:rPr lang="en-US" dirty="0"/>
-              <a:t>Step  4:  AMR</a:t>
-            </a:r>
-          </a:p>
-        </p:txBody>
-      </p:sp>
-    </p:spTree>
-    <p:extLst>
-      <p:ext uri="{BB962C8B-B14F-4D97-AF65-F5344CB8AC3E}">
-        <p14:creationId xmlns:p14="http://schemas.microsoft.com/office/powerpoint/2010/main" val="420675553"/>
       </p:ext>
     </p:extLst>
   </p:cSld>
@@ -14628,6 +14573,387 @@
           </a:p>
         </p:txBody>
       </p:sp>
+    </p:spTree>
+    <p:extLst>
+      <p:ext uri="{BB962C8B-B14F-4D97-AF65-F5344CB8AC3E}">
+        <p14:creationId xmlns:p14="http://schemas.microsoft.com/office/powerpoint/2010/main" val="420675553"/>
+      </p:ext>
+    </p:extLst>
+  </p:cSld>
+  <p:clrMapOvr>
+    <a:masterClrMapping/>
+  </p:clrMapOvr>
+</p:sld>
+</file>
+
+<file path=ppt/slides/slide25.xml><?xml version="1.0" encoding="utf-8"?>
+<p:sld xmlns:a="http://schemas.openxmlformats.org/drawingml/2006/main" xmlns:r="http://schemas.openxmlformats.org/officeDocument/2006/relationships" xmlns:p="http://schemas.openxmlformats.org/presentationml/2006/main">
+  <p:cSld>
+    <p:spTree>
+      <p:nvGrpSpPr>
+        <p:cNvPr id="1" name=""/>
+        <p:cNvGrpSpPr/>
+        <p:nvPr/>
+      </p:nvGrpSpPr>
+      <p:grpSpPr>
+        <a:xfrm>
+          <a:off x="0" y="0"/>
+          <a:ext cx="0" cy="0"/>
+          <a:chOff x="0" y="0"/>
+          <a:chExt cx="0" cy="0"/>
+        </a:xfrm>
+      </p:grpSpPr>
+      <p:sp>
+        <p:nvSpPr>
+          <p:cNvPr id="4" name="Content Placeholder 2">
+            <a:extLst>
+              <a:ext uri="{FF2B5EF4-FFF2-40B4-BE49-F238E27FC236}">
+                <a16:creationId xmlns:a16="http://schemas.microsoft.com/office/drawing/2014/main" id="{F96DBD19-9A59-8442-A875-2C58BC3C471C}"/>
+              </a:ext>
+            </a:extLst>
+          </p:cNvPr>
+          <p:cNvSpPr txBox="1">
+            <a:spLocks/>
+          </p:cNvSpPr>
+          <p:nvPr/>
+        </p:nvSpPr>
+        <p:spPr bwMode="auto">
+          <a:xfrm>
+            <a:off x="365760" y="978939"/>
+            <a:ext cx="10129962" cy="4770120"/>
+          </a:xfrm>
+          <a:prstGeom prst="rect">
+            <a:avLst/>
+          </a:prstGeom>
+          <a:noFill/>
+          <a:ln w="9525">
+            <a:noFill/>
+            <a:miter lim="800000"/>
+            <a:headEnd/>
+            <a:tailEnd/>
+          </a:ln>
+        </p:spPr>
+        <p:txBody>
+          <a:bodyPr vert="horz" wrap="square" lIns="91440" tIns="45720" rIns="91440" bIns="45720" numCol="1" anchor="t" anchorCtr="0" compatLnSpc="1">
+            <a:prstTxWarp prst="textNoShape">
+              <a:avLst/>
+            </a:prstTxWarp>
+            <a:noAutofit/>
+          </a:bodyPr>
+          <a:lstStyle>
+            <a:lvl1pPr marL="230188" indent="-230188" algn="l" rtl="0" eaLnBrk="1" fontAlgn="base" hangingPunct="1">
+              <a:lnSpc>
+                <a:spcPct val="90000"/>
+              </a:lnSpc>
+              <a:spcBef>
+                <a:spcPts val="1400"/>
+              </a:spcBef>
+              <a:spcAft>
+                <a:spcPct val="0"/>
+              </a:spcAft>
+              <a:buClr>
+                <a:schemeClr val="tx1"/>
+              </a:buClr>
+              <a:buFont typeface="Arial" charset="0"/>
+              <a:buChar char="•"/>
+              <a:defRPr sz="2800" kern="1200">
+                <a:solidFill>
+                  <a:schemeClr val="tx1"/>
+                </a:solidFill>
+                <a:latin typeface="Arial" panose="020B0604020202020204" pitchFamily="34" charset="0"/>
+                <a:ea typeface="+mn-ea"/>
+                <a:cs typeface="Arial" panose="020B0604020202020204" pitchFamily="34" charset="0"/>
+              </a:defRPr>
+            </a:lvl1pPr>
+            <a:lvl2pPr marL="625475" indent="-279400" algn="l" rtl="0" eaLnBrk="1" fontAlgn="base" hangingPunct="1">
+              <a:lnSpc>
+                <a:spcPct val="90000"/>
+              </a:lnSpc>
+              <a:spcBef>
+                <a:spcPts val="800"/>
+              </a:spcBef>
+              <a:spcAft>
+                <a:spcPct val="0"/>
+              </a:spcAft>
+              <a:buClr>
+                <a:schemeClr val="tx1"/>
+              </a:buClr>
+              <a:buFont typeface="Arial" charset="0"/>
+              <a:buChar char="–"/>
+              <a:defRPr sz="2400" kern="1200">
+                <a:solidFill>
+                  <a:schemeClr val="tx1"/>
+                </a:solidFill>
+                <a:latin typeface="Arial" panose="020B0604020202020204" pitchFamily="34" charset="0"/>
+                <a:ea typeface="+mn-ea"/>
+                <a:cs typeface="Arial" panose="020B0604020202020204" pitchFamily="34" charset="0"/>
+              </a:defRPr>
+            </a:lvl2pPr>
+            <a:lvl3pPr marL="914400" indent="-230188" algn="l" rtl="0" eaLnBrk="1" fontAlgn="base" hangingPunct="1">
+              <a:lnSpc>
+                <a:spcPct val="90000"/>
+              </a:lnSpc>
+              <a:spcBef>
+                <a:spcPts val="800"/>
+              </a:spcBef>
+              <a:spcAft>
+                <a:spcPct val="0"/>
+              </a:spcAft>
+              <a:buClr>
+                <a:schemeClr val="tx1"/>
+              </a:buClr>
+              <a:buFont typeface="Arial" charset="0"/>
+              <a:buChar char="•"/>
+              <a:defRPr sz="2000" kern="1200">
+                <a:solidFill>
+                  <a:schemeClr val="tx1"/>
+                </a:solidFill>
+                <a:latin typeface="Arial" panose="020B0604020202020204" pitchFamily="34" charset="0"/>
+                <a:ea typeface="+mn-ea"/>
+                <a:cs typeface="Arial" panose="020B0604020202020204" pitchFamily="34" charset="0"/>
+              </a:defRPr>
+            </a:lvl3pPr>
+            <a:lvl4pPr marL="1144588" indent="-173038" algn="l" rtl="0" eaLnBrk="1" fontAlgn="base" hangingPunct="1">
+              <a:lnSpc>
+                <a:spcPct val="90000"/>
+              </a:lnSpc>
+              <a:spcBef>
+                <a:spcPts val="800"/>
+              </a:spcBef>
+              <a:spcAft>
+                <a:spcPct val="0"/>
+              </a:spcAft>
+              <a:buClr>
+                <a:schemeClr val="tx1"/>
+              </a:buClr>
+              <a:buFont typeface="Arial" charset="0"/>
+              <a:buChar char="–"/>
+              <a:defRPr sz="1800" kern="1200">
+                <a:solidFill>
+                  <a:schemeClr val="tx1"/>
+                </a:solidFill>
+                <a:latin typeface="Arial" panose="020B0604020202020204" pitchFamily="34" charset="0"/>
+                <a:ea typeface="+mn-ea"/>
+                <a:cs typeface="Arial" panose="020B0604020202020204" pitchFamily="34" charset="0"/>
+              </a:defRPr>
+            </a:lvl4pPr>
+            <a:lvl5pPr marL="1482725" indent="-222250" algn="l" rtl="0" eaLnBrk="1" fontAlgn="base" hangingPunct="1">
+              <a:lnSpc>
+                <a:spcPct val="90000"/>
+              </a:lnSpc>
+              <a:spcBef>
+                <a:spcPts val="600"/>
+              </a:spcBef>
+              <a:spcAft>
+                <a:spcPct val="0"/>
+              </a:spcAft>
+              <a:buClr>
+                <a:schemeClr val="tx1"/>
+              </a:buClr>
+              <a:buFont typeface="Arial" panose="020B0604020202020204" pitchFamily="34" charset="0"/>
+              <a:buChar char="•"/>
+              <a:defRPr sz="1800" kern="1200">
+                <a:solidFill>
+                  <a:schemeClr val="tx1"/>
+                </a:solidFill>
+                <a:latin typeface="Arial" panose="020B0604020202020204" pitchFamily="34" charset="0"/>
+                <a:ea typeface="+mn-ea"/>
+                <a:cs typeface="Arial" panose="020B0604020202020204" pitchFamily="34" charset="0"/>
+              </a:defRPr>
+            </a:lvl5pPr>
+            <a:lvl6pPr marL="2514600" indent="-228600" algn="l" defTabSz="914400" rtl="0" eaLnBrk="1" latinLnBrk="0" hangingPunct="1">
+              <a:spcBef>
+                <a:spcPct val="20000"/>
+              </a:spcBef>
+              <a:buFont typeface="Arial" pitchFamily="34" charset="0"/>
+              <a:buChar char="•"/>
+              <a:defRPr sz="2000" kern="1200">
+                <a:solidFill>
+                  <a:schemeClr val="tx1"/>
+                </a:solidFill>
+                <a:latin typeface="+mn-lt"/>
+                <a:ea typeface="+mn-ea"/>
+                <a:cs typeface="+mn-cs"/>
+              </a:defRPr>
+            </a:lvl6pPr>
+            <a:lvl7pPr marL="2971800" indent="-228600" algn="l" defTabSz="914400" rtl="0" eaLnBrk="1" latinLnBrk="0" hangingPunct="1">
+              <a:spcBef>
+                <a:spcPct val="20000"/>
+              </a:spcBef>
+              <a:buFont typeface="Arial" pitchFamily="34" charset="0"/>
+              <a:buChar char="•"/>
+              <a:defRPr sz="2000" kern="1200">
+                <a:solidFill>
+                  <a:schemeClr val="tx1"/>
+                </a:solidFill>
+                <a:latin typeface="+mn-lt"/>
+                <a:ea typeface="+mn-ea"/>
+                <a:cs typeface="+mn-cs"/>
+              </a:defRPr>
+            </a:lvl7pPr>
+            <a:lvl8pPr marL="3429000" indent="-228600" algn="l" defTabSz="914400" rtl="0" eaLnBrk="1" latinLnBrk="0" hangingPunct="1">
+              <a:spcBef>
+                <a:spcPct val="20000"/>
+              </a:spcBef>
+              <a:buFont typeface="Arial" pitchFamily="34" charset="0"/>
+              <a:buChar char="•"/>
+              <a:defRPr sz="2000" kern="1200">
+                <a:solidFill>
+                  <a:schemeClr val="tx1"/>
+                </a:solidFill>
+                <a:latin typeface="+mn-lt"/>
+                <a:ea typeface="+mn-ea"/>
+                <a:cs typeface="+mn-cs"/>
+              </a:defRPr>
+            </a:lvl8pPr>
+            <a:lvl9pPr marL="3886200" indent="-228600" algn="l" defTabSz="914400" rtl="0" eaLnBrk="1" latinLnBrk="0" hangingPunct="1">
+              <a:spcBef>
+                <a:spcPct val="20000"/>
+              </a:spcBef>
+              <a:buFont typeface="Arial" pitchFamily="34" charset="0"/>
+              <a:buChar char="•"/>
+              <a:defRPr sz="2000" kern="1200">
+                <a:solidFill>
+                  <a:schemeClr val="tx1"/>
+                </a:solidFill>
+                <a:latin typeface="+mn-lt"/>
+                <a:ea typeface="+mn-ea"/>
+                <a:cs typeface="+mn-cs"/>
+              </a:defRPr>
+            </a:lvl9pPr>
+          </a:lstStyle>
+          <a:p>
+            <a:r>
+              <a:rPr lang="en-US" dirty="0"/>
+              <a:t>The same halo fill unit test for mesh also works for AMR</a:t>
+            </a:r>
+          </a:p>
+          <a:p>
+            <a:r>
+              <a:rPr lang="en-US" dirty="0"/>
+              <a:t>Additional functionalities to test are:</a:t>
+            </a:r>
+          </a:p>
+          <a:p>
+            <a:pPr lvl="1"/>
+            <a:r>
+              <a:rPr lang="en-US" dirty="0"/>
+              <a:t>Fine-coarse boundary resolution</a:t>
+            </a:r>
+          </a:p>
+          <a:p>
+            <a:pPr lvl="1"/>
+            <a:r>
+              <a:rPr lang="en-US" dirty="0" err="1"/>
+              <a:t>Regridding</a:t>
+            </a:r>
+            <a:endParaRPr lang="en-US" dirty="0"/>
+          </a:p>
+          <a:p>
+            <a:r>
+              <a:rPr lang="en-US" dirty="0"/>
+              <a:t>Steps in testing </a:t>
+            </a:r>
+          </a:p>
+          <a:p>
+            <a:pPr lvl="1"/>
+            <a:r>
+              <a:rPr lang="en-US" dirty="0"/>
+              <a:t>Run </a:t>
+            </a:r>
+            <a:r>
+              <a:rPr lang="en-US" dirty="0" err="1"/>
+              <a:t>Sedov</a:t>
+            </a:r>
+            <a:r>
+              <a:rPr lang="en-US" dirty="0"/>
+              <a:t> with UG</a:t>
+            </a:r>
+          </a:p>
+          <a:p>
+            <a:pPr lvl="1"/>
+            <a:r>
+              <a:rPr lang="en-US" dirty="0"/>
+              <a:t>Run </a:t>
+            </a:r>
+            <a:r>
+              <a:rPr lang="en-US" dirty="0" err="1"/>
+              <a:t>Sedov</a:t>
+            </a:r>
+            <a:r>
+              <a:rPr lang="en-US" dirty="0"/>
+              <a:t> with AMR, but no dynamic refinement</a:t>
+            </a:r>
+          </a:p>
+          <a:p>
+            <a:pPr lvl="2"/>
+            <a:r>
+              <a:rPr lang="en-US" dirty="0"/>
+              <a:t>If failed fault is in flux correction</a:t>
+            </a:r>
+          </a:p>
+          <a:p>
+            <a:pPr lvl="1"/>
+            <a:r>
+              <a:rPr lang="en-US" dirty="0"/>
+              <a:t>Run </a:t>
+            </a:r>
+            <a:r>
+              <a:rPr lang="en-US" dirty="0" err="1"/>
+              <a:t>Sedov</a:t>
+            </a:r>
+            <a:r>
+              <a:rPr lang="en-US" dirty="0"/>
+              <a:t> with AMR and dynamic refinement</a:t>
+            </a:r>
+          </a:p>
+          <a:p>
+            <a:pPr lvl="2"/>
+            <a:r>
+              <a:rPr lang="en-US" dirty="0"/>
+              <a:t>If failed fault is in </a:t>
+            </a:r>
+            <a:r>
+              <a:rPr lang="en-US" dirty="0" err="1"/>
+              <a:t>regridding</a:t>
+            </a:r>
+            <a:endParaRPr lang="en-US" dirty="0"/>
+          </a:p>
+        </p:txBody>
+      </p:sp>
+      <p:sp>
+        <p:nvSpPr>
+          <p:cNvPr id="7" name="Title 1">
+            <a:extLst>
+              <a:ext uri="{FF2B5EF4-FFF2-40B4-BE49-F238E27FC236}">
+                <a16:creationId xmlns:a16="http://schemas.microsoft.com/office/drawing/2014/main" id="{71C1B735-296C-594B-9F1B-3061095DE275}"/>
+              </a:ext>
+            </a:extLst>
+          </p:cNvPr>
+          <p:cNvSpPr>
+            <a:spLocks noGrp="1"/>
+          </p:cNvSpPr>
+          <p:nvPr>
+            <p:ph type="title"/>
+          </p:nvPr>
+        </p:nvSpPr>
+        <p:spPr>
+          <a:xfrm>
+            <a:off x="365760" y="411480"/>
+            <a:ext cx="11372473" cy="914400"/>
+          </a:xfrm>
+        </p:spPr>
+        <p:txBody>
+          <a:bodyPr/>
+          <a:lstStyle/>
+          <a:p>
+            <a:r>
+              <a:rPr lang="en-US" dirty="0"/>
+              <a:t>Step  4:  AMR</a:t>
+            </a:r>
+          </a:p>
+        </p:txBody>
+      </p:sp>
       <p:sp>
         <p:nvSpPr>
           <p:cNvPr id="2" name="Rounded Rectangle 1">
@@ -14700,7 +15026,7 @@
 </p:sld>
 </file>
 
-<file path=ppt/slides/slide25.xml><?xml version="1.0" encoding="utf-8"?>
+<file path=ppt/slides/slide26.xml><?xml version="1.0" encoding="utf-8"?>
 <p:sld xmlns:a="http://schemas.openxmlformats.org/drawingml/2006/main" xmlns:r="http://schemas.openxmlformats.org/officeDocument/2006/relationships" xmlns:p="http://schemas.openxmlformats.org/presentationml/2006/main">
   <p:cSld>
     <p:spTree>
@@ -16909,7 +17235,7 @@
 </p:sld>
 </file>
 
-<file path=ppt/slides/slide26.xml><?xml version="1.0" encoding="utf-8"?>
+<file path=ppt/slides/slide27.xml><?xml version="1.0" encoding="utf-8"?>
 <p:sld xmlns:a="http://schemas.openxmlformats.org/drawingml/2006/main" xmlns:r="http://schemas.openxmlformats.org/officeDocument/2006/relationships" xmlns:p="http://schemas.openxmlformats.org/presentationml/2006/main">
   <p:cSld>
     <p:spTree>
@@ -17041,7 +17367,7 @@
           <p:nvPr/>
         </p:nvPicPr>
         <p:blipFill>
-          <a:blip r:embed="rId3">
+          <a:blip r:embed="rId3" cstate="print">
             <a:extLst>
               <a:ext uri="{28A0092B-C50C-407E-A947-70E740481C1C}">
                 <a14:useLocalDpi xmlns:a14="http://schemas.microsoft.com/office/drawing/2010/main" val="0"/>
@@ -17077,7 +17403,7 @@
           <p:nvPr/>
         </p:nvPicPr>
         <p:blipFill>
-          <a:blip r:embed="rId4">
+          <a:blip r:embed="rId4" cstate="print">
             <a:extLst>
               <a:ext uri="{28A0092B-C50C-407E-A947-70E740481C1C}">
                 <a14:useLocalDpi xmlns:a14="http://schemas.microsoft.com/office/drawing/2010/main" val="0"/>
@@ -17111,7 +17437,7 @@
 </p:sld>
 </file>
 
-<file path=ppt/slides/slide27.xml><?xml version="1.0" encoding="utf-8"?>
+<file path=ppt/slides/slide28.xml><?xml version="1.0" encoding="utf-8"?>
 <p:sld xmlns:a="http://schemas.openxmlformats.org/drawingml/2006/main" xmlns:r="http://schemas.openxmlformats.org/officeDocument/2006/relationships" xmlns:p="http://schemas.openxmlformats.org/presentationml/2006/main">
   <p:cSld>
     <p:spTree>
@@ -17267,7 +17593,7 @@
 </p:sld>
 </file>
 
-<file path=ppt/slides/slide28.xml><?xml version="1.0" encoding="utf-8"?>
+<file path=ppt/slides/slide29.xml><?xml version="1.0" encoding="utf-8"?>
 <p:sld xmlns:a="http://schemas.openxmlformats.org/drawingml/2006/main" xmlns:r="http://schemas.openxmlformats.org/officeDocument/2006/relationships" xmlns:p="http://schemas.openxmlformats.org/presentationml/2006/main">
   <p:cSld>
     <p:spTree>
@@ -17811,7 +18137,371 @@
 </p:sld>
 </file>
 
-<file path=ppt/slides/slide29.xml><?xml version="1.0" encoding="utf-8"?>
+<file path=ppt/slides/slide3.xml><?xml version="1.0" encoding="utf-8"?>
+<p:sld xmlns:a="http://schemas.openxmlformats.org/drawingml/2006/main" xmlns:r="http://schemas.openxmlformats.org/officeDocument/2006/relationships" xmlns:p="http://schemas.openxmlformats.org/presentationml/2006/main">
+  <p:cSld>
+    <p:spTree>
+      <p:nvGrpSpPr>
+        <p:cNvPr id="1" name=""/>
+        <p:cNvGrpSpPr/>
+        <p:nvPr/>
+      </p:nvGrpSpPr>
+      <p:grpSpPr>
+        <a:xfrm>
+          <a:off x="0" y="0"/>
+          <a:ext cx="0" cy="0"/>
+          <a:chOff x="0" y="0"/>
+          <a:chExt cx="0" cy="0"/>
+        </a:xfrm>
+      </p:grpSpPr>
+      <p:sp>
+        <p:nvSpPr>
+          <p:cNvPr id="2" name="Title 1">
+            <a:extLst>
+              <a:ext uri="{FF2B5EF4-FFF2-40B4-BE49-F238E27FC236}">
+                <a16:creationId xmlns:a16="http://schemas.microsoft.com/office/drawing/2014/main" id="{593E8855-A57F-4215-A768-115A3708E346}"/>
+              </a:ext>
+            </a:extLst>
+          </p:cNvPr>
+          <p:cNvSpPr>
+            <a:spLocks noGrp="1"/>
+          </p:cNvSpPr>
+          <p:nvPr>
+            <p:ph type="title"/>
+          </p:nvPr>
+        </p:nvSpPr>
+        <p:spPr/>
+        <p:txBody>
+          <a:bodyPr/>
+          <a:lstStyle/>
+          <a:p>
+            <a:r>
+              <a:rPr lang="en-US" dirty="0"/>
+              <a:t>Motivation – Testing Practices</a:t>
+            </a:r>
+          </a:p>
+        </p:txBody>
+      </p:sp>
+      <p:sp>
+        <p:nvSpPr>
+          <p:cNvPr id="3" name="Content Placeholder 2">
+            <a:extLst>
+              <a:ext uri="{FF2B5EF4-FFF2-40B4-BE49-F238E27FC236}">
+                <a16:creationId xmlns:a16="http://schemas.microsoft.com/office/drawing/2014/main" id="{14DD3804-D1BC-40B2-8D0D-D96BD5828410}"/>
+              </a:ext>
+            </a:extLst>
+          </p:cNvPr>
+          <p:cNvSpPr>
+            <a:spLocks noGrp="1"/>
+          </p:cNvSpPr>
+          <p:nvPr>
+            <p:ph idx="1"/>
+          </p:nvPr>
+        </p:nvSpPr>
+        <p:spPr>
+          <a:xfrm>
+            <a:off x="223370" y="1596718"/>
+            <a:ext cx="9543698" cy="4456839"/>
+          </a:xfrm>
+        </p:spPr>
+        <p:txBody>
+          <a:bodyPr/>
+          <a:lstStyle/>
+          <a:p>
+            <a:r>
+              <a:rPr lang="en-US" sz="2800" dirty="0"/>
+              <a:t>Supercomputer Cycles are Scarce Resources</a:t>
+            </a:r>
+          </a:p>
+          <a:p>
+            <a:pPr lvl="1"/>
+            <a:r>
+              <a:rPr lang="en-US" sz="2400" dirty="0"/>
+              <a:t>Goal = capture QA details during science runs</a:t>
+            </a:r>
+          </a:p>
+          <a:p>
+            <a:r>
+              <a:rPr lang="en-US" sz="2800" dirty="0"/>
+              <a:t>Many people need to have confidence</a:t>
+            </a:r>
+          </a:p>
+          <a:p>
+            <a:pPr marL="0" indent="0">
+              <a:spcBef>
+                <a:spcPts val="0"/>
+              </a:spcBef>
+              <a:buNone/>
+            </a:pPr>
+            <a:r>
+              <a:rPr lang="en-US" sz="2800" dirty="0"/>
+              <a:t>   in your results:</a:t>
+            </a:r>
+          </a:p>
+          <a:p>
+            <a:pPr lvl="1">
+              <a:spcBef>
+                <a:spcPts val="200"/>
+              </a:spcBef>
+            </a:pPr>
+            <a:r>
+              <a:rPr lang="en-US" sz="2400" dirty="0"/>
+              <a:t>You</a:t>
+            </a:r>
+          </a:p>
+          <a:p>
+            <a:pPr lvl="1">
+              <a:spcBef>
+                <a:spcPts val="200"/>
+              </a:spcBef>
+            </a:pPr>
+            <a:r>
+              <a:rPr lang="en-US" sz="2400" dirty="0"/>
+              <a:t>Your project lead or boss</a:t>
+            </a:r>
+          </a:p>
+          <a:p>
+            <a:pPr lvl="1">
+              <a:spcBef>
+                <a:spcPts val="200"/>
+              </a:spcBef>
+            </a:pPr>
+            <a:r>
+              <a:rPr lang="en-US" sz="2400" dirty="0"/>
+              <a:t>Your sponsor</a:t>
+            </a:r>
+          </a:p>
+          <a:p>
+            <a:pPr lvl="1">
+              <a:spcBef>
+                <a:spcPts val="200"/>
+              </a:spcBef>
+            </a:pPr>
+            <a:r>
+              <a:rPr lang="en-US" sz="2400" dirty="0"/>
+              <a:t>Your reviewers or referees</a:t>
+            </a:r>
+          </a:p>
+          <a:p>
+            <a:pPr lvl="1">
+              <a:spcBef>
+                <a:spcPts val="200"/>
+              </a:spcBef>
+            </a:pPr>
+            <a:r>
+              <a:rPr lang="en-US" sz="2400" dirty="0"/>
+              <a:t>Your readers</a:t>
+            </a:r>
+          </a:p>
+          <a:p>
+            <a:r>
+              <a:rPr lang="en-US" sz="2800" dirty="0"/>
+              <a:t>Testing helps build credibility </a:t>
+            </a:r>
+            <a:r>
+              <a:rPr lang="en-US" sz="2800" i="1" dirty="0"/>
+              <a:t>without</a:t>
+            </a:r>
+            <a:r>
+              <a:rPr lang="en-US" sz="2800" dirty="0"/>
+              <a:t> repeating runs.</a:t>
+            </a:r>
+          </a:p>
+        </p:txBody>
+      </p:sp>
+      <p:pic>
+        <p:nvPicPr>
+          <p:cNvPr id="4" name="Picture 4" descr="Image result for olcf frontier images">
+            <a:extLst>
+              <a:ext uri="{FF2B5EF4-FFF2-40B4-BE49-F238E27FC236}">
+                <a16:creationId xmlns:a16="http://schemas.microsoft.com/office/drawing/2014/main" id="{99122304-45CB-4B98-BF7B-424A418D269F}"/>
+              </a:ext>
+            </a:extLst>
+          </p:cNvPr>
+          <p:cNvPicPr>
+            <a:picLocks noChangeAspect="1" noChangeArrowheads="1"/>
+          </p:cNvPicPr>
+          <p:nvPr/>
+        </p:nvPicPr>
+        <p:blipFill>
+          <a:blip r:embed="rId3" cstate="print">
+            <a:extLst>
+              <a:ext uri="{28A0092B-C50C-407E-A947-70E740481C1C}">
+                <a14:useLocalDpi xmlns:a14="http://schemas.microsoft.com/office/drawing/2010/main" val="0"/>
+              </a:ext>
+            </a:extLst>
+          </a:blip>
+          <a:srcRect/>
+          <a:stretch>
+            <a:fillRect/>
+          </a:stretch>
+        </p:blipFill>
+        <p:spPr bwMode="auto">
+          <a:xfrm>
+            <a:off x="8360783" y="544297"/>
+            <a:ext cx="3707315" cy="1611330"/>
+          </a:xfrm>
+          <a:prstGeom prst="rect">
+            <a:avLst/>
+          </a:prstGeom>
+          <a:noFill/>
+          <a:extLst>
+            <a:ext uri="{909E8E84-426E-40DD-AFC4-6F175D3DCCD1}">
+              <a14:hiddenFill xmlns:a14="http://schemas.microsoft.com/office/drawing/2010/main">
+                <a:solidFill>
+                  <a:srgbClr val="FFFFFF"/>
+                </a:solidFill>
+              </a14:hiddenFill>
+            </a:ext>
+          </a:extLst>
+        </p:spPr>
+      </p:pic>
+      <p:pic>
+        <p:nvPicPr>
+          <p:cNvPr id="7" name="Picture 6">
+            <a:extLst>
+              <a:ext uri="{FF2B5EF4-FFF2-40B4-BE49-F238E27FC236}">
+                <a16:creationId xmlns:a16="http://schemas.microsoft.com/office/drawing/2014/main" id="{0246831D-1821-B341-A5F6-08DB7D69F547}"/>
+              </a:ext>
+            </a:extLst>
+          </p:cNvPr>
+          <p:cNvPicPr>
+            <a:picLocks noChangeAspect="1"/>
+          </p:cNvPicPr>
+          <p:nvPr/>
+        </p:nvPicPr>
+        <p:blipFill>
+          <a:blip r:embed="rId4">
+            <a:extLst>
+              <a:ext uri="{BEBA8EAE-BF5A-486C-A8C5-ECC9F3942E4B}">
+                <a14:imgProps xmlns:a14="http://schemas.microsoft.com/office/drawing/2010/main">
+                  <a14:imgLayer r:embed="rId5">
+                    <a14:imgEffect>
+                      <a14:backgroundRemoval t="9738" b="89888" l="3789" r="94737">
+                        <a14:foregroundMark x1="92211" y1="45693" x2="92211" y2="45693"/>
+                        <a14:foregroundMark x1="93053" y1="57303" x2="93053" y2="57303"/>
+                        <a14:foregroundMark x1="94737" y1="46067" x2="94737" y2="46067"/>
+                        <a14:foregroundMark x1="8632" y1="41948" x2="8632" y2="41948"/>
+                        <a14:foregroundMark x1="3789" y1="45318" x2="3789" y2="45318"/>
+                        <a14:backgroundMark x1="1053" y1="26966" x2="1053" y2="26966"/>
+                      </a14:backgroundRemoval>
+                    </a14:imgEffect>
+                  </a14:imgLayer>
+                </a14:imgProps>
+              </a:ext>
+            </a:extLst>
+          </a:blip>
+          <a:stretch>
+            <a:fillRect/>
+          </a:stretch>
+        </p:blipFill>
+        <p:spPr>
+          <a:xfrm>
+            <a:off x="8295114" y="2087803"/>
+            <a:ext cx="3893711" cy="2187478"/>
+          </a:xfrm>
+          <a:prstGeom prst="rect">
+            <a:avLst/>
+          </a:prstGeom>
+          <a:ln w="25400" cap="sq">
+            <a:noFill/>
+            <a:prstDash val="solid"/>
+            <a:miter lim="800000"/>
+          </a:ln>
+          <a:effectLst/>
+        </p:spPr>
+      </p:pic>
+      <p:pic>
+        <p:nvPicPr>
+          <p:cNvPr id="8" name="Google Shape;533;p12">
+            <a:extLst>
+              <a:ext uri="{FF2B5EF4-FFF2-40B4-BE49-F238E27FC236}">
+                <a16:creationId xmlns:a16="http://schemas.microsoft.com/office/drawing/2014/main" id="{2B4AEA49-ED44-C44E-A328-743CC74885E4}"/>
+              </a:ext>
+            </a:extLst>
+          </p:cNvPr>
+          <p:cNvPicPr preferRelativeResize="0"/>
+          <p:nvPr/>
+        </p:nvPicPr>
+        <p:blipFill rotWithShape="1">
+          <a:blip r:embed="rId6">
+            <a:alphaModFix/>
+            <a:extLst>
+              <a:ext uri="{BEBA8EAE-BF5A-486C-A8C5-ECC9F3942E4B}">
+                <a14:imgProps xmlns:a14="http://schemas.microsoft.com/office/drawing/2010/main">
+                  <a14:imgLayer r:embed="rId7">
+                    <a14:imgEffect>
+                      <a14:backgroundRemoval t="297" b="98665" l="4092" r="91162">
+                        <a14:foregroundMark x1="20458" y1="5490" x2="20458" y2="5490"/>
+                        <a14:foregroundMark x1="14566" y1="4599" x2="14566" y2="4599"/>
+                        <a14:foregroundMark x1="80360" y1="3561" x2="80360" y2="3561"/>
+                        <a14:foregroundMark x1="79869" y1="4154" x2="79869" y2="4154"/>
+                        <a14:foregroundMark x1="82488" y1="4154" x2="25696" y2="2671"/>
+                        <a14:foregroundMark x1="25696" y1="2671" x2="11293" y2="297"/>
+                        <a14:foregroundMark x1="86907" y1="12315" x2="81997" y2="17211"/>
+                        <a14:foregroundMark x1="87398" y1="13353" x2="90016" y2="15727"/>
+                        <a14:foregroundMark x1="53355" y1="52522" x2="57610" y2="75816"/>
+                        <a14:foregroundMark x1="57610" y1="75816" x2="56628" y2="51039"/>
+                        <a14:foregroundMark x1="56628" y1="51039" x2="72340" y2="70772"/>
+                        <a14:foregroundMark x1="72340" y1="70772" x2="74304" y2="42582"/>
+                        <a14:foregroundMark x1="74304" y1="42582" x2="76105" y2="71365"/>
+                        <a14:foregroundMark x1="65794" y1="48516" x2="73322" y2="41395"/>
+                        <a14:foregroundMark x1="71686" y1="99852" x2="53355" y2="85163"/>
+                        <a14:foregroundMark x1="53355" y1="85163" x2="45336" y2="98813"/>
+                        <a14:foregroundMark x1="7740" y1="4424" x2="8020" y2="1632"/>
+                        <a14:foregroundMark x1="7369" y1="8123" x2="7726" y2="4567"/>
+                        <a14:foregroundMark x1="7038" y1="11424" x2="7222" y2="9589"/>
+                        <a14:foregroundMark x1="4868" y1="6083" x2="5401" y2="3116"/>
+                        <a14:foregroundMark x1="4601" y1="7567" x2="4868" y2="6083"/>
+                        <a14:foregroundMark x1="4255" y1="9496" x2="4601" y2="7567"/>
+                        <a14:foregroundMark x1="91162" y1="12760" x2="82488" y2="16617"/>
+                        <a14:foregroundMark x1="91162" y1="12760" x2="90671" y2="742"/>
+                        <a14:foregroundMark x1="4910" y1="12760" x2="4255" y2="6528"/>
+                        <a14:backgroundMark x1="3273" y1="6083" x2="3273" y2="6083"/>
+                        <a14:backgroundMark x1="3405" y1="4180" x2="5401" y2="3116"/>
+                        <a14:backgroundMark x1="2619" y1="4599" x2="3393" y2="4186"/>
+                        <a14:backgroundMark x1="5326" y1="10853" x2="7038" y2="9941"/>
+                        <a14:backgroundMark x1="4255" y1="11424" x2="4399" y2="11347"/>
+                        <a14:backgroundMark x1="4255" y1="7567" x2="4255" y2="7567"/>
+                        <a14:backgroundMark x1="5892" y1="7567" x2="6547" y2="6973"/>
+                      </a14:backgroundRemoval>
+                    </a14:imgEffect>
+                  </a14:imgLayer>
+                </a14:imgProps>
+              </a:ext>
+            </a:extLst>
+          </a:blip>
+          <a:srcRect/>
+          <a:stretch/>
+        </p:blipFill>
+        <p:spPr>
+          <a:xfrm>
+            <a:off x="10132828" y="4029739"/>
+            <a:ext cx="1832627" cy="2023819"/>
+          </a:xfrm>
+          <a:prstGeom prst="rect">
+            <a:avLst/>
+          </a:prstGeom>
+          <a:noFill/>
+          <a:ln>
+            <a:noFill/>
+          </a:ln>
+        </p:spPr>
+      </p:pic>
+    </p:spTree>
+    <p:extLst>
+      <p:ext uri="{BB962C8B-B14F-4D97-AF65-F5344CB8AC3E}">
+        <p14:creationId xmlns:p14="http://schemas.microsoft.com/office/powerpoint/2010/main" val="2881619393"/>
+      </p:ext>
+    </p:extLst>
+  </p:cSld>
+  <p:clrMapOvr>
+    <a:masterClrMapping/>
+  </p:clrMapOvr>
+</p:sld>
+</file>
+
+<file path=ppt/slides/slide30.xml><?xml version="1.0" encoding="utf-8"?>
 <p:sld xmlns:a="http://schemas.openxmlformats.org/drawingml/2006/main" xmlns:r="http://schemas.openxmlformats.org/officeDocument/2006/relationships" xmlns:p="http://schemas.openxmlformats.org/presentationml/2006/main">
   <p:cSld>
     <p:spTree>
@@ -18961,7 +19651,553 @@
 </p:sld>
 </file>
 
-<file path=ppt/slides/slide3.xml><?xml version="1.0" encoding="utf-8"?>
+<file path=ppt/slides/slide31.xml><?xml version="1.0" encoding="utf-8"?>
+<p:sld xmlns:a="http://schemas.openxmlformats.org/drawingml/2006/main" xmlns:r="http://schemas.openxmlformats.org/officeDocument/2006/relationships" xmlns:p="http://schemas.openxmlformats.org/presentationml/2006/main">
+  <p:cSld>
+    <p:spTree>
+      <p:nvGrpSpPr>
+        <p:cNvPr id="1" name=""/>
+        <p:cNvGrpSpPr/>
+        <p:nvPr/>
+      </p:nvGrpSpPr>
+      <p:grpSpPr>
+        <a:xfrm>
+          <a:off x="0" y="0"/>
+          <a:ext cx="0" cy="0"/>
+          <a:chOff x="0" y="0"/>
+          <a:chExt cx="0" cy="0"/>
+        </a:xfrm>
+      </p:grpSpPr>
+      <p:sp>
+        <p:nvSpPr>
+          <p:cNvPr id="2" name="Title 1">
+            <a:extLst>
+              <a:ext uri="{FF2B5EF4-FFF2-40B4-BE49-F238E27FC236}">
+                <a16:creationId xmlns:a16="http://schemas.microsoft.com/office/drawing/2014/main" id="{AF0E5AE6-BAC5-4D3D-B274-228B336C1693}"/>
+              </a:ext>
+            </a:extLst>
+          </p:cNvPr>
+          <p:cNvSpPr>
+            <a:spLocks noGrp="1"/>
+          </p:cNvSpPr>
+          <p:nvPr>
+            <p:ph type="title"/>
+          </p:nvPr>
+        </p:nvSpPr>
+        <p:spPr/>
+        <p:txBody>
+          <a:bodyPr/>
+          <a:lstStyle/>
+          <a:p>
+            <a:r>
+              <a:rPr lang="en-US" dirty="0"/>
+              <a:t>Good Rules of Thumb</a:t>
+            </a:r>
+            <a:endParaRPr lang="en-US" u="sng" dirty="0"/>
+          </a:p>
+        </p:txBody>
+      </p:sp>
+      <p:sp>
+        <p:nvSpPr>
+          <p:cNvPr id="3" name="Content Placeholder 2">
+            <a:extLst>
+              <a:ext uri="{FF2B5EF4-FFF2-40B4-BE49-F238E27FC236}">
+                <a16:creationId xmlns:a16="http://schemas.microsoft.com/office/drawing/2014/main" id="{7E3F8F1F-5081-4F6E-81DA-DC14088609D1}"/>
+              </a:ext>
+            </a:extLst>
+          </p:cNvPr>
+          <p:cNvSpPr>
+            <a:spLocks noGrp="1"/>
+          </p:cNvSpPr>
+          <p:nvPr>
+            <p:ph sz="half" idx="2"/>
+          </p:nvPr>
+        </p:nvSpPr>
+        <p:spPr>
+          <a:xfrm>
+            <a:off x="991268" y="675860"/>
+            <a:ext cx="9733722" cy="6016770"/>
+          </a:xfrm>
+          <a:ln>
+            <a:noFill/>
+          </a:ln>
+        </p:spPr>
+        <p:txBody>
+          <a:bodyPr>
+            <a:normAutofit/>
+          </a:bodyPr>
+          <a:lstStyle/>
+          <a:p>
+            <a:pPr marL="0" indent="0">
+              <a:buNone/>
+            </a:pPr>
+            <a:endParaRPr lang="en-US" sz="2000" b="1" dirty="0">
+              <a:solidFill>
+                <a:schemeClr val="tx2"/>
+              </a:solidFill>
+            </a:endParaRPr>
+          </a:p>
+          <a:p>
+            <a:r>
+              <a:rPr lang="en-US" dirty="0"/>
+              <a:t>Test your tests!</a:t>
+            </a:r>
+          </a:p>
+          <a:p>
+            <a:pPr lvl="1">
+              <a:spcBef>
+                <a:spcPts val="200"/>
+              </a:spcBef>
+            </a:pPr>
+            <a:r>
+              <a:rPr lang="en-US" dirty="0"/>
+              <a:t>Make sure tests fail when they’re supposed to!</a:t>
+            </a:r>
+            <a:endParaRPr lang="en-US" sz="2000" b="1" dirty="0">
+              <a:solidFill>
+                <a:schemeClr val="tx2"/>
+              </a:solidFill>
+            </a:endParaRPr>
+          </a:p>
+          <a:p>
+            <a:r>
+              <a:rPr lang="en-US" sz="2000" dirty="0"/>
+              <a:t>Add “regression tests”</a:t>
+            </a:r>
+          </a:p>
+          <a:p>
+            <a:pPr lvl="1">
+              <a:spcBef>
+                <a:spcPts val="200"/>
+              </a:spcBef>
+            </a:pPr>
+            <a:r>
+              <a:rPr lang="en-US" sz="1800" dirty="0"/>
+              <a:t>Ensure that bugs aren’t creeping in</a:t>
+            </a:r>
+            <a:endParaRPr lang="en-US" dirty="0"/>
+          </a:p>
+          <a:p>
+            <a:r>
+              <a:rPr lang="en-US" dirty="0"/>
+              <a:t>Test regularly</a:t>
+            </a:r>
+          </a:p>
+          <a:p>
+            <a:pPr lvl="1"/>
+            <a:r>
+              <a:rPr lang="en-US" dirty="0"/>
+              <a:t>Critical when teams are adding code regularly</a:t>
+            </a:r>
+          </a:p>
+          <a:p>
+            <a:pPr lvl="1">
+              <a:spcBef>
+                <a:spcPts val="200"/>
+              </a:spcBef>
+            </a:pPr>
+            <a:r>
+              <a:rPr lang="en-US" dirty="0"/>
+              <a:t>To identify and document where changes to the underlying platform change code behavior/results</a:t>
+            </a:r>
+          </a:p>
+          <a:p>
+            <a:pPr>
+              <a:spcBef>
+                <a:spcPts val="200"/>
+              </a:spcBef>
+            </a:pPr>
+            <a:r>
+              <a:rPr lang="en-US" dirty="0"/>
+              <a:t>Automate regular testing</a:t>
+            </a:r>
+          </a:p>
+          <a:p>
+            <a:pPr lvl="1">
+              <a:spcBef>
+                <a:spcPts val="200"/>
+              </a:spcBef>
+            </a:pPr>
+            <a:r>
+              <a:rPr lang="en-US" dirty="0"/>
+              <a:t>Inculcate the discipline of monitoring the outcome of regular testing</a:t>
+            </a:r>
+          </a:p>
+          <a:p>
+            <a:r>
+              <a:rPr lang="en-US" dirty="0"/>
+              <a:t>Exercise third-party dependencies</a:t>
+            </a:r>
+          </a:p>
+          <a:p>
+            <a:pPr lvl="1">
+              <a:spcBef>
+                <a:spcPts val="200"/>
+              </a:spcBef>
+            </a:pPr>
+            <a:endParaRPr lang="en-US" dirty="0"/>
+          </a:p>
+          <a:p>
+            <a:pPr>
+              <a:spcBef>
+                <a:spcPts val="200"/>
+              </a:spcBef>
+            </a:pPr>
+            <a:r>
+              <a:rPr lang="en-US" dirty="0"/>
+              <a:t>Physics/math based strategies</a:t>
+            </a:r>
+          </a:p>
+          <a:p>
+            <a:pPr lvl="1">
+              <a:spcBef>
+                <a:spcPts val="200"/>
+              </a:spcBef>
+            </a:pPr>
+            <a:r>
+              <a:rPr lang="en-US" dirty="0"/>
+              <a:t>Conserved quantities, symmetries, synthetic operators</a:t>
+            </a:r>
+          </a:p>
+          <a:p>
+            <a:pPr lvl="1">
+              <a:spcBef>
+                <a:spcPts val="200"/>
+              </a:spcBef>
+            </a:pPr>
+            <a:r>
+              <a:rPr lang="en-US" dirty="0"/>
+              <a:t>Eliminate complete dependence on bitwise reproducibility</a:t>
+            </a:r>
+          </a:p>
+          <a:p>
+            <a:pPr>
+              <a:spcBef>
+                <a:spcPts val="200"/>
+              </a:spcBef>
+            </a:pPr>
+            <a:endParaRPr lang="en-US" dirty="0"/>
+          </a:p>
+          <a:p>
+            <a:pPr lvl="1">
+              <a:spcBef>
+                <a:spcPts val="200"/>
+              </a:spcBef>
+            </a:pPr>
+            <a:endParaRPr lang="en-US" sz="800" dirty="0"/>
+          </a:p>
+          <a:p>
+            <a:pPr lvl="1">
+              <a:spcBef>
+                <a:spcPts val="200"/>
+              </a:spcBef>
+            </a:pPr>
+            <a:endParaRPr lang="en-US" sz="800" dirty="0"/>
+          </a:p>
+        </p:txBody>
+      </p:sp>
+    </p:spTree>
+    <p:extLst>
+      <p:ext uri="{BB962C8B-B14F-4D97-AF65-F5344CB8AC3E}">
+        <p14:creationId xmlns:p14="http://schemas.microsoft.com/office/powerpoint/2010/main" val="2183274454"/>
+      </p:ext>
+    </p:extLst>
+  </p:cSld>
+  <p:clrMapOvr>
+    <a:masterClrMapping/>
+  </p:clrMapOvr>
+</p:sld>
+</file>
+
+<file path=ppt/slides/slide32.xml><?xml version="1.0" encoding="utf-8"?>
+<p:sld xmlns:a="http://schemas.openxmlformats.org/drawingml/2006/main" xmlns:r="http://schemas.openxmlformats.org/officeDocument/2006/relationships" xmlns:p="http://schemas.openxmlformats.org/presentationml/2006/main">
+  <p:cSld>
+    <p:spTree>
+      <p:nvGrpSpPr>
+        <p:cNvPr id="1" name=""/>
+        <p:cNvGrpSpPr/>
+        <p:nvPr/>
+      </p:nvGrpSpPr>
+      <p:grpSpPr>
+        <a:xfrm>
+          <a:off x="0" y="0"/>
+          <a:ext cx="0" cy="0"/>
+          <a:chOff x="0" y="0"/>
+          <a:chExt cx="0" cy="0"/>
+        </a:xfrm>
+      </p:grpSpPr>
+      <p:sp>
+        <p:nvSpPr>
+          <p:cNvPr id="2" name="Title 1">
+            <a:extLst>
+              <a:ext uri="{FF2B5EF4-FFF2-40B4-BE49-F238E27FC236}">
+                <a16:creationId xmlns:a16="http://schemas.microsoft.com/office/drawing/2014/main" id="{782174BE-4E72-FE40-8782-11FDA9237EFF}"/>
+              </a:ext>
+            </a:extLst>
+          </p:cNvPr>
+          <p:cNvSpPr>
+            <a:spLocks noGrp="1"/>
+          </p:cNvSpPr>
+          <p:nvPr>
+            <p:ph type="title"/>
+          </p:nvPr>
+        </p:nvSpPr>
+        <p:spPr/>
+        <p:txBody>
+          <a:bodyPr/>
+          <a:lstStyle/>
+          <a:p>
+            <a:r>
+              <a:rPr lang="en-US" dirty="0"/>
+              <a:t>Summary</a:t>
+            </a:r>
+          </a:p>
+        </p:txBody>
+      </p:sp>
+      <p:sp>
+        <p:nvSpPr>
+          <p:cNvPr id="3" name="Content Placeholder 2">
+            <a:extLst>
+              <a:ext uri="{FF2B5EF4-FFF2-40B4-BE49-F238E27FC236}">
+                <a16:creationId xmlns:a16="http://schemas.microsoft.com/office/drawing/2014/main" id="{93356FF5-E6BE-B54D-B0C3-DA1A1ADD65B2}"/>
+              </a:ext>
+            </a:extLst>
+          </p:cNvPr>
+          <p:cNvSpPr>
+            <a:spLocks noGrp="1"/>
+          </p:cNvSpPr>
+          <p:nvPr>
+            <p:ph idx="1"/>
+          </p:nvPr>
+        </p:nvSpPr>
+        <p:spPr>
+          <a:xfrm>
+            <a:off x="365760" y="1056877"/>
+            <a:ext cx="11369809" cy="5088742"/>
+          </a:xfrm>
+        </p:spPr>
+        <p:txBody>
+          <a:bodyPr/>
+          <a:lstStyle/>
+          <a:p>
+            <a:r>
+              <a:rPr lang="en-US" sz="2800" dirty="0"/>
+              <a:t>A testing strategy is essential for producing reliable trustworthy software</a:t>
+            </a:r>
+          </a:p>
+          <a:p>
+            <a:pPr lvl="1"/>
+            <a:r>
+              <a:rPr lang="en-US" sz="2400" dirty="0"/>
+              <a:t>Invest the time needed to thoroughly test your software at all levels</a:t>
+            </a:r>
+          </a:p>
+          <a:p>
+            <a:pPr lvl="1"/>
+            <a:r>
+              <a:rPr lang="en-US" sz="2400" dirty="0"/>
+              <a:t>Use automation whenever possible</a:t>
+            </a:r>
+          </a:p>
+          <a:p>
+            <a:r>
+              <a:rPr lang="en-US" sz="2800" dirty="0"/>
+              <a:t>Different challenges are associated with exploratory, legacy, and composable codes</a:t>
+            </a:r>
+          </a:p>
+          <a:p>
+            <a:pPr lvl="1"/>
+            <a:r>
+              <a:rPr lang="en-US" sz="2400" dirty="0"/>
+              <a:t>Adapt your strategy to fit your situation.</a:t>
+            </a:r>
+          </a:p>
+          <a:p>
+            <a:pPr lvl="1"/>
+            <a:r>
+              <a:rPr lang="en-US" sz="2400" dirty="0"/>
+              <a:t>Eventually you will want to be able to verify all components in a code release.</a:t>
+            </a:r>
+          </a:p>
+          <a:p>
+            <a:r>
+              <a:rPr lang="en-US" sz="2800" dirty="0"/>
+              <a:t>Don’t get distracted by all the technologies out there – focus on exercising your code.</a:t>
+            </a:r>
+          </a:p>
+          <a:p>
+            <a:pPr lvl="1"/>
+            <a:r>
+              <a:rPr lang="en-US" sz="2400" dirty="0"/>
+              <a:t>Scaffolding projects can help with mechanics.</a:t>
+            </a:r>
+            <a:endParaRPr lang="en-US" sz="2800" dirty="0"/>
+          </a:p>
+        </p:txBody>
+      </p:sp>
+    </p:spTree>
+    <p:extLst>
+      <p:ext uri="{BB962C8B-B14F-4D97-AF65-F5344CB8AC3E}">
+        <p14:creationId xmlns:p14="http://schemas.microsoft.com/office/powerpoint/2010/main" val="1097066023"/>
+      </p:ext>
+    </p:extLst>
+  </p:cSld>
+  <p:clrMapOvr>
+    <a:masterClrMapping/>
+  </p:clrMapOvr>
+</p:sld>
+</file>
+
+<file path=ppt/slides/slide33.xml><?xml version="1.0" encoding="utf-8"?>
+<p:sld xmlns:a="http://schemas.openxmlformats.org/drawingml/2006/main" xmlns:r="http://schemas.openxmlformats.org/officeDocument/2006/relationships" xmlns:p="http://schemas.openxmlformats.org/presentationml/2006/main">
+  <p:cSld>
+    <p:spTree>
+      <p:nvGrpSpPr>
+        <p:cNvPr id="1" name=""/>
+        <p:cNvGrpSpPr/>
+        <p:nvPr/>
+      </p:nvGrpSpPr>
+      <p:grpSpPr>
+        <a:xfrm>
+          <a:off x="0" y="0"/>
+          <a:ext cx="0" cy="0"/>
+          <a:chOff x="0" y="0"/>
+          <a:chExt cx="0" cy="0"/>
+        </a:xfrm>
+      </p:grpSpPr>
+      <p:sp>
+        <p:nvSpPr>
+          <p:cNvPr id="2" name="Title 1">
+            <a:extLst>
+              <a:ext uri="{FF2B5EF4-FFF2-40B4-BE49-F238E27FC236}">
+                <a16:creationId xmlns:a16="http://schemas.microsoft.com/office/drawing/2014/main" id="{B0E76EEB-43E1-F64D-85B5-5CC6AD754298}"/>
+              </a:ext>
+            </a:extLst>
+          </p:cNvPr>
+          <p:cNvSpPr>
+            <a:spLocks noGrp="1"/>
+          </p:cNvSpPr>
+          <p:nvPr>
+            <p:ph type="title"/>
+          </p:nvPr>
+        </p:nvSpPr>
+        <p:spPr>
+          <a:xfrm>
+            <a:off x="365760" y="190005"/>
+            <a:ext cx="11372473" cy="914400"/>
+          </a:xfrm>
+        </p:spPr>
+        <p:txBody>
+          <a:bodyPr/>
+          <a:lstStyle/>
+          <a:p>
+            <a:r>
+              <a:rPr lang="en-US" dirty="0"/>
+              <a:t>Resources</a:t>
+            </a:r>
+          </a:p>
+        </p:txBody>
+      </p:sp>
+      <p:sp>
+        <p:nvSpPr>
+          <p:cNvPr id="3" name="Content Placeholder 2">
+            <a:extLst>
+              <a:ext uri="{FF2B5EF4-FFF2-40B4-BE49-F238E27FC236}">
+                <a16:creationId xmlns:a16="http://schemas.microsoft.com/office/drawing/2014/main" id="{41764CD8-1A86-7F41-BF28-CD89A699A75F}"/>
+              </a:ext>
+            </a:extLst>
+          </p:cNvPr>
+          <p:cNvSpPr>
+            <a:spLocks noGrp="1"/>
+          </p:cNvSpPr>
+          <p:nvPr>
+            <p:ph idx="1"/>
+          </p:nvPr>
+        </p:nvSpPr>
+        <p:spPr>
+          <a:xfrm>
+            <a:off x="365760" y="875489"/>
+            <a:ext cx="11369809" cy="5335306"/>
+          </a:xfrm>
+        </p:spPr>
+        <p:txBody>
+          <a:bodyPr/>
+          <a:lstStyle/>
+          <a:p>
+            <a:r>
+              <a:rPr lang="en-US" sz="2400" dirty="0"/>
+              <a:t>Oberkampf, W., &amp; Roy, C. (2010). Verification and Validation in Scientific Computing. Cambridge: Cambridge University Press. doi:10.1017/CBO9780511760396</a:t>
+            </a:r>
+          </a:p>
+          <a:p>
+            <a:r>
+              <a:rPr lang="en-US" sz="2400" dirty="0"/>
+              <a:t>Michael Feathers. 2004. Working Effectively with Legacy Code. Prentice Hall PTR, USA.</a:t>
+            </a:r>
+            <a:r>
+              <a:rPr lang="en-US" dirty="0"/>
+              <a:t> ISBN: 9780131177055</a:t>
+            </a:r>
+          </a:p>
+          <a:p>
+            <a:r>
+              <a:rPr lang="en-US" dirty="0"/>
+              <a:t>A Dubey, K </a:t>
+            </a:r>
+            <a:r>
+              <a:rPr lang="en-US" dirty="0" err="1"/>
+              <a:t>Weide</a:t>
+            </a:r>
+            <a:r>
+              <a:rPr lang="en-US" dirty="0"/>
+              <a:t>, D Lee, J </a:t>
+            </a:r>
+            <a:r>
+              <a:rPr lang="en-US" dirty="0" err="1"/>
+              <a:t>Bachan</a:t>
+            </a:r>
+            <a:r>
+              <a:rPr lang="en-US" dirty="0"/>
+              <a:t>, C Daley, S </a:t>
+            </a:r>
+            <a:r>
+              <a:rPr lang="en-US" dirty="0" err="1"/>
+              <a:t>Olofin</a:t>
+            </a:r>
+            <a:r>
+              <a:rPr lang="en-US" dirty="0"/>
+              <a:t>… - Ongoing Verification of a Multiphysics Community Code. Software: Practice and Experience, 2015 </a:t>
+            </a:r>
+            <a:r>
+              <a:rPr lang="en-US" b="1" dirty="0">
+                <a:hlinkClick r:id="rId3"/>
+              </a:rPr>
+              <a:t>https://doi.org/10.1002/spe.2220</a:t>
+            </a:r>
+            <a:endParaRPr lang="en-US" dirty="0"/>
+          </a:p>
+          <a:p>
+            <a:pPr marL="0" indent="0">
+              <a:buNone/>
+            </a:pPr>
+            <a:endParaRPr lang="en-US" sz="2400" dirty="0"/>
+          </a:p>
+        </p:txBody>
+      </p:sp>
+    </p:spTree>
+    <p:extLst>
+      <p:ext uri="{BB962C8B-B14F-4D97-AF65-F5344CB8AC3E}">
+        <p14:creationId xmlns:p14="http://schemas.microsoft.com/office/powerpoint/2010/main" val="3193119633"/>
+      </p:ext>
+    </p:extLst>
+  </p:cSld>
+  <p:clrMapOvr>
+    <a:masterClrMapping/>
+  </p:clrMapOvr>
+</p:sld>
+</file>
+
+<file path=ppt/slides/slide4.xml><?xml version="1.0" encoding="utf-8"?>
 <p:sld xmlns:a="http://schemas.openxmlformats.org/drawingml/2006/main" xmlns:r="http://schemas.openxmlformats.org/officeDocument/2006/relationships" xmlns:p="http://schemas.openxmlformats.org/presentationml/2006/main">
   <p:cSld>
     <p:spTree>
@@ -19557,7 +20793,7 @@
 </p:sld>
 </file>
 
-<file path=ppt/slides/slide30.xml><?xml version="1.0" encoding="utf-8"?>
+<file path=ppt/slides/slide5.xml><?xml version="1.0" encoding="utf-8"?>
 <p:sld xmlns:a="http://schemas.openxmlformats.org/drawingml/2006/main" xmlns:r="http://schemas.openxmlformats.org/officeDocument/2006/relationships" xmlns:p="http://schemas.openxmlformats.org/presentationml/2006/main">
   <p:cSld>
     <p:spTree>
@@ -19576,552 +20812,6 @@
       </p:grpSpPr>
       <p:sp>
         <p:nvSpPr>
-          <p:cNvPr id="2" name="Title 1">
-            <a:extLst>
-              <a:ext uri="{FF2B5EF4-FFF2-40B4-BE49-F238E27FC236}">
-                <a16:creationId xmlns:a16="http://schemas.microsoft.com/office/drawing/2014/main" id="{AF0E5AE6-BAC5-4D3D-B274-228B336C1693}"/>
-              </a:ext>
-            </a:extLst>
-          </p:cNvPr>
-          <p:cNvSpPr>
-            <a:spLocks noGrp="1"/>
-          </p:cNvSpPr>
-          <p:nvPr>
-            <p:ph type="title"/>
-          </p:nvPr>
-        </p:nvSpPr>
-        <p:spPr/>
-        <p:txBody>
-          <a:bodyPr/>
-          <a:lstStyle/>
-          <a:p>
-            <a:r>
-              <a:rPr lang="en-US" dirty="0"/>
-              <a:t>Good Rules of Thumb</a:t>
-            </a:r>
-            <a:endParaRPr lang="en-US" u="sng" dirty="0"/>
-          </a:p>
-        </p:txBody>
-      </p:sp>
-      <p:sp>
-        <p:nvSpPr>
-          <p:cNvPr id="3" name="Content Placeholder 2">
-            <a:extLst>
-              <a:ext uri="{FF2B5EF4-FFF2-40B4-BE49-F238E27FC236}">
-                <a16:creationId xmlns:a16="http://schemas.microsoft.com/office/drawing/2014/main" id="{7E3F8F1F-5081-4F6E-81DA-DC14088609D1}"/>
-              </a:ext>
-            </a:extLst>
-          </p:cNvPr>
-          <p:cNvSpPr>
-            <a:spLocks noGrp="1"/>
-          </p:cNvSpPr>
-          <p:nvPr>
-            <p:ph sz="half" idx="2"/>
-          </p:nvPr>
-        </p:nvSpPr>
-        <p:spPr>
-          <a:xfrm>
-            <a:off x="991268" y="675860"/>
-            <a:ext cx="9733722" cy="6016770"/>
-          </a:xfrm>
-          <a:ln>
-            <a:noFill/>
-          </a:ln>
-        </p:spPr>
-        <p:txBody>
-          <a:bodyPr>
-            <a:normAutofit/>
-          </a:bodyPr>
-          <a:lstStyle/>
-          <a:p>
-            <a:pPr marL="0" indent="0">
-              <a:buNone/>
-            </a:pPr>
-            <a:endParaRPr lang="en-US" sz="2000" b="1" dirty="0">
-              <a:solidFill>
-                <a:schemeClr val="tx2"/>
-              </a:solidFill>
-            </a:endParaRPr>
-          </a:p>
-          <a:p>
-            <a:r>
-              <a:rPr lang="en-US" dirty="0"/>
-              <a:t>Test your tests!</a:t>
-            </a:r>
-          </a:p>
-          <a:p>
-            <a:pPr lvl="1">
-              <a:spcBef>
-                <a:spcPts val="200"/>
-              </a:spcBef>
-            </a:pPr>
-            <a:r>
-              <a:rPr lang="en-US" dirty="0"/>
-              <a:t>Make sure tests fail when they’re supposed to!</a:t>
-            </a:r>
-            <a:endParaRPr lang="en-US" sz="2000" b="1" dirty="0">
-              <a:solidFill>
-                <a:schemeClr val="tx2"/>
-              </a:solidFill>
-            </a:endParaRPr>
-          </a:p>
-          <a:p>
-            <a:r>
-              <a:rPr lang="en-US" sz="2000" dirty="0"/>
-              <a:t>Add “regression tests”</a:t>
-            </a:r>
-          </a:p>
-          <a:p>
-            <a:pPr lvl="1">
-              <a:spcBef>
-                <a:spcPts val="200"/>
-              </a:spcBef>
-            </a:pPr>
-            <a:r>
-              <a:rPr lang="en-US" sz="1800" dirty="0"/>
-              <a:t>Ensure that bugs aren’t creeping in</a:t>
-            </a:r>
-            <a:endParaRPr lang="en-US" dirty="0"/>
-          </a:p>
-          <a:p>
-            <a:r>
-              <a:rPr lang="en-US" dirty="0"/>
-              <a:t>Test regularly</a:t>
-            </a:r>
-          </a:p>
-          <a:p>
-            <a:pPr lvl="1"/>
-            <a:r>
-              <a:rPr lang="en-US" dirty="0"/>
-              <a:t>Critical when teams are adding code regularly</a:t>
-            </a:r>
-          </a:p>
-          <a:p>
-            <a:pPr lvl="1">
-              <a:spcBef>
-                <a:spcPts val="200"/>
-              </a:spcBef>
-            </a:pPr>
-            <a:r>
-              <a:rPr lang="en-US" dirty="0"/>
-              <a:t>To identify and document where changes to the underlying platform change code behavior/results</a:t>
-            </a:r>
-          </a:p>
-          <a:p>
-            <a:pPr>
-              <a:spcBef>
-                <a:spcPts val="200"/>
-              </a:spcBef>
-            </a:pPr>
-            <a:r>
-              <a:rPr lang="en-US" dirty="0"/>
-              <a:t>Automate regular testing</a:t>
-            </a:r>
-          </a:p>
-          <a:p>
-            <a:pPr lvl="1">
-              <a:spcBef>
-                <a:spcPts val="200"/>
-              </a:spcBef>
-            </a:pPr>
-            <a:r>
-              <a:rPr lang="en-US" dirty="0"/>
-              <a:t>Inculcate the discipline of monitoring the outcome of regular testing</a:t>
-            </a:r>
-          </a:p>
-          <a:p>
-            <a:r>
-              <a:rPr lang="en-US" dirty="0"/>
-              <a:t>Exercise third-party dependencies</a:t>
-            </a:r>
-          </a:p>
-          <a:p>
-            <a:pPr lvl="1">
-              <a:spcBef>
-                <a:spcPts val="200"/>
-              </a:spcBef>
-            </a:pPr>
-            <a:endParaRPr lang="en-US" dirty="0"/>
-          </a:p>
-          <a:p>
-            <a:pPr>
-              <a:spcBef>
-                <a:spcPts val="200"/>
-              </a:spcBef>
-            </a:pPr>
-            <a:r>
-              <a:rPr lang="en-US" dirty="0"/>
-              <a:t>Physics/math based strategies</a:t>
-            </a:r>
-          </a:p>
-          <a:p>
-            <a:pPr lvl="1">
-              <a:spcBef>
-                <a:spcPts val="200"/>
-              </a:spcBef>
-            </a:pPr>
-            <a:r>
-              <a:rPr lang="en-US" dirty="0"/>
-              <a:t>Conserved quantities, symmetries, synthetic operators</a:t>
-            </a:r>
-          </a:p>
-          <a:p>
-            <a:pPr lvl="1">
-              <a:spcBef>
-                <a:spcPts val="200"/>
-              </a:spcBef>
-            </a:pPr>
-            <a:r>
-              <a:rPr lang="en-US" dirty="0"/>
-              <a:t>Eliminate complete dependence on bitwise reproducibility</a:t>
-            </a:r>
-          </a:p>
-          <a:p>
-            <a:pPr>
-              <a:spcBef>
-                <a:spcPts val="200"/>
-              </a:spcBef>
-            </a:pPr>
-            <a:endParaRPr lang="en-US" dirty="0"/>
-          </a:p>
-          <a:p>
-            <a:pPr lvl="1">
-              <a:spcBef>
-                <a:spcPts val="200"/>
-              </a:spcBef>
-            </a:pPr>
-            <a:endParaRPr lang="en-US" sz="800" dirty="0"/>
-          </a:p>
-          <a:p>
-            <a:pPr lvl="1">
-              <a:spcBef>
-                <a:spcPts val="200"/>
-              </a:spcBef>
-            </a:pPr>
-            <a:endParaRPr lang="en-US" sz="800" dirty="0"/>
-          </a:p>
-        </p:txBody>
-      </p:sp>
-    </p:spTree>
-    <p:extLst>
-      <p:ext uri="{BB962C8B-B14F-4D97-AF65-F5344CB8AC3E}">
-        <p14:creationId xmlns:p14="http://schemas.microsoft.com/office/powerpoint/2010/main" val="2183274454"/>
-      </p:ext>
-    </p:extLst>
-  </p:cSld>
-  <p:clrMapOvr>
-    <a:masterClrMapping/>
-  </p:clrMapOvr>
-</p:sld>
-</file>
-
-<file path=ppt/slides/slide31.xml><?xml version="1.0" encoding="utf-8"?>
-<p:sld xmlns:a="http://schemas.openxmlformats.org/drawingml/2006/main" xmlns:r="http://schemas.openxmlformats.org/officeDocument/2006/relationships" xmlns:p="http://schemas.openxmlformats.org/presentationml/2006/main">
-  <p:cSld>
-    <p:spTree>
-      <p:nvGrpSpPr>
-        <p:cNvPr id="1" name=""/>
-        <p:cNvGrpSpPr/>
-        <p:nvPr/>
-      </p:nvGrpSpPr>
-      <p:grpSpPr>
-        <a:xfrm>
-          <a:off x="0" y="0"/>
-          <a:ext cx="0" cy="0"/>
-          <a:chOff x="0" y="0"/>
-          <a:chExt cx="0" cy="0"/>
-        </a:xfrm>
-      </p:grpSpPr>
-      <p:sp>
-        <p:nvSpPr>
-          <p:cNvPr id="2" name="Title 1">
-            <a:extLst>
-              <a:ext uri="{FF2B5EF4-FFF2-40B4-BE49-F238E27FC236}">
-                <a16:creationId xmlns:a16="http://schemas.microsoft.com/office/drawing/2014/main" id="{782174BE-4E72-FE40-8782-11FDA9237EFF}"/>
-              </a:ext>
-            </a:extLst>
-          </p:cNvPr>
-          <p:cNvSpPr>
-            <a:spLocks noGrp="1"/>
-          </p:cNvSpPr>
-          <p:nvPr>
-            <p:ph type="title"/>
-          </p:nvPr>
-        </p:nvSpPr>
-        <p:spPr/>
-        <p:txBody>
-          <a:bodyPr/>
-          <a:lstStyle/>
-          <a:p>
-            <a:r>
-              <a:rPr lang="en-US" dirty="0"/>
-              <a:t>Summary</a:t>
-            </a:r>
-          </a:p>
-        </p:txBody>
-      </p:sp>
-      <p:sp>
-        <p:nvSpPr>
-          <p:cNvPr id="3" name="Content Placeholder 2">
-            <a:extLst>
-              <a:ext uri="{FF2B5EF4-FFF2-40B4-BE49-F238E27FC236}">
-                <a16:creationId xmlns:a16="http://schemas.microsoft.com/office/drawing/2014/main" id="{93356FF5-E6BE-B54D-B0C3-DA1A1ADD65B2}"/>
-              </a:ext>
-            </a:extLst>
-          </p:cNvPr>
-          <p:cNvSpPr>
-            <a:spLocks noGrp="1"/>
-          </p:cNvSpPr>
-          <p:nvPr>
-            <p:ph idx="1"/>
-          </p:nvPr>
-        </p:nvSpPr>
-        <p:spPr>
-          <a:xfrm>
-            <a:off x="365760" y="1056877"/>
-            <a:ext cx="11369809" cy="5088742"/>
-          </a:xfrm>
-        </p:spPr>
-        <p:txBody>
-          <a:bodyPr/>
-          <a:lstStyle/>
-          <a:p>
-            <a:r>
-              <a:rPr lang="en-US" sz="2800" dirty="0"/>
-              <a:t>A testing strategy is essential for producing reliable trustworthy software</a:t>
-            </a:r>
-          </a:p>
-          <a:p>
-            <a:pPr lvl="1"/>
-            <a:r>
-              <a:rPr lang="en-US" sz="2400" dirty="0"/>
-              <a:t>Invest the time needed to thoroughly test your software at all levels</a:t>
-            </a:r>
-          </a:p>
-          <a:p>
-            <a:pPr lvl="1"/>
-            <a:r>
-              <a:rPr lang="en-US" sz="2400" dirty="0"/>
-              <a:t>Use automation whenever possible</a:t>
-            </a:r>
-          </a:p>
-          <a:p>
-            <a:r>
-              <a:rPr lang="en-US" sz="2800" dirty="0"/>
-              <a:t>Different challenges are associated with exploratory, legacy, and composable codes</a:t>
-            </a:r>
-          </a:p>
-          <a:p>
-            <a:pPr lvl="1"/>
-            <a:r>
-              <a:rPr lang="en-US" sz="2400" dirty="0"/>
-              <a:t>Adapt your strategy to fit your situation.</a:t>
-            </a:r>
-          </a:p>
-          <a:p>
-            <a:pPr lvl="1"/>
-            <a:r>
-              <a:rPr lang="en-US" sz="2400" dirty="0"/>
-              <a:t>Eventually you will want to be able to verify all components in a code release.</a:t>
-            </a:r>
-          </a:p>
-          <a:p>
-            <a:r>
-              <a:rPr lang="en-US" sz="2800" dirty="0"/>
-              <a:t>Don’t get distracted by all the technologies out there – focus on exercising your code.</a:t>
-            </a:r>
-          </a:p>
-          <a:p>
-            <a:pPr lvl="1"/>
-            <a:r>
-              <a:rPr lang="en-US" sz="2400" dirty="0"/>
-              <a:t>Scaffolding projects can help with mechanics.</a:t>
-            </a:r>
-            <a:endParaRPr lang="en-US" sz="2800" dirty="0"/>
-          </a:p>
-        </p:txBody>
-      </p:sp>
-    </p:spTree>
-    <p:extLst>
-      <p:ext uri="{BB962C8B-B14F-4D97-AF65-F5344CB8AC3E}">
-        <p14:creationId xmlns:p14="http://schemas.microsoft.com/office/powerpoint/2010/main" val="1097066023"/>
-      </p:ext>
-    </p:extLst>
-  </p:cSld>
-  <p:clrMapOvr>
-    <a:masterClrMapping/>
-  </p:clrMapOvr>
-</p:sld>
-</file>
-
-<file path=ppt/slides/slide32.xml><?xml version="1.0" encoding="utf-8"?>
-<p:sld xmlns:a="http://schemas.openxmlformats.org/drawingml/2006/main" xmlns:r="http://schemas.openxmlformats.org/officeDocument/2006/relationships" xmlns:p="http://schemas.openxmlformats.org/presentationml/2006/main">
-  <p:cSld>
-    <p:spTree>
-      <p:nvGrpSpPr>
-        <p:cNvPr id="1" name=""/>
-        <p:cNvGrpSpPr/>
-        <p:nvPr/>
-      </p:nvGrpSpPr>
-      <p:grpSpPr>
-        <a:xfrm>
-          <a:off x="0" y="0"/>
-          <a:ext cx="0" cy="0"/>
-          <a:chOff x="0" y="0"/>
-          <a:chExt cx="0" cy="0"/>
-        </a:xfrm>
-      </p:grpSpPr>
-      <p:sp>
-        <p:nvSpPr>
-          <p:cNvPr id="2" name="Title 1">
-            <a:extLst>
-              <a:ext uri="{FF2B5EF4-FFF2-40B4-BE49-F238E27FC236}">
-                <a16:creationId xmlns:a16="http://schemas.microsoft.com/office/drawing/2014/main" id="{B0E76EEB-43E1-F64D-85B5-5CC6AD754298}"/>
-              </a:ext>
-            </a:extLst>
-          </p:cNvPr>
-          <p:cNvSpPr>
-            <a:spLocks noGrp="1"/>
-          </p:cNvSpPr>
-          <p:nvPr>
-            <p:ph type="title"/>
-          </p:nvPr>
-        </p:nvSpPr>
-        <p:spPr>
-          <a:xfrm>
-            <a:off x="365760" y="190005"/>
-            <a:ext cx="11372473" cy="914400"/>
-          </a:xfrm>
-        </p:spPr>
-        <p:txBody>
-          <a:bodyPr/>
-          <a:lstStyle/>
-          <a:p>
-            <a:r>
-              <a:rPr lang="en-US" dirty="0"/>
-              <a:t>Resources</a:t>
-            </a:r>
-          </a:p>
-        </p:txBody>
-      </p:sp>
-      <p:sp>
-        <p:nvSpPr>
-          <p:cNvPr id="3" name="Content Placeholder 2">
-            <a:extLst>
-              <a:ext uri="{FF2B5EF4-FFF2-40B4-BE49-F238E27FC236}">
-                <a16:creationId xmlns:a16="http://schemas.microsoft.com/office/drawing/2014/main" id="{41764CD8-1A86-7F41-BF28-CD89A699A75F}"/>
-              </a:ext>
-            </a:extLst>
-          </p:cNvPr>
-          <p:cNvSpPr>
-            <a:spLocks noGrp="1"/>
-          </p:cNvSpPr>
-          <p:nvPr>
-            <p:ph idx="1"/>
-          </p:nvPr>
-        </p:nvSpPr>
-        <p:spPr>
-          <a:xfrm>
-            <a:off x="365760" y="875489"/>
-            <a:ext cx="11369809" cy="5335306"/>
-          </a:xfrm>
-        </p:spPr>
-        <p:txBody>
-          <a:bodyPr/>
-          <a:lstStyle/>
-          <a:p>
-            <a:r>
-              <a:rPr lang="en-US" sz="2400" dirty="0"/>
-              <a:t>Oberkampf, W., &amp; Roy, C. (2010). Verification and Validation in Scientific Computing. Cambridge: Cambridge University Press. doi:10.1017/CBO9780511760396</a:t>
-            </a:r>
-          </a:p>
-          <a:p>
-            <a:r>
-              <a:rPr lang="en-US" sz="2400" dirty="0"/>
-              <a:t>Michael Feathers. 2004. Working Effectively with Legacy Code. Prentice Hall PTR, USA.</a:t>
-            </a:r>
-            <a:r>
-              <a:rPr lang="en-US" dirty="0"/>
-              <a:t> ISBN: 9780131177055</a:t>
-            </a:r>
-          </a:p>
-          <a:p>
-            <a:r>
-              <a:rPr lang="en-US" dirty="0"/>
-              <a:t>A Dubey, K </a:t>
-            </a:r>
-            <a:r>
-              <a:rPr lang="en-US" dirty="0" err="1"/>
-              <a:t>Weide</a:t>
-            </a:r>
-            <a:r>
-              <a:rPr lang="en-US" dirty="0"/>
-              <a:t>, D Lee, J </a:t>
-            </a:r>
-            <a:r>
-              <a:rPr lang="en-US" dirty="0" err="1"/>
-              <a:t>Bachan</a:t>
-            </a:r>
-            <a:r>
-              <a:rPr lang="en-US" dirty="0"/>
-              <a:t>, C Daley, S </a:t>
-            </a:r>
-            <a:r>
-              <a:rPr lang="en-US" dirty="0" err="1"/>
-              <a:t>Olofin</a:t>
-            </a:r>
-            <a:r>
-              <a:rPr lang="en-US" dirty="0"/>
-              <a:t>… - Ongoing Verification of a Multiphysics Community Code. Software: Practice and Experience, 2015 </a:t>
-            </a:r>
-            <a:r>
-              <a:rPr lang="en-US" b="1" dirty="0">
-                <a:hlinkClick r:id="rId3"/>
-              </a:rPr>
-              <a:t>https://doi.org/10.1002/spe.2220</a:t>
-            </a:r>
-            <a:endParaRPr lang="en-US" dirty="0"/>
-          </a:p>
-          <a:p>
-            <a:pPr marL="0" indent="0">
-              <a:buNone/>
-            </a:pPr>
-            <a:endParaRPr lang="en-US" sz="2400" dirty="0"/>
-          </a:p>
-        </p:txBody>
-      </p:sp>
-    </p:spTree>
-    <p:extLst>
-      <p:ext uri="{BB962C8B-B14F-4D97-AF65-F5344CB8AC3E}">
-        <p14:creationId xmlns:p14="http://schemas.microsoft.com/office/powerpoint/2010/main" val="3193119633"/>
-      </p:ext>
-    </p:extLst>
-  </p:cSld>
-  <p:clrMapOvr>
-    <a:masterClrMapping/>
-  </p:clrMapOvr>
-</p:sld>
-</file>
-
-<file path=ppt/slides/slide4.xml><?xml version="1.0" encoding="utf-8"?>
-<p:sld xmlns:a="http://schemas.openxmlformats.org/drawingml/2006/main" xmlns:r="http://schemas.openxmlformats.org/officeDocument/2006/relationships" xmlns:p="http://schemas.openxmlformats.org/presentationml/2006/main">
-  <p:cSld>
-    <p:spTree>
-      <p:nvGrpSpPr>
-        <p:cNvPr id="1" name=""/>
-        <p:cNvGrpSpPr/>
-        <p:nvPr/>
-      </p:nvGrpSpPr>
-      <p:grpSpPr>
-        <a:xfrm>
-          <a:off x="0" y="0"/>
-          <a:ext cx="0" cy="0"/>
-          <a:chOff x="0" y="0"/>
-          <a:chExt cx="0" cy="0"/>
-        </a:xfrm>
-      </p:grpSpPr>
-      <p:sp>
-        <p:nvSpPr>
           <p:cNvPr id="2" name="Title 1"/>
           <p:cNvSpPr>
             <a:spLocks noGrp="1"/>
@@ -20277,7 +20967,7 @@
 </p:sld>
 </file>
 
-<file path=ppt/slides/slide5.xml><?xml version="1.0" encoding="utf-8"?>
+<file path=ppt/slides/slide6.xml><?xml version="1.0" encoding="utf-8"?>
 <p:sld xmlns:a="http://schemas.openxmlformats.org/drawingml/2006/main" xmlns:r="http://schemas.openxmlformats.org/officeDocument/2006/relationships" xmlns:p="http://schemas.openxmlformats.org/presentationml/2006/main">
   <p:cSld>
     <p:spTree>
@@ -20723,7 +21413,7 @@
 </p:sld>
 </file>
 
-<file path=ppt/slides/slide6.xml><?xml version="1.0" encoding="utf-8"?>
+<file path=ppt/slides/slide7.xml><?xml version="1.0" encoding="utf-8"?>
 <p:sld xmlns:a="http://schemas.openxmlformats.org/drawingml/2006/main" xmlns:r="http://schemas.openxmlformats.org/officeDocument/2006/relationships" xmlns:p="http://schemas.openxmlformats.org/presentationml/2006/main">
   <p:cSld>
     <p:spTree>
@@ -21084,7 +21774,7 @@
 </p:sld>
 </file>
 
-<file path=ppt/slides/slide7.xml><?xml version="1.0" encoding="utf-8"?>
+<file path=ppt/slides/slide8.xml><?xml version="1.0" encoding="utf-8"?>
 <p:sld xmlns:a="http://schemas.openxmlformats.org/drawingml/2006/main" xmlns:r="http://schemas.openxmlformats.org/officeDocument/2006/relationships" xmlns:p="http://schemas.openxmlformats.org/presentationml/2006/main">
   <p:cSld>
     <p:spTree>
@@ -21263,253 +21953,6 @@
     <p:extLst>
       <p:ext uri="{BB962C8B-B14F-4D97-AF65-F5344CB8AC3E}">
         <p14:creationId xmlns:p14="http://schemas.microsoft.com/office/powerpoint/2010/main" val="1019193964"/>
-      </p:ext>
-    </p:extLst>
-  </p:cSld>
-  <p:clrMapOvr>
-    <a:masterClrMapping/>
-  </p:clrMapOvr>
-</p:sld>
-</file>
-
-<file path=ppt/slides/slide8.xml><?xml version="1.0" encoding="utf-8"?>
-<p:sld xmlns:a="http://schemas.openxmlformats.org/drawingml/2006/main" xmlns:r="http://schemas.openxmlformats.org/officeDocument/2006/relationships" xmlns:p="http://schemas.openxmlformats.org/presentationml/2006/main">
-  <p:cSld>
-    <p:spTree>
-      <p:nvGrpSpPr>
-        <p:cNvPr id="1" name=""/>
-        <p:cNvGrpSpPr/>
-        <p:nvPr/>
-      </p:nvGrpSpPr>
-      <p:grpSpPr>
-        <a:xfrm>
-          <a:off x="0" y="0"/>
-          <a:ext cx="0" cy="0"/>
-          <a:chOff x="0" y="0"/>
-          <a:chExt cx="0" cy="0"/>
-        </a:xfrm>
-      </p:grpSpPr>
-      <p:sp>
-        <p:nvSpPr>
-          <p:cNvPr id="2" name="Title 1">
-            <a:extLst>
-              <a:ext uri="{FF2B5EF4-FFF2-40B4-BE49-F238E27FC236}">
-                <a16:creationId xmlns:a16="http://schemas.microsoft.com/office/drawing/2014/main" id="{2AB1CC4F-16D6-E895-AFBC-9A514D75E691}"/>
-              </a:ext>
-            </a:extLst>
-          </p:cNvPr>
-          <p:cNvSpPr>
-            <a:spLocks noGrp="1"/>
-          </p:cNvSpPr>
-          <p:nvPr>
-            <p:ph type="title"/>
-          </p:nvPr>
-        </p:nvSpPr>
-        <p:spPr/>
-        <p:txBody>
-          <a:bodyPr/>
-          <a:lstStyle/>
-          <a:p>
-            <a:r>
-              <a:rPr lang="en-US" dirty="0"/>
-              <a:t>Developing Tests</a:t>
-            </a:r>
-          </a:p>
-        </p:txBody>
-      </p:sp>
-      <p:sp>
-        <p:nvSpPr>
-          <p:cNvPr id="3" name="Rounded Rectangle 2">
-            <a:extLst>
-              <a:ext uri="{FF2B5EF4-FFF2-40B4-BE49-F238E27FC236}">
-                <a16:creationId xmlns:a16="http://schemas.microsoft.com/office/drawing/2014/main" id="{DC74BD74-D77A-B3A0-E636-1F86AC14DAC6}"/>
-              </a:ext>
-            </a:extLst>
-          </p:cNvPr>
-          <p:cNvSpPr/>
-          <p:nvPr/>
-        </p:nvSpPr>
-        <p:spPr>
-          <a:xfrm>
-            <a:off x="510837" y="1441172"/>
-            <a:ext cx="2046135" cy="1696277"/>
-          </a:xfrm>
-          <a:prstGeom prst="roundRect">
-            <a:avLst/>
-          </a:prstGeom>
-          <a:solidFill>
-            <a:srgbClr val="0070C0"/>
-          </a:solidFill>
-          <a:ln>
-            <a:noFill/>
-          </a:ln>
-          <a:effectLst>
-            <a:outerShdw blurRad="44450" dist="27940" dir="5400000" algn="ctr">
-              <a:srgbClr val="000000">
-                <a:alpha val="32000"/>
-              </a:srgbClr>
-            </a:outerShdw>
-          </a:effectLst>
-        </p:spPr>
-        <p:txBody>
-          <a:bodyPr rot="0" spcFirstLastPara="0" vertOverflow="overflow" horzOverflow="overflow" vert="horz" wrap="square" lIns="121851" tIns="60925" rIns="121851" bIns="60925" numCol="1" spcCol="0" rtlCol="0" fromWordArt="0" anchor="ctr" anchorCtr="0" forceAA="0" compatLnSpc="1">
-            <a:prstTxWarp prst="textNoShape">
-              <a:avLst/>
-            </a:prstTxWarp>
-            <a:noAutofit/>
-          </a:bodyPr>
-          <a:lstStyle/>
-          <a:p>
-            <a:pPr algn="ctr">
-              <a:lnSpc>
-                <a:spcPct val="90000"/>
-              </a:lnSpc>
-            </a:pPr>
-            <a:r>
-              <a:rPr lang="en-US" sz="2000" dirty="0">
-                <a:solidFill>
-                  <a:schemeClr val="bg1"/>
-                </a:solidFill>
-              </a:rPr>
-              <a:t>We verify correct behavior</a:t>
-            </a:r>
-          </a:p>
-          <a:p>
-            <a:pPr algn="ctr">
-              <a:lnSpc>
-                <a:spcPct val="90000"/>
-              </a:lnSpc>
-            </a:pPr>
-            <a:endParaRPr lang="en-US" sz="2000" dirty="0">
-              <a:solidFill>
-                <a:schemeClr val="bg1"/>
-              </a:solidFill>
-            </a:endParaRPr>
-          </a:p>
-        </p:txBody>
-      </p:sp>
-      <p:sp>
-        <p:nvSpPr>
-          <p:cNvPr id="5" name="Rounded Rectangle 4">
-            <a:extLst>
-              <a:ext uri="{FF2B5EF4-FFF2-40B4-BE49-F238E27FC236}">
-                <a16:creationId xmlns:a16="http://schemas.microsoft.com/office/drawing/2014/main" id="{6907B775-1020-01DF-0BB7-47381C4B6BE4}"/>
-              </a:ext>
-            </a:extLst>
-          </p:cNvPr>
-          <p:cNvSpPr/>
-          <p:nvPr/>
-        </p:nvSpPr>
-        <p:spPr>
-          <a:xfrm>
-            <a:off x="3076799" y="2796209"/>
-            <a:ext cx="4780114" cy="1364974"/>
-          </a:xfrm>
-          <a:prstGeom prst="roundRect">
-            <a:avLst/>
-          </a:prstGeom>
-          <a:solidFill>
-            <a:srgbClr val="7030A0"/>
-          </a:solidFill>
-          <a:ln>
-            <a:noFill/>
-          </a:ln>
-          <a:effectLst>
-            <a:outerShdw blurRad="44450" dist="27940" dir="5400000" algn="ctr">
-              <a:srgbClr val="000000">
-                <a:alpha val="32000"/>
-              </a:srgbClr>
-            </a:outerShdw>
-          </a:effectLst>
-        </p:spPr>
-        <p:txBody>
-          <a:bodyPr rot="0" spcFirstLastPara="0" vertOverflow="overflow" horzOverflow="overflow" vert="horz" wrap="square" lIns="121851" tIns="60925" rIns="121851" bIns="60925" numCol="1" spcCol="0" rtlCol="0" fromWordArt="0" anchor="ctr" anchorCtr="0" forceAA="0" compatLnSpc="1">
-            <a:prstTxWarp prst="textNoShape">
-              <a:avLst/>
-            </a:prstTxWarp>
-            <a:noAutofit/>
-          </a:bodyPr>
-          <a:lstStyle/>
-          <a:p>
-            <a:pPr algn="ctr">
-              <a:lnSpc>
-                <a:spcPct val="90000"/>
-              </a:lnSpc>
-            </a:pPr>
-            <a:r>
-              <a:rPr lang="en-US" sz="2000" dirty="0">
-                <a:solidFill>
-                  <a:schemeClr val="bg1"/>
-                </a:solidFill>
-              </a:rPr>
-              <a:t>We think of ways in which we can tell whether the code is doing what it is supposed to do  </a:t>
-            </a:r>
-          </a:p>
-        </p:txBody>
-      </p:sp>
-      <p:sp>
-        <p:nvSpPr>
-          <p:cNvPr id="9" name="Rounded Rectangle 8">
-            <a:extLst>
-              <a:ext uri="{FF2B5EF4-FFF2-40B4-BE49-F238E27FC236}">
-                <a16:creationId xmlns:a16="http://schemas.microsoft.com/office/drawing/2014/main" id="{1D295530-44B8-F049-1220-DD7166199FFC}"/>
-              </a:ext>
-            </a:extLst>
-          </p:cNvPr>
-          <p:cNvSpPr/>
-          <p:nvPr/>
-        </p:nvSpPr>
-        <p:spPr>
-          <a:xfrm>
-            <a:off x="1189209" y="3262680"/>
-            <a:ext cx="1308790" cy="1172817"/>
-          </a:xfrm>
-          <a:prstGeom prst="roundRect">
-            <a:avLst/>
-          </a:prstGeom>
-          <a:solidFill>
-            <a:srgbClr val="0070C0"/>
-          </a:solidFill>
-          <a:ln>
-            <a:noFill/>
-          </a:ln>
-          <a:effectLst>
-            <a:outerShdw blurRad="44450" dist="27940" dir="5400000" algn="ctr">
-              <a:srgbClr val="000000">
-                <a:alpha val="32000"/>
-              </a:srgbClr>
-            </a:outerShdw>
-          </a:effectLst>
-        </p:spPr>
-        <p:txBody>
-          <a:bodyPr rot="0" spcFirstLastPara="0" vertOverflow="overflow" horzOverflow="overflow" vert="horz" wrap="square" lIns="121851" tIns="60925" rIns="121851" bIns="60925" numCol="1" spcCol="0" rtlCol="0" fromWordArt="0" anchor="ctr" anchorCtr="0" forceAA="0" compatLnSpc="1">
-            <a:prstTxWarp prst="textNoShape">
-              <a:avLst/>
-            </a:prstTxWarp>
-            <a:noAutofit/>
-          </a:bodyPr>
-          <a:lstStyle/>
-          <a:p>
-            <a:pPr algn="ctr">
-              <a:lnSpc>
-                <a:spcPct val="90000"/>
-              </a:lnSpc>
-            </a:pPr>
-            <a:r>
-              <a:rPr lang="en-US" sz="2000" dirty="0">
-                <a:solidFill>
-                  <a:schemeClr val="bg1"/>
-                </a:solidFill>
-              </a:rPr>
-              <a:t>How ?</a:t>
-            </a:r>
-          </a:p>
-        </p:txBody>
-      </p:sp>
-    </p:spTree>
-    <p:extLst>
-      <p:ext uri="{BB962C8B-B14F-4D97-AF65-F5344CB8AC3E}">
-        <p14:creationId xmlns:p14="http://schemas.microsoft.com/office/powerpoint/2010/main" val="3068240201"/>
       </p:ext>
     </p:extLst>
   </p:cSld>
@@ -21696,130 +22139,6 @@
       </p:sp>
       <p:sp>
         <p:nvSpPr>
-          <p:cNvPr id="6" name="Rounded Rectangle 5">
-            <a:extLst>
-              <a:ext uri="{FF2B5EF4-FFF2-40B4-BE49-F238E27FC236}">
-                <a16:creationId xmlns:a16="http://schemas.microsoft.com/office/drawing/2014/main" id="{971F79A8-936E-E19F-69DA-47AC4E387FC1}"/>
-              </a:ext>
-            </a:extLst>
-          </p:cNvPr>
-          <p:cNvSpPr/>
-          <p:nvPr/>
-        </p:nvSpPr>
-        <p:spPr>
-          <a:xfrm>
-            <a:off x="3076799" y="824978"/>
-            <a:ext cx="2250869" cy="1750943"/>
-          </a:xfrm>
-          <a:prstGeom prst="roundRect">
-            <a:avLst/>
-          </a:prstGeom>
-          <a:solidFill>
-            <a:schemeClr val="accent3">
-              <a:lumMod val="40000"/>
-              <a:lumOff val="60000"/>
-            </a:schemeClr>
-          </a:solidFill>
-          <a:ln>
-            <a:noFill/>
-          </a:ln>
-          <a:effectLst>
-            <a:outerShdw blurRad="44450" dist="27940" dir="5400000" algn="ctr">
-              <a:srgbClr val="000000">
-                <a:alpha val="32000"/>
-              </a:srgbClr>
-            </a:outerShdw>
-          </a:effectLst>
-        </p:spPr>
-        <p:txBody>
-          <a:bodyPr rot="0" spcFirstLastPara="0" vertOverflow="overflow" horzOverflow="overflow" vert="horz" wrap="square" lIns="121851" tIns="60925" rIns="121851" bIns="60925" numCol="1" spcCol="0" rtlCol="0" fromWordArt="0" anchor="ctr" anchorCtr="0" forceAA="0" compatLnSpc="1">
-            <a:prstTxWarp prst="textNoShape">
-              <a:avLst/>
-            </a:prstTxWarp>
-            <a:noAutofit/>
-          </a:bodyPr>
-          <a:lstStyle/>
-          <a:p>
-            <a:pPr algn="ctr">
-              <a:lnSpc>
-                <a:spcPct val="90000"/>
-              </a:lnSpc>
-            </a:pPr>
-            <a:r>
-              <a:rPr lang="en-US" sz="2000" dirty="0">
-                <a:solidFill>
-                  <a:sysClr val="windowText" lastClr="000000"/>
-                </a:solidFill>
-              </a:rPr>
-              <a:t>Compare against a known analytical solution</a:t>
-            </a:r>
-          </a:p>
-        </p:txBody>
-      </p:sp>
-      <p:sp>
-        <p:nvSpPr>
-          <p:cNvPr id="7" name="Rounded Rectangle 6">
-            <a:extLst>
-              <a:ext uri="{FF2B5EF4-FFF2-40B4-BE49-F238E27FC236}">
-                <a16:creationId xmlns:a16="http://schemas.microsoft.com/office/drawing/2014/main" id="{CCABCB36-5883-DE8C-2BBD-CCE2E0438D5A}"/>
-              </a:ext>
-            </a:extLst>
-          </p:cNvPr>
-          <p:cNvSpPr/>
-          <p:nvPr/>
-        </p:nvSpPr>
-        <p:spPr>
-          <a:xfrm>
-            <a:off x="5579000" y="843575"/>
-            <a:ext cx="2250869" cy="1750943"/>
-          </a:xfrm>
-          <a:prstGeom prst="roundRect">
-            <a:avLst/>
-          </a:prstGeom>
-          <a:solidFill>
-            <a:schemeClr val="accent3">
-              <a:lumMod val="40000"/>
-              <a:lumOff val="60000"/>
-            </a:schemeClr>
-          </a:solidFill>
-          <a:ln>
-            <a:noFill/>
-          </a:ln>
-          <a:effectLst>
-            <a:outerShdw blurRad="44450" dist="27940" dir="5400000" algn="ctr">
-              <a:srgbClr val="000000">
-                <a:alpha val="32000"/>
-              </a:srgbClr>
-            </a:outerShdw>
-          </a:effectLst>
-        </p:spPr>
-        <p:txBody>
-          <a:bodyPr rot="0" spcFirstLastPara="0" vertOverflow="overflow" horzOverflow="overflow" vert="horz" wrap="square" lIns="121851" tIns="60925" rIns="121851" bIns="60925" numCol="1" spcCol="0" rtlCol="0" fromWordArt="0" anchor="ctr" anchorCtr="0" forceAA="0" compatLnSpc="1">
-            <a:prstTxWarp prst="textNoShape">
-              <a:avLst/>
-            </a:prstTxWarp>
-            <a:noAutofit/>
-          </a:bodyPr>
-          <a:lstStyle/>
-          <a:p>
-            <a:pPr algn="ctr">
-              <a:lnSpc>
-                <a:spcPct val="90000"/>
-              </a:lnSpc>
-            </a:pPr>
-            <a:r>
-              <a:rPr lang="en-US" sz="2000" dirty="0">
-                <a:solidFill>
-                  <a:sysClr val="windowText" lastClr="000000"/>
-                </a:solidFill>
-              </a:rPr>
-              <a:t>Compare against a manufactured solution</a:t>
-            </a:r>
-          </a:p>
-        </p:txBody>
-      </p:sp>
-      <p:sp>
-        <p:nvSpPr>
           <p:cNvPr id="9" name="Rounded Rectangle 8">
             <a:extLst>
               <a:ext uri="{FF2B5EF4-FFF2-40B4-BE49-F238E27FC236}">
@@ -21880,7 +22199,7 @@
     </p:spTree>
     <p:extLst>
       <p:ext uri="{BB962C8B-B14F-4D97-AF65-F5344CB8AC3E}">
-        <p14:creationId xmlns:p14="http://schemas.microsoft.com/office/powerpoint/2010/main" val="2110374797"/>
+        <p14:creationId xmlns:p14="http://schemas.microsoft.com/office/powerpoint/2010/main" val="3068240201"/>
       </p:ext>
     </p:extLst>
   </p:cSld>
@@ -22863,6 +23182,15 @@
 </file>
 
 <file path=customXml/item1.xml><?xml version="1.0" encoding="utf-8"?>
+<?mso-contentType ?>
+<FormTemplates xmlns="http://schemas.microsoft.com/sharepoint/v3/contenttype/forms">
+  <Display>DocumentLibraryForm</Display>
+  <Edit>DocumentLibraryForm</Edit>
+  <New>DocumentLibraryForm</New>
+</FormTemplates>
+</file>
+
+<file path=customXml/item2.xml><?xml version="1.0" encoding="utf-8"?>
 <ct:contentTypeSchema xmlns:ct="http://schemas.microsoft.com/office/2006/metadata/contentType" xmlns:ma="http://schemas.microsoft.com/office/2006/metadata/properties/metaAttributes" ct:_="" ma:_="" ma:contentTypeName="Document" ma:contentTypeID="0x010100565464437F680748A68B85EB6594EA7D" ma:contentTypeVersion="0" ma:contentTypeDescription="Create a new document." ma:contentTypeScope="" ma:versionID="fe3f4dd58d5914c51cfc6deaa8ad845c">
   <xsd:schema xmlns:xsd="http://www.w3.org/2001/XMLSchema" xmlns:p="http://schemas.microsoft.com/office/2006/metadata/properties" targetNamespace="http://schemas.microsoft.com/office/2006/metadata/properties" ma:root="true" ma:fieldsID="4aeb20c0e3442673af7ee10786458764">
     <xsd:element name="properties">
@@ -22911,15 +23239,6 @@
 </ct:contentTypeSchema>
 </file>
 
-<file path=customXml/item2.xml><?xml version="1.0" encoding="utf-8"?>
-<?mso-contentType ?>
-<FormTemplates xmlns="http://schemas.microsoft.com/sharepoint/v3/contenttype/forms">
-  <Display>DocumentLibraryForm</Display>
-  <Edit>DocumentLibraryForm</Edit>
-  <New>DocumentLibraryForm</New>
-</FormTemplates>
-</file>
-
 <file path=customXml/item3.xml><?xml version="1.0" encoding="utf-8"?>
 <p:properties xmlns:p="http://schemas.microsoft.com/office/2006/metadata/properties" xmlns:xsi="http://www.w3.org/2001/XMLSchema-instance" xmlns:pc="http://schemas.microsoft.com/office/infopath/2007/PartnerControls">
   <documentManagement/>
@@ -22927,6 +23246,14 @@
 </file>
 
 <file path=customXml/itemProps1.xml><?xml version="1.0" encoding="utf-8"?>
+<ds:datastoreItem xmlns:ds="http://schemas.openxmlformats.org/officeDocument/2006/customXml" ds:itemID="{19E20559-B232-4371-8690-E3D8007EDB82}">
+  <ds:schemaRefs>
+    <ds:schemaRef ds:uri="http://schemas.microsoft.com/sharepoint/v3/contenttype/forms"/>
+  </ds:schemaRefs>
+</ds:datastoreItem>
+</file>
+
+<file path=customXml/itemProps2.xml><?xml version="1.0" encoding="utf-8"?>
 <ds:datastoreItem xmlns:ds="http://schemas.openxmlformats.org/officeDocument/2006/customXml" ds:itemID="{E8DB7DEB-074E-4EE8-9B6E-FD277323109C}">
   <ds:schemaRefs>
     <ds:schemaRef ds:uri="http://schemas.microsoft.com/office/2006/metadata/contentType"/>
@@ -22937,14 +23264,6 @@
     <ds:schemaRef ds:uri="http://purl.org/dc/elements/1.1/"/>
     <ds:schemaRef ds:uri="http://purl.org/dc/terms/"/>
     <ds:schemaRef ds:uri="http://schemas.microsoft.com/office/internal/2005/internalDocumentation"/>
-  </ds:schemaRefs>
-</ds:datastoreItem>
-</file>
-
-<file path=customXml/itemProps2.xml><?xml version="1.0" encoding="utf-8"?>
-<ds:datastoreItem xmlns:ds="http://schemas.openxmlformats.org/officeDocument/2006/customXml" ds:itemID="{19E20559-B232-4371-8690-E3D8007EDB82}">
-  <ds:schemaRefs>
-    <ds:schemaRef ds:uri="http://schemas.microsoft.com/sharepoint/v3/contenttype/forms"/>
   </ds:schemaRefs>
 </ds:datastoreItem>
 </file>

--- a/testing-a.pptx
+++ b/testing-a.pptx
@@ -12160,7 +12160,7 @@
           <a:noFill/>
           <a:extLst>
             <a:ext uri="{909E8E84-426E-40dd-AFC4-6F175D3DCCD1}">
-              <a14:hiddenFill xmlns:a14="http://schemas.microsoft.com/office/drawing/2010/main" xmlns="">
+              <a14:hiddenFill xmlns="" xmlns:a14="http://schemas.microsoft.com/office/drawing/2010/main">
                 <a:solidFill>
                   <a:srgbClr val="FFFFFF"/>
                 </a:solidFill>
@@ -23182,12 +23182,9 @@
 </file>
 
 <file path=customXml/item1.xml><?xml version="1.0" encoding="utf-8"?>
-<?mso-contentType ?>
-<FormTemplates xmlns="http://schemas.microsoft.com/sharepoint/v3/contenttype/forms">
-  <Display>DocumentLibraryForm</Display>
-  <Edit>DocumentLibraryForm</Edit>
-  <New>DocumentLibraryForm</New>
-</FormTemplates>
+<p:properties xmlns:p="http://schemas.microsoft.com/office/2006/metadata/properties" xmlns:xsi="http://www.w3.org/2001/XMLSchema-instance" xmlns:pc="http://schemas.microsoft.com/office/infopath/2007/PartnerControls">
+  <documentManagement/>
+</p:properties>
 </file>
 
 <file path=customXml/item2.xml><?xml version="1.0" encoding="utf-8"?>
@@ -23240,15 +23237,25 @@
 </file>
 
 <file path=customXml/item3.xml><?xml version="1.0" encoding="utf-8"?>
-<p:properties xmlns:p="http://schemas.microsoft.com/office/2006/metadata/properties" xmlns:xsi="http://www.w3.org/2001/XMLSchema-instance" xmlns:pc="http://schemas.microsoft.com/office/infopath/2007/PartnerControls">
-  <documentManagement/>
-</p:properties>
+<?mso-contentType ?>
+<FormTemplates xmlns="http://schemas.microsoft.com/sharepoint/v3/contenttype/forms">
+  <Display>DocumentLibraryForm</Display>
+  <Edit>DocumentLibraryForm</Edit>
+  <New>DocumentLibraryForm</New>
+</FormTemplates>
 </file>
 
 <file path=customXml/itemProps1.xml><?xml version="1.0" encoding="utf-8"?>
-<ds:datastoreItem xmlns:ds="http://schemas.openxmlformats.org/officeDocument/2006/customXml" ds:itemID="{19E20559-B232-4371-8690-E3D8007EDB82}">
+<ds:datastoreItem xmlns:ds="http://schemas.openxmlformats.org/officeDocument/2006/customXml" ds:itemID="{A50EC660-24D0-43A0-AE5E-E274115E726B}">
   <ds:schemaRefs>
-    <ds:schemaRef ds:uri="http://schemas.microsoft.com/sharepoint/v3/contenttype/forms"/>
+    <ds:schemaRef ds:uri="http://purl.org/dc/elements/1.1/"/>
+    <ds:schemaRef ds:uri="http://schemas.microsoft.com/office/2006/metadata/properties"/>
+    <ds:schemaRef ds:uri="http://purl.org/dc/terms/"/>
+    <ds:schemaRef ds:uri="http://schemas.openxmlformats.org/package/2006/metadata/core-properties"/>
+    <ds:schemaRef ds:uri="http://schemas.microsoft.com/office/2006/documentManagement/types"/>
+    <ds:schemaRef ds:uri="http://www.w3.org/XML/1998/namespace"/>
+    <ds:schemaRef ds:uri="http://purl.org/dc/dcmitype/"/>
+    <ds:schemaRef ds:uri="http://schemas.microsoft.com/office/infopath/2007/PartnerControls"/>
   </ds:schemaRefs>
 </ds:datastoreItem>
 </file>
@@ -23269,16 +23276,9 @@
 </file>
 
 <file path=customXml/itemProps3.xml><?xml version="1.0" encoding="utf-8"?>
-<ds:datastoreItem xmlns:ds="http://schemas.openxmlformats.org/officeDocument/2006/customXml" ds:itemID="{A50EC660-24D0-43A0-AE5E-E274115E726B}">
+<ds:datastoreItem xmlns:ds="http://schemas.openxmlformats.org/officeDocument/2006/customXml" ds:itemID="{19E20559-B232-4371-8690-E3D8007EDB82}">
   <ds:schemaRefs>
-    <ds:schemaRef ds:uri="http://purl.org/dc/elements/1.1/"/>
-    <ds:schemaRef ds:uri="http://schemas.microsoft.com/office/2006/metadata/properties"/>
-    <ds:schemaRef ds:uri="http://purl.org/dc/terms/"/>
-    <ds:schemaRef ds:uri="http://schemas.openxmlformats.org/package/2006/metadata/core-properties"/>
-    <ds:schemaRef ds:uri="http://schemas.microsoft.com/office/2006/documentManagement/types"/>
-    <ds:schemaRef ds:uri="http://www.w3.org/XML/1998/namespace"/>
-    <ds:schemaRef ds:uri="http://purl.org/dc/dcmitype/"/>
-    <ds:schemaRef ds:uri="http://schemas.microsoft.com/office/infopath/2007/PartnerControls"/>
+    <ds:schemaRef ds:uri="http://schemas.microsoft.com/sharepoint/v3/contenttype/forms"/>
   </ds:schemaRefs>
 </ds:datastoreItem>
 </file>
--- a/testing-a.pptx
+++ b/testing-a.pptx
@@ -296,7 +296,7 @@
           <a:p>
             <a:fld id="{0B842F42-2CE9-4E35-95C1-410DC08A50B1}" type="datetimeFigureOut">
               <a:rPr lang="en-US" smtClean="0"/>
-              <a:t>3/19/24</a:t>
+              <a:t>3/25/24</a:t>
             </a:fld>
             <a:endParaRPr lang="en-US"/>
           </a:p>
@@ -461,7 +461,7 @@
           <a:p>
             <a:fld id="{6F282904-F315-4730-8D91-37D99E141A6F}" type="datetimeFigureOut">
               <a:rPr lang="en-US" smtClean="0"/>
-              <a:t>3/19/24</a:t>
+              <a:t>3/25/24</a:t>
             </a:fld>
             <a:endParaRPr lang="en-US"/>
           </a:p>
@@ -5127,10 +5127,10 @@
       </p:sp>
       <p:pic>
         <p:nvPicPr>
-          <p:cNvPr id="15" name="Picture 14">
+          <p:cNvPr id="5" name="Picture 4">
             <a:extLst>
               <a:ext uri="{FF2B5EF4-FFF2-40B4-BE49-F238E27FC236}">
-                <a16:creationId xmlns:a16="http://schemas.microsoft.com/office/drawing/2014/main" id="{C554CDC7-44CF-4751-9869-0265C8E01840}"/>
+                <a16:creationId xmlns:a16="http://schemas.microsoft.com/office/drawing/2014/main" id="{BF7E92D7-9ED5-A87C-D509-BA64DB423A40}"/>
               </a:ext>
             </a:extLst>
           </p:cNvPr>
@@ -5153,12 +5153,106 @@
         </p:blipFill>
         <p:spPr>
           <a:xfrm>
-            <a:off x="333211" y="3189686"/>
+            <a:off x="601269" y="1812348"/>
             <a:ext cx="2109916" cy="905256"/>
           </a:xfrm>
           <a:prstGeom prst="rect">
             <a:avLst/>
           </a:prstGeom>
+        </p:spPr>
+      </p:pic>
+      <p:pic>
+        <p:nvPicPr>
+          <p:cNvPr id="6" name="Picture 2">
+            <a:extLst>
+              <a:ext uri="{FF2B5EF4-FFF2-40B4-BE49-F238E27FC236}">
+                <a16:creationId xmlns:a16="http://schemas.microsoft.com/office/drawing/2014/main" id="{B8685B5A-1B42-9554-1180-7967FE532B30}"/>
+              </a:ext>
+            </a:extLst>
+          </p:cNvPr>
+          <p:cNvPicPr>
+            <a:picLocks noChangeAspect="1" noChangeArrowheads="1"/>
+          </p:cNvPicPr>
+          <p:nvPr userDrawn="1"/>
+        </p:nvPicPr>
+        <p:blipFill>
+          <a:blip r:embed="rId6">
+            <a:extLst>
+              <a:ext uri="{28A0092B-C50C-407E-A947-70E740481C1C}">
+                <a14:useLocalDpi xmlns:a14="http://schemas.microsoft.com/office/drawing/2010/main" val="0"/>
+              </a:ext>
+            </a:extLst>
+          </a:blip>
+          <a:srcRect/>
+          <a:stretch>
+            <a:fillRect/>
+          </a:stretch>
+        </p:blipFill>
+        <p:spPr bwMode="auto">
+          <a:xfrm>
+            <a:off x="240177" y="4159671"/>
+            <a:ext cx="2832100" cy="1003300"/>
+          </a:xfrm>
+          <a:prstGeom prst="rect">
+            <a:avLst/>
+          </a:prstGeom>
+          <a:noFill/>
+          <a:extLst>
+            <a:ext uri="{909E8E84-426E-40DD-AFC4-6F175D3DCCD1}">
+              <a14:hiddenFill xmlns:a14="http://schemas.microsoft.com/office/drawing/2010/main">
+                <a:solidFill>
+                  <a:srgbClr val="FFFFFF"/>
+                </a:solidFill>
+              </a14:hiddenFill>
+            </a:ext>
+          </a:extLst>
+        </p:spPr>
+      </p:pic>
+      <p:pic>
+        <p:nvPicPr>
+          <p:cNvPr id="7" name="Picture 4">
+            <a:extLst>
+              <a:ext uri="{FF2B5EF4-FFF2-40B4-BE49-F238E27FC236}">
+                <a16:creationId xmlns:a16="http://schemas.microsoft.com/office/drawing/2014/main" id="{63495F55-8B64-2E14-879A-F0E83862F680}"/>
+              </a:ext>
+            </a:extLst>
+          </p:cNvPr>
+          <p:cNvPicPr>
+            <a:picLocks noChangeAspect="1" noChangeArrowheads="1"/>
+          </p:cNvPicPr>
+          <p:nvPr userDrawn="1"/>
+        </p:nvPicPr>
+        <p:blipFill>
+          <a:blip r:embed="rId7">
+            <a:extLst>
+              <a:ext uri="{28A0092B-C50C-407E-A947-70E740481C1C}">
+                <a14:useLocalDpi xmlns:a14="http://schemas.microsoft.com/office/drawing/2010/main" val="0"/>
+              </a:ext>
+            </a:extLst>
+          </a:blip>
+          <a:srcRect/>
+          <a:stretch>
+            <a:fillRect/>
+          </a:stretch>
+        </p:blipFill>
+        <p:spPr bwMode="auto">
+          <a:xfrm>
+            <a:off x="76990" y="3344480"/>
+            <a:ext cx="2937455" cy="682907"/>
+          </a:xfrm>
+          <a:prstGeom prst="rect">
+            <a:avLst/>
+          </a:prstGeom>
+          <a:noFill/>
+          <a:extLst>
+            <a:ext uri="{909E8E84-426E-40DD-AFC4-6F175D3DCCD1}">
+              <a14:hiddenFill xmlns:a14="http://schemas.microsoft.com/office/drawing/2010/main">
+                <a:solidFill>
+                  <a:srgbClr val="FFFFFF"/>
+                </a:solidFill>
+              </a14:hiddenFill>
+            </a:ext>
+          </a:extLst>
         </p:spPr>
       </p:pic>
     </p:spTree>
@@ -14513,7 +14607,7 @@
           <a:noFill/>
           <a:extLst>
             <a:ext uri="{909E8E84-426E-40dd-AFC4-6F175D3DCCD1}">
-              <a14:hiddenFill xmlns="" xmlns:a14="http://schemas.microsoft.com/office/drawing/2010/main">
+              <a14:hiddenFill xmlns:a14="http://schemas.microsoft.com/office/drawing/2010/main" xmlns="">
                 <a:solidFill>
                   <a:srgbClr val="FFFFFF"/>
                 </a:solidFill>
@@ -25673,21 +25767,12 @@
 </file>
 
 <file path=customXml/item1.xml><?xml version="1.0" encoding="utf-8"?>
-<?mso-contentType ?>
-<FormTemplates xmlns="http://schemas.microsoft.com/sharepoint/v3/contenttype/forms">
-  <Display>DocumentLibraryForm</Display>
-  <Edit>DocumentLibraryForm</Edit>
-  <New>DocumentLibraryForm</New>
-</FormTemplates>
-</file>
-
-<file path=customXml/item2.xml><?xml version="1.0" encoding="utf-8"?>
 <p:properties xmlns:p="http://schemas.microsoft.com/office/2006/metadata/properties" xmlns:xsi="http://www.w3.org/2001/XMLSchema-instance" xmlns:pc="http://schemas.microsoft.com/office/infopath/2007/PartnerControls">
   <documentManagement/>
 </p:properties>
 </file>
 
-<file path=customXml/item3.xml><?xml version="1.0" encoding="utf-8"?>
+<file path=customXml/item2.xml><?xml version="1.0" encoding="utf-8"?>
 <ct:contentTypeSchema xmlns:ct="http://schemas.microsoft.com/office/2006/metadata/contentType" xmlns:ma="http://schemas.microsoft.com/office/2006/metadata/properties/metaAttributes" ct:_="" ma:_="" ma:contentTypeName="Document" ma:contentTypeID="0x010100565464437F680748A68B85EB6594EA7D" ma:contentTypeVersion="0" ma:contentTypeDescription="Create a new document." ma:contentTypeScope="" ma:versionID="fe3f4dd58d5914c51cfc6deaa8ad845c">
   <xsd:schema xmlns:xsd="http://www.w3.org/2001/XMLSchema" xmlns:p="http://schemas.microsoft.com/office/2006/metadata/properties" targetNamespace="http://schemas.microsoft.com/office/2006/metadata/properties" ma:root="true" ma:fieldsID="4aeb20c0e3442673af7ee10786458764">
     <xsd:element name="properties">
@@ -25736,15 +25821,16 @@
 </ct:contentTypeSchema>
 </file>
 
-<file path=customXml/itemProps1.xml><?xml version="1.0" encoding="utf-8"?>
-<ds:datastoreItem xmlns:ds="http://schemas.openxmlformats.org/officeDocument/2006/customXml" ds:itemID="{19E20559-B232-4371-8690-E3D8007EDB82}">
-  <ds:schemaRefs>
-    <ds:schemaRef ds:uri="http://schemas.microsoft.com/sharepoint/v3/contenttype/forms"/>
-  </ds:schemaRefs>
-</ds:datastoreItem>
+<file path=customXml/item3.xml><?xml version="1.0" encoding="utf-8"?>
+<?mso-contentType ?>
+<FormTemplates xmlns="http://schemas.microsoft.com/sharepoint/v3/contenttype/forms">
+  <Display>DocumentLibraryForm</Display>
+  <Edit>DocumentLibraryForm</Edit>
+  <New>DocumentLibraryForm</New>
+</FormTemplates>
 </file>
 
-<file path=customXml/itemProps2.xml><?xml version="1.0" encoding="utf-8"?>
+<file path=customXml/itemProps1.xml><?xml version="1.0" encoding="utf-8"?>
 <ds:datastoreItem xmlns:ds="http://schemas.openxmlformats.org/officeDocument/2006/customXml" ds:itemID="{A50EC660-24D0-43A0-AE5E-E274115E726B}">
   <ds:schemaRefs>
     <ds:schemaRef ds:uri="http://purl.org/dc/elements/1.1/"/>
@@ -25759,7 +25845,7 @@
 </ds:datastoreItem>
 </file>
 
-<file path=customXml/itemProps3.xml><?xml version="1.0" encoding="utf-8"?>
+<file path=customXml/itemProps2.xml><?xml version="1.0" encoding="utf-8"?>
 <ds:datastoreItem xmlns:ds="http://schemas.openxmlformats.org/officeDocument/2006/customXml" ds:itemID="{E8DB7DEB-074E-4EE8-9B6E-FD277323109C}">
   <ds:schemaRefs>
     <ds:schemaRef ds:uri="http://schemas.microsoft.com/office/2006/metadata/contentType"/>
@@ -25772,4 +25858,12 @@
     <ds:schemaRef ds:uri="http://schemas.microsoft.com/office/internal/2005/internalDocumentation"/>
   </ds:schemaRefs>
 </ds:datastoreItem>
+</file>
+
+<file path=customXml/itemProps3.xml><?xml version="1.0" encoding="utf-8"?>
+<ds:datastoreItem xmlns:ds="http://schemas.openxmlformats.org/officeDocument/2006/customXml" ds:itemID="{19E20559-B232-4371-8690-E3D8007EDB82}">
+  <ds:schemaRefs>
+    <ds:schemaRef ds:uri="http://schemas.microsoft.com/sharepoint/v3/contenttype/forms"/>
+  </ds:schemaRefs>
+</ds:datastoreItem>
 </file>
--- a/testing-a.pptx
+++ b/testing-a.pptx
@@ -296,7 +296,7 @@
           <a:p>
             <a:fld id="{0B842F42-2CE9-4E35-95C1-410DC08A50B1}" type="datetimeFigureOut">
               <a:rPr lang="en-US" smtClean="0"/>
-              <a:t>3/25/24</a:t>
+              <a:t>4/4/24</a:t>
             </a:fld>
             <a:endParaRPr lang="en-US"/>
           </a:p>
@@ -461,7 +461,7 @@
           <a:p>
             <a:fld id="{6F282904-F315-4730-8D91-37D99E141A6F}" type="datetimeFigureOut">
               <a:rPr lang="en-US" smtClean="0"/>
-              <a:t>3/25/24</a:t>
+              <a:t>4/4/24</a:t>
             </a:fld>
             <a:endParaRPr lang="en-US"/>
           </a:p>
@@ -5125,136 +5125,193 @@
           </a:p>
         </p:txBody>
       </p:sp>
-      <p:pic>
-        <p:nvPicPr>
-          <p:cNvPr id="5" name="Picture 4">
+      <p:grpSp>
+        <p:nvGrpSpPr>
+          <p:cNvPr id="8" name="Group 7">
             <a:extLst>
               <a:ext uri="{FF2B5EF4-FFF2-40B4-BE49-F238E27FC236}">
-                <a16:creationId xmlns:a16="http://schemas.microsoft.com/office/drawing/2014/main" id="{BF7E92D7-9ED5-A87C-D509-BA64DB423A40}"/>
+                <a16:creationId xmlns:a16="http://schemas.microsoft.com/office/drawing/2014/main" id="{66212102-C60F-28FB-0C8C-FF45D34D476E}"/>
               </a:ext>
             </a:extLst>
           </p:cNvPr>
-          <p:cNvPicPr>
-            <a:picLocks noChangeAspect="1"/>
-          </p:cNvPicPr>
+          <p:cNvGrpSpPr/>
           <p:nvPr userDrawn="1"/>
-        </p:nvPicPr>
-        <p:blipFill>
-          <a:blip r:embed="rId5" cstate="print">
+        </p:nvGrpSpPr>
+        <p:grpSpPr>
+          <a:xfrm>
+            <a:off x="66198" y="226243"/>
+            <a:ext cx="2937455" cy="5079380"/>
+            <a:chOff x="-80559" y="113353"/>
+            <a:chExt cx="2937455" cy="5079380"/>
+          </a:xfrm>
+        </p:grpSpPr>
+        <p:pic>
+          <p:nvPicPr>
+            <p:cNvPr id="9" name="Picture 8">
+              <a:extLst>
+                <a:ext uri="{FF2B5EF4-FFF2-40B4-BE49-F238E27FC236}">
+                  <a16:creationId xmlns:a16="http://schemas.microsoft.com/office/drawing/2014/main" id="{B66E9FC7-4CB7-D6ED-BFB7-17917D801570}"/>
+                </a:ext>
+              </a:extLst>
+            </p:cNvPr>
+            <p:cNvPicPr>
+              <a:picLocks noChangeAspect="1"/>
+            </p:cNvPicPr>
+            <p:nvPr userDrawn="1"/>
+          </p:nvPicPr>
+          <p:blipFill>
+            <a:blip r:embed="rId5" cstate="print">
+              <a:extLst>
+                <a:ext uri="{28A0092B-C50C-407E-A947-70E740481C1C}">
+                  <a14:useLocalDpi xmlns:a14="http://schemas.microsoft.com/office/drawing/2010/main" val="0"/>
+                </a:ext>
+              </a:extLst>
+            </a:blip>
+            <a:stretch>
+              <a:fillRect/>
+            </a:stretch>
+          </p:blipFill>
+          <p:spPr>
+            <a:xfrm>
+              <a:off x="263939" y="113353"/>
+              <a:ext cx="2109916" cy="905256"/>
+            </a:xfrm>
+            <a:prstGeom prst="rect">
+              <a:avLst/>
+            </a:prstGeom>
+          </p:spPr>
+        </p:pic>
+        <p:pic>
+          <p:nvPicPr>
+            <p:cNvPr id="10" name="Picture 2">
+              <a:extLst>
+                <a:ext uri="{FF2B5EF4-FFF2-40B4-BE49-F238E27FC236}">
+                  <a16:creationId xmlns:a16="http://schemas.microsoft.com/office/drawing/2014/main" id="{AFBDE374-F0F0-A7D4-6189-674DBAF1E036}"/>
+                </a:ext>
+              </a:extLst>
+            </p:cNvPr>
+            <p:cNvPicPr>
+              <a:picLocks noChangeAspect="1" noChangeArrowheads="1"/>
+            </p:cNvPicPr>
+            <p:nvPr userDrawn="1"/>
+          </p:nvPicPr>
+          <p:blipFill>
+            <a:blip r:embed="rId6">
+              <a:extLst>
+                <a:ext uri="{28A0092B-C50C-407E-A947-70E740481C1C}">
+                  <a14:useLocalDpi xmlns:a14="http://schemas.microsoft.com/office/drawing/2010/main" val="0"/>
+                </a:ext>
+              </a:extLst>
+            </a:blip>
+            <a:srcRect/>
+            <a:stretch>
+              <a:fillRect/>
+            </a:stretch>
+          </p:blipFill>
+          <p:spPr bwMode="auto">
+            <a:xfrm>
+              <a:off x="24796" y="3155674"/>
+              <a:ext cx="2832100" cy="1003300"/>
+            </a:xfrm>
+            <a:prstGeom prst="rect">
+              <a:avLst/>
+            </a:prstGeom>
+            <a:noFill/>
             <a:extLst>
-              <a:ext uri="{28A0092B-C50C-407E-A947-70E740481C1C}">
-                <a14:useLocalDpi xmlns:a14="http://schemas.microsoft.com/office/drawing/2010/main" val="0"/>
+              <a:ext uri="{909E8E84-426E-40DD-AFC4-6F175D3DCCD1}">
+                <a14:hiddenFill xmlns:a14="http://schemas.microsoft.com/office/drawing/2010/main">
+                  <a:solidFill>
+                    <a:srgbClr val="FFFFFF"/>
+                  </a:solidFill>
+                </a14:hiddenFill>
               </a:ext>
             </a:extLst>
-          </a:blip>
-          <a:stretch>
-            <a:fillRect/>
-          </a:stretch>
-        </p:blipFill>
-        <p:spPr>
-          <a:xfrm>
-            <a:off x="601269" y="1812348"/>
-            <a:ext cx="2109916" cy="905256"/>
-          </a:xfrm>
-          <a:prstGeom prst="rect">
-            <a:avLst/>
-          </a:prstGeom>
-        </p:spPr>
-      </p:pic>
-      <p:pic>
-        <p:nvPicPr>
-          <p:cNvPr id="6" name="Picture 2">
+          </p:spPr>
+        </p:pic>
+        <p:pic>
+          <p:nvPicPr>
+            <p:cNvPr id="11" name="Picture 4">
+              <a:extLst>
+                <a:ext uri="{FF2B5EF4-FFF2-40B4-BE49-F238E27FC236}">
+                  <a16:creationId xmlns:a16="http://schemas.microsoft.com/office/drawing/2014/main" id="{1C14AE32-2A23-D323-0C4B-57ACDA4906E0}"/>
+                </a:ext>
+              </a:extLst>
+            </p:cNvPr>
+            <p:cNvPicPr>
+              <a:picLocks noChangeAspect="1" noChangeArrowheads="1"/>
+            </p:cNvPicPr>
+            <p:nvPr userDrawn="1"/>
+          </p:nvPicPr>
+          <p:blipFill>
+            <a:blip r:embed="rId7">
+              <a:extLst>
+                <a:ext uri="{28A0092B-C50C-407E-A947-70E740481C1C}">
+                  <a14:useLocalDpi xmlns:a14="http://schemas.microsoft.com/office/drawing/2010/main" val="0"/>
+                </a:ext>
+              </a:extLst>
+            </a:blip>
+            <a:srcRect/>
+            <a:stretch>
+              <a:fillRect/>
+            </a:stretch>
+          </p:blipFill>
+          <p:spPr bwMode="auto">
+            <a:xfrm>
+              <a:off x="-80559" y="2517770"/>
+              <a:ext cx="2937455" cy="682907"/>
+            </a:xfrm>
+            <a:prstGeom prst="rect">
+              <a:avLst/>
+            </a:prstGeom>
+            <a:noFill/>
             <a:extLst>
-              <a:ext uri="{FF2B5EF4-FFF2-40B4-BE49-F238E27FC236}">
-                <a16:creationId xmlns:a16="http://schemas.microsoft.com/office/drawing/2014/main" id="{B8685B5A-1B42-9554-1180-7967FE532B30}"/>
+              <a:ext uri="{909E8E84-426E-40DD-AFC4-6F175D3DCCD1}">
+                <a14:hiddenFill xmlns:a14="http://schemas.microsoft.com/office/drawing/2010/main">
+                  <a:solidFill>
+                    <a:srgbClr val="FFFFFF"/>
+                  </a:solidFill>
+                </a14:hiddenFill>
               </a:ext>
             </a:extLst>
-          </p:cNvPr>
-          <p:cNvPicPr>
-            <a:picLocks noChangeAspect="1" noChangeArrowheads="1"/>
-          </p:cNvPicPr>
-          <p:nvPr userDrawn="1"/>
-        </p:nvPicPr>
-        <p:blipFill>
-          <a:blip r:embed="rId6">
-            <a:extLst>
-              <a:ext uri="{28A0092B-C50C-407E-A947-70E740481C1C}">
-                <a14:useLocalDpi xmlns:a14="http://schemas.microsoft.com/office/drawing/2010/main" val="0"/>
-              </a:ext>
-            </a:extLst>
-          </a:blip>
-          <a:srcRect/>
-          <a:stretch>
-            <a:fillRect/>
-          </a:stretch>
-        </p:blipFill>
-        <p:spPr bwMode="auto">
-          <a:xfrm>
-            <a:off x="240177" y="4159671"/>
-            <a:ext cx="2832100" cy="1003300"/>
-          </a:xfrm>
-          <a:prstGeom prst="rect">
-            <a:avLst/>
-          </a:prstGeom>
-          <a:noFill/>
-          <a:extLst>
-            <a:ext uri="{909E8E84-426E-40DD-AFC4-6F175D3DCCD1}">
-              <a14:hiddenFill xmlns:a14="http://schemas.microsoft.com/office/drawing/2010/main">
-                <a:solidFill>
-                  <a:srgbClr val="FFFFFF"/>
-                </a:solidFill>
-              </a14:hiddenFill>
-            </a:ext>
-          </a:extLst>
-        </p:spPr>
-      </p:pic>
-      <p:pic>
-        <p:nvPicPr>
-          <p:cNvPr id="7" name="Picture 4">
-            <a:extLst>
-              <a:ext uri="{FF2B5EF4-FFF2-40B4-BE49-F238E27FC236}">
-                <a16:creationId xmlns:a16="http://schemas.microsoft.com/office/drawing/2014/main" id="{63495F55-8B64-2E14-879A-F0E83862F680}"/>
-              </a:ext>
-            </a:extLst>
-          </p:cNvPr>
-          <p:cNvPicPr>
-            <a:picLocks noChangeAspect="1" noChangeArrowheads="1"/>
-          </p:cNvPicPr>
-          <p:nvPr userDrawn="1"/>
-        </p:nvPicPr>
-        <p:blipFill>
-          <a:blip r:embed="rId7">
-            <a:extLst>
-              <a:ext uri="{28A0092B-C50C-407E-A947-70E740481C1C}">
-                <a14:useLocalDpi xmlns:a14="http://schemas.microsoft.com/office/drawing/2010/main" val="0"/>
-              </a:ext>
-            </a:extLst>
-          </a:blip>
-          <a:srcRect/>
-          <a:stretch>
-            <a:fillRect/>
-          </a:stretch>
-        </p:blipFill>
-        <p:spPr bwMode="auto">
-          <a:xfrm>
-            <a:off x="76990" y="3344480"/>
-            <a:ext cx="2937455" cy="682907"/>
-          </a:xfrm>
-          <a:prstGeom prst="rect">
-            <a:avLst/>
-          </a:prstGeom>
-          <a:noFill/>
-          <a:extLst>
-            <a:ext uri="{909E8E84-426E-40DD-AFC4-6F175D3DCCD1}">
-              <a14:hiddenFill xmlns:a14="http://schemas.microsoft.com/office/drawing/2010/main">
-                <a:solidFill>
-                  <a:srgbClr val="FFFFFF"/>
-                </a:solidFill>
-              </a14:hiddenFill>
-            </a:ext>
-          </a:extLst>
-        </p:spPr>
-      </p:pic>
+          </p:spPr>
+        </p:pic>
+        <p:pic>
+          <p:nvPicPr>
+            <p:cNvPr id="12" name="Picture 11" descr="A black and white sign with blue text&#10;&#10;Description automatically generated">
+              <a:extLst>
+                <a:ext uri="{FF2B5EF4-FFF2-40B4-BE49-F238E27FC236}">
+                  <a16:creationId xmlns:a16="http://schemas.microsoft.com/office/drawing/2014/main" id="{CBE8C278-7C0B-6C0E-0E69-F55AB930CDDF}"/>
+                </a:ext>
+              </a:extLst>
+            </p:cNvPr>
+            <p:cNvPicPr>
+              <a:picLocks noChangeAspect="1"/>
+            </p:cNvPicPr>
+            <p:nvPr userDrawn="1"/>
+          </p:nvPicPr>
+          <p:blipFill>
+            <a:blip r:embed="rId8">
+              <a:extLst>
+                <a:ext uri="{28A0092B-C50C-407E-A947-70E740481C1C}">
+                  <a14:useLocalDpi xmlns:a14="http://schemas.microsoft.com/office/drawing/2010/main" val="0"/>
+                </a:ext>
+              </a:extLst>
+            </a:blip>
+            <a:stretch>
+              <a:fillRect/>
+            </a:stretch>
+          </p:blipFill>
+          <p:spPr>
+            <a:xfrm>
+              <a:off x="263939" y="4401022"/>
+              <a:ext cx="2455333" cy="791711"/>
+            </a:xfrm>
+            <a:prstGeom prst="rect">
+              <a:avLst/>
+            </a:prstGeom>
+          </p:spPr>
+        </p:pic>
+      </p:grpSp>
     </p:spTree>
     <p:extLst>
       <p:ext uri="{BB962C8B-B14F-4D97-AF65-F5344CB8AC3E}">
@@ -14607,7 +14664,7 @@
           <a:noFill/>
           <a:extLst>
             <a:ext uri="{909E8E84-426E-40dd-AFC4-6F175D3DCCD1}">
-              <a14:hiddenFill xmlns:a14="http://schemas.microsoft.com/office/drawing/2010/main" xmlns="">
+              <a14:hiddenFill xmlns="" xmlns:a14="http://schemas.microsoft.com/office/drawing/2010/main">
                 <a:solidFill>
                   <a:srgbClr val="FFFFFF"/>
                 </a:solidFill>
@@ -25767,12 +25824,6 @@
 </file>
 
 <file path=customXml/item1.xml><?xml version="1.0" encoding="utf-8"?>
-<p:properties xmlns:p="http://schemas.microsoft.com/office/2006/metadata/properties" xmlns:xsi="http://www.w3.org/2001/XMLSchema-instance" xmlns:pc="http://schemas.microsoft.com/office/infopath/2007/PartnerControls">
-  <documentManagement/>
-</p:properties>
-</file>
-
-<file path=customXml/item2.xml><?xml version="1.0" encoding="utf-8"?>
 <ct:contentTypeSchema xmlns:ct="http://schemas.microsoft.com/office/2006/metadata/contentType" xmlns:ma="http://schemas.microsoft.com/office/2006/metadata/properties/metaAttributes" ct:_="" ma:_="" ma:contentTypeName="Document" ma:contentTypeID="0x010100565464437F680748A68B85EB6594EA7D" ma:contentTypeVersion="0" ma:contentTypeDescription="Create a new document." ma:contentTypeScope="" ma:versionID="fe3f4dd58d5914c51cfc6deaa8ad845c">
   <xsd:schema xmlns:xsd="http://www.w3.org/2001/XMLSchema" xmlns:p="http://schemas.microsoft.com/office/2006/metadata/properties" targetNamespace="http://schemas.microsoft.com/office/2006/metadata/properties" ma:root="true" ma:fieldsID="4aeb20c0e3442673af7ee10786458764">
     <xsd:element name="properties">
@@ -25821,7 +25872,7 @@
 </ct:contentTypeSchema>
 </file>
 
-<file path=customXml/item3.xml><?xml version="1.0" encoding="utf-8"?>
+<file path=customXml/item2.xml><?xml version="1.0" encoding="utf-8"?>
 <?mso-contentType ?>
 <FormTemplates xmlns="http://schemas.microsoft.com/sharepoint/v3/contenttype/forms">
   <Display>DocumentLibraryForm</Display>
@@ -25830,22 +25881,13 @@
 </FormTemplates>
 </file>
 
-<file path=customXml/itemProps1.xml><?xml version="1.0" encoding="utf-8"?>
-<ds:datastoreItem xmlns:ds="http://schemas.openxmlformats.org/officeDocument/2006/customXml" ds:itemID="{A50EC660-24D0-43A0-AE5E-E274115E726B}">
-  <ds:schemaRefs>
-    <ds:schemaRef ds:uri="http://purl.org/dc/elements/1.1/"/>
-    <ds:schemaRef ds:uri="http://schemas.microsoft.com/office/2006/metadata/properties"/>
-    <ds:schemaRef ds:uri="http://purl.org/dc/terms/"/>
-    <ds:schemaRef ds:uri="http://schemas.openxmlformats.org/package/2006/metadata/core-properties"/>
-    <ds:schemaRef ds:uri="http://schemas.microsoft.com/office/2006/documentManagement/types"/>
-    <ds:schemaRef ds:uri="http://www.w3.org/XML/1998/namespace"/>
-    <ds:schemaRef ds:uri="http://purl.org/dc/dcmitype/"/>
-    <ds:schemaRef ds:uri="http://schemas.microsoft.com/office/infopath/2007/PartnerControls"/>
-  </ds:schemaRefs>
-</ds:datastoreItem>
+<file path=customXml/item3.xml><?xml version="1.0" encoding="utf-8"?>
+<p:properties xmlns:p="http://schemas.microsoft.com/office/2006/metadata/properties" xmlns:xsi="http://www.w3.org/2001/XMLSchema-instance" xmlns:pc="http://schemas.microsoft.com/office/infopath/2007/PartnerControls">
+  <documentManagement/>
+</p:properties>
 </file>
 
-<file path=customXml/itemProps2.xml><?xml version="1.0" encoding="utf-8"?>
+<file path=customXml/itemProps1.xml><?xml version="1.0" encoding="utf-8"?>
 <ds:datastoreItem xmlns:ds="http://schemas.openxmlformats.org/officeDocument/2006/customXml" ds:itemID="{E8DB7DEB-074E-4EE8-9B6E-FD277323109C}">
   <ds:schemaRefs>
     <ds:schemaRef ds:uri="http://schemas.microsoft.com/office/2006/metadata/contentType"/>
@@ -25860,10 +25902,25 @@
 </ds:datastoreItem>
 </file>
 
-<file path=customXml/itemProps3.xml><?xml version="1.0" encoding="utf-8"?>
+<file path=customXml/itemProps2.xml><?xml version="1.0" encoding="utf-8"?>
 <ds:datastoreItem xmlns:ds="http://schemas.openxmlformats.org/officeDocument/2006/customXml" ds:itemID="{19E20559-B232-4371-8690-E3D8007EDB82}">
   <ds:schemaRefs>
     <ds:schemaRef ds:uri="http://schemas.microsoft.com/sharepoint/v3/contenttype/forms"/>
   </ds:schemaRefs>
 </ds:datastoreItem>
+</file>
+
+<file path=customXml/itemProps3.xml><?xml version="1.0" encoding="utf-8"?>
+<ds:datastoreItem xmlns:ds="http://schemas.openxmlformats.org/officeDocument/2006/customXml" ds:itemID="{A50EC660-24D0-43A0-AE5E-E274115E726B}">
+  <ds:schemaRefs>
+    <ds:schemaRef ds:uri="http://purl.org/dc/elements/1.1/"/>
+    <ds:schemaRef ds:uri="http://schemas.microsoft.com/office/2006/metadata/properties"/>
+    <ds:schemaRef ds:uri="http://purl.org/dc/terms/"/>
+    <ds:schemaRef ds:uri="http://schemas.openxmlformats.org/package/2006/metadata/core-properties"/>
+    <ds:schemaRef ds:uri="http://schemas.microsoft.com/office/2006/documentManagement/types"/>
+    <ds:schemaRef ds:uri="http://www.w3.org/XML/1998/namespace"/>
+    <ds:schemaRef ds:uri="http://purl.org/dc/dcmitype/"/>
+    <ds:schemaRef ds:uri="http://schemas.microsoft.com/office/infopath/2007/PartnerControls"/>
+  </ds:schemaRefs>
+</ds:datastoreItem>
 </file>
--- a/testing-a.pptx
+++ b/testing-a.pptx
@@ -296,7 +296,7 @@
           <a:p>
             <a:fld id="{0B842F42-2CE9-4E35-95C1-410DC08A50B1}" type="datetimeFigureOut">
               <a:rPr lang="en-US" smtClean="0"/>
-              <a:t>4/4/24</a:t>
+              <a:t>4/24/2024</a:t>
             </a:fld>
             <a:endParaRPr lang="en-US"/>
           </a:p>
@@ -461,7 +461,7 @@
           <a:p>
             <a:fld id="{6F282904-F315-4730-8D91-37D99E141A6F}" type="datetimeFigureOut">
               <a:rPr lang="en-US" smtClean="0"/>
-              <a:t>4/4/24</a:t>
+              <a:t>4/24/2024</a:t>
             </a:fld>
             <a:endParaRPr lang="en-US"/>
           </a:p>
@@ -5243,7 +5243,7 @@
             <p:nvPr userDrawn="1"/>
           </p:nvPicPr>
           <p:blipFill>
-            <a:blip r:embed="rId7">
+            <a:blip r:embed="rId7" cstate="print">
               <a:extLst>
                 <a:ext uri="{28A0092B-C50C-407E-A947-70E740481C1C}">
                   <a14:useLocalDpi xmlns:a14="http://schemas.microsoft.com/office/drawing/2010/main" val="0"/>
@@ -5290,7 +5290,7 @@
             <p:nvPr userDrawn="1"/>
           </p:nvPicPr>
           <p:blipFill>
-            <a:blip r:embed="rId8">
+            <a:blip r:embed="rId8" cstate="print">
               <a:extLst>
                 <a:ext uri="{28A0092B-C50C-407E-A947-70E740481C1C}">
                   <a14:useLocalDpi xmlns:a14="http://schemas.microsoft.com/office/drawing/2010/main" val="0"/>
@@ -14664,7 +14664,7 @@
           <a:noFill/>
           <a:extLst>
             <a:ext uri="{909E8E84-426E-40dd-AFC4-6F175D3DCCD1}">
-              <a14:hiddenFill xmlns="" xmlns:a14="http://schemas.microsoft.com/office/drawing/2010/main">
+              <a14:hiddenFill xmlns:a14="http://schemas.microsoft.com/office/drawing/2010/main" xmlns="">
                 <a:solidFill>
                   <a:srgbClr val="FFFFFF"/>
                 </a:solidFill>
@@ -20804,31 +20804,7 @@
               <a:rPr lang="en-US" dirty="0">
                 <a:hlinkClick r:id="rId3"/>
               </a:rPr>
-              <a:t>http://</a:t>
-            </a:r>
-            <a:r>
-              <a:rPr lang="en-US" dirty="0" err="1">
-                <a:hlinkClick r:id="rId3"/>
-              </a:rPr>
-              <a:t>ltp.sourceforge.net</a:t>
-            </a:r>
-            <a:r>
-              <a:rPr lang="en-US" dirty="0">
-                <a:hlinkClick r:id="rId3"/>
-              </a:rPr>
-              <a:t>/coverage/</a:t>
-            </a:r>
-            <a:r>
-              <a:rPr lang="en-US" dirty="0" err="1">
-                <a:hlinkClick r:id="rId3"/>
-              </a:rPr>
-              <a:t>lcov.php</a:t>
-            </a:r>
-            <a:r>
-              <a:rPr lang="en-US" dirty="0">
-                <a:hlinkClick r:id="rId3"/>
-              </a:rPr>
-              <a:t> </a:t>
+              <a:t>https://github.com/linux-test-project/lcov</a:t>
             </a:r>
             <a:endParaRPr lang="en-US" dirty="0"/>
           </a:p>
@@ -25824,6 +25800,21 @@
 </file>
 
 <file path=customXml/item1.xml><?xml version="1.0" encoding="utf-8"?>
+<?mso-contentType ?>
+<FormTemplates xmlns="http://schemas.microsoft.com/sharepoint/v3/contenttype/forms">
+  <Display>DocumentLibraryForm</Display>
+  <Edit>DocumentLibraryForm</Edit>
+  <New>DocumentLibraryForm</New>
+</FormTemplates>
+</file>
+
+<file path=customXml/item2.xml><?xml version="1.0" encoding="utf-8"?>
+<p:properties xmlns:p="http://schemas.microsoft.com/office/2006/metadata/properties" xmlns:xsi="http://www.w3.org/2001/XMLSchema-instance" xmlns:pc="http://schemas.microsoft.com/office/infopath/2007/PartnerControls">
+  <documentManagement/>
+</p:properties>
+</file>
+
+<file path=customXml/item3.xml><?xml version="1.0" encoding="utf-8"?>
 <ct:contentTypeSchema xmlns:ct="http://schemas.microsoft.com/office/2006/metadata/contentType" xmlns:ma="http://schemas.microsoft.com/office/2006/metadata/properties/metaAttributes" ct:_="" ma:_="" ma:contentTypeName="Document" ma:contentTypeID="0x010100565464437F680748A68B85EB6594EA7D" ma:contentTypeVersion="0" ma:contentTypeDescription="Create a new document." ma:contentTypeScope="" ma:versionID="fe3f4dd58d5914c51cfc6deaa8ad845c">
   <xsd:schema xmlns:xsd="http://www.w3.org/2001/XMLSchema" xmlns:p="http://schemas.microsoft.com/office/2006/metadata/properties" targetNamespace="http://schemas.microsoft.com/office/2006/metadata/properties" ma:root="true" ma:fieldsID="4aeb20c0e3442673af7ee10786458764">
     <xsd:element name="properties">
@@ -25872,22 +25863,30 @@
 </ct:contentTypeSchema>
 </file>
 
-<file path=customXml/item2.xml><?xml version="1.0" encoding="utf-8"?>
-<?mso-contentType ?>
-<FormTemplates xmlns="http://schemas.microsoft.com/sharepoint/v3/contenttype/forms">
-  <Display>DocumentLibraryForm</Display>
-  <Edit>DocumentLibraryForm</Edit>
-  <New>DocumentLibraryForm</New>
-</FormTemplates>
+<file path=customXml/itemProps1.xml><?xml version="1.0" encoding="utf-8"?>
+<ds:datastoreItem xmlns:ds="http://schemas.openxmlformats.org/officeDocument/2006/customXml" ds:itemID="{19E20559-B232-4371-8690-E3D8007EDB82}">
+  <ds:schemaRefs>
+    <ds:schemaRef ds:uri="http://schemas.microsoft.com/sharepoint/v3/contenttype/forms"/>
+  </ds:schemaRefs>
+</ds:datastoreItem>
 </file>
 
-<file path=customXml/item3.xml><?xml version="1.0" encoding="utf-8"?>
-<p:properties xmlns:p="http://schemas.microsoft.com/office/2006/metadata/properties" xmlns:xsi="http://www.w3.org/2001/XMLSchema-instance" xmlns:pc="http://schemas.microsoft.com/office/infopath/2007/PartnerControls">
-  <documentManagement/>
-</p:properties>
+<file path=customXml/itemProps2.xml><?xml version="1.0" encoding="utf-8"?>
+<ds:datastoreItem xmlns:ds="http://schemas.openxmlformats.org/officeDocument/2006/customXml" ds:itemID="{A50EC660-24D0-43A0-AE5E-E274115E726B}">
+  <ds:schemaRefs>
+    <ds:schemaRef ds:uri="http://purl.org/dc/elements/1.1/"/>
+    <ds:schemaRef ds:uri="http://schemas.microsoft.com/office/2006/metadata/properties"/>
+    <ds:schemaRef ds:uri="http://purl.org/dc/terms/"/>
+    <ds:schemaRef ds:uri="http://schemas.openxmlformats.org/package/2006/metadata/core-properties"/>
+    <ds:schemaRef ds:uri="http://schemas.microsoft.com/office/2006/documentManagement/types"/>
+    <ds:schemaRef ds:uri="http://www.w3.org/XML/1998/namespace"/>
+    <ds:schemaRef ds:uri="http://purl.org/dc/dcmitype/"/>
+    <ds:schemaRef ds:uri="http://schemas.microsoft.com/office/infopath/2007/PartnerControls"/>
+  </ds:schemaRefs>
+</ds:datastoreItem>
 </file>
 
-<file path=customXml/itemProps1.xml><?xml version="1.0" encoding="utf-8"?>
+<file path=customXml/itemProps3.xml><?xml version="1.0" encoding="utf-8"?>
 <ds:datastoreItem xmlns:ds="http://schemas.openxmlformats.org/officeDocument/2006/customXml" ds:itemID="{E8DB7DEB-074E-4EE8-9B6E-FD277323109C}">
   <ds:schemaRefs>
     <ds:schemaRef ds:uri="http://schemas.microsoft.com/office/2006/metadata/contentType"/>
@@ -25900,27 +25899,4 @@
     <ds:schemaRef ds:uri="http://schemas.microsoft.com/office/internal/2005/internalDocumentation"/>
   </ds:schemaRefs>
 </ds:datastoreItem>
-</file>
-
-<file path=customXml/itemProps2.xml><?xml version="1.0" encoding="utf-8"?>
-<ds:datastoreItem xmlns:ds="http://schemas.openxmlformats.org/officeDocument/2006/customXml" ds:itemID="{19E20559-B232-4371-8690-E3D8007EDB82}">
-  <ds:schemaRefs>
-    <ds:schemaRef ds:uri="http://schemas.microsoft.com/sharepoint/v3/contenttype/forms"/>
-  </ds:schemaRefs>
-</ds:datastoreItem>
-</file>
-
-<file path=customXml/itemProps3.xml><?xml version="1.0" encoding="utf-8"?>
-<ds:datastoreItem xmlns:ds="http://schemas.openxmlformats.org/officeDocument/2006/customXml" ds:itemID="{A50EC660-24D0-43A0-AE5E-E274115E726B}">
-  <ds:schemaRefs>
-    <ds:schemaRef ds:uri="http://purl.org/dc/elements/1.1/"/>
-    <ds:schemaRef ds:uri="http://schemas.microsoft.com/office/2006/metadata/properties"/>
-    <ds:schemaRef ds:uri="http://purl.org/dc/terms/"/>
-    <ds:schemaRef ds:uri="http://schemas.openxmlformats.org/package/2006/metadata/core-properties"/>
-    <ds:schemaRef ds:uri="http://schemas.microsoft.com/office/2006/documentManagement/types"/>
-    <ds:schemaRef ds:uri="http://www.w3.org/XML/1998/namespace"/>
-    <ds:schemaRef ds:uri="http://purl.org/dc/dcmitype/"/>
-    <ds:schemaRef ds:uri="http://schemas.microsoft.com/office/infopath/2007/PartnerControls"/>
-  </ds:schemaRefs>
-</ds:datastoreItem>
 </file>
--- a/testing-a.pptx
+++ b/testing-a.pptx
@@ -11,8 +11,8 @@
     <p:handoutMasterId r:id="rId48"/>
   </p:handoutMasterIdLst>
   <p:sldIdLst>
-    <p:sldId id="617" r:id="rId5"/>
-    <p:sldId id="320" r:id="rId6"/>
+    <p:sldId id="1899" r:id="rId5"/>
+    <p:sldId id="1900" r:id="rId6"/>
     <p:sldId id="1880" r:id="rId7"/>
     <p:sldId id="1882" r:id="rId8"/>
     <p:sldId id="1881" r:id="rId9"/>
@@ -296,7 +296,7 @@
           <a:p>
             <a:fld id="{0B842F42-2CE9-4E35-95C1-410DC08A50B1}" type="datetimeFigureOut">
               <a:rPr lang="en-US" smtClean="0"/>
-              <a:t>4/24/2024</a:t>
+              <a:t>4/28/2024</a:t>
             </a:fld>
             <a:endParaRPr lang="en-US"/>
           </a:p>
@@ -461,7 +461,7 @@
           <a:p>
             <a:fld id="{6F282904-F315-4730-8D91-37D99E141A6F}" type="datetimeFigureOut">
               <a:rPr lang="en-US" smtClean="0"/>
-              <a:t>4/24/2024</a:t>
+              <a:t>4/28/2024</a:t>
             </a:fld>
             <a:endParaRPr lang="en-US"/>
           </a:p>
@@ -4317,7 +4317,7 @@
 
 <file path=ppt/slideLayouts/slideLayout1.xml><?xml version="1.0" encoding="utf-8"?>
 <p:sldLayout xmlns:a="http://schemas.openxmlformats.org/drawingml/2006/main" xmlns:r="http://schemas.openxmlformats.org/officeDocument/2006/relationships" xmlns:p="http://schemas.openxmlformats.org/presentationml/2006/main" showMasterSp="0" preserve="1" userDrawn="1">
-  <p:cSld name="7_Title Slide">
+  <p:cSld name="9_Title Slide">
     <p:spTree>
       <p:nvGrpSpPr>
         <p:cNvPr id="1" name=""/>
@@ -4505,146 +4505,807 @@
           </a:lstStyle>
           <a:p>
             <a:r>
-              <a:rPr lang="en-US"/>
+              <a:rPr lang="en-US" dirty="0"/>
               <a:t>Click to edit Master title style</a:t>
             </a:r>
-            <a:endParaRPr lang="en-US" dirty="0"/>
           </a:p>
         </p:txBody>
       </p:sp>
-      <p:sp>
-        <p:nvSpPr>
-          <p:cNvPr id="3" name="Subtitle 2"/>
+      <p:pic>
+        <p:nvPicPr>
+          <p:cNvPr id="13" name="Picture 2" descr="https://licensebuttons.net/l/by/4.0/88x31.png">
+            <a:extLst>
+              <a:ext uri="{FF2B5EF4-FFF2-40B4-BE49-F238E27FC236}">
+                <a16:creationId xmlns:a16="http://schemas.microsoft.com/office/drawing/2014/main" id="{FAFD7D99-41CA-4FD0-9396-9C5659F22045}"/>
+              </a:ext>
+            </a:extLst>
+          </p:cNvPr>
+          <p:cNvPicPr>
+            <a:picLocks noChangeAspect="1" noChangeArrowheads="1"/>
+          </p:cNvPicPr>
+          <p:nvPr userDrawn="1"/>
+        </p:nvPicPr>
+        <p:blipFill>
+          <a:blip r:embed="rId2">
+            <a:extLst>
+              <a:ext uri="{28A0092B-C50C-407E-A947-70E740481C1C}">
+                <a14:useLocalDpi xmlns:a14="http://schemas.microsoft.com/office/drawing/2010/main" val="0"/>
+              </a:ext>
+            </a:extLst>
+          </a:blip>
+          <a:srcRect/>
+          <a:stretch>
+            <a:fillRect/>
+          </a:stretch>
+        </p:blipFill>
+        <p:spPr bwMode="auto">
+          <a:xfrm>
+            <a:off x="969069" y="5841262"/>
+            <a:ext cx="838200" cy="295275"/>
+          </a:xfrm>
+          <a:prstGeom prst="rect">
+            <a:avLst/>
+          </a:prstGeom>
+          <a:noFill/>
+          <a:extLst>
+            <a:ext uri="{909E8E84-426E-40DD-AFC4-6F175D3DCCD1}">
+              <a14:hiddenFill xmlns:a14="http://schemas.microsoft.com/office/drawing/2010/main">
+                <a:solidFill>
+                  <a:srgbClr val="FFFFFF"/>
+                </a:solidFill>
+              </a14:hiddenFill>
+            </a:ext>
+          </a:extLst>
+        </p:spPr>
+      </p:pic>
+      <p:sp>
+        <p:nvSpPr>
+          <p:cNvPr id="14" name="TextBox 13">
+            <a:extLst>
+              <a:ext uri="{FF2B5EF4-FFF2-40B4-BE49-F238E27FC236}">
+                <a16:creationId xmlns:a16="http://schemas.microsoft.com/office/drawing/2014/main" id="{9D022D1C-99FF-490C-8690-D8081D33C0AF}"/>
+              </a:ext>
+            </a:extLst>
+          </p:cNvPr>
+          <p:cNvSpPr txBox="1"/>
+          <p:nvPr userDrawn="1"/>
+        </p:nvSpPr>
+        <p:spPr>
+          <a:xfrm>
+            <a:off x="1810964" y="5776533"/>
+            <a:ext cx="1171114" cy="424732"/>
+          </a:xfrm>
+          <a:prstGeom prst="rect">
+            <a:avLst/>
+          </a:prstGeom>
+          <a:noFill/>
+        </p:spPr>
+        <p:txBody>
+          <a:bodyPr wrap="square" rtlCol="0">
+            <a:spAutoFit/>
+          </a:bodyPr>
+          <a:lstStyle/>
+          <a:p>
+            <a:pPr algn="ctr">
+              <a:lnSpc>
+                <a:spcPct val="90000"/>
+              </a:lnSpc>
+            </a:pPr>
+            <a:r>
+              <a:rPr lang="en-US" sz="1200" dirty="0"/>
+              <a:t>See slide 2 for license details</a:t>
+            </a:r>
+          </a:p>
+        </p:txBody>
+      </p:sp>
+      <p:sp>
+        <p:nvSpPr>
+          <p:cNvPr id="6" name="Text Placeholder 5">
+            <a:extLst>
+              <a:ext uri="{FF2B5EF4-FFF2-40B4-BE49-F238E27FC236}">
+                <a16:creationId xmlns:a16="http://schemas.microsoft.com/office/drawing/2014/main" id="{516372F2-F09E-4139-B638-4F1B290B77B9}"/>
+              </a:ext>
+            </a:extLst>
+          </p:cNvPr>
           <p:cNvSpPr>
             <a:spLocks noGrp="1"/>
           </p:cNvSpPr>
-          <p:nvPr userDrawn="1">
-            <p:ph type="subTitle" idx="1"/>
+          <p:nvPr>
+            <p:ph type="body" sz="quarter" idx="10" hasCustomPrompt="1"/>
           </p:nvPr>
         </p:nvSpPr>
         <p:spPr>
           <a:xfrm>
-            <a:off x="3177632" y="2085962"/>
-            <a:ext cx="8292317" cy="2855300"/>
+            <a:off x="9335896" y="5913283"/>
+            <a:ext cx="2852929" cy="262814"/>
           </a:xfrm>
         </p:spPr>
         <p:txBody>
-          <a:bodyPr lIns="109728"/>
+          <a:bodyPr/>
           <a:lstStyle>
-            <a:lvl1pPr marL="0" indent="0" algn="l">
+            <a:lvl1pPr marL="0" indent="0" algn="r">
               <a:buNone/>
-              <a:defRPr sz="2400">
-                <a:solidFill>
-                  <a:schemeClr val="tx1"/>
-                </a:solidFill>
-                <a:latin typeface="Arial" panose="020B0604020202020204" pitchFamily="34" charset="0"/>
-                <a:cs typeface="Arial" panose="020B0604020202020204" pitchFamily="34" charset="0"/>
-              </a:defRPr>
+              <a:defRPr sz="1200"/>
             </a:lvl1pPr>
-            <a:lvl2pPr marL="457200" indent="0" algn="ctr">
+          </a:lstStyle>
+          <a:p>
+            <a:pPr lvl="0"/>
+            <a:r>
+              <a:rPr lang="en-US" dirty="0"/>
+              <a:t>R&amp;R number (if required)</a:t>
+            </a:r>
+          </a:p>
+        </p:txBody>
+      </p:sp>
+      <p:sp>
+        <p:nvSpPr>
+          <p:cNvPr id="9" name="Text Placeholder 8">
+            <a:extLst>
+              <a:ext uri="{FF2B5EF4-FFF2-40B4-BE49-F238E27FC236}">
+                <a16:creationId xmlns:a16="http://schemas.microsoft.com/office/drawing/2014/main" id="{7A08ED72-5D36-44C1-A3D6-C72E158E1FA6}"/>
+              </a:ext>
+            </a:extLst>
+          </p:cNvPr>
+          <p:cNvSpPr>
+            <a:spLocks noGrp="1"/>
+          </p:cNvSpPr>
+          <p:nvPr>
+            <p:ph type="body" sz="quarter" idx="11" hasCustomPrompt="1"/>
+          </p:nvPr>
+        </p:nvSpPr>
+        <p:spPr>
+          <a:xfrm>
+            <a:off x="3176924" y="2085870"/>
+            <a:ext cx="2427268" cy="424732"/>
+          </a:xfrm>
+        </p:spPr>
+        <p:txBody>
+          <a:bodyPr wrap="none">
+            <a:spAutoFit/>
+          </a:bodyPr>
+          <a:lstStyle>
+            <a:lvl1pPr marL="0" indent="0">
               <a:buNone/>
-              <a:defRPr>
-                <a:solidFill>
-                  <a:schemeClr val="tx1">
-                    <a:tint val="75000"/>
-                  </a:schemeClr>
-                </a:solidFill>
-              </a:defRPr>
-            </a:lvl2pPr>
-            <a:lvl3pPr marL="914400" indent="0" algn="ctr">
+              <a:defRPr u="sng"/>
+            </a:lvl1pPr>
+          </a:lstStyle>
+          <a:p>
+            <a:pPr lvl="0"/>
+            <a:r>
+              <a:rPr lang="en-US" dirty="0"/>
+              <a:t>Presenter Name</a:t>
+            </a:r>
+          </a:p>
+        </p:txBody>
+      </p:sp>
+      <p:sp>
+        <p:nvSpPr>
+          <p:cNvPr id="11" name="Text Placeholder 10">
+            <a:extLst>
+              <a:ext uri="{FF2B5EF4-FFF2-40B4-BE49-F238E27FC236}">
+                <a16:creationId xmlns:a16="http://schemas.microsoft.com/office/drawing/2014/main" id="{07C2C5E0-3F9A-4B6C-82C6-FEE7176DA8DC}"/>
+              </a:ext>
+            </a:extLst>
+          </p:cNvPr>
+          <p:cNvSpPr>
+            <a:spLocks noGrp="1"/>
+          </p:cNvSpPr>
+          <p:nvPr>
+            <p:ph type="body" sz="quarter" idx="12" hasCustomPrompt="1"/>
+          </p:nvPr>
+        </p:nvSpPr>
+        <p:spPr>
+          <a:xfrm>
+            <a:off x="5667411" y="2134517"/>
+            <a:ext cx="1690167" cy="376085"/>
+          </a:xfrm>
+        </p:spPr>
+        <p:txBody>
+          <a:bodyPr>
+            <a:spAutoFit/>
+          </a:bodyPr>
+          <a:lstStyle>
+            <a:lvl1pPr marL="0" indent="0">
               <a:buNone/>
-              <a:defRPr>
-                <a:solidFill>
-                  <a:schemeClr val="tx1">
-                    <a:tint val="75000"/>
-                  </a:schemeClr>
-                </a:solidFill>
-              </a:defRPr>
-            </a:lvl3pPr>
-            <a:lvl4pPr marL="1371600" indent="0" algn="ctr">
+              <a:defRPr sz="2000"/>
+            </a:lvl1pPr>
+          </a:lstStyle>
+          <a:p>
+            <a:pPr lvl="0"/>
+            <a:r>
+              <a:rPr lang="en-US" dirty="0"/>
+              <a:t>(pronouns)</a:t>
+            </a:r>
+          </a:p>
+        </p:txBody>
+      </p:sp>
+      <p:sp>
+        <p:nvSpPr>
+          <p:cNvPr id="20" name="Text Placeholder 10">
+            <a:extLst>
+              <a:ext uri="{FF2B5EF4-FFF2-40B4-BE49-F238E27FC236}">
+                <a16:creationId xmlns:a16="http://schemas.microsoft.com/office/drawing/2014/main" id="{6EE16D41-009C-4DB1-A6DF-FEBADC8C343B}"/>
+              </a:ext>
+            </a:extLst>
+          </p:cNvPr>
+          <p:cNvSpPr>
+            <a:spLocks noGrp="1"/>
+          </p:cNvSpPr>
+          <p:nvPr>
+            <p:ph type="body" sz="quarter" idx="13" hasCustomPrompt="1"/>
+          </p:nvPr>
+        </p:nvSpPr>
+        <p:spPr>
+          <a:xfrm>
+            <a:off x="3176924" y="2459716"/>
+            <a:ext cx="8292315" cy="369332"/>
+          </a:xfrm>
+        </p:spPr>
+        <p:txBody>
+          <a:bodyPr wrap="square">
+            <a:spAutoFit/>
+          </a:bodyPr>
+          <a:lstStyle>
+            <a:lvl1pPr marL="0" indent="0">
               <a:buNone/>
-              <a:defRPr>
-                <a:solidFill>
-                  <a:schemeClr val="tx1">
-                    <a:tint val="75000"/>
-                  </a:schemeClr>
-                </a:solidFill>
-              </a:defRPr>
-            </a:lvl4pPr>
-            <a:lvl5pPr marL="1828800" indent="0" algn="ctr">
+              <a:defRPr sz="2000"/>
+            </a:lvl1pPr>
+          </a:lstStyle>
+          <a:p>
+            <a:pPr lvl="0"/>
+            <a:r>
+              <a:rPr lang="en-US" dirty="0"/>
+              <a:t>Long affiliation</a:t>
+            </a:r>
+          </a:p>
+        </p:txBody>
+      </p:sp>
+      <p:sp>
+        <p:nvSpPr>
+          <p:cNvPr id="21" name="Text Placeholder 10">
+            <a:extLst>
+              <a:ext uri="{FF2B5EF4-FFF2-40B4-BE49-F238E27FC236}">
+                <a16:creationId xmlns:a16="http://schemas.microsoft.com/office/drawing/2014/main" id="{8E791C6E-DB06-44D1-AB4E-AA0EF8215FBB}"/>
+              </a:ext>
+            </a:extLst>
+          </p:cNvPr>
+          <p:cNvSpPr>
+            <a:spLocks noGrp="1"/>
+          </p:cNvSpPr>
+          <p:nvPr>
+            <p:ph type="body" sz="quarter" idx="14" hasCustomPrompt="1"/>
+          </p:nvPr>
+        </p:nvSpPr>
+        <p:spPr>
+          <a:xfrm>
+            <a:off x="3176925" y="3161813"/>
+            <a:ext cx="8292316" cy="369332"/>
+          </a:xfrm>
+        </p:spPr>
+        <p:txBody>
+          <a:bodyPr wrap="square">
+            <a:spAutoFit/>
+          </a:bodyPr>
+          <a:lstStyle>
+            <a:lvl1pPr marL="0" indent="0">
               <a:buNone/>
-              <a:defRPr>
-                <a:solidFill>
-                  <a:schemeClr val="tx1">
-                    <a:tint val="75000"/>
-                  </a:schemeClr>
-                </a:solidFill>
-              </a:defRPr>
-            </a:lvl5pPr>
-            <a:lvl6pPr marL="2286000" indent="0" algn="ctr">
+              <a:defRPr sz="2000"/>
+            </a:lvl1pPr>
+          </a:lstStyle>
+          <a:p>
+            <a:pPr lvl="0"/>
+            <a:r>
+              <a:rPr lang="en-US" dirty="0"/>
+              <a:t>Tutorial title @ Venue</a:t>
+            </a:r>
+          </a:p>
+        </p:txBody>
+      </p:sp>
+      <p:sp>
+        <p:nvSpPr>
+          <p:cNvPr id="23" name="Text Placeholder 10">
+            <a:extLst>
+              <a:ext uri="{FF2B5EF4-FFF2-40B4-BE49-F238E27FC236}">
+                <a16:creationId xmlns:a16="http://schemas.microsoft.com/office/drawing/2014/main" id="{AA4CD3CE-55B5-4132-9AC3-B94506768C36}"/>
+              </a:ext>
+            </a:extLst>
+          </p:cNvPr>
+          <p:cNvSpPr>
+            <a:spLocks noGrp="1"/>
+          </p:cNvSpPr>
+          <p:nvPr>
+            <p:ph type="body" sz="quarter" idx="15" hasCustomPrompt="1"/>
+          </p:nvPr>
+        </p:nvSpPr>
+        <p:spPr>
+          <a:xfrm>
+            <a:off x="3176924" y="3792588"/>
+            <a:ext cx="8292316" cy="646331"/>
+          </a:xfrm>
+        </p:spPr>
+        <p:txBody>
+          <a:bodyPr wrap="square">
+            <a:spAutoFit/>
+          </a:bodyPr>
+          <a:lstStyle>
+            <a:lvl1pPr marL="0" indent="0">
               <a:buNone/>
-              <a:defRPr>
-                <a:solidFill>
-                  <a:schemeClr val="tx1">
-                    <a:tint val="75000"/>
-                  </a:schemeClr>
-                </a:solidFill>
-              </a:defRPr>
-            </a:lvl6pPr>
-            <a:lvl7pPr marL="2743200" indent="0" algn="ctr">
-              <a:buNone/>
-              <a:defRPr>
-                <a:solidFill>
-                  <a:schemeClr val="tx1">
-                    <a:tint val="75000"/>
-                  </a:schemeClr>
-                </a:solidFill>
-              </a:defRPr>
-            </a:lvl7pPr>
-            <a:lvl8pPr marL="3200400" indent="0" algn="ctr">
-              <a:buNone/>
-              <a:defRPr>
-                <a:solidFill>
-                  <a:schemeClr val="tx1">
-                    <a:tint val="75000"/>
-                  </a:schemeClr>
-                </a:solidFill>
-              </a:defRPr>
-            </a:lvl8pPr>
-            <a:lvl9pPr marL="3657600" indent="0" algn="ctr">
-              <a:buNone/>
-              <a:defRPr>
-                <a:solidFill>
-                  <a:schemeClr val="tx1">
-                    <a:tint val="75000"/>
-                  </a:schemeClr>
-                </a:solidFill>
-              </a:defRPr>
-            </a:lvl9pPr>
+              <a:defRPr sz="2000"/>
+            </a:lvl1pPr>
           </a:lstStyle>
           <a:p>
-            <a:r>
-              <a:rPr lang="en-US"/>
-              <a:t>Click to edit Master subtitle style</a:t>
-            </a:r>
-            <a:endParaRPr lang="en-US" dirty="0"/>
+            <a:pPr>
+              <a:spcBef>
+                <a:spcPts val="2800"/>
+              </a:spcBef>
+            </a:pPr>
+            <a:r>
+              <a:rPr lang="en-US" sz="2000" dirty="0"/>
+              <a:t>Contributors: Contributor Name (short affiliation), … in alphabetical order</a:t>
+            </a:r>
           </a:p>
         </p:txBody>
       </p:sp>
       <p:pic>
         <p:nvPicPr>
-          <p:cNvPr id="16" name="Picture 15"/>
+          <p:cNvPr id="3" name="Picture 2">
+            <a:extLst>
+              <a:ext uri="{FF2B5EF4-FFF2-40B4-BE49-F238E27FC236}">
+                <a16:creationId xmlns:a16="http://schemas.microsoft.com/office/drawing/2014/main" id="{E5A81C43-A5B9-D933-9CA0-B9EBBA5B6295}"/>
+              </a:ext>
+            </a:extLst>
+          </p:cNvPr>
           <p:cNvPicPr>
             <a:picLocks noChangeAspect="1"/>
           </p:cNvPicPr>
           <p:nvPr userDrawn="1"/>
         </p:nvPicPr>
         <p:blipFill>
-          <a:blip r:embed="rId2" cstate="print">
+          <a:blip r:embed="rId3" cstate="print">
+            <a:extLst>
+              <a:ext uri="{28A0092B-C50C-407E-A947-70E740481C1C}">
+                <a14:useLocalDpi xmlns:a14="http://schemas.microsoft.com/office/drawing/2010/main" val="0"/>
+              </a:ext>
+            </a:extLst>
+          </a:blip>
+          <a:stretch>
+            <a:fillRect/>
+          </a:stretch>
+        </p:blipFill>
+        <p:spPr>
+          <a:xfrm>
+            <a:off x="418659" y="158509"/>
+            <a:ext cx="2109916" cy="905256"/>
+          </a:xfrm>
+          <a:prstGeom prst="rect">
+            <a:avLst/>
+          </a:prstGeom>
+        </p:spPr>
+      </p:pic>
+      <p:grpSp>
+        <p:nvGrpSpPr>
+          <p:cNvPr id="5" name="Group 4">
+            <a:extLst>
+              <a:ext uri="{FF2B5EF4-FFF2-40B4-BE49-F238E27FC236}">
+                <a16:creationId xmlns:a16="http://schemas.microsoft.com/office/drawing/2014/main" id="{2211A969-E7EA-13C3-D014-C029084F4EFB}"/>
+              </a:ext>
+            </a:extLst>
+          </p:cNvPr>
+          <p:cNvGrpSpPr/>
+          <p:nvPr userDrawn="1"/>
+        </p:nvGrpSpPr>
+        <p:grpSpPr>
+          <a:xfrm>
+            <a:off x="366259" y="3655396"/>
+            <a:ext cx="2214716" cy="356329"/>
+            <a:chOff x="341278" y="3628835"/>
+            <a:chExt cx="2214716" cy="356329"/>
+          </a:xfrm>
+        </p:grpSpPr>
+        <p:pic>
+          <p:nvPicPr>
+            <p:cNvPr id="7" name="Picture 2">
+              <a:extLst>
+                <a:ext uri="{FF2B5EF4-FFF2-40B4-BE49-F238E27FC236}">
+                  <a16:creationId xmlns:a16="http://schemas.microsoft.com/office/drawing/2014/main" id="{D16A6A85-AECD-6121-D004-ECB79BC13076}"/>
+                </a:ext>
+              </a:extLst>
+            </p:cNvPr>
+            <p:cNvPicPr>
+              <a:picLocks noChangeAspect="1" noChangeArrowheads="1"/>
+            </p:cNvPicPr>
+            <p:nvPr userDrawn="1"/>
+          </p:nvPicPr>
+          <p:blipFill>
+            <a:blip r:embed="rId4">
+              <a:extLst>
+                <a:ext uri="{28A0092B-C50C-407E-A947-70E740481C1C}">
+                  <a14:useLocalDpi xmlns:a14="http://schemas.microsoft.com/office/drawing/2010/main" val="0"/>
+                </a:ext>
+              </a:extLst>
+            </a:blip>
+            <a:srcRect/>
+            <a:stretch>
+              <a:fillRect/>
+            </a:stretch>
+          </p:blipFill>
+          <p:spPr bwMode="auto">
+            <a:xfrm>
+              <a:off x="341278" y="3628835"/>
+              <a:ext cx="1005840" cy="356329"/>
+            </a:xfrm>
+            <a:prstGeom prst="rect">
+              <a:avLst/>
+            </a:prstGeom>
+            <a:noFill/>
+            <a:extLst>
+              <a:ext uri="{909E8E84-426E-40DD-AFC4-6F175D3DCCD1}">
+                <a14:hiddenFill xmlns:a14="http://schemas.microsoft.com/office/drawing/2010/main">
+                  <a:solidFill>
+                    <a:srgbClr val="FFFFFF"/>
+                  </a:solidFill>
+                </a14:hiddenFill>
+              </a:ext>
+            </a:extLst>
+          </p:spPr>
+        </p:pic>
+        <p:pic>
+          <p:nvPicPr>
+            <p:cNvPr id="10" name="Picture 4">
+              <a:extLst>
+                <a:ext uri="{FF2B5EF4-FFF2-40B4-BE49-F238E27FC236}">
+                  <a16:creationId xmlns:a16="http://schemas.microsoft.com/office/drawing/2014/main" id="{87D2793C-01C6-B180-3495-5A2067445539}"/>
+                </a:ext>
+              </a:extLst>
+            </p:cNvPr>
+            <p:cNvPicPr>
+              <a:picLocks noChangeAspect="1" noChangeArrowheads="1"/>
+            </p:cNvPicPr>
+            <p:nvPr userDrawn="1"/>
+          </p:nvPicPr>
+          <p:blipFill>
+            <a:blip r:embed="rId5" cstate="print">
+              <a:extLst>
+                <a:ext uri="{28A0092B-C50C-407E-A947-70E740481C1C}">
+                  <a14:useLocalDpi xmlns:a14="http://schemas.microsoft.com/office/drawing/2010/main" val="0"/>
+                </a:ext>
+              </a:extLst>
+            </a:blip>
+            <a:srcRect/>
+            <a:stretch>
+              <a:fillRect/>
+            </a:stretch>
+          </p:blipFill>
+          <p:spPr bwMode="auto">
+            <a:xfrm>
+              <a:off x="1550154" y="3690079"/>
+              <a:ext cx="1005840" cy="233840"/>
+            </a:xfrm>
+            <a:prstGeom prst="rect">
+              <a:avLst/>
+            </a:prstGeom>
+            <a:noFill/>
+            <a:extLst>
+              <a:ext uri="{909E8E84-426E-40DD-AFC4-6F175D3DCCD1}">
+                <a14:hiddenFill xmlns:a14="http://schemas.microsoft.com/office/drawing/2010/main">
+                  <a:solidFill>
+                    <a:srgbClr val="FFFFFF"/>
+                  </a:solidFill>
+                </a14:hiddenFill>
+              </a:ext>
+            </a:extLst>
+          </p:spPr>
+        </p:pic>
+      </p:grpSp>
+      <p:pic>
+        <p:nvPicPr>
+          <p:cNvPr id="18" name="Picture 17" descr="A black and white sign with blue text&#10;&#10;Description automatically generated">
+            <a:extLst>
+              <a:ext uri="{FF2B5EF4-FFF2-40B4-BE49-F238E27FC236}">
+                <a16:creationId xmlns:a16="http://schemas.microsoft.com/office/drawing/2014/main" id="{90ECFB80-075A-EDC0-363D-3CE459F436D1}"/>
+              </a:ext>
+            </a:extLst>
+          </p:cNvPr>
+          <p:cNvPicPr>
+            <a:picLocks noChangeAspect="1"/>
+          </p:cNvPicPr>
+          <p:nvPr userDrawn="1"/>
+        </p:nvPicPr>
+        <p:blipFill>
+          <a:blip r:embed="rId6" cstate="print">
+            <a:extLst>
+              <a:ext uri="{28A0092B-C50C-407E-A947-70E740481C1C}">
+                <a14:useLocalDpi xmlns:a14="http://schemas.microsoft.com/office/drawing/2010/main" val="0"/>
+              </a:ext>
+            </a:extLst>
+          </a:blip>
+          <a:stretch>
+            <a:fillRect/>
+          </a:stretch>
+        </p:blipFill>
+        <p:spPr>
+          <a:xfrm>
+            <a:off x="970697" y="4125123"/>
+            <a:ext cx="1005840" cy="324328"/>
+          </a:xfrm>
+          <a:prstGeom prst="rect">
+            <a:avLst/>
+          </a:prstGeom>
+        </p:spPr>
+      </p:pic>
+      <p:sp>
+        <p:nvSpPr>
+          <p:cNvPr id="19" name="TextBox 18">
+            <a:extLst>
+              <a:ext uri="{FF2B5EF4-FFF2-40B4-BE49-F238E27FC236}">
+                <a16:creationId xmlns:a16="http://schemas.microsoft.com/office/drawing/2014/main" id="{23984D22-2BE9-C684-93D1-920B201DC418}"/>
+              </a:ext>
+            </a:extLst>
+          </p:cNvPr>
+          <p:cNvSpPr txBox="1"/>
+          <p:nvPr userDrawn="1"/>
+        </p:nvSpPr>
+        <p:spPr>
+          <a:xfrm>
+            <a:off x="901538" y="1776974"/>
+            <a:ext cx="1144159" cy="350865"/>
+          </a:xfrm>
+          <a:prstGeom prst="rect">
+            <a:avLst/>
+          </a:prstGeom>
+          <a:noFill/>
+        </p:spPr>
+        <p:txBody>
+          <a:bodyPr wrap="none" lIns="118872" tIns="91440" rIns="118872" bIns="91440" rtlCol="0" anchor="ctr" anchorCtr="0">
+            <a:spAutoFit/>
+          </a:bodyPr>
+          <a:lstStyle/>
+          <a:p>
+            <a:pPr algn="l">
+              <a:lnSpc>
+                <a:spcPct val="90000"/>
+              </a:lnSpc>
+            </a:pPr>
+            <a:r>
+              <a:rPr lang="en-US" sz="1200" i="1" dirty="0"/>
+              <a:t>Presented by</a:t>
+            </a:r>
+          </a:p>
+        </p:txBody>
+      </p:sp>
+      <p:sp>
+        <p:nvSpPr>
+          <p:cNvPr id="24" name="TextBox 23">
+            <a:extLst>
+              <a:ext uri="{FF2B5EF4-FFF2-40B4-BE49-F238E27FC236}">
+                <a16:creationId xmlns:a16="http://schemas.microsoft.com/office/drawing/2014/main" id="{9EA65A86-1694-D0BE-3C46-045E2B00D094}"/>
+              </a:ext>
+            </a:extLst>
+          </p:cNvPr>
+          <p:cNvSpPr txBox="1"/>
+          <p:nvPr userDrawn="1"/>
+        </p:nvSpPr>
+        <p:spPr>
+          <a:xfrm>
+            <a:off x="28657" y="2079048"/>
+            <a:ext cx="2889921" cy="932563"/>
+          </a:xfrm>
+          <a:prstGeom prst="rect">
+            <a:avLst/>
+          </a:prstGeom>
+          <a:noFill/>
+        </p:spPr>
+        <p:txBody>
+          <a:bodyPr wrap="square" lIns="118872" tIns="91440" rIns="118872" bIns="91440" rtlCol="0" anchor="ctr" anchorCtr="0">
+            <a:spAutoFit/>
+          </a:bodyPr>
+          <a:lstStyle/>
+          <a:p>
+            <a:pPr algn="l">
+              <a:lnSpc>
+                <a:spcPct val="90000"/>
+              </a:lnSpc>
+            </a:pPr>
+            <a:r>
+              <a:rPr lang="en-US" b="1" dirty="0"/>
+              <a:t>COLABS: Collaboration for Better Software for Science</a:t>
+            </a:r>
+          </a:p>
+        </p:txBody>
+      </p:sp>
+      <p:sp>
+        <p:nvSpPr>
+          <p:cNvPr id="25" name="TextBox 24">
+            <a:extLst>
+              <a:ext uri="{FF2B5EF4-FFF2-40B4-BE49-F238E27FC236}">
+                <a16:creationId xmlns:a16="http://schemas.microsoft.com/office/drawing/2014/main" id="{7C98D32A-D229-5172-E298-9AF976ACE627}"/>
+              </a:ext>
+            </a:extLst>
+          </p:cNvPr>
+          <p:cNvSpPr txBox="1"/>
+          <p:nvPr userDrawn="1"/>
+        </p:nvSpPr>
+        <p:spPr>
+          <a:xfrm>
+            <a:off x="676315" y="3191133"/>
+            <a:ext cx="1594604" cy="350865"/>
+          </a:xfrm>
+          <a:prstGeom prst="rect">
+            <a:avLst/>
+          </a:prstGeom>
+          <a:noFill/>
+        </p:spPr>
+        <p:txBody>
+          <a:bodyPr wrap="none" lIns="118872" tIns="91440" rIns="118872" bIns="91440" rtlCol="0" anchor="ctr" anchorCtr="0">
+            <a:spAutoFit/>
+          </a:bodyPr>
+          <a:lstStyle/>
+          <a:p>
+            <a:pPr algn="l">
+              <a:lnSpc>
+                <a:spcPct val="90000"/>
+              </a:lnSpc>
+            </a:pPr>
+            <a:r>
+              <a:rPr lang="en-US" sz="1200" i="1" dirty="0"/>
+              <a:t>In collaboration with</a:t>
+            </a:r>
+          </a:p>
+        </p:txBody>
+      </p:sp>
+      <p:sp>
+        <p:nvSpPr>
+          <p:cNvPr id="26" name="TextBox 25">
+            <a:extLst>
+              <a:ext uri="{FF2B5EF4-FFF2-40B4-BE49-F238E27FC236}">
+                <a16:creationId xmlns:a16="http://schemas.microsoft.com/office/drawing/2014/main" id="{64D46951-9F99-A303-D249-27B751A562DB}"/>
+              </a:ext>
+            </a:extLst>
+          </p:cNvPr>
+          <p:cNvSpPr txBox="1"/>
+          <p:nvPr userDrawn="1"/>
+        </p:nvSpPr>
+        <p:spPr>
+          <a:xfrm>
+            <a:off x="572120" y="4562849"/>
+            <a:ext cx="1802994" cy="350865"/>
+          </a:xfrm>
+          <a:prstGeom prst="rect">
+            <a:avLst/>
+          </a:prstGeom>
+          <a:noFill/>
+        </p:spPr>
+        <p:txBody>
+          <a:bodyPr wrap="none" lIns="118872" tIns="91440" rIns="118872" bIns="91440" rtlCol="0" anchor="ctr" anchorCtr="0">
+            <a:spAutoFit/>
+          </a:bodyPr>
+          <a:lstStyle/>
+          <a:p>
+            <a:pPr algn="l">
+              <a:lnSpc>
+                <a:spcPct val="90000"/>
+              </a:lnSpc>
+            </a:pPr>
+            <a:r>
+              <a:rPr lang="en-US" sz="1200" i="1" dirty="0"/>
+              <a:t>With prior support from</a:t>
+            </a:r>
+          </a:p>
+        </p:txBody>
+      </p:sp>
+      <p:grpSp>
+        <p:nvGrpSpPr>
+          <p:cNvPr id="27" name="Group 26">
+            <a:extLst>
+              <a:ext uri="{FF2B5EF4-FFF2-40B4-BE49-F238E27FC236}">
+                <a16:creationId xmlns:a16="http://schemas.microsoft.com/office/drawing/2014/main" id="{CC665AB1-818C-15F6-A435-7A7C14109262}"/>
+              </a:ext>
+            </a:extLst>
+          </p:cNvPr>
+          <p:cNvGrpSpPr/>
+          <p:nvPr userDrawn="1"/>
+        </p:nvGrpSpPr>
+        <p:grpSpPr>
+          <a:xfrm>
+            <a:off x="355043" y="5027111"/>
+            <a:ext cx="2237149" cy="457200"/>
+            <a:chOff x="343050" y="5128711"/>
+            <a:chExt cx="2237149" cy="457200"/>
+          </a:xfrm>
+        </p:grpSpPr>
+        <p:pic>
+          <p:nvPicPr>
+            <p:cNvPr id="28" name="Picture 27">
+              <a:extLst>
+                <a:ext uri="{FF2B5EF4-FFF2-40B4-BE49-F238E27FC236}">
+                  <a16:creationId xmlns:a16="http://schemas.microsoft.com/office/drawing/2014/main" id="{D8D4DA06-93FC-7C79-22C0-69CD6E71946F}"/>
+                </a:ext>
+              </a:extLst>
+            </p:cNvPr>
+            <p:cNvPicPr>
+              <a:picLocks noChangeAspect="1"/>
+            </p:cNvPicPr>
+            <p:nvPr userDrawn="1"/>
+          </p:nvPicPr>
+          <p:blipFill>
+            <a:blip r:embed="rId7" cstate="print">
+              <a:extLst>
+                <a:ext uri="{28A0092B-C50C-407E-A947-70E740481C1C}">
+                  <a14:useLocalDpi xmlns:a14="http://schemas.microsoft.com/office/drawing/2010/main" val="0"/>
+                </a:ext>
+              </a:extLst>
+            </a:blip>
+            <a:stretch>
+              <a:fillRect/>
+            </a:stretch>
+          </p:blipFill>
+          <p:spPr>
+            <a:xfrm>
+              <a:off x="343050" y="5128711"/>
+              <a:ext cx="1002296" cy="457200"/>
+            </a:xfrm>
+            <a:prstGeom prst="rect">
+              <a:avLst/>
+            </a:prstGeom>
+          </p:spPr>
+        </p:pic>
+        <p:pic>
+          <p:nvPicPr>
+            <p:cNvPr id="29" name="Picture 28" descr="A picture containing shape&#10;&#10;Description automatically generated">
+              <a:extLst>
+                <a:ext uri="{FF2B5EF4-FFF2-40B4-BE49-F238E27FC236}">
+                  <a16:creationId xmlns:a16="http://schemas.microsoft.com/office/drawing/2014/main" id="{3A576A20-C17C-D6D5-507F-A7C5D2EE03B7}"/>
+                </a:ext>
+              </a:extLst>
+            </p:cNvPr>
+            <p:cNvPicPr>
+              <a:picLocks noChangeAspect="1"/>
+            </p:cNvPicPr>
+            <p:nvPr userDrawn="1"/>
+          </p:nvPicPr>
+          <p:blipFill>
+            <a:blip r:embed="rId8">
+              <a:extLst>
+                <a:ext uri="{28A0092B-C50C-407E-A947-70E740481C1C}">
+                  <a14:useLocalDpi xmlns:a14="http://schemas.microsoft.com/office/drawing/2010/main" val="0"/>
+                </a:ext>
+              </a:extLst>
+            </a:blip>
+            <a:stretch>
+              <a:fillRect/>
+            </a:stretch>
+          </p:blipFill>
+          <p:spPr>
+            <a:xfrm>
+              <a:off x="1525950" y="5128711"/>
+              <a:ext cx="1054249" cy="457200"/>
+            </a:xfrm>
+            <a:prstGeom prst="rect">
+              <a:avLst/>
+            </a:prstGeom>
+          </p:spPr>
+        </p:pic>
+      </p:grpSp>
+      <p:pic>
+        <p:nvPicPr>
+          <p:cNvPr id="31" name="Picture 30">
+            <a:extLst>
+              <a:ext uri="{FF2B5EF4-FFF2-40B4-BE49-F238E27FC236}">
+                <a16:creationId xmlns:a16="http://schemas.microsoft.com/office/drawing/2014/main" id="{F6BAEEDA-B6C4-7DDA-6A83-26F20E08F28B}"/>
+              </a:ext>
+            </a:extLst>
+          </p:cNvPr>
+          <p:cNvPicPr>
+            <a:picLocks noChangeAspect="1"/>
+          </p:cNvPicPr>
+          <p:nvPr userDrawn="1"/>
+        </p:nvPicPr>
+        <p:blipFill>
+          <a:blip r:embed="rId9" cstate="print">
             <a:extLst>
               <a:ext uri="{BEBA8EAE-BF5A-486C-A8C5-ECC9F3942E4B}">
                 <a14:imgProps xmlns:a14="http://schemas.microsoft.com/office/drawing/2010/main">
-                  <a14:imgLayer r:embed="rId3">
+                  <a14:imgLayer r:embed="rId10">
                     <a14:imgEffect>
                       <a14:brightnessContrast bright="100000"/>
                     </a14:imgEffect>
@@ -4662,7 +5323,7 @@
         </p:blipFill>
         <p:spPr>
           <a:xfrm>
-            <a:off x="9357260" y="6321694"/>
+            <a:off x="9536165" y="6321694"/>
             <a:ext cx="2409477" cy="401008"/>
           </a:xfrm>
           <a:prstGeom prst="rect">
@@ -4673,7 +5334,7 @@
     </p:spTree>
     <p:extLst>
       <p:ext uri="{BB962C8B-B14F-4D97-AF65-F5344CB8AC3E}">
-        <p14:creationId xmlns:p14="http://schemas.microsoft.com/office/powerpoint/2010/main" val="324926385"/>
+        <p14:creationId xmlns:p14="http://schemas.microsoft.com/office/powerpoint/2010/main" val="2571738875"/>
       </p:ext>
     </p:extLst>
   </p:cSld>
@@ -4685,7 +5346,7 @@
 
 <file path=ppt/slideLayouts/slideLayout2.xml><?xml version="1.0" encoding="utf-8"?>
 <p:sldLayout xmlns:a="http://schemas.openxmlformats.org/drawingml/2006/main" xmlns:r="http://schemas.openxmlformats.org/officeDocument/2006/relationships" xmlns:p="http://schemas.openxmlformats.org/presentationml/2006/main" showMasterSp="0" preserve="1" userDrawn="1">
-  <p:cSld name="8_Title Slide">
+  <p:cSld name="10_Title Slide">
     <p:spTree>
       <p:nvGrpSpPr>
         <p:cNvPr id="1" name=""/>
@@ -5125,12 +5786,48 @@
           </a:p>
         </p:txBody>
       </p:sp>
+      <p:pic>
+        <p:nvPicPr>
+          <p:cNvPr id="5" name="Picture 4">
+            <a:extLst>
+              <a:ext uri="{FF2B5EF4-FFF2-40B4-BE49-F238E27FC236}">
+                <a16:creationId xmlns:a16="http://schemas.microsoft.com/office/drawing/2014/main" id="{39A0B7EC-D4C0-0A37-EF93-54309C1E7E8C}"/>
+              </a:ext>
+            </a:extLst>
+          </p:cNvPr>
+          <p:cNvPicPr>
+            <a:picLocks noChangeAspect="1"/>
+          </p:cNvPicPr>
+          <p:nvPr userDrawn="1"/>
+        </p:nvPicPr>
+        <p:blipFill>
+          <a:blip r:embed="rId5" cstate="print">
+            <a:extLst>
+              <a:ext uri="{28A0092B-C50C-407E-A947-70E740481C1C}">
+                <a14:useLocalDpi xmlns:a14="http://schemas.microsoft.com/office/drawing/2010/main" val="0"/>
+              </a:ext>
+            </a:extLst>
+          </a:blip>
+          <a:stretch>
+            <a:fillRect/>
+          </a:stretch>
+        </p:blipFill>
+        <p:spPr>
+          <a:xfrm>
+            <a:off x="418659" y="158509"/>
+            <a:ext cx="2109916" cy="905256"/>
+          </a:xfrm>
+          <a:prstGeom prst="rect">
+            <a:avLst/>
+          </a:prstGeom>
+        </p:spPr>
+      </p:pic>
       <p:grpSp>
         <p:nvGrpSpPr>
-          <p:cNvPr id="8" name="Group 7">
+          <p:cNvPr id="21" name="Group 20">
             <a:extLst>
               <a:ext uri="{FF2B5EF4-FFF2-40B4-BE49-F238E27FC236}">
-                <a16:creationId xmlns:a16="http://schemas.microsoft.com/office/drawing/2014/main" id="{66212102-C60F-28FB-0C8C-FF45D34D476E}"/>
+                <a16:creationId xmlns:a16="http://schemas.microsoft.com/office/drawing/2014/main" id="{23F39736-1AFA-8528-C9E3-41B55EABEDCA}"/>
               </a:ext>
             </a:extLst>
           </p:cNvPr>
@@ -5139,54 +5836,18 @@
         </p:nvGrpSpPr>
         <p:grpSpPr>
           <a:xfrm>
-            <a:off x="66198" y="226243"/>
-            <a:ext cx="2937455" cy="5079380"/>
-            <a:chOff x="-80559" y="113353"/>
-            <a:chExt cx="2937455" cy="5079380"/>
+            <a:off x="366259" y="3655396"/>
+            <a:ext cx="2214716" cy="356329"/>
+            <a:chOff x="341278" y="3628835"/>
+            <a:chExt cx="2214716" cy="356329"/>
           </a:xfrm>
         </p:grpSpPr>
         <p:pic>
           <p:nvPicPr>
-            <p:cNvPr id="9" name="Picture 8">
+            <p:cNvPr id="6" name="Picture 2">
               <a:extLst>
                 <a:ext uri="{FF2B5EF4-FFF2-40B4-BE49-F238E27FC236}">
-                  <a16:creationId xmlns:a16="http://schemas.microsoft.com/office/drawing/2014/main" id="{B66E9FC7-4CB7-D6ED-BFB7-17917D801570}"/>
-                </a:ext>
-              </a:extLst>
-            </p:cNvPr>
-            <p:cNvPicPr>
-              <a:picLocks noChangeAspect="1"/>
-            </p:cNvPicPr>
-            <p:nvPr userDrawn="1"/>
-          </p:nvPicPr>
-          <p:blipFill>
-            <a:blip r:embed="rId5" cstate="print">
-              <a:extLst>
-                <a:ext uri="{28A0092B-C50C-407E-A947-70E740481C1C}">
-                  <a14:useLocalDpi xmlns:a14="http://schemas.microsoft.com/office/drawing/2010/main" val="0"/>
-                </a:ext>
-              </a:extLst>
-            </a:blip>
-            <a:stretch>
-              <a:fillRect/>
-            </a:stretch>
-          </p:blipFill>
-          <p:spPr>
-            <a:xfrm>
-              <a:off x="263939" y="113353"/>
-              <a:ext cx="2109916" cy="905256"/>
-            </a:xfrm>
-            <a:prstGeom prst="rect">
-              <a:avLst/>
-            </a:prstGeom>
-          </p:spPr>
-        </p:pic>
-        <p:pic>
-          <p:nvPicPr>
-            <p:cNvPr id="10" name="Picture 2">
-              <a:extLst>
-                <a:ext uri="{FF2B5EF4-FFF2-40B4-BE49-F238E27FC236}">
-                  <a16:creationId xmlns:a16="http://schemas.microsoft.com/office/drawing/2014/main" id="{AFBDE374-F0F0-A7D4-6189-674DBAF1E036}"/>
+                  <a16:creationId xmlns:a16="http://schemas.microsoft.com/office/drawing/2014/main" id="{EF0692E1-7D85-78AD-9CB9-EDC5C0A1CD96}"/>
                 </a:ext>
               </a:extLst>
             </p:cNvPr>
@@ -5210,8 +5871,8 @@
           </p:blipFill>
           <p:spPr bwMode="auto">
             <a:xfrm>
-              <a:off x="24796" y="3155674"/>
-              <a:ext cx="2832100" cy="1003300"/>
+              <a:off x="341278" y="3628835"/>
+              <a:ext cx="1005840" cy="356329"/>
             </a:xfrm>
             <a:prstGeom prst="rect">
               <a:avLst/>
@@ -5230,10 +5891,10 @@
         </p:pic>
         <p:pic>
           <p:nvPicPr>
-            <p:cNvPr id="11" name="Picture 4">
+            <p:cNvPr id="7" name="Picture 4">
               <a:extLst>
                 <a:ext uri="{FF2B5EF4-FFF2-40B4-BE49-F238E27FC236}">
-                  <a16:creationId xmlns:a16="http://schemas.microsoft.com/office/drawing/2014/main" id="{1C14AE32-2A23-D323-0C4B-57ACDA4906E0}"/>
+                  <a16:creationId xmlns:a16="http://schemas.microsoft.com/office/drawing/2014/main" id="{05CDAB3D-B8D6-9AC9-8507-6F95230AEE45}"/>
                 </a:ext>
               </a:extLst>
             </p:cNvPr>
@@ -5257,8 +5918,8 @@
           </p:blipFill>
           <p:spPr bwMode="auto">
             <a:xfrm>
-              <a:off x="-80559" y="2517770"/>
-              <a:ext cx="2937455" cy="682907"/>
+              <a:off x="1550154" y="3690079"/>
+              <a:ext cx="1005840" cy="233840"/>
             </a:xfrm>
             <a:prstGeom prst="rect">
               <a:avLst/>
@@ -5275,12 +5936,229 @@
             </a:extLst>
           </p:spPr>
         </p:pic>
+      </p:grpSp>
+      <p:pic>
+        <p:nvPicPr>
+          <p:cNvPr id="11" name="Picture 10" descr="A black and white sign with blue text&#10;&#10;Description automatically generated">
+            <a:extLst>
+              <a:ext uri="{FF2B5EF4-FFF2-40B4-BE49-F238E27FC236}">
+                <a16:creationId xmlns:a16="http://schemas.microsoft.com/office/drawing/2014/main" id="{A50B83FE-88FB-1C61-17CC-A58C0BE092BF}"/>
+              </a:ext>
+            </a:extLst>
+          </p:cNvPr>
+          <p:cNvPicPr>
+            <a:picLocks noChangeAspect="1"/>
+          </p:cNvPicPr>
+          <p:nvPr userDrawn="1"/>
+        </p:nvPicPr>
+        <p:blipFill>
+          <a:blip r:embed="rId8" cstate="print">
+            <a:extLst>
+              <a:ext uri="{28A0092B-C50C-407E-A947-70E740481C1C}">
+                <a14:useLocalDpi xmlns:a14="http://schemas.microsoft.com/office/drawing/2010/main" val="0"/>
+              </a:ext>
+            </a:extLst>
+          </a:blip>
+          <a:stretch>
+            <a:fillRect/>
+          </a:stretch>
+        </p:blipFill>
+        <p:spPr>
+          <a:xfrm>
+            <a:off x="970697" y="4125123"/>
+            <a:ext cx="1005840" cy="324328"/>
+          </a:xfrm>
+          <a:prstGeom prst="rect">
+            <a:avLst/>
+          </a:prstGeom>
+        </p:spPr>
+      </p:pic>
+      <p:sp>
+        <p:nvSpPr>
+          <p:cNvPr id="8" name="TextBox 7">
+            <a:extLst>
+              <a:ext uri="{FF2B5EF4-FFF2-40B4-BE49-F238E27FC236}">
+                <a16:creationId xmlns:a16="http://schemas.microsoft.com/office/drawing/2014/main" id="{DBDB4EA8-7E00-EB97-386F-806F04EDC41A}"/>
+              </a:ext>
+            </a:extLst>
+          </p:cNvPr>
+          <p:cNvSpPr txBox="1"/>
+          <p:nvPr userDrawn="1"/>
+        </p:nvSpPr>
+        <p:spPr>
+          <a:xfrm>
+            <a:off x="901538" y="1776974"/>
+            <a:ext cx="1144159" cy="350865"/>
+          </a:xfrm>
+          <a:prstGeom prst="rect">
+            <a:avLst/>
+          </a:prstGeom>
+          <a:noFill/>
+        </p:spPr>
+        <p:txBody>
+          <a:bodyPr wrap="none" lIns="118872" tIns="91440" rIns="118872" bIns="91440" rtlCol="0" anchor="ctr" anchorCtr="0">
+            <a:spAutoFit/>
+          </a:bodyPr>
+          <a:lstStyle/>
+          <a:p>
+            <a:pPr algn="l">
+              <a:lnSpc>
+                <a:spcPct val="90000"/>
+              </a:lnSpc>
+            </a:pPr>
+            <a:r>
+              <a:rPr lang="en-US" sz="1200" i="1" dirty="0"/>
+              <a:t>Presented by</a:t>
+            </a:r>
+          </a:p>
+        </p:txBody>
+      </p:sp>
+      <p:sp>
+        <p:nvSpPr>
+          <p:cNvPr id="9" name="TextBox 8">
+            <a:extLst>
+              <a:ext uri="{FF2B5EF4-FFF2-40B4-BE49-F238E27FC236}">
+                <a16:creationId xmlns:a16="http://schemas.microsoft.com/office/drawing/2014/main" id="{9C6AA8F1-3D17-46A7-8926-BC4892D4C51C}"/>
+              </a:ext>
+            </a:extLst>
+          </p:cNvPr>
+          <p:cNvSpPr txBox="1"/>
+          <p:nvPr userDrawn="1"/>
+        </p:nvSpPr>
+        <p:spPr>
+          <a:xfrm>
+            <a:off x="28657" y="2079048"/>
+            <a:ext cx="2889921" cy="932563"/>
+          </a:xfrm>
+          <a:prstGeom prst="rect">
+            <a:avLst/>
+          </a:prstGeom>
+          <a:noFill/>
+        </p:spPr>
+        <p:txBody>
+          <a:bodyPr wrap="square" lIns="118872" tIns="91440" rIns="118872" bIns="91440" rtlCol="0" anchor="ctr" anchorCtr="0">
+            <a:spAutoFit/>
+          </a:bodyPr>
+          <a:lstStyle/>
+          <a:p>
+            <a:pPr algn="l">
+              <a:lnSpc>
+                <a:spcPct val="90000"/>
+              </a:lnSpc>
+            </a:pPr>
+            <a:r>
+              <a:rPr lang="en-US" b="1" dirty="0"/>
+              <a:t>COLABS: Collaboration for Better Software for Science</a:t>
+            </a:r>
+          </a:p>
+        </p:txBody>
+      </p:sp>
+      <p:sp>
+        <p:nvSpPr>
+          <p:cNvPr id="10" name="TextBox 9">
+            <a:extLst>
+              <a:ext uri="{FF2B5EF4-FFF2-40B4-BE49-F238E27FC236}">
+                <a16:creationId xmlns:a16="http://schemas.microsoft.com/office/drawing/2014/main" id="{CE38D39D-3F53-1EF5-8F58-4DF913CFD07D}"/>
+              </a:ext>
+            </a:extLst>
+          </p:cNvPr>
+          <p:cNvSpPr txBox="1"/>
+          <p:nvPr userDrawn="1"/>
+        </p:nvSpPr>
+        <p:spPr>
+          <a:xfrm>
+            <a:off x="676315" y="3191133"/>
+            <a:ext cx="1594604" cy="350865"/>
+          </a:xfrm>
+          <a:prstGeom prst="rect">
+            <a:avLst/>
+          </a:prstGeom>
+          <a:noFill/>
+        </p:spPr>
+        <p:txBody>
+          <a:bodyPr wrap="none" lIns="118872" tIns="91440" rIns="118872" bIns="91440" rtlCol="0" anchor="ctr" anchorCtr="0">
+            <a:spAutoFit/>
+          </a:bodyPr>
+          <a:lstStyle/>
+          <a:p>
+            <a:pPr algn="l">
+              <a:lnSpc>
+                <a:spcPct val="90000"/>
+              </a:lnSpc>
+            </a:pPr>
+            <a:r>
+              <a:rPr lang="en-US" sz="1200" i="1" dirty="0"/>
+              <a:t>In collaboration with</a:t>
+            </a:r>
+          </a:p>
+        </p:txBody>
+      </p:sp>
+      <p:sp>
+        <p:nvSpPr>
+          <p:cNvPr id="15" name="TextBox 14">
+            <a:extLst>
+              <a:ext uri="{FF2B5EF4-FFF2-40B4-BE49-F238E27FC236}">
+                <a16:creationId xmlns:a16="http://schemas.microsoft.com/office/drawing/2014/main" id="{38A567DA-27A0-BFAF-CB9E-0EA56E125664}"/>
+              </a:ext>
+            </a:extLst>
+          </p:cNvPr>
+          <p:cNvSpPr txBox="1"/>
+          <p:nvPr userDrawn="1"/>
+        </p:nvSpPr>
+        <p:spPr>
+          <a:xfrm>
+            <a:off x="572120" y="4562849"/>
+            <a:ext cx="1802994" cy="350865"/>
+          </a:xfrm>
+          <a:prstGeom prst="rect">
+            <a:avLst/>
+          </a:prstGeom>
+          <a:noFill/>
+        </p:spPr>
+        <p:txBody>
+          <a:bodyPr wrap="none" lIns="118872" tIns="91440" rIns="118872" bIns="91440" rtlCol="0" anchor="ctr" anchorCtr="0">
+            <a:spAutoFit/>
+          </a:bodyPr>
+          <a:lstStyle/>
+          <a:p>
+            <a:pPr algn="l">
+              <a:lnSpc>
+                <a:spcPct val="90000"/>
+              </a:lnSpc>
+            </a:pPr>
+            <a:r>
+              <a:rPr lang="en-US" sz="1200" i="1" dirty="0"/>
+              <a:t>With prior support from</a:t>
+            </a:r>
+          </a:p>
+        </p:txBody>
+      </p:sp>
+      <p:grpSp>
+        <p:nvGrpSpPr>
+          <p:cNvPr id="20" name="Group 19">
+            <a:extLst>
+              <a:ext uri="{FF2B5EF4-FFF2-40B4-BE49-F238E27FC236}">
+                <a16:creationId xmlns:a16="http://schemas.microsoft.com/office/drawing/2014/main" id="{63A83523-6C92-DDA5-E072-BAC75B3276B6}"/>
+              </a:ext>
+            </a:extLst>
+          </p:cNvPr>
+          <p:cNvGrpSpPr/>
+          <p:nvPr userDrawn="1"/>
+        </p:nvGrpSpPr>
+        <p:grpSpPr>
+          <a:xfrm>
+            <a:off x="355043" y="5027111"/>
+            <a:ext cx="2237149" cy="457200"/>
+            <a:chOff x="343050" y="5128711"/>
+            <a:chExt cx="2237149" cy="457200"/>
+          </a:xfrm>
+        </p:grpSpPr>
         <p:pic>
           <p:nvPicPr>
-            <p:cNvPr id="12" name="Picture 11" descr="A black and white sign with blue text&#10;&#10;Description automatically generated">
+            <p:cNvPr id="17" name="Picture 16">
               <a:extLst>
                 <a:ext uri="{FF2B5EF4-FFF2-40B4-BE49-F238E27FC236}">
-                  <a16:creationId xmlns:a16="http://schemas.microsoft.com/office/drawing/2014/main" id="{CBE8C278-7C0B-6C0E-0E69-F55AB930CDDF}"/>
+                  <a16:creationId xmlns:a16="http://schemas.microsoft.com/office/drawing/2014/main" id="{70EB972A-C812-2D11-E993-9648F06DCD53}"/>
                 </a:ext>
               </a:extLst>
             </p:cNvPr>
@@ -5290,7 +6168,7 @@
             <p:nvPr userDrawn="1"/>
           </p:nvPicPr>
           <p:blipFill>
-            <a:blip r:embed="rId8" cstate="print">
+            <a:blip r:embed="rId9" cstate="print">
               <a:extLst>
                 <a:ext uri="{28A0092B-C50C-407E-A947-70E740481C1C}">
                   <a14:useLocalDpi xmlns:a14="http://schemas.microsoft.com/office/drawing/2010/main" val="0"/>
@@ -5303,8 +6181,44 @@
           </p:blipFill>
           <p:spPr>
             <a:xfrm>
-              <a:off x="263939" y="4401022"/>
-              <a:ext cx="2455333" cy="791711"/>
+              <a:off x="343050" y="5128711"/>
+              <a:ext cx="1002296" cy="457200"/>
+            </a:xfrm>
+            <a:prstGeom prst="rect">
+              <a:avLst/>
+            </a:prstGeom>
+          </p:spPr>
+        </p:pic>
+        <p:pic>
+          <p:nvPicPr>
+            <p:cNvPr id="18" name="Picture 17" descr="A picture containing shape&#10;&#10;Description automatically generated">
+              <a:extLst>
+                <a:ext uri="{FF2B5EF4-FFF2-40B4-BE49-F238E27FC236}">
+                  <a16:creationId xmlns:a16="http://schemas.microsoft.com/office/drawing/2014/main" id="{DC5CC62A-5FBA-A239-536C-E231ED3105F0}"/>
+                </a:ext>
+              </a:extLst>
+            </p:cNvPr>
+            <p:cNvPicPr>
+              <a:picLocks noChangeAspect="1"/>
+            </p:cNvPicPr>
+            <p:nvPr userDrawn="1"/>
+          </p:nvPicPr>
+          <p:blipFill>
+            <a:blip r:embed="rId10">
+              <a:extLst>
+                <a:ext uri="{28A0092B-C50C-407E-A947-70E740481C1C}">
+                  <a14:useLocalDpi xmlns:a14="http://schemas.microsoft.com/office/drawing/2010/main" val="0"/>
+                </a:ext>
+              </a:extLst>
+            </a:blip>
+            <a:stretch>
+              <a:fillRect/>
+            </a:stretch>
+          </p:blipFill>
+          <p:spPr>
+            <a:xfrm>
+              <a:off x="1525950" y="5128711"/>
+              <a:ext cx="1054249" cy="457200"/>
             </a:xfrm>
             <a:prstGeom prst="rect">
               <a:avLst/>
@@ -5315,7 +6229,7 @@
     </p:spTree>
     <p:extLst>
       <p:ext uri="{BB962C8B-B14F-4D97-AF65-F5344CB8AC3E}">
-        <p14:creationId xmlns:p14="http://schemas.microsoft.com/office/powerpoint/2010/main" val="451228200"/>
+        <p14:creationId xmlns:p14="http://schemas.microsoft.com/office/powerpoint/2010/main" val="4197880665"/>
       </p:ext>
     </p:extLst>
   </p:cSld>
@@ -7257,8 +8171,8 @@
   </p:cSld>
   <p:clrMap bg1="lt1" tx1="dk1" bg2="lt2" tx2="dk2" accent1="accent1" accent2="accent2" accent3="accent3" accent4="accent4" accent5="accent5" accent6="accent6" hlink="hlink" folHlink="folHlink"/>
   <p:sldLayoutIdLst>
-    <p:sldLayoutId id="2147483949" r:id="rId1"/>
-    <p:sldLayoutId id="2147483951" r:id="rId2"/>
+    <p:sldLayoutId id="2147483953" r:id="rId1"/>
+    <p:sldLayoutId id="2147483954" r:id="rId2"/>
     <p:sldLayoutId id="2147483937" r:id="rId3"/>
     <p:sldLayoutId id="2147483939" r:id="rId4"/>
     <p:sldLayoutId id="2147483950" r:id="rId5"/>
@@ -7725,81 +8639,6 @@
       </p:grpSpPr>
       <p:sp>
         <p:nvSpPr>
-          <p:cNvPr id="3" name="Subtitle 2">
-            <a:extLst>
-              <a:ext uri="{FF2B5EF4-FFF2-40B4-BE49-F238E27FC236}">
-                <a16:creationId xmlns:a16="http://schemas.microsoft.com/office/drawing/2014/main" id="{115D6CAC-8B77-472D-91BE-E47FFB7E8C7A}"/>
-              </a:ext>
-            </a:extLst>
-          </p:cNvPr>
-          <p:cNvSpPr>
-            <a:spLocks noGrp="1"/>
-          </p:cNvSpPr>
-          <p:nvPr>
-            <p:ph type="subTitle" idx="1"/>
-          </p:nvPr>
-        </p:nvSpPr>
-        <p:spPr>
-          <a:xfrm>
-            <a:off x="3177632" y="1959498"/>
-            <a:ext cx="7772308" cy="2855300"/>
-          </a:xfrm>
-        </p:spPr>
-        <p:txBody>
-          <a:bodyPr/>
-          <a:lstStyle/>
-          <a:p>
-            <a:r>
-              <a:rPr lang="en-US" dirty="0"/>
-              <a:t>Anshu Dubey</a:t>
-            </a:r>
-          </a:p>
-          <a:p>
-            <a:r>
-              <a:rPr lang="en-US" b="0" i="0" dirty="0">
-                <a:solidFill>
-                  <a:srgbClr val="111111"/>
-                </a:solidFill>
-                <a:effectLst/>
-                <a:latin typeface="-apple-system"/>
-              </a:rPr>
-              <a:t>Better Scientific Software Tutorial @ ISC24</a:t>
-            </a:r>
-          </a:p>
-          <a:p>
-            <a:endParaRPr lang="en-US" dirty="0">
-              <a:solidFill>
-                <a:srgbClr val="111111"/>
-              </a:solidFill>
-              <a:latin typeface="-apple-system"/>
-            </a:endParaRPr>
-          </a:p>
-          <a:p>
-            <a:r>
-              <a:rPr lang="en-US" sz="2000" dirty="0"/>
-              <a:t>Contributors: Anshu Dubey (ANL), David E. </a:t>
-            </a:r>
-            <a:r>
-              <a:rPr lang="en-US" sz="2000" dirty="0" err="1"/>
-              <a:t>Bernholdt</a:t>
-            </a:r>
-            <a:r>
-              <a:rPr lang="en-US" sz="2000" dirty="0"/>
-              <a:t> (ORNL), Patricia Grubel (LANL), Rinku Gupta (ANL), Alicia </a:t>
-            </a:r>
-            <a:r>
-              <a:rPr lang="en-US" sz="2000" dirty="0" err="1"/>
-              <a:t>Klinvex</a:t>
-            </a:r>
-            <a:r>
-              <a:rPr lang="en-US" sz="2000" dirty="0"/>
-              <a:t> (SNL), Mark C. Miller (LLNL), Jared O’Neal (ANL), David M. Rogers (ORNL), Gregory R. Watson (ORNL)</a:t>
-            </a:r>
-          </a:p>
-        </p:txBody>
-      </p:sp>
-      <p:sp>
-        <p:nvSpPr>
           <p:cNvPr id="5" name="Google Shape;50;g60257ae959_0_0">
             <a:extLst>
               <a:ext uri="{FF2B5EF4-FFF2-40B4-BE49-F238E27FC236}">
@@ -7815,10 +8654,6 @@
           </p:nvPr>
         </p:nvSpPr>
         <p:spPr>
-          <a:xfrm>
-            <a:off x="3177633" y="503144"/>
-            <a:ext cx="8292316" cy="1030930"/>
-          </a:xfrm>
           <a:prstGeom prst="rect">
             <a:avLst/>
           </a:prstGeom>
@@ -7843,10 +8678,198 @@
           </a:p>
         </p:txBody>
       </p:sp>
+      <p:sp>
+        <p:nvSpPr>
+          <p:cNvPr id="2" name="Text Placeholder 1">
+            <a:extLst>
+              <a:ext uri="{FF2B5EF4-FFF2-40B4-BE49-F238E27FC236}">
+                <a16:creationId xmlns:a16="http://schemas.microsoft.com/office/drawing/2014/main" id="{65D107DA-6ECD-B56B-00D3-D433E809039E}"/>
+              </a:ext>
+            </a:extLst>
+          </p:cNvPr>
+          <p:cNvSpPr>
+            <a:spLocks noGrp="1"/>
+          </p:cNvSpPr>
+          <p:nvPr>
+            <p:ph type="body" sz="quarter" idx="11"/>
+          </p:nvPr>
+        </p:nvSpPr>
+        <p:spPr>
+          <a:xfrm>
+            <a:off x="3176924" y="2085870"/>
+            <a:ext cx="2034531" cy="424732"/>
+          </a:xfrm>
+        </p:spPr>
+        <p:txBody>
+          <a:bodyPr/>
+          <a:lstStyle/>
+          <a:p>
+            <a:r>
+              <a:rPr lang="en-US" dirty="0"/>
+              <a:t>Anshu Dubey</a:t>
+            </a:r>
+          </a:p>
+        </p:txBody>
+      </p:sp>
+      <p:sp>
+        <p:nvSpPr>
+          <p:cNvPr id="4" name="Text Placeholder 3">
+            <a:extLst>
+              <a:ext uri="{FF2B5EF4-FFF2-40B4-BE49-F238E27FC236}">
+                <a16:creationId xmlns:a16="http://schemas.microsoft.com/office/drawing/2014/main" id="{3C4C4B8B-A8B9-24B8-FEC2-9E1BA3E4EF5D}"/>
+              </a:ext>
+            </a:extLst>
+          </p:cNvPr>
+          <p:cNvSpPr>
+            <a:spLocks noGrp="1"/>
+          </p:cNvSpPr>
+          <p:nvPr>
+            <p:ph type="body" sz="quarter" idx="12"/>
+          </p:nvPr>
+        </p:nvSpPr>
+        <p:spPr>
+          <a:xfrm>
+            <a:off x="5153061" y="2134517"/>
+            <a:ext cx="1690167" cy="376085"/>
+          </a:xfrm>
+        </p:spPr>
+        <p:txBody>
+          <a:bodyPr/>
+          <a:lstStyle/>
+          <a:p>
+            <a:r>
+              <a:rPr lang="en-US" dirty="0"/>
+              <a:t>(she/her)</a:t>
+            </a:r>
+          </a:p>
+        </p:txBody>
+      </p:sp>
+      <p:sp>
+        <p:nvSpPr>
+          <p:cNvPr id="6" name="Text Placeholder 5">
+            <a:extLst>
+              <a:ext uri="{FF2B5EF4-FFF2-40B4-BE49-F238E27FC236}">
+                <a16:creationId xmlns:a16="http://schemas.microsoft.com/office/drawing/2014/main" id="{D8B9B2BC-ACDB-F060-EABA-FEE987EEEBBF}"/>
+              </a:ext>
+            </a:extLst>
+          </p:cNvPr>
+          <p:cNvSpPr>
+            <a:spLocks noGrp="1"/>
+          </p:cNvSpPr>
+          <p:nvPr>
+            <p:ph type="body" sz="quarter" idx="13"/>
+          </p:nvPr>
+        </p:nvSpPr>
+        <p:spPr/>
+        <p:txBody>
+          <a:bodyPr/>
+          <a:lstStyle/>
+          <a:p>
+            <a:r>
+              <a:rPr lang="en-US" dirty="0"/>
+              <a:t>Argonne National Laboratory</a:t>
+            </a:r>
+          </a:p>
+        </p:txBody>
+      </p:sp>
+      <p:sp>
+        <p:nvSpPr>
+          <p:cNvPr id="7" name="Text Placeholder 6">
+            <a:extLst>
+              <a:ext uri="{FF2B5EF4-FFF2-40B4-BE49-F238E27FC236}">
+                <a16:creationId xmlns:a16="http://schemas.microsoft.com/office/drawing/2014/main" id="{3A7FE4F5-F879-A73C-D982-F4A1794F0732}"/>
+              </a:ext>
+            </a:extLst>
+          </p:cNvPr>
+          <p:cNvSpPr>
+            <a:spLocks noGrp="1"/>
+          </p:cNvSpPr>
+          <p:nvPr>
+            <p:ph type="body" sz="quarter" idx="14"/>
+          </p:nvPr>
+        </p:nvSpPr>
+        <p:spPr/>
+        <p:txBody>
+          <a:bodyPr/>
+          <a:lstStyle/>
+          <a:p>
+            <a:r>
+              <a:rPr lang="en-US" dirty="0"/>
+              <a:t>Better Scientific Software tutorial @ISC24</a:t>
+            </a:r>
+          </a:p>
+        </p:txBody>
+      </p:sp>
+      <p:sp>
+        <p:nvSpPr>
+          <p:cNvPr id="8" name="Text Placeholder 7">
+            <a:extLst>
+              <a:ext uri="{FF2B5EF4-FFF2-40B4-BE49-F238E27FC236}">
+                <a16:creationId xmlns:a16="http://schemas.microsoft.com/office/drawing/2014/main" id="{5DD93F4D-ACC4-21C3-F64B-677C09E0E07E}"/>
+              </a:ext>
+            </a:extLst>
+          </p:cNvPr>
+          <p:cNvSpPr>
+            <a:spLocks noGrp="1"/>
+          </p:cNvSpPr>
+          <p:nvPr>
+            <p:ph type="body" sz="quarter" idx="15"/>
+          </p:nvPr>
+        </p:nvSpPr>
+        <p:spPr>
+          <a:xfrm>
+            <a:off x="3176924" y="3792588"/>
+            <a:ext cx="8292316" cy="1200329"/>
+          </a:xfrm>
+        </p:spPr>
+        <p:txBody>
+          <a:bodyPr/>
+          <a:lstStyle/>
+          <a:p>
+            <a:r>
+              <a:rPr lang="en-US" sz="2000" dirty="0"/>
+              <a:t>Contributors: Anshu Dubey (ANL), David E. Bernholdt (ORNL), Patricia Grubel (LANL), Rinku Gupta (ANL), Alicia </a:t>
+            </a:r>
+            <a:r>
+              <a:rPr lang="en-US" sz="2000" dirty="0" err="1"/>
+              <a:t>Klinvex</a:t>
+            </a:r>
+            <a:r>
+              <a:rPr lang="en-US" sz="2000" dirty="0"/>
+              <a:t> (SNL), Mark C. Miller (LLNL), Jared O’Neal (ANL), David M. Rogers (ORNL), Gregory R. Watson (ORNL)</a:t>
+            </a:r>
+          </a:p>
+        </p:txBody>
+      </p:sp>
+      <p:sp>
+        <p:nvSpPr>
+          <p:cNvPr id="10" name="Text Placeholder 9">
+            <a:extLst>
+              <a:ext uri="{FF2B5EF4-FFF2-40B4-BE49-F238E27FC236}">
+                <a16:creationId xmlns:a16="http://schemas.microsoft.com/office/drawing/2014/main" id="{3DA44DB2-F397-6F6A-59F2-A4D229DCDC1D}"/>
+              </a:ext>
+            </a:extLst>
+          </p:cNvPr>
+          <p:cNvSpPr>
+            <a:spLocks noGrp="1"/>
+          </p:cNvSpPr>
+          <p:nvPr>
+            <p:ph type="body" sz="quarter" idx="10"/>
+          </p:nvPr>
+        </p:nvSpPr>
+        <p:spPr/>
+        <p:txBody>
+          <a:bodyPr/>
+          <a:lstStyle/>
+          <a:p>
+            <a:endParaRPr lang="en-US"/>
+          </a:p>
+        </p:txBody>
+      </p:sp>
     </p:spTree>
     <p:extLst>
       <p:ext uri="{BB962C8B-B14F-4D97-AF65-F5344CB8AC3E}">
-        <p14:creationId xmlns:p14="http://schemas.microsoft.com/office/powerpoint/2010/main" val="2146778437"/>
+        <p14:creationId xmlns:p14="http://schemas.microsoft.com/office/powerpoint/2010/main" val="2379902447"/>
       </p:ext>
     </p:extLst>
   </p:cSld>
@@ -12176,8 +13199,8 @@
         </p:nvSpPr>
         <p:spPr>
           <a:xfrm>
-            <a:off x="409507" y="879673"/>
-            <a:ext cx="11369809" cy="5293976"/>
+            <a:off x="409507" y="570111"/>
+            <a:ext cx="11369809" cy="4047778"/>
           </a:xfrm>
         </p:spPr>
         <p:txBody>
@@ -12237,27 +13260,28 @@
                 <a:effectLst/>
                 <a:latin typeface="+mn-lt"/>
               </a:rPr>
-              <a:t>Anshu Dubey, David E. </a:t>
-            </a:r>
-            <a:r>
-              <a:rPr lang="en-US" sz="1600" b="0" i="0" dirty="0" err="1">
+              <a:t>Anshu Dubey, Better Scientific Software tutorial, in ISC High Performance (ISC24), Hamburg, Germany, and online, 2024. DOI: </a:t>
+            </a:r>
+            <a:r>
+              <a:rPr lang="en-US" sz="1600" b="0" i="0" u="none" strike="noStrike" dirty="0">
+                <a:solidFill>
+                  <a:srgbClr val="2A7AE2"/>
+                </a:solidFill>
+                <a:effectLst/>
+                <a:latin typeface="+mn-lt"/>
+                <a:hlinkClick r:id="rId4"/>
+              </a:rPr>
+              <a:t>10.6084/m9.figshare.25686426</a:t>
+            </a:r>
+            <a:r>
+              <a:rPr lang="en-US" sz="1600" b="0" i="0" dirty="0">
                 <a:solidFill>
                   <a:srgbClr val="111111"/>
                 </a:solidFill>
                 <a:effectLst/>
                 <a:latin typeface="+mn-lt"/>
               </a:rPr>
-              <a:t>Bernholdt</a:t>
-            </a:r>
-            <a:r>
-              <a:rPr lang="en-US" sz="1600" b="0" i="0" dirty="0">
-                <a:solidFill>
-                  <a:srgbClr val="111111"/>
-                </a:solidFill>
-                <a:effectLst/>
-                <a:latin typeface="+mn-lt"/>
-              </a:rPr>
-              <a:t>, Better Scientific Software tutorial, in ISC High Performance, Hamburg, Germany and online, 2024</a:t>
+              <a:t>.</a:t>
             </a:r>
           </a:p>
           <a:p>
@@ -12266,26 +13290,32 @@
                 <a:spcPts val="400"/>
               </a:spcBef>
             </a:pPr>
-            <a:endParaRPr lang="en-US" sz="1600" dirty="0">
-              <a:solidFill>
-                <a:srgbClr val="111111"/>
-              </a:solidFill>
-              <a:latin typeface="+mn-lt"/>
-            </a:endParaRPr>
-          </a:p>
-          <a:p>
-            <a:pPr>
-              <a:spcBef>
-                <a:spcPts val="400"/>
-              </a:spcBef>
-            </a:pPr>
-            <a:endParaRPr lang="en-US" sz="1600" b="0" i="0" dirty="0">
-              <a:solidFill>
-                <a:srgbClr val="111111"/>
-              </a:solidFill>
-              <a:effectLst/>
-              <a:latin typeface="+mn-lt"/>
-            </a:endParaRPr>
+            <a:r>
+              <a:rPr lang="en-US" sz="1600" dirty="0"/>
+              <a:t>Individual modules may be cited as </a:t>
+            </a:r>
+            <a:r>
+              <a:rPr lang="en-US" sz="1600" i="1" dirty="0"/>
+              <a:t>Speaker, Module Title</a:t>
+            </a:r>
+            <a:r>
+              <a:rPr lang="en-US" sz="1600" dirty="0"/>
+              <a:t>, in </a:t>
+            </a:r>
+            <a:r>
+              <a:rPr lang="en-US" sz="1600" b="0" i="1" dirty="0">
+                <a:solidFill>
+                  <a:srgbClr val="111111"/>
+                </a:solidFill>
+                <a:effectLst/>
+                <a:latin typeface="+mn-lt"/>
+              </a:rPr>
+              <a:t>Tutorial Title</a:t>
+            </a:r>
+            <a:r>
+              <a:rPr lang="en-US" sz="1600" dirty="0"/>
+              <a:t>, …</a:t>
+            </a:r>
           </a:p>
           <a:p>
             <a:pPr marL="0" indent="0">
@@ -12305,7 +13335,14 @@
                 <a:spcPts val="400"/>
               </a:spcBef>
             </a:pPr>
-            <a:endParaRPr lang="en-US" sz="1400" dirty="0"/>
+            <a:r>
+              <a:rPr lang="en-US" sz="1400" dirty="0"/>
+              <a:t>This work was supported by the U.S. Department of Energy Office of Science, Office of Advanced Scientific Computing Research (ASCR), and by the Exascale Computing Project (17-SC-20-SC), a collaborative effort of the U.S. Department of Energy Office of Science and the National Nuclear Security Administration</a:t>
+            </a:r>
+            <a:r>
+              <a:rPr lang="en-US" sz="1400" i="1" dirty="0"/>
+              <a:t>.</a:t>
+            </a:r>
           </a:p>
           <a:p>
             <a:pPr>
@@ -12314,14 +13351,12 @@
               </a:spcBef>
             </a:pPr>
             <a:r>
-              <a:rPr lang="en-US" sz="1400" dirty="0"/>
-              <a:t>Material included in these presentation is derived from work supported by the U.S. Department of Energy Office of Science, Office of Advanced Scientific Computing Research (ASCR), and by the Exascale Computing Project (17-SC-20-SC), a collaborative effort of the U.S. Department of Energy Office of Science and the National Nuclear Security Administration</a:t>
-            </a:r>
-            <a:r>
-              <a:rPr lang="en-US" sz="1400" i="1" dirty="0"/>
-              <a:t>.</a:t>
-            </a:r>
-            <a:endParaRPr lang="en-US" sz="1400" dirty="0"/>
+              <a:rPr lang="en-US" sz="1400" b="0" i="0" dirty="0">
+                <a:effectLst/>
+                <a:latin typeface="+mn-lt"/>
+              </a:rPr>
+              <a:t>This work was supported by the U.S. Department of Energy, Office of Science, Office of Advanced Scientific Computing Research, Next-Generation Scientific Software Technologies (NGSST) program.</a:t>
+            </a:r>
           </a:p>
           <a:p>
             <a:pPr>
@@ -12329,7 +13364,10 @@
                 <a:spcPts val="400"/>
               </a:spcBef>
             </a:pPr>
-            <a:endParaRPr lang="en-US" sz="1400" dirty="0"/>
+            <a:r>
+              <a:rPr lang="en-US" sz="1400" dirty="0"/>
+              <a:t>This work was performed in part at the Argonne National Laboratory, which is managed by UChicago Argonne, LLC for the U.S. Department of Energy under Contract No. DE-AC02-06CH11357.</a:t>
+            </a:r>
           </a:p>
           <a:p>
             <a:pPr>
@@ -12339,7 +13377,7 @@
             </a:pPr>
             <a:r>
               <a:rPr lang="en-US" sz="1400" dirty="0"/>
-              <a:t>This work was performed in part at the Argonne National Laboratory, which is managed by UChicago Argonne, LLC for the U.S. Department of Energy under Contract No. DE-AC02-06CH11357.</a:t>
+              <a:t>This work was performed in part at the Lawrence Livermore National Laboratory, which is managed by Lawrence Livermore National Security, LLC for the U.S. Department of Energy under Contract No. DE-AC52-07NA27344.</a:t>
             </a:r>
           </a:p>
           <a:p>
@@ -12348,7 +13386,10 @@
                 <a:spcPts val="400"/>
               </a:spcBef>
             </a:pPr>
-            <a:endParaRPr lang="en-US" sz="1400" dirty="0"/>
+            <a:r>
+              <a:rPr lang="en-US" sz="1400" dirty="0"/>
+              <a:t>This work was performed in part at the Los Alamos National Laboratory, which is managed by Triad National Security, LLC for the U.S. Department of Energy under Contract No.89233218CNA000001</a:t>
+            </a:r>
           </a:p>
           <a:p>
             <a:pPr>
@@ -12367,15 +13408,10 @@
                 <a:spcPts val="400"/>
               </a:spcBef>
             </a:pPr>
-            <a:endParaRPr lang="en-US" sz="1400" dirty="0"/>
-          </a:p>
-          <a:p>
-            <a:pPr>
-              <a:spcBef>
-                <a:spcPts val="400"/>
-              </a:spcBef>
-            </a:pPr>
-            <a:endParaRPr lang="en-US" sz="1400" dirty="0"/>
+            <a:r>
+              <a:rPr lang="en-US" sz="1400" dirty="0"/>
+              <a:t>This work was performed in part at Sandia National Laboratories. Sandia National Laboratories is a multi-mission laboratory managed and operated by National Technology and Engineering Solutions of Sandia, LLC., a wholly owned subsidiary of Honeywell International, Inc., for the U.S. Department of Energy’s National Nuclear Security Administration under contract DE-NA0003525.</a:t>
+            </a:r>
           </a:p>
         </p:txBody>
       </p:sp>
@@ -12394,7 +13430,7 @@
           <p:nvPr/>
         </p:nvPicPr>
         <p:blipFill>
-          <a:blip r:embed="rId4">
+          <a:blip r:embed="rId5">
             <a:extLst>
               <a:ext uri="{28A0092B-C50C-407E-A947-70E740481C1C}">
                 <a14:useLocalDpi xmlns:a14="http://schemas.microsoft.com/office/drawing/2010/main" val="0"/>
@@ -12429,7 +13465,7 @@
     </p:spTree>
     <p:extLst>
       <p:ext uri="{BB962C8B-B14F-4D97-AF65-F5344CB8AC3E}">
-        <p14:creationId xmlns:p14="http://schemas.microsoft.com/office/powerpoint/2010/main" val="300521932"/>
+        <p14:creationId xmlns:p14="http://schemas.microsoft.com/office/powerpoint/2010/main" val="978726433"/>
       </p:ext>
     </p:extLst>
   </p:cSld>
@@ -14664,7 +15700,7 @@
           <a:noFill/>
           <a:extLst>
             <a:ext uri="{909E8E84-426E-40dd-AFC4-6F175D3DCCD1}">
-              <a14:hiddenFill xmlns:a14="http://schemas.microsoft.com/office/drawing/2010/main" xmlns="">
+              <a14:hiddenFill xmlns="" xmlns:a14="http://schemas.microsoft.com/office/drawing/2010/main">
                 <a:solidFill>
                   <a:srgbClr val="FFFFFF"/>
                 </a:solidFill>
@@ -25800,21 +26836,12 @@
 </file>
 
 <file path=customXml/item1.xml><?xml version="1.0" encoding="utf-8"?>
-<?mso-contentType ?>
-<FormTemplates xmlns="http://schemas.microsoft.com/sharepoint/v3/contenttype/forms">
-  <Display>DocumentLibraryForm</Display>
-  <Edit>DocumentLibraryForm</Edit>
-  <New>DocumentLibraryForm</New>
-</FormTemplates>
-</file>
-
-<file path=customXml/item2.xml><?xml version="1.0" encoding="utf-8"?>
 <p:properties xmlns:p="http://schemas.microsoft.com/office/2006/metadata/properties" xmlns:xsi="http://www.w3.org/2001/XMLSchema-instance" xmlns:pc="http://schemas.microsoft.com/office/infopath/2007/PartnerControls">
   <documentManagement/>
 </p:properties>
 </file>
 
-<file path=customXml/item3.xml><?xml version="1.0" encoding="utf-8"?>
+<file path=customXml/item2.xml><?xml version="1.0" encoding="utf-8"?>
 <ct:contentTypeSchema xmlns:ct="http://schemas.microsoft.com/office/2006/metadata/contentType" xmlns:ma="http://schemas.microsoft.com/office/2006/metadata/properties/metaAttributes" ct:_="" ma:_="" ma:contentTypeName="Document" ma:contentTypeID="0x010100565464437F680748A68B85EB6594EA7D" ma:contentTypeVersion="0" ma:contentTypeDescription="Create a new document." ma:contentTypeScope="" ma:versionID="fe3f4dd58d5914c51cfc6deaa8ad845c">
   <xsd:schema xmlns:xsd="http://www.w3.org/2001/XMLSchema" xmlns:p="http://schemas.microsoft.com/office/2006/metadata/properties" targetNamespace="http://schemas.microsoft.com/office/2006/metadata/properties" ma:root="true" ma:fieldsID="4aeb20c0e3442673af7ee10786458764">
     <xsd:element name="properties">
@@ -25863,15 +26890,16 @@
 </ct:contentTypeSchema>
 </file>
 
-<file path=customXml/itemProps1.xml><?xml version="1.0" encoding="utf-8"?>
-<ds:datastoreItem xmlns:ds="http://schemas.openxmlformats.org/officeDocument/2006/customXml" ds:itemID="{19E20559-B232-4371-8690-E3D8007EDB82}">
-  <ds:schemaRefs>
-    <ds:schemaRef ds:uri="http://schemas.microsoft.com/sharepoint/v3/contenttype/forms"/>
-  </ds:schemaRefs>
-</ds:datastoreItem>
+<file path=customXml/item3.xml><?xml version="1.0" encoding="utf-8"?>
+<?mso-contentType ?>
+<FormTemplates xmlns="http://schemas.microsoft.com/sharepoint/v3/contenttype/forms">
+  <Display>DocumentLibraryForm</Display>
+  <Edit>DocumentLibraryForm</Edit>
+  <New>DocumentLibraryForm</New>
+</FormTemplates>
 </file>
 
-<file path=customXml/itemProps2.xml><?xml version="1.0" encoding="utf-8"?>
+<file path=customXml/itemProps1.xml><?xml version="1.0" encoding="utf-8"?>
 <ds:datastoreItem xmlns:ds="http://schemas.openxmlformats.org/officeDocument/2006/customXml" ds:itemID="{A50EC660-24D0-43A0-AE5E-E274115E726B}">
   <ds:schemaRefs>
     <ds:schemaRef ds:uri="http://purl.org/dc/elements/1.1/"/>
@@ -25886,7 +26914,7 @@
 </ds:datastoreItem>
 </file>
 
-<file path=customXml/itemProps3.xml><?xml version="1.0" encoding="utf-8"?>
+<file path=customXml/itemProps2.xml><?xml version="1.0" encoding="utf-8"?>
 <ds:datastoreItem xmlns:ds="http://schemas.openxmlformats.org/officeDocument/2006/customXml" ds:itemID="{E8DB7DEB-074E-4EE8-9B6E-FD277323109C}">
   <ds:schemaRefs>
     <ds:schemaRef ds:uri="http://schemas.microsoft.com/office/2006/metadata/contentType"/>
@@ -25899,4 +26927,12 @@
     <ds:schemaRef ds:uri="http://schemas.microsoft.com/office/internal/2005/internalDocumentation"/>
   </ds:schemaRefs>
 </ds:datastoreItem>
+</file>
+
+<file path=customXml/itemProps3.xml><?xml version="1.0" encoding="utf-8"?>
+<ds:datastoreItem xmlns:ds="http://schemas.openxmlformats.org/officeDocument/2006/customXml" ds:itemID="{19E20559-B232-4371-8690-E3D8007EDB82}">
+  <ds:schemaRefs>
+    <ds:schemaRef ds:uri="http://schemas.microsoft.com/sharepoint/v3/contenttype/forms"/>
+  </ds:schemaRefs>
+</ds:datastoreItem>
 </file>